--- a/01. Inicio/Planificación de Lanzamiento.pptx
+++ b/01. Inicio/Planificación de Lanzamiento.pptx
@@ -217,7 +217,7 @@
             <a:pPr rtl="0"/>
             <a:fld id="{F7263291-AF9B-40AC-86FB-A4BC679DE9B1}" type="datetime1">
               <a:rPr lang="es-ES" smtClean="0"/>
-              <a:t>08/10/2025</a:t>
+              <a:t>31/10/2025</a:t>
             </a:fld>
             <a:endParaRPr lang="es-ES" dirty="0"/>
           </a:p>
@@ -285,7 +285,7 @@
             <a:pPr rtl="0"/>
             <a:fld id="{1604A0D4-B89B-4ADD-AF9E-38636B40EE4E}" type="slidenum">
               <a:rPr lang="es-ES" smtClean="0"/>
-              <a:t>‹Nº›</a:t>
+              <a:t>‹#›</a:t>
             </a:fld>
             <a:endParaRPr lang="es-ES" dirty="0"/>
           </a:p>
@@ -387,7 +387,7 @@
             <a:pPr rtl="0"/>
             <a:fld id="{D37F807C-0218-4A41-8347-EABE14BBB239}" type="datetime1">
               <a:rPr lang="es-ES" noProof="0" smtClean="0"/>
-              <a:t>08/10/2025</a:t>
+              <a:t>31/10/2025</a:t>
             </a:fld>
             <a:endParaRPr lang="es-ES" noProof="0" dirty="0"/>
           </a:p>
@@ -548,7 +548,7 @@
             <a:pPr rtl="0"/>
             <a:fld id="{82869989-EB00-4EE7-BCB5-25BDC5BB29F8}" type="slidenum">
               <a:rPr lang="es-ES" noProof="0" smtClean="0"/>
-              <a:t>‹Nº›</a:t>
+              <a:t>‹#›</a:t>
             </a:fld>
             <a:endParaRPr lang="es-ES" noProof="0" dirty="0"/>
           </a:p>
@@ -800,7 +800,7 @@
           <a:p>
             <a:fld id="{73CCA2E9-F8B7-4F9B-8722-72902CC82746}" type="datetimeFigureOut">
               <a:rPr lang="es-PA" smtClean="0"/>
-              <a:t>10/08/2025</a:t>
+              <a:t>10/31/2025</a:t>
             </a:fld>
             <a:endParaRPr lang="es-PA"/>
           </a:p>
@@ -842,7 +842,7 @@
           <a:p>
             <a:fld id="{039E06BD-65C1-49A0-BE21-FC22C0941390}" type="slidenum">
               <a:rPr lang="es-PA" smtClean="0"/>
-              <a:t>‹Nº›</a:t>
+              <a:t>‹#›</a:t>
             </a:fld>
             <a:endParaRPr lang="es-PA"/>
           </a:p>
@@ -2836,7 +2836,7 @@
           <a:p>
             <a:fld id="{73CCA2E9-F8B7-4F9B-8722-72902CC82746}" type="datetimeFigureOut">
               <a:rPr lang="es-PA" smtClean="0"/>
-              <a:t>10/08/2025</a:t>
+              <a:t>10/31/2025</a:t>
             </a:fld>
             <a:endParaRPr lang="es-PA"/>
           </a:p>
@@ -2878,7 +2878,7 @@
           <a:p>
             <a:fld id="{039E06BD-65C1-49A0-BE21-FC22C0941390}" type="slidenum">
               <a:rPr lang="es-PA" smtClean="0"/>
-              <a:t>‹Nº›</a:t>
+              <a:t>‹#›</a:t>
             </a:fld>
             <a:endParaRPr lang="es-PA"/>
           </a:p>
@@ -3028,7 +3028,7 @@
           <a:p>
             <a:fld id="{73CCA2E9-F8B7-4F9B-8722-72902CC82746}" type="datetimeFigureOut">
               <a:rPr lang="es-PA" smtClean="0"/>
-              <a:t>10/08/2025</a:t>
+              <a:t>10/31/2025</a:t>
             </a:fld>
             <a:endParaRPr lang="es-PA"/>
           </a:p>
@@ -3070,7 +3070,7 @@
           <a:p>
             <a:fld id="{039E06BD-65C1-49A0-BE21-FC22C0941390}" type="slidenum">
               <a:rPr lang="es-PA" smtClean="0"/>
-              <a:t>‹Nº›</a:t>
+              <a:t>‹#›</a:t>
             </a:fld>
             <a:endParaRPr lang="es-PA"/>
           </a:p>
@@ -3243,7 +3243,7 @@
           <a:p>
             <a:fld id="{73CCA2E9-F8B7-4F9B-8722-72902CC82746}" type="datetimeFigureOut">
               <a:rPr lang="es-PA" smtClean="0"/>
-              <a:t>10/08/2025</a:t>
+              <a:t>10/31/2025</a:t>
             </a:fld>
             <a:endParaRPr lang="es-PA"/>
           </a:p>
@@ -3285,7 +3285,7 @@
           <a:p>
             <a:fld id="{039E06BD-65C1-49A0-BE21-FC22C0941390}" type="slidenum">
               <a:rPr lang="es-PA" smtClean="0"/>
-              <a:t>‹Nº›</a:t>
+              <a:t>‹#›</a:t>
             </a:fld>
             <a:endParaRPr lang="es-PA"/>
           </a:p>
@@ -5280,7 +5280,7 @@
             <a:pPr rtl="0"/>
             <a:fld id="{53653A19-589A-4045-A0A7-A0896C41DFBA}" type="datetime1">
               <a:rPr lang="es-ES" noProof="0" smtClean="0"/>
-              <a:t>08/10/2025</a:t>
+              <a:t>31/10/2025</a:t>
             </a:fld>
             <a:endParaRPr lang="es-ES" noProof="0" dirty="0"/>
           </a:p>
@@ -5329,7 +5329,7 @@
             <a:fld id="{E31375A4-56A4-47D6-9801-1991572033F7}" type="slidenum">
               <a:rPr lang="es-ES" noProof="0" smtClean="0"/>
               <a:pPr rtl="0"/>
-              <a:t>‹Nº›</a:t>
+              <a:t>‹#›</a:t>
             </a:fld>
             <a:endParaRPr lang="es-ES" noProof="0" dirty="0"/>
           </a:p>
@@ -5539,7 +5539,7 @@
           <a:p>
             <a:fld id="{73CCA2E9-F8B7-4F9B-8722-72902CC82746}" type="datetimeFigureOut">
               <a:rPr lang="es-PA" smtClean="0"/>
-              <a:t>10/08/2025</a:t>
+              <a:t>10/31/2025</a:t>
             </a:fld>
             <a:endParaRPr lang="es-PA"/>
           </a:p>
@@ -5581,7 +5581,7 @@
           <a:p>
             <a:fld id="{039E06BD-65C1-49A0-BE21-FC22C0941390}" type="slidenum">
               <a:rPr lang="es-PA" smtClean="0"/>
-              <a:t>‹Nº›</a:t>
+              <a:t>‹#›</a:t>
             </a:fld>
             <a:endParaRPr lang="es-PA"/>
           </a:p>
@@ -7641,7 +7641,7 @@
           <a:p>
             <a:fld id="{73CCA2E9-F8B7-4F9B-8722-72902CC82746}" type="datetimeFigureOut">
               <a:rPr lang="es-PA" smtClean="0"/>
-              <a:t>10/08/2025</a:t>
+              <a:t>10/31/2025</a:t>
             </a:fld>
             <a:endParaRPr lang="es-PA"/>
           </a:p>
@@ -7683,7 +7683,7 @@
           <a:p>
             <a:fld id="{039E06BD-65C1-49A0-BE21-FC22C0941390}" type="slidenum">
               <a:rPr lang="es-PA" smtClean="0"/>
-              <a:t>‹Nº›</a:t>
+              <a:t>‹#›</a:t>
             </a:fld>
             <a:endParaRPr lang="es-PA"/>
           </a:p>
@@ -8122,7 +8122,7 @@
           <a:p>
             <a:fld id="{73CCA2E9-F8B7-4F9B-8722-72902CC82746}" type="datetimeFigureOut">
               <a:rPr lang="es-PA" smtClean="0"/>
-              <a:t>10/08/2025</a:t>
+              <a:t>10/31/2025</a:t>
             </a:fld>
             <a:endParaRPr lang="es-PA"/>
           </a:p>
@@ -8164,7 +8164,7 @@
           <a:p>
             <a:fld id="{039E06BD-65C1-49A0-BE21-FC22C0941390}" type="slidenum">
               <a:rPr lang="es-PA" smtClean="0"/>
-              <a:t>‹Nº›</a:t>
+              <a:t>‹#›</a:t>
             </a:fld>
             <a:endParaRPr lang="es-PA"/>
           </a:p>
@@ -8252,7 +8252,7 @@
           <a:p>
             <a:fld id="{73CCA2E9-F8B7-4F9B-8722-72902CC82746}" type="datetimeFigureOut">
               <a:rPr lang="es-PA" smtClean="0"/>
-              <a:t>10/08/2025</a:t>
+              <a:t>10/31/2025</a:t>
             </a:fld>
             <a:endParaRPr lang="es-PA"/>
           </a:p>
@@ -8294,7 +8294,7 @@
           <a:p>
             <a:fld id="{039E06BD-65C1-49A0-BE21-FC22C0941390}" type="slidenum">
               <a:rPr lang="es-PA" smtClean="0"/>
-              <a:t>‹Nº›</a:t>
+              <a:t>‹#›</a:t>
             </a:fld>
             <a:endParaRPr lang="es-PA"/>
           </a:p>
@@ -8382,7 +8382,7 @@
           <a:p>
             <a:fld id="{73CCA2E9-F8B7-4F9B-8722-72902CC82746}" type="datetimeFigureOut">
               <a:rPr lang="es-PA" smtClean="0"/>
-              <a:t>10/08/2025</a:t>
+              <a:t>10/31/2025</a:t>
             </a:fld>
             <a:endParaRPr lang="es-PA"/>
           </a:p>
@@ -8424,7 +8424,7 @@
           <a:p>
             <a:fld id="{039E06BD-65C1-49A0-BE21-FC22C0941390}" type="slidenum">
               <a:rPr lang="es-PA" smtClean="0"/>
-              <a:t>‹Nº›</a:t>
+              <a:t>‹#›</a:t>
             </a:fld>
             <a:endParaRPr lang="es-PA"/>
           </a:p>
@@ -10502,7 +10502,7 @@
             <a:pPr rtl="0"/>
             <a:fld id="{53653A19-589A-4045-A0A7-A0896C41DFBA}" type="datetime1">
               <a:rPr lang="es-ES" noProof="0" smtClean="0"/>
-              <a:t>08/10/2025</a:t>
+              <a:t>31/10/2025</a:t>
             </a:fld>
             <a:endParaRPr lang="es-ES" noProof="0" dirty="0"/>
           </a:p>
@@ -10551,7 +10551,7 @@
             <a:fld id="{E31375A4-56A4-47D6-9801-1991572033F7}" type="slidenum">
               <a:rPr lang="es-ES" noProof="0" smtClean="0"/>
               <a:pPr rtl="0"/>
-              <a:t>‹Nº›</a:t>
+              <a:t>‹#›</a:t>
             </a:fld>
             <a:endParaRPr lang="es-ES" noProof="0" dirty="0"/>
           </a:p>
@@ -10681,7 +10681,7 @@
             <a:pPr rtl="0"/>
             <a:fld id="{53653A19-589A-4045-A0A7-A0896C41DFBA}" type="datetime1">
               <a:rPr lang="es-ES" noProof="0" smtClean="0"/>
-              <a:t>08/10/2025</a:t>
+              <a:t>31/10/2025</a:t>
             </a:fld>
             <a:endParaRPr lang="es-ES" noProof="0" dirty="0"/>
           </a:p>
@@ -10730,7 +10730,7 @@
             <a:fld id="{E31375A4-56A4-47D6-9801-1991572033F7}" type="slidenum">
               <a:rPr lang="es-ES" noProof="0" smtClean="0"/>
               <a:pPr rtl="0"/>
-              <a:t>‹Nº›</a:t>
+              <a:t>‹#›</a:t>
             </a:fld>
             <a:endParaRPr lang="es-ES" noProof="0" dirty="0"/>
           </a:p>
@@ -10954,7 +10954,7 @@
             <a:pPr rtl="0"/>
             <a:fld id="{53653A19-589A-4045-A0A7-A0896C41DFBA}" type="datetime1">
               <a:rPr lang="es-ES" noProof="0" smtClean="0"/>
-              <a:t>08/10/2025</a:t>
+              <a:t>31/10/2025</a:t>
             </a:fld>
             <a:endParaRPr lang="es-ES" noProof="0" dirty="0"/>
           </a:p>
@@ -11003,7 +11003,7 @@
             <a:fld id="{E31375A4-56A4-47D6-9801-1991572033F7}" type="slidenum">
               <a:rPr lang="es-ES" noProof="0" smtClean="0"/>
               <a:pPr rtl="0"/>
-              <a:t>‹Nº›</a:t>
+              <a:t>‹#›</a:t>
             </a:fld>
             <a:endParaRPr lang="es-ES" noProof="0" dirty="0"/>
           </a:p>
@@ -11132,7 +11132,7 @@
           <a:p>
             <a:fld id="{73CCA2E9-F8B7-4F9B-8722-72902CC82746}" type="datetimeFigureOut">
               <a:rPr lang="es-PA" smtClean="0"/>
-              <a:t>10/08/2025</a:t>
+              <a:t>10/31/2025</a:t>
             </a:fld>
             <a:endParaRPr lang="es-PA"/>
           </a:p>
@@ -11174,7 +11174,7 @@
           <a:p>
             <a:fld id="{039E06BD-65C1-49A0-BE21-FC22C0941390}" type="slidenum">
               <a:rPr lang="es-PA" smtClean="0"/>
-              <a:t>‹Nº›</a:t>
+              <a:t>‹#›</a:t>
             </a:fld>
             <a:endParaRPr lang="es-PA"/>
           </a:p>
@@ -11324,7 +11324,7 @@
           <a:p>
             <a:fld id="{73CCA2E9-F8B7-4F9B-8722-72902CC82746}" type="datetimeFigureOut">
               <a:rPr lang="es-PA" smtClean="0"/>
-              <a:t>10/08/2025</a:t>
+              <a:t>10/31/2025</a:t>
             </a:fld>
             <a:endParaRPr lang="es-PA"/>
           </a:p>
@@ -11366,7 +11366,7 @@
           <a:p>
             <a:fld id="{039E06BD-65C1-49A0-BE21-FC22C0941390}" type="slidenum">
               <a:rPr lang="es-PA" smtClean="0"/>
-              <a:t>‹Nº›</a:t>
+              <a:t>‹#›</a:t>
             </a:fld>
             <a:endParaRPr lang="es-PA"/>
           </a:p>
@@ -11587,7 +11587,7 @@
           <a:p>
             <a:fld id="{73CCA2E9-F8B7-4F9B-8722-72902CC82746}" type="datetimeFigureOut">
               <a:rPr lang="es-PA" smtClean="0"/>
-              <a:t>10/08/2025</a:t>
+              <a:t>10/31/2025</a:t>
             </a:fld>
             <a:endParaRPr lang="es-PA"/>
           </a:p>
@@ -11629,7 +11629,7 @@
           <a:p>
             <a:fld id="{039E06BD-65C1-49A0-BE21-FC22C0941390}" type="slidenum">
               <a:rPr lang="es-PA" smtClean="0"/>
-              <a:t>‹Nº›</a:t>
+              <a:t>‹#›</a:t>
             </a:fld>
             <a:endParaRPr lang="es-PA"/>
           </a:p>
@@ -13689,7 +13689,7 @@
           <a:p>
             <a:fld id="{73CCA2E9-F8B7-4F9B-8722-72902CC82746}" type="datetimeFigureOut">
               <a:rPr lang="es-PA" smtClean="0"/>
-              <a:t>10/08/2025</a:t>
+              <a:t>10/31/2025</a:t>
             </a:fld>
             <a:endParaRPr lang="es-PA"/>
           </a:p>
@@ -13731,7 +13731,7 @@
           <a:p>
             <a:fld id="{039E06BD-65C1-49A0-BE21-FC22C0941390}" type="slidenum">
               <a:rPr lang="es-PA" smtClean="0"/>
-              <a:t>‹Nº›</a:t>
+              <a:t>‹#›</a:t>
             </a:fld>
             <a:endParaRPr lang="es-PA"/>
           </a:p>
@@ -14048,7 +14048,7 @@
           <a:p>
             <a:fld id="{73CCA2E9-F8B7-4F9B-8722-72902CC82746}" type="datetimeFigureOut">
               <a:rPr lang="es-PA" smtClean="0"/>
-              <a:t>10/08/2025</a:t>
+              <a:t>10/31/2025</a:t>
             </a:fld>
             <a:endParaRPr lang="es-PA"/>
           </a:p>
@@ -14090,7 +14090,7 @@
           <a:p>
             <a:fld id="{039E06BD-65C1-49A0-BE21-FC22C0941390}" type="slidenum">
               <a:rPr lang="es-PA" smtClean="0"/>
-              <a:t>‹Nº›</a:t>
+              <a:t>‹#›</a:t>
             </a:fld>
             <a:endParaRPr lang="es-PA"/>
           </a:p>
@@ -14178,7 +14178,7 @@
           <a:p>
             <a:fld id="{73CCA2E9-F8B7-4F9B-8722-72902CC82746}" type="datetimeFigureOut">
               <a:rPr lang="es-PA" smtClean="0"/>
-              <a:t>10/08/2025</a:t>
+              <a:t>10/31/2025</a:t>
             </a:fld>
             <a:endParaRPr lang="es-PA"/>
           </a:p>
@@ -14220,7 +14220,7 @@
           <a:p>
             <a:fld id="{039E06BD-65C1-49A0-BE21-FC22C0941390}" type="slidenum">
               <a:rPr lang="es-PA" smtClean="0"/>
-              <a:t>‹Nº›</a:t>
+              <a:t>‹#›</a:t>
             </a:fld>
             <a:endParaRPr lang="es-PA"/>
           </a:p>
@@ -14308,7 +14308,7 @@
           <a:p>
             <a:fld id="{73CCA2E9-F8B7-4F9B-8722-72902CC82746}" type="datetimeFigureOut">
               <a:rPr lang="es-PA" smtClean="0"/>
-              <a:t>10/08/2025</a:t>
+              <a:t>10/31/2025</a:t>
             </a:fld>
             <a:endParaRPr lang="es-PA"/>
           </a:p>
@@ -14350,7 +14350,7 @@
           <a:p>
             <a:fld id="{039E06BD-65C1-49A0-BE21-FC22C0941390}" type="slidenum">
               <a:rPr lang="es-PA" smtClean="0"/>
-              <a:t>‹Nº›</a:t>
+              <a:t>‹#›</a:t>
             </a:fld>
             <a:endParaRPr lang="es-PA"/>
           </a:p>
@@ -16428,7 +16428,7 @@
             <a:pPr rtl="0"/>
             <a:fld id="{53653A19-589A-4045-A0A7-A0896C41DFBA}" type="datetime1">
               <a:rPr lang="es-ES" noProof="0" smtClean="0"/>
-              <a:t>08/10/2025</a:t>
+              <a:t>31/10/2025</a:t>
             </a:fld>
             <a:endParaRPr lang="es-ES" noProof="0" dirty="0"/>
           </a:p>
@@ -16477,7 +16477,7 @@
             <a:fld id="{E31375A4-56A4-47D6-9801-1991572033F7}" type="slidenum">
               <a:rPr lang="es-ES" noProof="0" smtClean="0"/>
               <a:pPr rtl="0"/>
-              <a:t>‹Nº›</a:t>
+              <a:t>‹#›</a:t>
             </a:fld>
             <a:endParaRPr lang="es-ES" noProof="0" dirty="0"/>
           </a:p>
@@ -16701,7 +16701,7 @@
             <a:pPr rtl="0"/>
             <a:fld id="{53653A19-589A-4045-A0A7-A0896C41DFBA}" type="datetime1">
               <a:rPr lang="es-ES" noProof="0" smtClean="0"/>
-              <a:t>08/10/2025</a:t>
+              <a:t>31/10/2025</a:t>
             </a:fld>
             <a:endParaRPr lang="es-ES" noProof="0" dirty="0"/>
           </a:p>
@@ -16750,7 +16750,7 @@
             <a:fld id="{E31375A4-56A4-47D6-9801-1991572033F7}" type="slidenum">
               <a:rPr lang="es-ES" noProof="0" smtClean="0"/>
               <a:pPr rtl="0"/>
-              <a:t>‹Nº›</a:t>
+              <a:t>‹#›</a:t>
             </a:fld>
             <a:endParaRPr lang="es-ES" noProof="0" dirty="0"/>
           </a:p>
@@ -16924,7 +16924,7 @@
             <a:pPr rtl="0"/>
             <a:fld id="{53653A19-589A-4045-A0A7-A0896C41DFBA}" type="datetime1">
               <a:rPr lang="es-ES" noProof="0" smtClean="0"/>
-              <a:t>08/10/2025</a:t>
+              <a:t>31/10/2025</a:t>
             </a:fld>
             <a:endParaRPr lang="es-ES" noProof="0" dirty="0"/>
           </a:p>
@@ -17010,7 +17010,7 @@
             <a:fld id="{E31375A4-56A4-47D6-9801-1991572033F7}" type="slidenum">
               <a:rPr lang="es-ES" noProof="0" smtClean="0"/>
               <a:pPr rtl="0"/>
-              <a:t>‹Nº›</a:t>
+              <a:t>‹#›</a:t>
             </a:fld>
             <a:endParaRPr lang="es-ES" noProof="0" dirty="0"/>
           </a:p>
@@ -19351,7 +19351,7 @@
             <a:pPr rtl="0"/>
             <a:fld id="{53653A19-589A-4045-A0A7-A0896C41DFBA}" type="datetime1">
               <a:rPr lang="es-ES" noProof="0" smtClean="0"/>
-              <a:t>08/10/2025</a:t>
+              <a:t>31/10/2025</a:t>
             </a:fld>
             <a:endParaRPr lang="es-ES" noProof="0" dirty="0"/>
           </a:p>
@@ -19437,7 +19437,7 @@
             <a:fld id="{E31375A4-56A4-47D6-9801-1991572033F7}" type="slidenum">
               <a:rPr lang="es-ES" noProof="0" smtClean="0"/>
               <a:pPr rtl="0"/>
-              <a:t>‹Nº›</a:t>
+              <a:t>‹#›</a:t>
             </a:fld>
             <a:endParaRPr lang="es-ES" noProof="0" dirty="0"/>
           </a:p>
@@ -22735,7 +22735,7 @@
         <p:spPr>
           <a:xfrm>
             <a:off x="2408404" y="4211955"/>
-            <a:ext cx="2070100" cy="203200"/>
+            <a:ext cx="1849271" cy="203200"/>
           </a:xfrm>
           <a:prstGeom prst="rect">
             <a:avLst/>
@@ -22823,7 +22823,7 @@
         </p:nvSpPr>
         <p:spPr>
           <a:xfrm>
-            <a:off x="4473459" y="4478655"/>
+            <a:off x="4254384" y="4478655"/>
             <a:ext cx="2070100" cy="203200"/>
           </a:xfrm>
           <a:prstGeom prst="rect">
@@ -22912,7 +22912,7 @@
         </p:nvSpPr>
         <p:spPr>
           <a:xfrm>
-            <a:off x="6538513" y="4745355"/>
+            <a:off x="6328963" y="4745355"/>
             <a:ext cx="2070100" cy="203200"/>
           </a:xfrm>
           <a:prstGeom prst="rect">
@@ -23001,8 +23001,8 @@
         </p:nvSpPr>
         <p:spPr>
           <a:xfrm>
-            <a:off x="8603568" y="5065480"/>
-            <a:ext cx="2362200" cy="203200"/>
+            <a:off x="8403543" y="5065480"/>
+            <a:ext cx="1988232" cy="203200"/>
           </a:xfrm>
           <a:prstGeom prst="rect">
             <a:avLst/>
@@ -23923,8 +23923,8 @@
         </p:nvSpPr>
         <p:spPr>
           <a:xfrm>
-            <a:off x="2459000" y="3969343"/>
-            <a:ext cx="1206500" cy="155025"/>
+            <a:off x="2459000" y="3969911"/>
+            <a:ext cx="1424742" cy="153888"/>
           </a:xfrm>
           <a:prstGeom prst="rect">
             <a:avLst/>
@@ -23944,8 +23944,14 @@
                 </a:solidFill>
                 <a:latin typeface="Calibri" panose="020F0502020204030204" pitchFamily="34" charset="0"/>
               </a:rPr>
-              <a:t>10/6/2025 - 10/9/2025</a:t>
+              <a:t>06/10/2025 - 15/10/2025</a:t>
             </a:r>
+            <a:endParaRPr lang="es-PA" sz="1000" spc="-6" dirty="0">
+              <a:solidFill>
+                <a:schemeClr val="dk2"/>
+              </a:solidFill>
+              <a:latin typeface="Calibri" panose="020F0502020204030204" pitchFamily="34" charset="0"/>
+            </a:endParaRPr>
           </a:p>
         </p:txBody>
       </p:sp>
@@ -24142,7 +24148,7 @@
         </p:nvSpPr>
         <p:spPr>
           <a:xfrm>
-            <a:off x="4524054" y="4236043"/>
+            <a:off x="4314811" y="4236043"/>
             <a:ext cx="1333500" cy="155025"/>
           </a:xfrm>
           <a:prstGeom prst="rect">
@@ -24157,13 +24163,13 @@
           <a:lstStyle/>
           <a:p>
             <a:r>
-              <a:rPr lang="es-PA" sz="1000" spc="-6">
+              <a:rPr lang="es-PA" sz="1000" spc="-6" dirty="0">
                 <a:solidFill>
                   <a:schemeClr val="dk2"/>
                 </a:solidFill>
                 <a:latin typeface="Calibri" panose="020F0502020204030204" pitchFamily="34" charset="0"/>
               </a:rPr>
-              <a:t>10/10/2025 - 10/16/2025</a:t>
+              <a:t>16/10/2025 - 22/10/2025</a:t>
             </a:r>
           </a:p>
         </p:txBody>
@@ -24361,8 +24367,8 @@
         </p:nvSpPr>
         <p:spPr>
           <a:xfrm>
-            <a:off x="6589109" y="4502743"/>
-            <a:ext cx="1333500" cy="155025"/>
+            <a:off x="6350983" y="4503311"/>
+            <a:ext cx="1552001" cy="153888"/>
           </a:xfrm>
           <a:prstGeom prst="rect">
             <a:avLst/>
@@ -24376,13 +24382,13 @@
           <a:lstStyle/>
           <a:p>
             <a:r>
-              <a:rPr lang="es-PA" sz="1000" spc="-6">
+              <a:rPr lang="es-PA" sz="1000" spc="-6" dirty="0">
                 <a:solidFill>
                   <a:schemeClr val="dk2"/>
                 </a:solidFill>
                 <a:latin typeface="Calibri" panose="020F0502020204030204" pitchFamily="34" charset="0"/>
               </a:rPr>
-              <a:t>10/17/2025 - 10/23/2025</a:t>
+              <a:t>23/10/2025 – 29/10/2025</a:t>
             </a:r>
           </a:p>
         </p:txBody>
@@ -24580,8 +24586,8 @@
         </p:nvSpPr>
         <p:spPr>
           <a:xfrm>
-            <a:off x="8654163" y="4769443"/>
-            <a:ext cx="1333500" cy="155025"/>
+            <a:off x="8425563" y="4770011"/>
+            <a:ext cx="1453398" cy="153888"/>
           </a:xfrm>
           <a:prstGeom prst="rect">
             <a:avLst/>
@@ -24595,13 +24601,13 @@
           <a:lstStyle/>
           <a:p>
             <a:r>
-              <a:rPr lang="es-PA" sz="1000" spc="-6">
+              <a:rPr lang="es-PA" sz="1000" spc="-6" dirty="0">
                 <a:solidFill>
                   <a:schemeClr val="dk2"/>
                 </a:solidFill>
                 <a:latin typeface="Calibri" panose="020F0502020204030204" pitchFamily="34" charset="0"/>
               </a:rPr>
-              <a:t>10/24/2025 - 10/30/2025</a:t>
+              <a:t>30/10/2025 – 03/11/2025</a:t>
             </a:r>
           </a:p>
         </p:txBody>
@@ -24799,8 +24805,8 @@
         </p:nvSpPr>
         <p:spPr>
           <a:xfrm>
-            <a:off x="11014225" y="5012055"/>
-            <a:ext cx="711200" cy="310049"/>
+            <a:off x="10440935" y="5090135"/>
+            <a:ext cx="1333650" cy="153888"/>
           </a:xfrm>
           <a:prstGeom prst="rect">
             <a:avLst/>
@@ -24814,13 +24820,13 @@
           <a:lstStyle/>
           <a:p>
             <a:r>
-              <a:rPr lang="es-PA" sz="1000">
+              <a:rPr lang="es-PA" sz="1000" dirty="0">
                 <a:solidFill>
                   <a:schemeClr val="dk2"/>
                 </a:solidFill>
                 <a:latin typeface="Calibri" panose="020F0502020204030204" pitchFamily="34" charset="0"/>
               </a:rPr>
-              <a:t>10/31/2025 - 11/7/2025</a:t>
+              <a:t>04/11/2025 - 07/11/2025</a:t>
             </a:r>
           </a:p>
         </p:txBody>
@@ -25000,8 +25006,8 @@
         </p:nvSpPr>
         <p:spPr>
           <a:xfrm>
-            <a:off x="10897222" y="2677075"/>
-            <a:ext cx="558800" cy="155025"/>
+            <a:off x="10897222" y="2677643"/>
+            <a:ext cx="692150" cy="153888"/>
           </a:xfrm>
           <a:prstGeom prst="rect">
             <a:avLst/>
@@ -25015,13 +25021,13 @@
           <a:lstStyle/>
           <a:p>
             <a:r>
-              <a:rPr lang="es-PA" sz="1000" spc="-8">
+              <a:rPr lang="es-PA" sz="1000" spc="-8" dirty="0">
                 <a:solidFill>
                   <a:schemeClr val="dk2"/>
                 </a:solidFill>
                 <a:latin typeface="Calibri" panose="020F0502020204030204" pitchFamily="34" charset="0"/>
               </a:rPr>
-              <a:t>11/7/2025</a:t>
+              <a:t>07/11/2025</a:t>
             </a:r>
           </a:p>
         </p:txBody>
@@ -25034,7 +25040,7 @@
         </p:nvSpPr>
         <p:spPr>
           <a:xfrm>
-            <a:off x="811027" y="372382"/>
+            <a:off x="1923055" y="410482"/>
             <a:ext cx="8275599" cy="584775"/>
           </a:xfrm>
           <a:prstGeom prst="rect">
@@ -25055,43 +25061,6 @@
                 </a:solidFill>
               </a:rPr>
               <a:t>Planificación de Lanzamiento (Línea de Tiempo)</a:t>
-            </a:r>
-          </a:p>
-        </p:txBody>
-      </p:sp>
-      <p:sp>
-        <p:nvSpPr>
-          <p:cNvPr id="82" name="CuadroTexto 81"/>
-          <p:cNvSpPr txBox="1"/>
-          <p:nvPr/>
-        </p:nvSpPr>
-        <p:spPr>
-          <a:xfrm>
-            <a:off x="242576" y="6362393"/>
-            <a:ext cx="7796814" cy="369332"/>
-          </a:xfrm>
-          <a:prstGeom prst="rect">
-            <a:avLst/>
-          </a:prstGeom>
-          <a:noFill/>
-        </p:spPr>
-        <p:txBody>
-          <a:bodyPr wrap="none" rtlCol="0">
-            <a:spAutoFit/>
-          </a:bodyPr>
-          <a:lstStyle/>
-          <a:p>
-            <a:r>
-              <a:rPr lang="es-PA" dirty="0"/>
-              <a:t>Puedes utilizar Office </a:t>
-            </a:r>
-            <a:r>
-              <a:rPr lang="es-PA" dirty="0" err="1"/>
-              <a:t>Timeline</a:t>
-            </a:r>
-            <a:r>
-              <a:rPr lang="es-PA" dirty="0"/>
-              <a:t> para crear/editar la planificación de lanzamiento</a:t>
             </a:r>
           </a:p>
         </p:txBody>
@@ -25126,7 +25095,7 @@
 
 <file path=ppt/tags/tag1.xml><?xml version="1.0" encoding="utf-8"?>
 <p:tagLst xmlns:a="http://schemas.openxmlformats.org/drawingml/2006/main" xmlns:r="http://schemas.openxmlformats.org/officeDocument/2006/relationships" xmlns:p="http://schemas.openxmlformats.org/presentationml/2006/main">
-  <p:tag name="__PART_0" val="eyIkaWQiOiIxIiwiX3N3aW1sYW5lc1YyIjpbXSwiSGFzQmFzZWxpbmVzIjpmYWxzZSwiQ3VsdHVyZUluZm9OYW1lIjoiZXMtUEEiLCJTdHlsZU5hbWUiOm51bGwsIlZlcnNpb24iOnsiJGlkIjoiMiIsIlZlcnNpb24iOiI1LjQuMCIsIk9yaWdpbmFsQXNzZW1ibHlWZXJzaW9uIjoiMy42Mi4wMC4wMCIsIkVkaXRpb24iOiJCYXNpYyIsIkxhc3RTYXZlZEVkaXRpb24iOjAsIklzUGx1c0VkaXRpb24iOmZhbHNlLCJJc1Byb0VkaXRpb24iOmZhbHNlfSwiRWZmZWN0IjoxLCJTdHlsZSI6eyIkaWQiOiIzIiwiRGVmYXVsdERlcGVuZGVuY3lTdHlsZSI6eyIkaWQiOiI0IiwiTGluZVN0eWxlIjp7IiRpZCI6IjUiLCJMaW5lQ29sb3IiOnsiJGlkIjoiNiIsIiR0eXBlIjoiTkxSRS5Db21tb24uRG9tLlNvbGlkQ29sb3JCcnVzaCwgTkxSRS5Db21tb24iLCJDb2xvciI6eyIkaWQiOiI3IiwiQSI6MjU1LCJSIjowLCJHIjowLCJCIjowfX0sIkxpbmVXZWlnaHQiOjEuMCwiTGluZVR5cGUiOjAsIlBhcmVudFN0eWxlIjpudWxsfSwiRW5kQXJyb3doZWFkTGluZVN0eWxlIjp7IiRpZCI6IjgiLCJLaW5kIjoxLCJXaWR0aCI6MSwiTGVuZ3RoIjowLCJQYXJlbnRTdHlsZSI6bnVsbH0sIkJyaW5nVG9Gcm9udCI6dHJ1ZSwiRWxib3dSYWRpdXMiOjAuMCwiTWFyZ2luIjp7IiRpZCI6IjkiLCJUb3AiOjAuMCwiTGVmdCI6MC4wLCJSaWdodCI6MC4wLCJCb3R0b20iOjAuMH0sIlBhZGRpbmciOnsiJGlkIjoiMTAiLCJUb3AiOjAuMCwiTGVmdCI6MC4wLCJSaWdodCI6MC4wLCJCb3R0b20iOjAuMH0sIkJhY2tncm91bmQiOm51bGwsIklzVmlzaWJsZSI6dHJ1ZSwiV2lkdGgiOjAuMCwiSGVpZ2h0IjowLjAsIkJvcmRlclN0eWxlIjpudWxsLCJQYXJlbnRTdHlsZSI6bnVsbH0sIkNyaXRpY2FsUGF0aFN0eWxlIjp7IiRpZCI6IjExIiwiQ3JpdGljYWxQYXRoU3R5bGVPcHRpb25zIjoxNCwiTGluZVN0eWxlIjp7IiRpZCI6IjEyIiwiTGluZUNvbG9yIjp7IiRpZCI6IjEzIiwiJHR5cGUiOiJOTFJFLkNvbW1vbi5Eb20uU29saWRDb2xvckJydXNoLCBOTFJFLkNvbW1vbiIsIkNvbG9yIjp7IiRpZCI6IjE0IiwiQSI6MjU1LCJSIjoyMjIsIkciOjUwLCJCIjo1MH19LCJMaW5lV2VpZ2h0IjoxLjAsIkxpbmVUeXBlIjowLCJQYXJlbnRTdHlsZSI6bnVsbH0sIlRpdGxlRm9yZWdyb3VuZCI6eyIkaWQiOiIxNSIsIkNvbG9yIjp7IiRpZCI6IjE2IiwiQSI6MjU1LCJSIjoxNzYsIkciOjE5LCJCIjoyNX19LCJTaGFwZXNCYWNrZ3JvdW5kIjp7IiRpZCI6IjE3IiwiQ29sb3IiOnsiJGlkIjoiMTgiLCJBIjoyNTUsIlIiOjI1MywiRyI6MjAzLCJCIjoyMDh9fSwiU2hhcGVzQm9yZGVyU3R5bGUiOnsiJGlkIjoiMTkiLCJMaW5lQ29sb3IiOnsiJGlkIjoiMjAiLCIkdHlwZSI6Ik5MUkUuQ29tbW9uLkRvbS5Tb2xpZENvbG9yQnJ1c2gsIE5MUkUuQ29tbW9uIiwiQ29sb3IiOnsiJGlkIjoiMjEiLCJBIjoyNTUsIlIiOjIyMiwiRyI6NTAsIkIiOjUwfX0sIkxpbmVXZWlnaHQiOjEuNSwiTGluZVR5cGUiOjAsIlBhcmVudFN0eWxlIjpudWxsfSwiTWFyZ2luIjp7IiRpZCI6IjIyIiwiVG9wIjowLjAsIkxlZnQiOjAuMCwiUmlnaHQiOjAuMCwiQm90dG9tIjowLjB9LCJQYWRkaW5nIjp7IiRpZCI6IjIzIiwiVG9wIjowLjAsIkxlZnQiOjAuMCwiUmlnaHQiOjAuMCwiQm90dG9tIjowLjB9LCJCYWNrZ3JvdW5kIjpudWxsLCJJc1Zpc2libGUiOmZhbHNlLCJXaWR0aCI6MC4wLCJIZWlnaHQiOjAuMCwiQm9yZGVyU3R5bGUiOm51bGwsIlBhcmVudFN0eWxlIjpudWxsfSwiUGFuZWxzU3BhY2luZ0RlZmluaXRpb24iOnsiJGlkIjoiMjQiLCJTcGFjaW5nQWJvdmVUaW1lYmFuZCI6MTYsIlNwYWNpbmdCZWxvd1RpbWViYW5kIjoxNiwiU3BhY2luZ0Fib3ZlQmV0d2VlblN3aW1sYW5lc0FuZFRhc2tzIjoxNiwiU3BhY2luZ0JlbG93QmV0d2VlblN3aW1sYW5lc0FuZFRhc2tzIjoxNn0sIlRpbWViYW5kU3R5bGUiOnsiJGlkIjoiMjUiLCJTY2FsZU1hcmtpbmciOjAsIlNoYXBlIjowLCJTaGFwZVN0eWxlIjp7IiRpZCI6IjI2IiwiTWFyZ2luIjp7IiRpZCI6IjI3IiwiVG9wIjowLjAsIkxlZnQiOjEyLjAsIlJpZ2h0IjoxMi4wLCJCb3R0b20iOjAuMH0sIlBhZGRpbmciOnsiJGlkIjoiMjgiLCJUb3AiOjAuMCwiTGVmdCI6MC4wLCJSaWdodCI6MC4wLCJCb3R0b20iOjAuMH0sIkJhY2tncm91bmQiOnsiJGlkIjoiMjkiLCJDb2xvciI6eyIkaWQiOiIzMCIsIkEiOjI1NSwiUiI6NjgsIkciOjg0LCJCIjoxMDZ9fSwiSXNWaXNpYmxlIjp0cnVlLCJXaWR0aCI6ODU4LjAsIkhlaWdodCI6MzAuMCwiQm9yZGVyU3R5bGUiOnsiJGlkIjoiMzEiLCJMaW5lQ29sb3IiOnsiJGlkIjoiMzIiLCIkdHlwZSI6Ik5MUkUuQ29tbW9uLkRvbS5Tb2xpZENvbG9yQnJ1c2gsIE5MUkUuQ29tbW9uIiwiQ29sb3IiOnsiJGlkIjoiMzMiLCJBIjoyNTUsIlIiOjI1NSwiRyI6MCwiQiI6MH19LCJMaW5lV2VpZ2h0IjowLjAsIkxpbmVUeXBlIjowLCJQYXJlbnRTdHlsZSI6bnVsbH0sIlBhcmVudFN0eWxlIjpudWxsfSwiTWlkZGxlVGllclNoYXBlU3R5bGUiOnsiJGlkIjoiMzQiLCJNYXJnaW4iOnsiJHJlZiI6IjI3In0sIlBhZGRpbmciOnsiJHJlZiI6IjI4In0sIkJhY2tncm91bmQiOnsiJHJlZiI6IjI5In0sIklzVmlzaWJsZSI6dHJ1ZSwiV2lkdGgiOjg1OC4wLCJIZWlnaHQiOjMwLjAsIkJvcmRlclN0eWxlIjp7IiRpZCI6IjM1IiwiTGluZUNvbG9yIjpudWxsLCJMaW5lV2VpZ2h0IjowLjAsIkxpbmVUeXBlIjowLCJQYXJlbnRTdHlsZSI6bnVsbH0sIlBhcmVudFN0eWxlIjpudWxsfSwiQm90dG9tVGllclNoYXBlU3R5bGUiOnsiJGlkIjoiMzYiLCJNYXJnaW4iOnsiJHJlZiI6IjI3In0sIlBhZGRpbmciOnsiJHJlZiI6IjI4In0sIkJhY2tncm91bmQiOnsiJHJlZiI6IjI5In0sIklzVmlzaWJsZSI6dHJ1ZSwiV2lkdGgiOjg1OC4wLCJIZWlnaHQiOjMwLjAsIkJvcmRlclN0eWxlIjp7IiRpZCI6IjM3IiwiTGluZUNvbG9yIjpudWxsLCJMaW5lV2VpZ2h0IjowLjAsIkxpbmVUeXBlIjowLCJQYXJlbnRTdHlsZSI6bnVsbH0sIlBhcmVudFN0eWxlIjpudWxsfSwiUmlnaHRFbmRDYXBzU3R5bGUiOnsiJGlkIjoiMzgiLCJGb250U2V0dGluZ3MiOnsiJGlkIjoiMzkiLCJGb250U2l6ZSI6MTgsIkZvbnROYW1lIjoiQ2FsaWJyaSIsIklzQm9sZCI6dHJ1ZSwiSXNJdGFsaWMiOmZhbHNlLCJJc1VuZGVybGluZWQiOmZhbHNlLCJQYXJlbnRTdHlsZSI6bnVsbH0sIkF1dG9TaXplIjowLCJGb3JlZ3JvdW5kIjp7IiRpZCI6IjQwIiwiQ29sb3IiOnsiJGlkIjoiNDEiLCJBIjoyNTUsIlIiOjIzNywiRyI6MTI1LCJCIjo0OX19LCJNYXhXaWR0aCI6IkluZmluaXR5IiwiTWF4SGVpZ2h0IjoiSW5maW5pdHkiLCJTbWFydEZvcmVncm91bmRJc0FjdGl2ZSI6ZmFsc2UsIkhvcml6b250YWxBbGlnbm1lbnQiOjAsIlZlcnRpY2FsQWxpZ25tZW50IjowLCJTbWFydEZvcmVncm91bmQiOm51bGwsIkJhY2tncm91bmRGaWxsVHlwZSI6MCwiTWFyZ2luIjp7IiRpZCI6IjQyIiwiVG9wIjowLjAsIkxlZnQiOjAuMCwiUmlnaHQiOjI1LjAsIkJvdHRvbSI6MC4wfSwiUGFkZGluZyI6eyIkaWQiOiI0MyIsIlRvcCI6MC4wLCJMZWZ0IjowLjAsIlJpZ2h0IjowLjAsIkJvdHRvbSI6MC4wfSwiQmFja2dyb3VuZCI6eyIkaWQiOiI0NCIsIkNvbG9yIjp7IiRpZCI6IjQ1IiwiQSI6ODksIlIiOjAsIkciOjAsIkIiOjB9fSwiSXNWaXNpYmxlIjp0cnVlLCJXaWR0aCI6MC4wLCJIZWlnaHQiOjAuMCwiQm9yZGVyU3R5bGUiOm51bGwsIlBhcmVudFN0eWxlIjpudWxsfSwiTGVmdEVuZENhcHNTdHlsZSI6eyIkaWQiOiI0NiIsIkZvbnRTZXR0aW5ncyI6eyIkaWQiOiI0NyIsIkZvbnRTaXplIjoxOCwiRm9udE5hbWUiOiJDYWxpYnJpIiwiSXNCb2xkIjp0cnVlLCJJc0l0YWxpYyI6ZmFsc2UsIklzVW5kZXJsaW5lZCI6ZmFsc2UsIlBhcmVudFN0eWxlIjpudWxsfSwiQXV0b1NpemUiOjAsIkZvcmVncm91bmQiOnsiJGlkIjoiNDgiLCJDb2xvciI6eyIkaWQiOiI0OSIsIkEiOjI1NSwiUiI6MjM3LCJHIjoxMjUsIkIiOjQ5fX0sIk1heFdpZHRoIjoiSW5maW5pdHkiLCJNYXhIZWlnaHQiOiJJbmZpbml0eSIsIlNtYXJ0Rm9yZWdyb3VuZElzQWN0aXZlIjpmYWxzZSwiSG9yaXpvbnRhbEFsaWdubWVudCI6MCwiVmVydGljYWxBbGlnbm1lbnQiOjAsIlNtYXJ0Rm9yZWdyb3VuZCI6bnVsbCwiQmFja2dyb3VuZEZpbGxUeXBlIjowLCJNYXJnaW4iOnsiJGlkIjoiNTAiLCJUb3AiOjAuMCwiTGVmdCI6MjUuMCwiUmlnaHQiOjAuMCwiQm90dG9tIjowLjB9LCJQYWRkaW5nIjp7IiRpZCI6IjUxIiwiVG9wIjowLjAsIkxlZnQiOjAuMCwiUmlnaHQiOjAuMCwiQm90dG9tIjowLjB9LCJCYWNrZ3JvdW5kIjp7IiRpZCI6IjUyIiwiQ29sb3IiOnsiJHJlZiI6IjQ1In19LCJJc1Zpc2libGUiOnRydWUsIldpZHRoIjowLjAsIkhlaWdodCI6MC4wLCJCb3JkZXJTdHlsZSI6bnVsbCwiUGFyZW50U3R5bGUiOm51bGx9LCJUb2RheVRleHRTdHlsZSI6eyIkaWQiOiI1MyIsIkZvbnRTZXR0aW5ncyI6eyIkaWQiOiI1NCIsIkZvbnRTaXplIjoxMiwiRm9udE5hbWUiOiJDYWxpYnJpIiwiSXNCb2xkIjpmYWxzZSwiSXNJdGFsaWMiOmZhbHNlLCJJc1VuZGVybGluZWQiOmZhbHNlLCJQYXJlbnRTdHlsZSI6bnVsbH0sIkF1dG9TaXplIjowLCJGb3JlZ3JvdW5kIjp7IiRpZCI6IjU1IiwiQ29sb3IiOnsiJGlkIjoiNTYiLCJBIjoyNTUsIlIiOjAsIkciOjAsIkIiOjB9fSwiTWF4V2lkdGgiOjIwMC4wLCJNYXhIZWlnaHQiOiJJbmZpbml0eSIsIlNtYXJ0Rm9yZWdyb3VuZElzQWN0aXZlIjpmYWxzZSwiSG9yaXpvbnRhbEFsaWdubWVudCI6MCwiVmVydGljYWxBbGlnbm1lbnQiOjAsIlNtYXJ0Rm9yZWdyb3VuZCI6bnVsbCwiQmFja2dyb3VuZEZpbGxUeXBlIjowLCJNYXJnaW4iOnsiJGlkIjoiNTciLCJUb3AiOjAuMCwiTGVmdCI6MC4wLCJSaWdodCI6MC4wLCJCb3R0b20iOjAuMH0sIlBhZGRpbmciOnsiJGlkIjoiNTgiLCJUb3AiOjAuMCwiTGVmdCI6MC4wLCJSaWdodCI6MC4wLCJCb3R0b20iOjAuMH0sIkJhY2tncm91bmQiOnsiJGlkIjoiNTkiLCJDb2xvciI6eyIkcmVmIjoiNDUifX0sIklzVmlzaWJsZSI6dHJ1ZSwiV2lkdGgiOjAuMCwiSGVpZ2h0IjowLjAsIkJvcmRlclN0eWxlIjpudWxsLCJQYXJlbnRTdHlsZSI6bnVsbH0sIlRvZGF5TWFya2VyU3R5bGUiOnsiJGlkIjoiNjAiLCJNYXJnaW4iOnsiJGlkIjoiNjEiLCJUb3AiOjAuMCwiTGVmdCI6MC4wLCJSaWdodCI6MC4wLCJCb3R0b20iOjAuMH0sIlBhZGRpbmciOnsiJGlkIjoiNjIiLCJUb3AiOjAuMCwiTGVmdCI6MC4wLCJSaWdodCI6MC4wLCJCb3R0b20iOjAuMH0sIkJhY2tncm91bmQiOnsiJGlkIjoiNjMiLCJDb2xvciI6eyIkaWQiOiI2NCIsIkEiOjI1NSwiUiI6MjU1LCJHIjowLCJCIjowfX0sIklzVmlzaWJsZSI6dHJ1ZSwiV2lkdGgiOjAuMCwiSGVpZ2h0IjowLjAsIkJvcmRlclN0eWxlIjpudWxsLCJQYXJlbnRTdHlsZSI6bnVsbH0sIlNjYWxlU3R5bGUiOnsiJGlkIjoiNjUiLCJTaGFwZSI6MCwiU2hvd1NlZ21lbnRTZXBhcmF0b3JzIjp0cnVlLCJTZWdtZW50U2VwYXJhdG9yT3BhY2l0eSI6MzAsIkhhc0JlZW5WaXNpYmxlQmVmb3JlIjp0cnVlLCJGb250U2V0dGluZ3MiOnsiJGlkIjoiNjYiLCJGb250U2l6ZSI6MTIsIkZvbnROYW1lIjoiQ2FsaWJyaSIsIklzQm9sZCI6ZmFsc2UsIklzSXRhbGljIjpmYWxzZSwiSXNVbmRlcmxpbmVkIjpmYWxzZSwiUGFyZW50U3R5bGUiOm51bGx9LCJBdXRvU2l6ZSI6MCwiRm9yZWdyb3VuZCI6eyIkaWQiOiI2NyIsIkNvbG9yIjp7IiRpZCI6IjY4IiwiQSI6MjU1LCJSIjoyNTUsIkciOjI1NSwiQiI6MjU1fX0sIk1heFdpZHRoIjoyMDAuMCwiTWF4SGVpZ2h0IjoiSW5maW5pdHkiLCJTbWFydEZvcmVncm91bmRJc0FjdGl2ZSI6ZmFsc2UsIkhvcml6b250YWxBbGlnbm1lbnQiOjAsIlZlcnRpY2FsQWxpZ25tZW50IjoxLCJTbWFydEZvcmVncm91bmQiOm51bGwsIkJhY2tncm91bmRGaWxsVHlwZSI6MCwiTWFyZ2luIjp7IiRpZCI6IjY5IiwiVG9wIjowLjAsIkxlZnQiOjQuMCwiUmlnaHQiOjQuMCwiQm90dG9tIjowLjB9LCJQYWRkaW5nIjp7IiRpZCI6IjcwIiwiVG9wIjowLjAsIkxlZnQiOjAuMCwiUmlnaHQiOjAuMCwiQm90dG9tIjowLjB9LCJCYWNrZ3JvdW5kIjp7IiRpZCI6IjcxIiwiQ29sb3IiOnsiJHJlZiI6IjQ1In19LCJJc1Zpc2libGUiOnRydWUsIldpZHRoIjowLjAsIkhlaWdodCI6MC4wLCJCb3JkZXJTdHlsZSI6bnVsbCwiUGFyZW50U3R5bGUiOm51bGx9LCJTaW5nbGVTY2FsZVNoYXBlU3R5bGUiOnsiJGlkIjoiNzIiLCJTaGFwZSI6MCwiSGVpZ2h0IjozMC4wfSwiTWlkZGxlVGllclNjYWxlU3R5bGUiOnsiJGlkIjoiNzMiLCJTaGFwZSI6MCwiU2hvd1NlZ21lbnRTZXBhcmF0b3JzIjp0cnVlLCJTZWdtZW50U2VwYXJhdG9yT3BhY2l0eSI6MzAsIkhhc0JlZW5WaXNpYmxlQmVmb3JlIjpmYWxzZSwiRm9udFNldHRpbmdzIjp7IiRpZCI6Ijc0IiwiRm9udFNpemUiOjEyLCJGb250TmFtZSI6IkNhbGlicmkiLCJJc0JvbGQiOmZhbHNlLCJJc0l0YWxpYyI6ZmFsc2UsIklzVW5kZXJsaW5lZCI6ZmFsc2UsIlBhcmVudFN0eWxlIjpudWxsfSwiQXV0b1NpemUiOjAsIkZvcmVncm91bmQiOnsiJHJlZiI6IjY3In0sIk1heFdpZHRoIjoyMDAuMCwiTWF4SGVpZ2h0IjoiSW5maW5pdHkiLCJTbWFydEZvcmVncm91bmRJc0FjdGl2ZSI6ZmFsc2UsIkhvcml6b250YWxBbGlnbm1lbnQiOjAsIlZlcnRpY2FsQWxpZ25tZW50IjoxLCJTbWFydEZvcmVncm91bmQiOm51bGwsIkJhY2tncm91bmRGaWxsVHlwZSI6MCwiTWFyZ2luIjp7IiRyZWYiOiI2OSJ9LCJQYWRkaW5nIjp7IiRyZWYiOiI3MCJ9LCJCYWNrZ3JvdW5kIjp7IiRyZWYiOiI3MSJ9LCJJc1Zpc2libGUiOmZhbHNlLCJXaWR0aCI6MC4wLCJIZWlnaHQiOjAuMCwiQm9yZGVyU3R5bGUiOm51bGwsIlBhcmVudFN0eWxlIjpudWxsfSwiQm90dG9tVGllclNjYWxlU3R5bGUiOnsiJGlkIjoiNzUiLCJTaGFwZSI6MCwiU2hvd1NlZ21lbnRTZXBhcmF0b3JzIjp0cnVlLCJTZWdtZW50U2VwYXJhdG9yT3BhY2l0eSI6MzAsIkhhc0JlZW5WaXNpYmxlQmVmb3JlIjpmYWxzZSwiRm9udFNldHRpbmdzIjp7IiRpZCI6Ijc2IiwiRm9udFNpemUiOjEyLCJGb250TmFtZSI6IkNhbGlicmkiLCJJc0JvbGQiOmZhbHNlLCJJc0l0YWxpYyI6ZmFsc2UsIklzVW5kZXJsaW5lZCI6ZmFsc2UsIlBhcmVudFN0eWxlIjpudWxsfSwiQXV0b1NpemUiOjAsIkZvcmVncm91bmQiOnsiJHJlZiI6IjY3In0sIk1heFdpZHRoIjoyMDAuMCwiTWF4SGVpZ2h0IjoiSW5maW5pdHkiLCJTbWFydEZvcmVncm91bmRJc0FjdGl2ZSI6ZmFsc2UsIkhvcml6b250YWxBbGlnbm1lbnQiOjAsIlZlcnRpY2FsQWxpZ25tZW50IjoxLCJTbWFydEZvcmVncm91bmQiOm51bGwsIkJhY2tncm91bmRGaWxsVHlwZSI6MCwiTWFyZ2luIjp7IiRyZWYiOiI2OSJ9LCJQYWRkaW5nIjp7IiRyZWYiOiI3MCJ9LCJCYWNrZ3JvdW5kIjp7IiRyZWYiOiI3MSJ9LCJJc1Zpc2libGUiOmZhbHNlLCJXaWR0aCI6MC4wLCJIZWlnaHQiOjAuMCwiQm9yZGVyU3R5bGUiOm51bGwsIlBhcmVudFN0eWxlIjpudWxsfSwiRWxhcHNlZFRpbWVCYWNrZ3JvdW5kIjp7IiRpZCI6Ijc3IiwiQ29sb3IiOnsiJGlkIjoiNzgiLCJBIjoxOTEsIlIiOjI1NSwiRyI6MCwiQiI6MH19LCJBcHBlbmRZZWFyT25ZZWFyQ2hhbmdlIjp0cnVlLCJFbGFwc2VkVGltZUZvcm1hdCI6MiwiVG9kYXlNYXJrZXJQb3NpdGlvbiI6MywiUXVpY2tQb3NpdGlvbiI6MSwiQWJzb2x1dGVQb3NpdGlvbiI6MjcwLjAsIk1hcmdpbiI6eyIkaWQiOiI3OSIsIlRvcCI6MC4wLCJMZWZ0IjoxMC4wLCJSaWdodCI6MTAuMCwiQm90dG9tIjowLjB9LCJQYWRkaW5nIjp7IiRpZCI6IjgwIiwiVG9wIjowLjAsIkxlZnQiOjAuMCwiUmlnaHQiOjAuMCwiQm90dG9tIjowLjB9LCJCYWNrZ3JvdW5kIjp7IiRpZCI6IjgxIiwiQ29sb3IiOnsiJGlkIjoiODIiLCJBIjoyNTUsIlIiOjMxLCJHIjo3MywiQiI6MTI1fX0sIklzVmlzaWJsZSI6dHJ1ZSwiV2lkdGgiOjAuMCwiSGVpZ2h0IjowLjAsIkJvcmRlclN0eWxlIjpudWxsLCJQYXJlbnRTdHlsZSI6bnVsbH0sIkRlZmF1bHRNaWxlc3RvbmVTdHlsZSI6eyIkaWQiOiI4MyIsIlNoYXBlIjoyLCJDb25uZWN0b3JNYXJnaW4iOnsiJGlkIjoiODQiLCJUb3AiOjAuMCwiTGVmdCI6Mi4wLCJSaWdodCI6Mi4wLCJCb3R0b20iOjAuMH0sIkNvbm5lY3RvclN0eWxlIjp7IiRpZCI6Ijg1IiwiTGluZUNvbG9yIjp7IiRpZCI6Ijg2IiwiJHR5cGUiOiJOTFJFLkNvbW1vbi5Eb20uU29saWRDb2xvckJydXNoLCBOTFJFLkNvbW1vbiIsIkNvbG9yIjp7IiRpZCI6Ijg3IiwiQSI6MTI3LCJSIjozMSwiRyI6NzMsIkIiOjEyNn19LCJMaW5lV2VpZ2h0IjoxLjAsIkxpbmVUeXBlIjowLCJQYXJlbnRTdHlsZSI6bnVsbH0sIklzQmVsb3dUaW1lYmFuZCI6ZmFsc2UsIlBvc2l0aW9uT25UYXNrIjowLCJIaWRlRGF0ZSI6ZmFsc2UsIlNoYXBlU2l6ZSI6MSwiU3BhY2luZyI6MS4wLCJQYWRkaW5nIjp7IiRpZCI6Ijg4IiwiVG9wIjo3LjAsIkxlZnQiOjMuMCwiUmlnaHQiOjAuMCwiQm90dG9tIjoyLjB9LCJTaGFwZVN0eWxlIjp7IiRpZCI6Ijg5IiwiTWFyZ2luIjp7IiRpZCI6IjkwIiwiVG9wIjowLjAsIkxlZnQiOjAuMCwiUmlnaHQiOjAuMCwiQm90dG9tIjowLjB9LCJQYWRkaW5nIjp7IiRpZCI6IjkxIiwiVG9wIjowLjAsIkxlZnQiOjAuMCwiUmlnaHQiOjAuMCwiQm90dG9tIjowLjB9LCJCYWNrZ3JvdW5kIjp7IiRpZCI6IjkyIiwiQ29sb3IiOnsiJGlkIjoiOTMiLCJBIjoyNTUsIlIiOjIzNCwiRyI6MjIsIkIiOjMwfX0sIklzVmlzaWJsZSI6dHJ1ZSwiV2lkdGgiOjE4LjAsIkhlaWdodCI6MjAuMCwiQm9yZGVyU3R5bGUiOnsiJGlkIjoiOTQiLCJMaW5lQ29sb3IiOnsiJGlkIjoiOTUiLCIkdHlwZSI6Ik5MUkUuQ29tbW9uLkRvbS5Tb2xpZENvbG9yQnJ1c2gsIE5MUkUuQ29tbW9uIiwiQ29sb3IiOnsiJGlkIjoiOTYiLCJBIjoyNTUsIlIiOjIzNCwiRyI6MjIsIkIiOjMwfX0sIkxpbmVXZWlnaHQiOjAuMCwiTGluZVR5cGUiOjAsIlBhcmVudFN0eWxlIjpudWxsfSwiUGFyZW50U3R5bGUiOm51bGx9LCJUaXRsZVN0eWxlIjp7IiRpZCI6Ijk3IiwiRm9udFNldHRpbmdzIjp7IiRpZCI6Ijk4IiwiRm9udFNpemUiOjExLCJGb250TmFtZSI6IkNhbGlicmkiLCJJc0JvbGQiOnRydWUsIklzSXRhbGljIjpmYWxzZSwiSXNVbmRlcmxpbmVkIjpmYWxzZSwiUGFyZW50U3R5bGUiOm51bGx9LCJBdXRvU2l6ZSI6MCwiRm9yZWdyb3VuZCI6eyIkaWQiOiI5OSIsIkNvbG9yIjp7IiRpZCI6IjEwMCIsIkEiOjI1NSwiUiI6MCwiRyI6MCwiQiI6MH19LCJNYXhXaWR0aCI6MjAwLjAsIk1heEhlaWdodCI6IkluZmluaXR5IiwiU21hcnRGb3JlZ3JvdW5kSXNBY3RpdmUiOmZhbHNlLCJIb3Jpem9udGFsQWxpZ25tZW50IjowLCJWZXJ0aWNhbEFsaWdubWVudCI6MCwiU21hcnRGb3JlZ3JvdW5kIjpudWxsLCJCYWNrZ3JvdW5kRmlsbFR5cGUiOjAsIk1hcmdpbiI6eyIkaWQiOiIxMDEiLCJUb3AiOjAuMCwiTGVmdCI6MC4wLCJSaWdodCI6MC4wLCJCb3R0b20iOjAuMH0sIlBhZGRpbmciOnsiJGlkIjoiMTAyIiwiVG9wIjowLjAsIkxlZnQiOjAuMCwiUmlnaHQiOjAuMCwiQm90dG9tIjowLjB9LCJCYWNrZ3JvdW5kIjp7IiRpZCI6IjEwMyIsIkNvbG9yIjp7IiRpZCI6IjEwNCIsIkEiOjg5LCJSIjowLCJHIjowLCJCIjowfX0sIklzVmlzaWJsZSI6dHJ1ZSwiV2lkdGgiOjAuMCwiSGVpZ2h0IjowLjAsIkJvcmRlclN0eWxlIjpudWxsLCJQYXJlbnRTdHlsZSI6bnVsbH0sIkRhdGVTdHlsZSI6eyIkaWQiOiIxMDUiLCJGb250U2V0dGluZ3MiOnsiJGlkIjoiMTA2IiwiRm9udFNpemUiOjEwLCJGb250TmFtZSI6IkNhbGlicmkiLCJJc0JvbGQiOmZhbHNlLCJJc0l0YWxpYyI6ZmFsc2UsIklzVW5kZXJsaW5lZCI6ZmFsc2UsIlBhcmVudFN0eWxlIjpudWxsfSwiQXV0b1NpemUiOjAsIkZvcmVncm91bmQiOnsiJGlkIjoiMTA3IiwiQ29sb3IiOnsiJGlkIjoiMTA4IiwiQSI6MjU1LCJSIjo2OCwiRyI6ODQsIkIiOjEwNn19LCJNYXhXaWR0aCI6MjAwLjAsIk1heEhlaWdodCI6IkluZmluaXR5IiwiU21hcnRGb3JlZ3JvdW5kSXNBY3RpdmUiOmZhbHNlLCJIb3Jpem9udGFsQWxpZ25tZW50IjowLCJWZXJ0aWNhbEFsaWdubWVudCI6MCwiU21hcnRGb3JlZ3JvdW5kIjpudWxsLCJCYWNrZ3JvdW5kRmlsbFR5cGUiOjAsIk1hcmdpbiI6eyIkaWQiOiIxMDkiLCJUb3AiOjAuMCwiTGVmdCI6MC4wLCJSaWdodCI6MC4wLCJCb3R0b20iOjAuMH0sIlBhZGRpbmciOnsiJGlkIjoiMTEwIiwiVG9wIjowLjAsIkxlZnQiOjAuMCwiUmlnaHQiOjAuMCwiQm90dG9tIjowLjB9LCJCYWNrZ3JvdW5kIjp7IiRpZCI6IjExMSIsIkNvbG9yIjp7IiRyZWYiOiIxMDQifX0sIklzVmlzaWJsZSI6dHJ1ZSwiV2lkdGgiOjAuMCwiSGVpZ2h0IjowLjAsIkJvcmRlclN0eWxlIjpudWxsLCJQYXJlbnRTdHlsZSI6bnVsbH0sIkRhdGVGb3JtYXQiOnsiJGlkIjoiMTEyIiwiRm9ybWF0U3RyaW5nIjoiTS9kL3l5eXkiLCJTZXBhcmF0b3IiOiIvIiwiVXNlSW50ZXJuYXRpb25hbERhdGVGb3JtYXQiOmZhbHNlLCJEYXRlSXNWaXNpYmxlIjp0cnVlLCJUaW1lSXNWaXNpYmxlIjpmYWxzZSwiSG91ckRpZ2l0cyI6MSwiQW1QbURlc2lnbmF0b3IiOjIsIlRyaW0wME1pbnV0ZXMiOmZhbHNlLCJMYXN0S25vd25WaXNpYmlsaXR5U3RhdGUiOnsiJGlkIjoiMTEzIiwiRGF0ZVBhcnRJc1Zpc2libGUiOmZhbHNlLCJUaW1lUGFydElzVmlzaWJsZSI6ZmFsc2V9fSwiV2Vla051bWJlcmluZyI6eyIkaWQiOiIxMTQiLCJGb3JtYXQiOjAsIklzVmlzaWJsZSI6ZmFsc2UsIkxhc3RLbm93blZpc2liaWxpdHlTdGF0ZSI6ZmFsc2V9LCJJc1Zpc2libGUiOnRydWUsIlBhcmVudFN0eWxlIjpudWxsfSwiRGVmYXVsdE1vdFN0eWxlIjp7IiRpZCI6IjExNSIsIlNoYXBlIjoyLCJDb25uZWN0b3JNYXJnaW4iOnsiJGlkIjoiMTE2IiwiVG9wIjowLjAsIkxlZnQiOjIuMCwiUmlnaHQiOjIuMCwiQm90dG9tIjowLjB9LCJDb25uZWN0b3JTdHlsZSI6eyIkaWQiOiIxMTciLCJMaW5lQ29sb3IiOnsiJGlkIjoiMTE4IiwiJHR5cGUiOiJOTFJFLkNvbW1vbi5Eb20uU29saWRDb2xvckJydXNoLCBOTFJFLkNvbW1vbiIsIkNvbG9yIjp7IiRpZCI6IjExOSIsIkEiOjEyNywiUiI6MzEsIkciOjczLCJCIjoxMjZ9fSwiTGluZVdlaWdodCI6MS4wLCJMaW5lVHlwZSI6MCwiUGFyZW50U3R5bGUiOm51bGx9LCJJc0JlbG93VGltZWJhbmQiOmZhbHNlLCJQb3NpdGlvbk9uVGFzayI6MSwiSGlkZURhdGUiOmZhbHNlLCJTaGFwZVNpemUiOjEsIlNwYWNpbmciOjEuMCwiUGFkZGluZyI6eyIkaWQiOiIxMjAiLCJUb3AiOjcuMCwiTGVmdCI6My4wLCJSaWdodCI6MC4wLCJCb3R0b20iOjIuMH0sIlNoYXBlU3R5bGUiOnsiJGlkIjoiMTIxIiwiTWFyZ2luIjp7IiRpZCI6IjEyMiIsIlRvcCI6MC4wLCJMZWZ0IjowLjAsIlJpZ2h0IjowLjAsIkJvdHRvbSI6MC4wfSwiUGFkZGluZyI6eyIkaWQiOiIxMjMiLCJUb3AiOjAuMCwiTGVmdCI6MC4wLCJSaWdodCI6MC4wLCJCb3R0b20iOjAuMH0sIkJhY2tncm91bmQiOnsiJGlkIjoiMTI0IiwiQ29sb3IiOnsiJGlkIjoiMTI1IiwiQSI6MjU1LCJSIjoyMzQsIkciOjIyLCJCIjozMH19LCJJc1Zpc2libGUiOnRydWUsIldpZHRoIjoxOC4wLCJIZWlnaHQiOjIwLjAsIkJvcmRlclN0eWxlIjp7IiRpZCI6IjEyNiIsIkxpbmVDb2xvciI6eyIkaWQiOiIxMjciLCIkdHlwZSI6Ik5MUkUuQ29tbW9uLkRvbS5Tb2xpZENvbG9yQnJ1c2gsIE5MUkUuQ29tbW9uIiwiQ29sb3IiOnsiJGlkIjoiMTI4IiwiQSI6MjU1LCJSIjoyMzQsIkciOjIyLCJCIjozMH19LCJMaW5lV2VpZ2h0IjowLjAsIkxpbmVUeXBlIjowLCJQYXJlbnRTdHlsZSI6bnVsbH0sIlBhcmVudFN0eWxlIjpudWxsfSwiVGl0bGVTdHlsZSI6eyIkaWQiOiIxMjkiLCJGb250U2V0dGluZ3MiOnsiJGlkIjoiMTMwIiwiRm9udFNpemUiOjExLCJGb250TmFtZSI6IkNhbGlicmkiLCJJc0JvbGQiOnRydWUsIklzSXRhbGljIjpmYWxzZSwiSXNVbmRlcmxpbmVkIjpmYWxzZSwiUGFyZW50U3R5bGUiOm51bGx9LCJBdXRvU2l6ZSI6MCwiRm9yZWdyb3VuZCI6eyIkaWQiOiIxMzEiLCJDb2xvciI6eyIkaWQiOiIxMzIiLCJBIjoyNTUsIlIiOjAsIkciOjAsIkIiOjB9fSwiTWF4V2lkdGgiOjIwMC4wLCJNYXhIZWlnaHQiOiJJbmZpbml0eSIsIlNtYXJ0Rm9yZWdyb3VuZElzQWN0aXZlIjpmYWxzZSwiSG9yaXpvbnRhbEFsaWdubWVudCI6MCwiVmVydGljYWxBbGlnbm1lbnQiOjAsIlNtYXJ0Rm9yZWdyb3VuZCI6bnVsbCwiQmFja2dyb3VuZEZpbGxUeXBlIjowLCJNYXJnaW4iOnsiJGlkIjoiMTMzIiwiVG9wIjowLjAsIkxlZnQiOjAuMCwiUmlnaHQiOjAuMCwiQm90dG9tIjowLjB9LCJQYWRkaW5nIjp7IiRpZCI6IjEzNCIsIlRvcCI6MC4wLCJMZWZ0IjowLjAsIlJpZ2h0IjowLjAsIkJvdHRvbSI6MC4wfSwiQmFja2dyb3VuZCI6eyIkaWQiOiIxMzUiLCJDb2xvciI6eyIkaWQiOiIxMzYiLCJBIjo4OSwiUiI6MCwiRyI6MCwiQiI6MH19LCJJc1Zpc2libGUiOnRydWUsIldpZHRoIjowLjAsIkhlaWdodCI6MC4wLCJCb3JkZXJTdHlsZSI6bnVsbCwiUGFyZW50U3R5bGUiOm51bGx9LCJEYXRlU3R5bGUiOnsiJGlkIjoiMTM3IiwiRm9udFNldHRpbmdzIjp7IiRpZCI6IjEzOCIsIkZvbnRTaXplIjoxMCwiRm9udE5hbWUiOiJDYWxpYnJpIiwiSXNCb2xkIjpmYWxzZSwiSXNJdGFsaWMiOmZhbHNlLCJJc1VuZGVybGluZWQiOmZhbHNlLCJQYXJlbnRTdHlsZSI6bnVsbH0sIkF1dG9TaXplIjowLCJGb3JlZ3JvdW5kIjp7IiRpZCI6IjEzOSIsIkNvbG9yIjp7IiRpZCI6IjE0MCIsIkEiOjI1NSwiUiI6NjgsIkciOjg0LCJCIjoxMDZ9fSwiTWF4V2lkdGgiOjIwMC4wLCJNYXhIZWlnaHQiOiJJbmZpbml0eSIsIlNtYXJ0Rm9yZWdyb3VuZElzQWN0aXZlIjpmYWxzZSwiSG9yaXpvbnRhbEFsaWdubWVudCI6MCwiVmVydGljYWxBbGlnbm1lbnQiOjAsIlNtYXJ0Rm9yZWdyb3VuZCI6bnVsbCwiQmFja2dyb3VuZEZpbGxUeXBlIjowLCJNYXJnaW4iOnsiJGlkIjoiMTQxIiwiVG9wIjowLjAsIkxlZnQiOjAuMCwiUmlnaHQiOjAuMCwiQm90dG9tIjowLjB9LCJQYWRkaW5nIjp7IiRpZCI6IjE0MiIsIlRvcCI6MC4wLCJMZWZ0IjowLjAsIlJpZ2h0IjowLjAsIkJvdHRvbSI6MC4wfSwiQmFja2dyb3VuZCI6eyIkaWQiOiIxNDMiLCJDb2xvciI6eyIkcmVmIjoiMTM2In19LCJJc1Zpc2libGUiOnRydWUsIldpZHRoIjowLjAsIkhlaWdodCI6MC4wLCJCb3JkZXJTdHlsZSI6bnVsbCwiUGFyZW50U3R5bGUiOm51bGx9LCJEYXRlRm9ybWF0Ijp7IiRpZCI6IjE0NCIsIkZvcm1hdFN0cmluZyI6Ik0vZC95eXl5IiwiU2VwYXJhdG9yIjoiLyIsIlVzZUludGVybmF0aW9uYWxEYXRlRm9ybWF0IjpmYWxzZSwiRGF0ZUlzVmlzaWJsZSI6dHJ1ZSwiVGltZUlzVmlzaWJsZSI6ZmFsc2UsIkhvdXJEaWdpdHMiOjEsIkFtUG1EZXNpZ25hdG9yIjoyLCJUcmltMDBNaW51dGVzIjpmYWxzZSwiTGFzdEtub3duVmlzaWJpbGl0eVN0YXRlIjp7IiRpZCI6IjE0NSIsIkRhdGVQYXJ0SXNWaXNpYmxlIjpmYWxzZSwiVGltZVBhcnRJc1Zpc2libGUiOmZhbHNlfX0sIldlZWtOdW1iZXJpbmciOnsiJGlkIjoiMTQ2IiwiRm9ybWF0IjowLCJJc1Zpc2libGUiOmZhbHNlLCJMYXN0S25vd25WaXNpYmlsaXR5U3RhdGUiOmZhbHNlfSwiSXNWaXNpYmxlIjp0cnVlLCJQYXJlbnRTdHlsZSI6bnVsbH0sIkRlZmF1bHRUYXNrU3R5bGUiOnsiJGlkIjoiMTQ3IiwiU2hhcGUiOjAsIlNoYXBlVGhpY2tuZXNzIjoxLCJEdXJhdGlvbkZvcm1hdCI6MCwiSW5jbHVkZU5vbldvcmtpbmdEYXlzSW5EdXJhdGlvbiI6ZmFsc2UsIlBlcmNlbnRhZ2VDb21wbGV0ZVN0eWxlIjp7IiRpZCI6IjE0OCIsIkZvbnRTZXR0aW5ncyI6eyIkaWQiOiIxNDkiLCJGb250U2l6ZSI6MTAsIkZvbnROYW1lIjoiQ2FsaWJyaSIsIklzQm9sZCI6ZmFsc2UsIklzSXRhbGljIjpmYWxzZSwiSXNVbmRlcmxpbmVkIjpmYWxzZSwiUGFyZW50U3R5bGUiOm51bGx9LCJBdXRvU2l6ZSI6MCwiRm9yZWdyb3VuZCI6eyIkaWQiOiIxNTAiLCJDb2xvciI6eyIkaWQiOiIxNTEiLCJBIjoyNTUsIlIiOjIzNywiRyI6MTI1LCJCIjo0OX19LCJNYXhXaWR0aCI6MjAwLjAsIk1heEhlaWdodCI6IkluZmluaXR5IiwiU21hcnRGb3JlZ3JvdW5kSXNBY3RpdmUiOmZhbHNlLCJIb3Jpem9udGFsQWxpZ25tZW50IjowLCJWZXJ0aWNhbEFsaWdubWVudCI6MCwiU21hcnRGb3JlZ3JvdW5kIjpudWxsLCJCYWNrZ3JvdW5kRmlsbFR5cGUiOjAsIk1hcmdpbiI6eyIkaWQiOiIxNTIiLCJUb3AiOjAuMCwiTGVmdCI6MC4wLCJSaWdodCI6MC4wLCJCb3R0b20iOjAuMH0sIlBhZGRpbmciOnsiJGlkIjoiMTUzIiwiVG9wIjowLjAsIkxlZnQiOjAuMCwiUmlnaHQiOjAuMCwiQm90dG9tIjowLjB9LCJCYWNrZ3JvdW5kIjp7IiRpZCI6IjE1NCIsIkNvbG9yIjp7IiRpZCI6IjE1NSIsIkEiOjg5LCJSIjowLCJHIjowLCJCIjowfX0sIklzVmlzaWJsZSI6dHJ1ZSwiV2lkdGgiOjAuMCwiSGVpZ2h0IjowLjAsIkJvcmRlclN0eWxlIjpudWxsLCJQYXJlbnRTdHlsZSI6bnVsbH0sIkR1cmF0aW9uU3R5bGUiOnsiJGlkIjoiMTU2IiwiRm9udFNldHRpbmdzIjp7IiRpZCI6IjE1NyIsIkZvbnRTaXplIjoxMCwiRm9udE5hbWUiOiJDYWxpYnJpIiwiSXNCb2xkIjpmYWxzZSwiSXNJdGFsaWMiOmZhbHNlLCJJc1VuZGVybGluZWQiOmZhbHNlLCJQYXJlbnRTdHlsZSI6bnVsbH0sIkF1dG9TaXplIjowLCJGb3JlZ3JvdW5kIjp7IiRpZCI6IjE1OCIsIkNvbG9yIjp7IiRpZCI6IjE1OSIsIkEiOjI1NSwiUiI6MjM3LCJHIjoxMjUsIkIiOjQ5fX0sIk1heFdpZHRoIjoyMDAuMCwiTWF4SGVpZ2h0IjoiSW5maW5pdHkiLCJTbWFydEZvcmVncm91bmRJc0FjdGl2ZSI6ZmFsc2UsIkhvcml6b250YWxBbGlnbm1lbnQiOjAsIlZlcnRpY2FsQWxpZ25tZW50IjowLCJTbWFydEZvcmVncm91bmQiOm51bGwsIkJhY2tncm91bmRGaWxsVHlwZSI6MCwiTWFyZ2luIjp7IiRpZCI6IjE2MCIsIlRvcCI6MC4wLCJMZWZ0IjowLjAsIlJpZ2h0IjowLjAsIkJvdHRvbSI6MC4wfSwiUGFkZGluZyI6eyIkaWQiOiIxNjEiLCJUb3AiOjAuMCwiTGVmdCI6MC4wLCJSaWdodCI6MC4wLCJCb3R0b20iOjAuMH0sIkJhY2tncm91bmQiOnsiJGlkIjoiMTYyIiwiQ29sb3IiOnsiJHJlZiI6IjE1NSJ9fSwiSXNWaXNpYmxlIjp0cnVlLCJXaWR0aCI6MC4wLCJIZWlnaHQiOjAuMCwiQm9yZGVyU3R5bGUiOm51bGwsIlBhcmVudFN0eWxlIjpudWxsfSwiSG9yaXpvbnRhbENvbm5lY3RvclN0eWxlIjp7IiRpZCI6IjE2MyIsIkxpbmVDb2xvciI6eyIkaWQiOiIxNjQiLCIkdHlwZSI6Ik5MUkUuQ29tbW9uLkRvbS5Tb2xpZENvbG9yQnJ1c2gsIE5MUkUuQ29tbW9uIiwiQ29sb3IiOnsiJGlkIjoiMTY1IiwiQSI6MjU1LCJSIjoyMDQsIkciOjIwNCwiQiI6MjA0fX0sIkxpbmVXZWlnaHQiOjEuMCwiTGluZVR5cGUiOjAsIlBhcmVudFN0eWxlIjpudWxsfSwiVmVydGljYWxDb25uZWN0b3JTdHlsZSI6eyIkaWQiOiIxNjYiLCJMaW5lQ29sb3IiOnsiJGlkIjoiMTY3IiwiJHR5cGUiOiJOTFJFLkNvbW1vbi5Eb20uU29saWRDb2xvckJydXNoLCBOTFJFLkNvbW1vbiIsIkNvbG9yIjp7IiRpZCI6IjE2OCIsIkEiOjI1NSwiUiI6MjA0LCJHIjoyMDQsIkIiOjIwNH19LCJMaW5lV2VpZ2h0IjowLjAsIkxpbmVUeXBlIjowLCJQYXJlbnRTdHlsZSI6bnVsbH0sIk1hcmdpbiI6bnVsbCwiU3RhcnREYXRlUG9zaXRpb24iOjQsIkVuZERhdGVQb3NpdGlvbiI6NCwiRGF0ZUlzVmlzaWJsZSI6dHJ1ZSwiVGl0bGVQb3NpdGlvbiI6NSwiRHVyYXRpb25Qb3NpdGlvbiI6NiwiUGVyY2VudGFnZUNvbXBsZXRlZFBvc2l0aW9uIjo2LCJTcGFjaW5nIjo1LCJJc0JlbG93VGltZWJhbmQiOnRydWUsIlBlcmNlbnRhZ2VDb21wbGV0ZVNoYXBlT3BhY2l0eSI6MzUsIkJhc2VsaW5lU3R5bGUiOnsiJGlkIjoiMTY5IiwiU2hhcGVTdHlsZSI6eyIkaWQiOiIxNzAiLCJNYXJnaW4iOnsiJGlkIjoiMTcxIiwiVG9wIjowLjAsIkxlZnQiOjAuMCwiUmlnaHQiOjAuMCwiQm90dG9tIjowLjB9LCJQYWRkaW5nIjp7IiRpZCI6IjE3MiIsIlRvcCI6MC4wLCJMZWZ0IjowLjAsIlJpZ2h0IjowLjAsIkJvdHRvbSI6MC4wfSwiQmFja2dyb3VuZCI6eyIkaWQiOiIxNzMiLCJDb2xvciI6eyIkaWQiOiIxNzQiLCJBIjoxNTMsIlIiOjAsIkciOjAsIkIiOjB9fSwiSXNWaXNpYmxlIjp0cnVlLCJXaWR0aCI6MC4wLCJIZWlnaHQiOjAuMCwiQm9yZGVyU3R5bGUiOnsiJGlkIjoiMTc1IiwiTGluZUNvbG9yIjpudWxsLCJMaW5lV2VpZ2h0IjowLjAsIkxpbmVUeXBlIjowLCJQYXJlbnRTdHlsZSI6bnVsbH0sIlBhcmVudFN0eWxlIjpudWxsfSwiTWFyZ2luIjp7IiRpZCI6IjE3NiIsIlRvcCI6MC4wLCJMZWZ0IjowLjAsIlJpZ2h0IjowLjAsIkJvdHRvbSI6MC4wfSwiUGFkZGluZyI6eyIkaWQiOiIxNzciLCJUb3AiOjAuMCwiTGVmdCI6MC4wLCJSaWdodCI6MC4wLCJCb3R0b20iOjAuMH0sIkJhY2tncm91bmQiOm51bGwsIklzVmlzaWJsZSI6dHJ1ZSwiV2lkdGgiOjAuMCwiSGVpZ2h0IjowLjAsIkJvcmRlclN0eWxlIjpudWxsLCJQYXJlbnRTdHlsZSI6bnVsbH0sIlNoYXBlU3R5bGUiOnsiJGlkIjoiMTc4IiwiTWFyZ2luIjp7IiRpZCI6IjE3OSIsIlRvcCI6MC4wLCJMZWZ0Ijo0LjAsIlJpZ2h0Ijo0LjAsIkJvdHRvbSI6MC4wfSwiUGFkZGluZyI6eyIkaWQiOiIxODAiLCJUb3AiOjAuMCwiTGVmdCI6MC4wLCJSaWdodCI6MC4wLCJCb3R0b20iOjAuMH0sIkJhY2tncm91bmQiOnsiJGlkIjoiMTgxIiwiQ29sb3IiOnsiJGlkIjoiMTgyIiwiQSI6MjU1LCJSIjo5MSwiRyI6MTU1LCJCIjoyMTN9fSwiSXNWaXNpYmxlIjp0cnVlLCJXaWR0aCI6MC4wLCJIZWlnaHQiOjE2LjAsIkJvcmRlclN0eWxlIjp7IiRpZCI6IjE4MyIsIkxpbmVDb2xvciI6eyIkaWQiOiIxODQiLCIkdHlwZSI6Ik5MUkUuQ29tbW9uLkRvbS5Tb2xpZENvbG9yQnJ1c2gsIE5MUkUuQ29tbW9uIiwiQ29sb3IiOnsiJGlkIjoiMTg1IiwiQSI6MjU1LCJSIjoyMzQsIkciOjIyLCJCIjozMH19LCJMaW5lV2VpZ2h0IjowLjAsIkxpbmVUeXBlIjowLCJQYXJlbnRTdHlsZSI6bnVsbH0sIlBhcmVudFN0eWxlIjpudWxsfSwiVGl0bGVTdHlsZSI6eyIkaWQiOiIxODYiLCJGb250U2V0dGluZ3MiOnsiJGlkIjoiMTg3IiwiRm9udFNpemUiOjExLCJGb250TmFtZSI6IkNhbGlicmkiLCJJc0JvbGQiOnRydWUsIklzSXRhbGljIjpmYWxzZSwiSXNVbmRlcmxpbmVkIjpmYWxzZSwiUGFyZW50U3R5bGUiOm51bGx9LCJBdXRvU2l6ZSI6MCwiRm9yZWdyb3VuZCI6eyIkaWQiOiIxODgiLCJDb2xvciI6eyIkaWQiOiIxODkiLCJBIjoyNTUsIlIiOjAsIkciOjAsIkIiOjB9fSwiTWF4V2lkdGgiOjIwMC4wLCJNYXhIZWlnaHQiOiJJbmZpbml0eSIsIlNtYXJ0Rm9yZWdyb3VuZElzQWN0aXZlIjpmYWxzZSwiSG9yaXpvbnRhbEFsaWdubWVudCI6MCwiVmVydGljYWxBbGlnbm1lbnQiOjAsIlNtYXJ0Rm9yZWdyb3VuZCI6bnVsbCwiQmFja2dyb3VuZEZpbGxUeXBlIjowLCJNYXJnaW4iOnsiJGlkIjoiMTkwIiwiVG9wIjowLjAsIkxlZnQiOjAuMCwiUmlnaHQiOjAuMCwiQm90dG9tIjowLjB9LCJQYWRkaW5nIjp7IiRpZCI6IjE5MSIsIlRvcCI6MC4wLCJMZWZ0IjowLjAsIlJpZ2h0IjowLjAsIkJvdHRvbSI6MC4wfSwiQmFja2dyb3VuZCI6eyIkaWQiOiIxOTIiLCJDb2xvciI6eyIkcmVmIjoiMTU1In19LCJJc1Zpc2libGUiOnRydWUsIldpZHRoIjowLjAsIkhlaWdodCI6MC4wLCJCb3JkZXJTdHlsZSI6bnVsbCwiUGFyZW50U3R5bGUiOm51bGx9LCJEYXRlU3R5bGUiOnsiJGlkIjoiMTkzIiwiRm9udFNldHRpbmdzIjp7IiRpZCI6IjE5NCIsIkZvbnRTaXplIjoxMCwiRm9udE5hbWUiOiJDYWxpYnJpIiwiSXNCb2xkIjpmYWxzZSwiSXNJdGFsaWMiOmZhbHNlLCJJc1VuZGVybGluZWQiOmZhbHNlLCJQYXJlbnRTdHlsZSI6bnVsbH0sIkF1dG9TaXplIjowLCJGb3JlZ3JvdW5kIjp7IiRpZCI6IjE5NSIsIkNvbG9yIjp7IiRpZCI6IjE5NiIsIkEiOjI1NSwiUiI6NjgsIkciOjg0LCJCIjoxMDZ9fSwiTWF4V2lkdGgiOjIwMC4wLCJNYXhIZWlnaHQiOiJJbmZpbml0eSIsIlNtYXJ0Rm9yZWdyb3VuZElzQWN0aXZlIjpmYWxzZSwiSG9yaXpvbnRhbEFsaWdubWVudCI6MCwiVmVydGljYWxBbGlnbm1lbnQiOjAsIlNtYXJ0Rm9yZWdyb3VuZCI6bnVsbCwiQmFja2dyb3VuZEZpbGxUeXBlIjowLCJNYXJnaW4iOnsiJGlkIjoiMTk3IiwiVG9wIjowLjAsIkxlZnQiOjAuMCwiUmlnaHQiOjAuMCwiQm90dG9tIjowLjB9LCJQYWRkaW5nIjp7IiRpZCI6IjE5OCIsIlRvcCI6MC4wLCJMZWZ0IjowLjAsIlJpZ2h0IjowLjAsIkJvdHRvbSI6MC4wfSwiQmFja2dyb3VuZCI6eyIkaWQiOiIxOTkiLCJDb2xvciI6eyIkcmVmIjoiMTU1In19LCJJc1Zpc2libGUiOnRydWUsIldpZHRoIjowLjAsIkhlaWdodCI6MC4wLCJCb3JkZXJTdHlsZSI6bnVsbCwiUGFyZW50U3R5bGUiOm51bGx9LCJEYXRlRm9ybWF0Ijp7IiRpZCI6IjIwMCIsIkZvcm1hdFN0cmluZyI6Ik0vZC95eXl5IiwiU2VwYXJhdG9yIjoiLyIsIlVzZUludGVybmF0aW9uYWxEYXRlRm9ybWF0IjpmYWxzZSwiRGF0ZUlzVmlzaWJsZSI6dHJ1ZSwiVGltZUlzVmlzaWJsZSI6ZmFsc2UsIkhvdXJEaWdpdHMiOjEsIkFtUG1EZXNpZ25hdG9yIjoyLCJUcmltMDBNaW51dGVzIjpmYWxzZSwiTGFzdEtub3duVmlzaWJpbGl0eVN0YXRlIjp7IiRpZCI6IjIwMSIsIkRhdGVQYXJ0SXNWaXNpYmxlIjpmYWxzZSwiVGltZVBhcnRJc1Zpc2libGUiOmZhbHNlfX0sIldlZWtOdW1iZXJpbmciOnsiJGlkIjoiMjAyIiwiRm9ybWF0IjowLCJJc1Zpc2libGUiOmZhbHNlLCJMYXN0S25vd25WaXNpYmlsaXR5U3RhdGUiOmZhbHNlfSwiSXNWaXNpYmxlIjp0cnVlLCJQYXJlbnRTdHlsZSI6bnVsbCwiX2V4cGxpY2l0bHlTZXQiOnsiJGlkIjoiMjAzIiwiU2hhcGVTdHlsZSI6ZmFsc2UsIlRpdGxlU3R5bGUiOmZhbHNlLCJEYXRlU3R5bGUiOmZhbHNlLCJIb3Jpem9udGFsQ29ubmVjdG9yU3R5bGUiOmZhbHNlLCJWZXJ0aWNhbENvbm5lY3RvclN0eWxlIjpmYWxzZSwiUGVyY2VudGFnZUNvbXBsZXRlU2hhcGVPcGFjaXR5IjpmYWxzZSwiU2hhcGUiOmZhbHNlLCJTaGFwZVRoaWNrbmVzcyI6ZmFsc2UsIkR1cmF0aW9uRm9ybWF0IjpmYWxzZSwiSW5jbHVkZU5vbldvcmtpbmdEYXlzSW5EdXJhdGlvbiI6ZmFsc2UsIk1hcmdpbiI6ZmFsc2UsIlN0YXJ0RGF0ZVBvc2l0aW9uIjpmYWxzZSwiRW5kRGF0ZVBvc2l0aW9uIjpmYWxzZSwiVGl0bGVQb3NpdGlvbiI6ZmFsc2UsIkR1cmF0aW9uUG9zaXRpb24iOmZhbHNlLCJQZXJjZW50YWdlQ29tcGxldGVkUG9zaXRpb24iOmZhbHNlLCJTcGFjaW5nIjpmYWxzZSwiSXNCZWxvd1RpbWViYW5kIjpmYWxzZSwiRGF0ZUZvcm1hdCI6ZmFsc2UsIldlZWtOdW1iZXJpbmciOmZhbHNlLCJJc1Zpc2libGUiOmZhbHNlfX0sIkRlZmF1bHRTd2ltbGFuZU1pbGVzdG9uZVN0eWxlIjp7IiRpZCI6IjIwNCIsIlRpdGxlUG9zaXRpb24iOiJSaWdodCIsIkRhdGVQb3NpdGlvbiI6IkxlZnQiLCJTaGFwZVR5cGUiOjIsIlNoYXBlU2l6ZSI6MSwiU3BhY2luZyI6NSwiU2hhcGVTdHlsZSI6eyIkaWQiOiIyMDUiLCJNYXJnaW4iOnsiJGlkIjoiMjA2IiwiVG9wIjowLjAsIkxlZnQiOjAuMCwiUmlnaHQiOjAuMCwiQm90dG9tIjowLjB9LCJQYWRkaW5nIjp7IiRpZCI6IjIwNyIsIlRvcCI6MC4wLCJMZWZ0IjowLjAsIlJpZ2h0IjowLjAsIkJvdHRvbSI6MC4wfSwiQmFja2dyb3VuZCI6eyIkaWQiOiIyMDgiLCJDb2xvciI6eyIkaWQiOiIyMDkiLCJBIjoyNTUsIlIiOjAsIkciOjExNCwiQiI6MTg4fX0sIklzVmlzaWJsZSI6dHJ1ZSwiV2lkdGgiOjE4LjAsIkhlaWdodCI6MjAuMCwiQm9yZGVyU3R5bGUiOnsiJGlkIjoiMjEwIiwiTGluZUNvbG9yIjp7IiRpZCI6IjIxMSIsIiR0eXBlIjoiTkxSRS5Db21tb24uRG9tLlNvbGlkQ29sb3JCcnVzaCwgTkxSRS5Db21tb24iLCJDb2xvciI6eyIkaWQiOiIyMTIiLCJBIjoyNTUsIlIiOjI1NSwiRyI6MCwiQiI6MH19LCJMaW5lV2VpZ2h0IjowLjAsIkxpbmVUeXBlIjowLCJQYXJlbnRTdHlsZSI6bnVsbH0sIlBhcmVudFN0eWxlIjpudWxsfSwiVGl0bGVTdHlsZSI6eyIkaWQiOiIyMTMiLCJGb250U2V0dGluZ3MiOnsiJGlkIjoiMjE0IiwiRm9udFNpemUiOjExLCJGb250TmFtZSI6IkNhbGlicmkiLCJJc0JvbGQiOnRydWUsIklzSXRhbGljIjpmYWxzZSwiSXNVbmRlcmxpbmVkIjpmYWxzZSwiUGFyZW50U3R5bGUiOm51bGx9LCJBdXRvU2l6ZSI6MCwiRm9yZWdyb3VuZCI6eyIkaWQiOiIyMTUiLCJDb2xvciI6eyIkaWQiOiIyMTYiLCJBIjoyNTUsIlIiOjAsIkciOjAsIkIiOjB9fSwiTWF4V2lkdGgiOjIwMC4wLCJNYXhIZWlnaHQiOiJJbmZpbml0eSIsIlNtYXJ0Rm9yZWdyb3VuZElzQWN0aXZlIjpmYWxzZSwiSG9yaXpvbnRhbEFsaWdubWVudCI6MCwiVmVydGljYWxBbGlnbm1lbnQiOjAsIlNtYXJ0Rm9yZWdyb3VuZCI6bnVsbCwiQmFja2dyb3VuZEZpbGxUeXBlIjowLCJNYXJnaW4iOnsiJGlkIjoiMjE3IiwiVG9wIjowLjAsIkxlZnQiOjAuMCwiUmlnaHQiOjAuMCwiQm90dG9tIjowLjB9LCJQYWRkaW5nIjp7IiRpZCI6IjIxOCIsIlRvcCI6MC4wLCJMZWZ0IjowLjAsIlJpZ2h0IjowLjAsIkJvdHRvbSI6MC4wfSwiQmFja2dyb3VuZCI6eyIkaWQiOiIyMTkiLCJDb2xvciI6eyIkaWQiOiIyMjAiLCJBIjo4OSwiUiI6MCwiRyI6MCwiQiI6MH19LCJJc1Zpc2libGUiOnRydWUsIldpZHRoIjowLjAsIkhlaWdodCI6MC4wLCJCb3JkZXJTdHlsZSI6bnVsbCwiUGFyZW50U3R5bGUiOm51bGx9LCJEYXRlU3R5bGUiOnsiJGlkIjoiMjIxIiwiRm9udFNldHRpbmdzIjp7IiRpZCI6IjIyMiIsIkZvbnRTaXplIjoxMCwiRm9udE5hbWUiOiJDYWxpYnJpIiwiSXNCb2xkIjpmYWxzZSwiSXNJdGFsaWMiOmZhbHNlLCJJc1VuZGVybGluZWQiOmZhbHNlLCJQYXJlbnRTdHlsZSI6bnVsbH0sIkF1dG9TaXplIjowLCJGb3JlZ3JvdW5kIjp7IiRpZCI6IjIyMyIsIkNvbG9yIjp7IiRpZCI6IjIyNCIsIkEiOjI1NSwiUiI6NjgsIkciOjg0LCJCIjoxMDZ9fSwiTWF4V2lkdGgiOjIwMC4wLCJNYXhIZWlnaHQiOiJJbmZpbml0eSIsIlNtYXJ0Rm9yZWdyb3VuZElzQWN0aXZlIjpmYWxzZSwiSG9yaXpvbnRhbEFsaWdubWVudCI6MCwiVmVydGljYWxBbGlnbm1lbnQiOjAsIlNtYXJ0Rm9yZWdyb3VuZCI6bnVsbCwiQmFja2dyb3VuZEZpbGxUeXBlIjowLCJNYXJnaW4iOnsiJGlkIjoiMjI1IiwiVG9wIjowLjAsIkxlZnQiOjAuMCwiUmlnaHQiOjAuMCwiQm90dG9tIjowLjB9LCJQYWRkaW5nIjp7IiRpZCI6IjIyNiIsIlRvcCI6MC4wLCJMZWZ0IjowLjAsIlJpZ2h0IjowLjAsIkJvdHRvbSI6MC4wfSwiQmFja2dyb3VuZCI6eyIkaWQiOiIyMjciLCJDb2xvciI6eyIkaWQiOiIyMjgiLCJBIjo4OSwiUiI6MCwiRyI6MCwiQiI6MH19LCJJc1Zpc2libGUiOnRydWUsIldpZHRoIjowLjAsIkhlaWdodCI6MC4wLCJCb3JkZXJTdHlsZSI6bnVsbCwiUGFyZW50U3R5bGUiOm51bGx9LCJEYXRlRm9ybWF0Ijp7IiRpZCI6IjIyOSIsIkZvcm1hdFN0cmluZyI6Ik0vZC95eXl5IiwiU2VwYXJhdG9yIjoiLyIsIlVzZUludGVybmF0aW9uYWxEYXRlRm9ybWF0IjpmYWxzZSwiRGF0ZUlzVmlzaWJsZSI6dHJ1ZSwiVGltZUlzVmlzaWJsZSI6ZmFsc2UsIkhvdXJEaWdpdHMiOjEsIkFtUG1EZXNpZ25hdG9yIjoyLCJUcmltMDBNaW51dGVzIjpmYWxzZSwiTGFzdEtub3duVmlzaWJpbGl0eVN0YXRlIjp7IiRpZCI6IjIzMCIsIkRhdGVQYXJ0SXNWaXNpYmxlIjpmYWxzZSwiVGltZVBhcnRJc1Zpc2libGUiOmZhbHNlfX0sIldlZWtOdW1iZXJpbmciOnsiJGlkIjoiMjMxIiwiRm9ybWF0IjowLCJJc1Zpc2libGUiOmZhbHNlLCJMYXN0S25vd25WaXNpYmlsaXR5U3RhdGUiOmZhbHNlfSwiSXNWaXNpYmxlIjp0cnVlLCJQYXJlbnRTdHlsZSI6bnVsbH0sIkdyaWRsaW5lUGFuZWxTdHlsZSI6eyIkaWQiOiIyMzIiLCJHcmlkbGluZVN0eWxlIjp7IiRpZCI6IjIzMyIsIkxpbmVDb2xvciI6eyIkaWQiOiIyMzQiLCIkdHlwZSI6Ik5MUkUuQ29tbW9uLkRvbS5Tb2xpZENvbG9yQnJ1c2gsIE5MUkUuQ29tbW9uIiwiQ29sb3IiOnsiJGlkIjoiMjM1IiwiQSI6MzgsIlIiOjc5LCJHIjoxMjksIkIiOjE4OX19LCJMaW5lV2VpZ2h0IjoxLjAsIkxpbmVUeXBlIjowLCJQYXJlbnRTdHlsZSI6bnVsbH0sIk1hcmdpbiI6eyIkaWQiOiIyMzYiLCJUb3AiOjAuMCwiTGVmdCI6MC4wLCJSaWdodCI6MC4wLCJCb3R0b20iOjAuMH0sIlBhZGRpbmciOnsiJGlkIjoiMjM3IiwiVG9wIjowLjAsIkxlZnQiOjAuMCwiUmlnaHQiOjAuMCwiQm90dG9tIjowLjB9LCJCYWNrZ3JvdW5kIjpudWxsLCJJc1Zpc2libGUiOnRydWUsIldpZHRoIjowLjAsIkhlaWdodCI6MC4wLCJCb3JkZXJTdHlsZSI6bnVsbCwiUGFyZW50U3R5bGUiOm51bGx9LCJBY3Rpdml0eUxpbmVQYW5lbFN0eWxlIjp7IiRpZCI6IjIzOCIsIkFjdGl2aXR5TGluZVN0eWxlIjp7IiRpZCI6IjIzOSIsIkxpbmVDb2xvciI6eyIkaWQiOiIyNDAiLCIkdHlwZSI6Ik5MUkUuQ29tbW9uLkRvbS5Tb2xpZENvbG9yQnJ1c2gsIE5MUkUuQ29tbW9uIiwiQ29sb3IiOnsiJGlkIjoiMjQxIiwiQSI6MzgsIlIiOjc5LCJHIjoxMjksIkIiOjE4OX19LCJMaW5lV2VpZ2h0IjoxLjAsIkxpbmVUeXBlIjowLCJQYXJlbnRTdHlsZSI6bnVsbH0sIk1hcmdpbiI6eyIkaWQiOiIyNDIiLCJUb3AiOjAuMCwiTGVmdCI6MC4wLCJSaWdodCI6MC4wLCJCb3R0b20iOjAuMH0sIlBhZGRpbmciOnsiJGlkIjoiMjQzIiwiVG9wIjowLjAsIkxlZnQiOjAuMCwiUmlnaHQiOjAuMCwiQm90dG9tIjowLjB9LCJCYWNrZ3JvdW5kIjpudWxsLCJJc1Zpc2libGUiOnRydWUsIldpZHRoIjowLjAsIkhlaWdodCI6MC4wLCJCb3JkZXJTdHlsZSI6bnVsbCwiUGFyZW50U3R5bGUiOm51bGx9LCJfc2VsZWN0ZWRUaGVtZVByZXNldENvbG9ycyI6eyIkaWQiOiIyNDQiLCJUZXh0TGlnaHQiOnsiJGlkIjoiMjQ1IiwiQSI6MjU1LCJSIjoyNTUsIkciOjI1NSwiQiI6MjU1fSwiVGV4dERhcmsiOnsiJGlkIjoiMjQ2IiwiQSI6MjU1LCJSIjowLCJHIjowLCJCIjowfSwiQWNjZW50MSI6eyIkcmVmIjoiNjgifSwiQWNjZW50MiI6eyIkcmVmIjoiMzAifSwiQWNjZW50MyI6eyIkaWQiOiIyNDciLCJBIjoyNTUsIlIiOjkxLCJHIjoxNTUsIkIiOjIxM30sIkFjY2VudDQiOnsiJGlkIjoiMjQ4IiwiQSI6MjU1LCJSIjoyMzMsIkciOjExMywiQiI6NTB9LCJBY2NlbnQ1Ijp7IiRpZCI6IjI0OSIsIkEiOjI1NSwiUiI6MjUsIkciOjEwNywiQiI6MzZ9LCJBY2NlbnQ2Ijp7IiRpZCI6IjI1MCIsIkEiOjI1NSwiUiI6MTUsIkciOjE1OCwiQiI6MjEzfSwiQWNjZW50NyI6eyIkaWQiOiIyNTEiLCJBIjoyNTUsIlIiOjE2MCwiRyI6NDMsIkIiOjE0N30sIkFjY2VudDgiOnsiJGlkIjoiMjUyIiwiQSI6MjU1LCJSIjo3OCwiRyI6MTY3LCJCIjo0Nn19LCJTaG93RWxhcHNlZFRpbWVHcmFkaWVudFN0eWxlIjpmYWxzZSwiVGltZWJhbmRSZXNlcnZlZExlZnRBcmVhU3R5bGUiOnsiJGlkIjoiMjUzIiwiQWN0aXZpdHlIZWFkZXJXaWR0aCI6MC4wLCJJc1NldCI6ZmFsc2V9LCJEZWZhdWx0U3dpbWxhbmVTdHlsZSI6eyIkaWQiOiIyNTQiLCJIZWFkZXJTdHlsZSI6eyIkaWQiOiIyNTUiLCJUZXh0U3R5bGUiOnsiJGlkIjoiMjU2IiwiRm9udFNldHRpbmdzIjp7IiRpZCI6IjI1NyIsIkZvbnRTaXplIjoxMiwiRm9udE5hbWUiOiJDYWxpYnJpIiwiSXNCb2xkIjpmYWxzZSwiSXNJdGFsaWMiOmZhbHNlLCJJc1VuZGVybGluZWQiOmZhbHNlLCJQYXJlbnRTdHlsZSI6bnVsbH0sIkF1dG9TaXplIjowLCJGb3JlZ3JvdW5kIjp7IiRpZCI6IjI1OCIsIkNvbG9yIjp7IiRpZCI6IjI1OSIsIkEiOjI1NSwiUiI6MjU1LCJHIjoyNTUsIkIiOjI1NX19LCJNYXhXaWR0aCI6IkluZmluaXR5IiwiTWF4SGVpZ2h0IjoiSW5maW5pdHkiLCJTbWFydEZvcmVncm91bmRJc0FjdGl2ZSI6ZmFsc2UsIkhvcml6b250YWxBbGlnbm1lbnQiOjAsIlZlcnRpY2FsQWxpZ25tZW50IjowLCJTbWFydEZvcmVncm91bmQiOm51bGwsIkJhY2tncm91bmRGaWxsVHlwZSI6MCwiTWFyZ2luIjp7IiRpZCI6IjI2MCIsIlRvcCI6MC4wLCJMZWZ0IjowLjAsIlJpZ2h0IjowLjAsIkJvdHRvbSI6MC4wfSwiUGFkZGluZyI6eyIkaWQiOiIyNjEiLCJUb3AiOjAuMCwiTGVmdCI6MC4wLCJSaWdodCI6MC4wLCJCb3R0b20iOjAuMH0sIkJhY2tncm91bmQiOm51bGwsIklzVmlzaWJsZSI6dHJ1ZSwiV2lkdGgiOjAuMCwiSGVpZ2h0IjowLjAsIkJvcmRlclN0eWxlIjpudWxsLCJQYXJlbnRTdHlsZSI6bnVsbH0sIlJlY3RhbmdsZVN0eWxlIjp7IiRpZCI6IjI2MiIsIk1hcmdpbiI6eyIkaWQiOiIyNjMiLCJUb3AiOjAuMCwiTGVmdCI6MC4wLCJSaWdodCI6MC4wLCJCb3R0b20iOjAuMH0sIlBhZGRpbmciOnsiJGlkIjoiMjY0IiwiVG9wIjowLjAsIkxlZnQiOjAuMCwiUmlnaHQiOjAuMCwiQm90dG9tIjowLjB9LCJCYWNrZ3JvdW5kIjp7IiRpZCI6IjI2NSIsIkNvbG9yIjp7IiRpZCI6IjI2NiIsIkEiOjEyNywiUiI6NzksIkciOjEyOSwiQiI6MTg5fX0sIklzVmlzaWJsZSI6dHJ1ZSwiV2lkdGgiOjAuMCwiSGVpZ2h0IjowLjAsIkJvcmRlclN0eWxlIjp7IiRpZCI6IjI2NyIsIkxpbmVDb2xvciI6eyIkaWQiOiIyNjgiLCIkdHlwZSI6Ik5MUkUuQ29tbW9uLkRvbS5Tb2xpZENvbG9yQnJ1c2gsIE5MUkUuQ29tbW9uIiwiQ29sb3IiOnsiJGlkIjoiMjY5IiwiQSI6MjU1LCJSIjoyNTUsIkciOjAsIkIiOjB9fSwiTGluZVdlaWdodCI6MC4wLCJMaW5lVHlwZSI6MCwiUGFyZW50U3R5bGUiOm51bGx9LCJQYXJlbnRTdHlsZSI6bnVsbH0sIk1hcmdpbiI6eyIkaWQiOiIyNzAiLCJUb3AiOjAuMCwiTGVmdCI6MC4wLCJSaWdodCI6MC4wLCJCb3R0b20iOjAuMH0sIlBhZGRpbmciOnsiJGlkIjoiMjcxIiwiVG9wIjowLjAsIkxlZnQiOjAuMCwiUmlnaHQiOjAuMCwiQm90dG9tIjowLjB9LCJCYWNrZ3JvdW5kIjpudWxsLCJJc1Zpc2libGUiOnRydWUsIldpZHRoIjowLjAsIkhlaWdodCI6MC4wLCJCb3JkZXJTdHlsZSI6bnVsbCwiUGFyZW50U3R5bGUiOm51bGx9LCJCYWNrZ3JvdW5kU3R5bGUiOnsiJGlkIjoiMjcyIiwiTWFyZ2luIjp7IiRpZCI6IjI3MyIsIlRvcCI6MC4wLCJMZWZ0IjowLjAsIlJpZ2h0IjowLjAsIkJvdHRvbSI6MC4wfSwiUGFkZGluZyI6eyIkaWQiOiIyNzQiLCJUb3AiOjAuMCwiTGVmdCI6MC4wLCJSaWdodCI6MC4wLCJCb3R0b20iOjAuMH0sIkJhY2tncm91bmQiOnsiJGlkIjoiMjc1IiwiQ29sb3IiOnsiJGlkIjoiMjc2IiwiQSI6MzgsIlIiOjc5LCJHIjoxMjksIkIiOjE4OX19LCJJc1Zpc2libGUiOnRydWUsIldpZHRoIjowLjAsIkhlaWdodCI6MC4wLCJCb3JkZXJTdHlsZSI6eyIkaWQiOiIyNzciLCJMaW5lQ29sb3IiOnsiJGlkIjoiMjc4IiwiJHR5cGUiOiJOTFJFLkNvbW1vbi5Eb20uU29saWRDb2xvckJydXNoLCBOTFJFLkNvbW1vbiIsIkNvbG9yIjp7IiRpZCI6IjI3OSIsIkEiOjI1NSwiUiI6MjU1LCJHIjowLCJCIjowfX0sIkxpbmVXZWlnaHQiOjAuMCwiTGluZVR5cGUiOjAsIlBhcmVudFN0eWxlIjpudWxsfSwiUGFyZW50U3R5bGUiOm51bGx9LCJJc0Fib3ZlVGltZWJhbmQiOmZhbHNlLCJNYXJnaW4iOnsiJGlkIjoiMjgwIiwiVG9wIjowLjAsIkxlZnQiOjAuMCwiUmlnaHQiOjAuMCwiQm90dG9tIjowLjB9LCJQYWRkaW5nIjp7IiRpZCI6IjI4MSIsIlRvcCI6MC4wLCJMZWZ0IjowLjAsIlJpZ2h0IjowLjAsIkJvdHRvbSI6MC4wfSwiSXNWaXNpYmxlIjp0cnVlLCJXaWR0aCI6MC4wLCJIZWlnaHQiOjAuMCwiQm9yZGVyU3R5bGUiOm51bGwsIlBhcmVudFN0eWxlIjpudWxsfSwiRGVmYXVsdFN3aW1sYW5lVjJTdHlsZSI6eyIkaWQiOiIyODIiLCJTdHlsZUlkIjoiZjY1ZTk2OTktNDZhZS00NDEzLThlZWMtYjE3ZTM5YWViMmZlIiwiSGVhZGVyU3R5bGUiOnsiJGlkIjoiMjgzIiwiVGV4dElzVmVydGljYWwiOmZhbHNlLCJUZXh0U3R5bGUiOnsiJGlkIjoiMjg0IiwiRm9udFNldHRpbmdzIjp7IiRpZCI6IjI4NSIsIkZvbnRTaXplIjoxMiwiRm9udE5hbWUiOiJDYWxpYnJpIiwiSXNCb2xkIjpmYWxzZSwiSXNJdGFsaWMiOmZhbHNlLCJJc1VuZGVybGluZWQiOmZhbHNlLCJQYXJlbnRTdHlsZSI6bnVsbH0sIkF1dG9TaXplIjoyLCJGb3JlZ3JvdW5kIjp7IiRpZCI6IjI4NiIsIkNvbG9yIjp7IiRpZCI6IjI4NyIsIkEiOjI1NSwiUiI6MjU1LCJHIjoyNTUsIkIiOjI1NX19LCJNYXhXaWR0aCI6IkluZmluaXR5IiwiTWF4SGVpZ2h0IjoiSW5maW5pdHkiLCJTbWFydEZvcmVncm91bmRJc0FjdGl2ZSI6ZmFsc2UsIkhvcml6b250YWxBbGlnbm1lbnQiOjAsIlZlcnRpY2FsQWxpZ25tZW50IjowLCJTbWFydEZvcmVncm91bmQiOm51bGwsIkJhY2tncm91bmRGaWxsVHlwZSI6MCwiTWFyZ2luIjp7IiRpZCI6IjI4OCIsIlRvcCI6MC4wLCJMZWZ0IjowLjAsIlJpZ2h0IjowLjAsIkJvdHRvbSI6MC4wfSwiUGFkZGluZyI6eyIkaWQiOiIyODkiLCJUb3AiOjAuMCwiTGVmdCI6MC4wLCJSaWdodCI6MC4wLCJCb3R0b20iOjAuMH0sIkJhY2tncm91bmQiOm51bGwsIklzVmlzaWJsZSI6dHJ1ZSwiV2lkdGgiOjAuMCwiSGVpZ2h0IjowLjAsIkJvcmRlclN0eWxlIjpudWxsLCJQYXJlbnRTdHlsZSI6bnVsbH0sIlJlY3RhbmdsZVN0eWxlIjp7IiRpZCI6IjI5MCIsIk1hcmdpbiI6eyIkaWQiOiIyOTEiLCJUb3AiOjAuMCwiTGVmdCI6MC4wLCJSaWdodCI6MC4wLCJCb3R0b20iOjAuMH0sIlBhZGRpbmciOnsiJGlkIjoiMjkyIiwiVG9wIjowLjAsIkxlZnQiOjAuMCwiUmlnaHQiOjAuMCwiQm90dG9tIjowLjB9LCJCYWNrZ3JvdW5kIjp7IiRpZCI6IjI5MyIsIkNvbG9yIjp7IiRpZCI6IjI5NCIsIkEiOjI1NSwiUiI6OTEsIkciOjE1NSwiQiI6MjEzfX0sIklzVmlzaWJsZSI6dHJ1ZSwiV2lkdGgiOjAuMCwiSGVpZ2h0IjowLjAsIkJvcmRlclN0eWxlIjp7IiRpZCI6IjI5NSIsIkxpbmVDb2xvciI6eyIkaWQiOiIyOTYiLCIkdHlwZSI6Ik5MUkUuQ29tbW9uLkRvbS5Tb2xpZENvbG9yQnJ1c2gsIE5MUkUuQ29tbW9uIiwiQ29sb3IiOnsiJGlkIjoiMjk3IiwiQSI6MjU1LCJSIjoyNTUsIkciOjAsIkIiOjB9fSwiTGluZVdlaWdodCI6MC4wLCJMaW5lVHlwZSI6MCwiUGFyZW50U3R5bGUiOm51bGx9LCJQYXJlbnRTdHlsZSI6bnVsbH0sIk1hcmdpbiI6eyIkaWQiOiIyOTgiLCJUb3AiOjAuMCwiTGVmdCI6MC4wLCJSaWdodCI6MC4wLCJCb3R0b20iOjAuMH0sIlBhZGRpbmciOnsiJGlkIjoiMjk5IiwiVG9wIjowLjAsIkxlZnQiOjAuMCwiUmlnaHQiOjAuMCwiQm90dG9tIjowLjB9LCJCYWNrZ3JvdW5kIjpudWxsLCJJc1Zpc2libGUiOnRydWUsIldpZHRoIjowLjAsIkhlaWdodCI6MC4wLCJCb3JkZXJTdHlsZSI6bnVsbCwiUGFyZW50U3R5bGUiOm51bGx9LCJCYWNrZ3JvdW5kU3R5bGUiOnsiJGlkIjoiMzAwIiwiTWFyZ2luIjp7IiRpZCI6IjMwMSIsIlRvcCI6MC4wLCJMZWZ0IjowLjAsIlJpZ2h0IjowLjAsIkJvdHRvbSI6MC4wfSwiUGFkZGluZyI6eyIkaWQiOiIzMDIiLCJUb3AiOjAuMCwiTGVmdCI6MC4wLCJSaWdodCI6MC4wLCJCb3R0b20iOjAuMH0sIkJhY2tncm91bmQiOnsiJGlkIjoiMzAzIiwiQ29sb3IiOnsiJGlkIjoiMzA0IiwiQSI6NTEsIlIiOjkxLCJHIjoxNTUsIkIiOjIxM319LCJJc1Zpc2libGUiOnRydWUsIldpZHRoIjowLjAsIkhlaWdodCI6MC4wLCJCb3JkZXJTdHlsZSI6eyIkaWQiOiIzMDUiLCJMaW5lQ29sb3IiOnsiJGlkIjoiMzA2IiwiJHR5cGUiOiJOTFJFLkNvbW1vbi5Eb20uU29saWRDb2xvckJydXNoLCBOTFJFLkNvbW1vbiIsIkNvbG9yIjp7IiRpZCI6IjMwNyIsIkEiOjI1NSwiUiI6MjM0LCJHIjoyMiwiQiI6MzB9fSwiTGluZVdlaWdodCI6MC4wLCJMaW5lVHlwZSI6MCwiUGFyZW50U3R5bGUiOm51bGx9LCJQYXJlbnRTdHlsZSI6bnVsbH0sIklzQWJvdmVUaW1lYmFuZCI6ZmFsc2UsIlNwYWNpbmciOjUsIkRlZmF1bHRTd2ltbGFuZVRhc2tTdHlsZSI6eyIkaWQiOiIzMDgiLCIkdHlwZSI6Ik5MUkUuQ29tbW9uLkRvbS5TdHlsZXMuRXhwbGljaXRTZXRhYmxlVGFza1N0eWxlLCBOTFJFLkNvbW1vbiIsIlNoYXBlIjowLCJTaGFwZVRoaWNrbmVzcyI6MSwiRHVyYXRpb25Gb3JtYXQiOjAsIkluY2x1ZGVOb25Xb3JraW5nRGF5c0luRHVyYXRpb24iOmZhbHNlLCJQZXJjZW50YWdlQ29tcGxldGVTdHlsZSI6eyIkaWQiOiIzMDkiLCJGb250U2V0dGluZ3MiOnsiJGlkIjoiMzEwIiwiRm9udFNpemUiOjEwLCJGb250TmFtZSI6IkNhbGlicmkiLCJJc0JvbGQiOmZhbHNlLCJJc0l0YWxpYyI6ZmFsc2UsIklzVW5kZXJsaW5lZCI6ZmFsc2UsIlBhcmVudFN0eWxlIjpudWxsfSwiQXV0b1NpemUiOjAsIkZvcmVncm91bmQiOnsiJGlkIjoiMzExIiwiQ29sb3IiOnsiJGlkIjoiMzEyIiwiQSI6MjU1LCJSIjoyMzcsIkciOjEyNSwiQiI6NDl9fSwiTWF4V2lkdGgiOjIwMC4wLCJNYXhIZWlnaHQiOiJJbmZpbml0eSIsIlNtYXJ0Rm9yZWdyb3VuZElzQWN0aXZlIjpmYWxzZSwiSG9yaXpvbnRhbEFsaWdubWVudCI6MCwiVmVydGljYWxBbGlnbm1lbnQiOjAsIlNtYXJ0Rm9yZWdyb3VuZCI6bnVsbCwiQmFja2dyb3VuZEZpbGxUeXBlIjowLCJNYXJnaW4iOnsiJGlkIjoiMzEzIiwiVG9wIjowLjAsIkxlZnQiOjAuMCwiUmlnaHQiOjAuMCwiQm90dG9tIjowLjB9LCJQYWRkaW5nIjp7IiRpZCI6IjMxNCIsIlRvcCI6MC4wLCJMZWZ0IjowLjAsIlJpZ2h0IjowLjAsIkJvdHRvbSI6MC4wfSwiQmFja2dyb3VuZCI6eyIkaWQiOiIzMTUiLCJDb2xvciI6eyIkaWQiOiIzMTYiLCJBIjo4OSwiUiI6MCwiRyI6MCwiQiI6MH19LCJJc1Zpc2libGUiOnRydWUsIldpZHRoIjowLjAsIkhlaWdodCI6MC4wLCJCb3JkZXJTdHlsZSI6bnVsbCwiUGFyZW50U3R5bGUiOm51bGx9LCJEdXJhdGlvblN0eWxlIjp7IiRpZCI6IjMxNyIsIkZvbnRTZXR0aW5ncyI6eyIkaWQiOiIzMTgiLCJGb250U2l6ZSI6MTAsIkZvbnROYW1lIjoiQ2FsaWJyaSIsIklzQm9sZCI6ZmFsc2UsIklzSXRhbGljIjpmYWxzZSwiSXNVbmRlcmxpbmVkIjpmYWxzZSwiUGFyZW50U3R5bGUiOm51bGx9LCJBdXRvU2l6ZSI6MCwiRm9yZWdyb3VuZCI6eyIkaWQiOiIzMTkiLCJDb2xvciI6eyIkaWQiOiIzMjAiLCJBIjoyNTUsIlIiOjIzNywiRyI6MTI1LCJCIjo0OX19LCJNYXhXaWR0aCI6MjAwLjAsIk1heEhlaWdodCI6IkluZmluaXR5IiwiU21hcnRGb3JlZ3JvdW5kSXNBY3RpdmUiOmZhbHNlLCJIb3Jpem9udGFsQWxpZ25tZW50IjowLCJWZXJ0aWNhbEFsaWdubWVudCI6MCwiU21hcnRGb3JlZ3JvdW5kIjpudWxsLCJCYWNrZ3JvdW5kRmlsbFR5cGUiOjAsIk1hcmdpbiI6eyIkaWQiOiIzMjEiLCJUb3AiOjAuMCwiTGVmdCI6MC4wLCJSaWdodCI6MC4wLCJCb3R0b20iOjAuMH0sIlBhZGRpbmciOnsiJGlkIjoiMzIyIiwiVG9wIjowLjAsIkxlZnQiOjAuMCwiUmlnaHQiOjAuMCwiQm90dG9tIjowLjB9LCJCYWNrZ3JvdW5kIjp7IiRpZCI6IjMyMyIsIkNvbG9yIjp7IiRyZWYiOiIzMTYifX0sIklzVmlzaWJsZSI6dHJ1ZSwiV2lkdGgiOjAuMCwiSGVpZ2h0IjowLjAsIkJvcmRlclN0eWxlIjpudWxsLCJQYXJlbnRTdHlsZSI6bnVsbH0sIkhvcml6b250YWxDb25uZWN0b3JTdHlsZSI6eyIkaWQiOiIzMjQiLCJMaW5lQ29sb3IiOnsiJGlkIjoiMzI1IiwiJHR5cGUiOiJOTFJFLkNvbW1vbi5Eb20uU29saWRDb2xvckJydXNoLCBOTFJFLkNvbW1vbiIsIkNvbG9yIjp7IiRpZCI6IjMyNiIsIkEiOjI1NSwiUiI6MjA0LCJHIjoyMDQsIkIiOjIwNH19LCJMaW5lV2VpZ2h0IjoxLjAsIkxpbmVUeXBlIjowLCJQYXJlbnRTdHlsZSI6bnVsbH0sIlZlcnRpY2FsQ29ubmVjdG9yU3R5bGUiOnsiJGlkIjoiMzI3IiwiTGluZUNvbG9yIjp7IiRpZCI6IjMyOCIsIiR0eXBlIjoiTkxSRS5Db21tb24uRG9tLlNvbGlkQ29sb3JCcnVzaCwgTkxSRS5Db21tb24iLCJDb2xvciI6eyIkaWQiOiIzMjkiLCJBIjoyNTUsIlIiOjIwNCwiRyI6MjA0LCJCIjoyMDR9fSwiTGluZVdlaWdodCI6MC4wLCJMaW5lVHlwZSI6MCwiUGFyZW50U3R5bGUiOm51bGx9LCJNYXJnaW4iOm51bGwsIlN0YXJ0RGF0ZVBvc2l0aW9uIjo0LCJFbmREYXRlUG9zaXRpb24iOjQsIkRhdGVJc1Zpc2libGUiOnRydWUsIlRpdGxlUG9zaXRpb24iOjMsIkR1cmF0aW9uUG9zaXRpb24iOjYsIlBlcmNlbnRhZ2VDb21wbGV0ZWRQb3NpdGlvbiI6NiwiU3BhY2luZyI6NSwiSXNCZWxvd1RpbWViYW5kIjp0cnVlLCJQZXJjZW50YWdlQ29tcGxldGVTaGFwZU9wYWNpdHkiOjM1LCJCYXNlbGluZVN0eWxlIjp7IiRpZCI6IjMzMCIsIlNoYXBlU3R5bGUiOnsiJGlkIjoiMzMxIiwiTWFyZ2luIjp7IiRpZCI6IjMzMiIsIlRvcCI6MC4wLCJMZWZ0IjowLjAsIlJpZ2h0IjowLjAsIkJvdHRvbSI6MC4wfSwiUGFkZGluZyI6eyIkaWQiOiIzMzMiLCJUb3AiOjAuMCwiTGVmdCI6MC4wLCJSaWdodCI6MC4wLCJCb3R0b20iOjAuMH0sIkJhY2tncm91bmQiOnsiJGlkIjoiMzM0IiwiQ29sb3IiOnsiJGlkIjoiMzM1IiwiQSI6MTUzLCJSIjowLCJHIjowLCJCIjowfX0sIklzVmlzaWJsZSI6dHJ1ZSwiV2lkdGgiOjAuMCwiSGVpZ2h0IjowLjAsIkJvcmRlclN0eWxlIjp7IiRpZCI6IjMzNiIsIkxpbmVDb2xvciI6bnVsbCwiTGluZVdlaWdodCI6MC4wLCJMaW5lVHlwZSI6MCwiUGFyZW50U3R5bGUiOm51bGx9LCJQYXJlbnRTdHlsZSI6bnVsbH0sIk1hcmdpbiI6eyIkaWQiOiIzMzciLCJUb3AiOjAuMCwiTGVmdCI6MC4wLCJSaWdodCI6MC4wLCJCb3R0b20iOjAuMH0sIlBhZGRpbmciOnsiJGlkIjoiMzM4IiwiVG9wIjowLjAsIkxlZnQiOjAuMCwiUmlnaHQiOjAuMCwiQm90dG9tIjowLjB9LCJCYWNrZ3JvdW5kIjpudWxsLCJJc1Zpc2libGUiOnRydWUsIldpZHRoIjowLjAsIkhlaWdodCI6MC4wLCJCb3JkZXJTdHlsZSI6bnVsbCwiUGFyZW50U3R5bGUiOm51bGx9LCJTaGFwZVN0eWxlIjp7IiRpZCI6IjMzOSIsIk1hcmdpbiI6eyIkaWQiOiIzNDAiLCJUb3AiOjAuMCwiTGVmdCI6NC4wLCJSaWdodCI6NC4wLCJCb3R0b20iOjAuMH0sIlBhZGRpbmciOnsiJGlkIjoiMzQxIiwiVG9wIjowLjAsIkxlZnQiOjAuMCwiUmlnaHQiOjAuMCwiQm90dG9tIjowLjB9LCJCYWNrZ3JvdW5kIjp7IiRpZCI6IjM0MiIsIkNvbG9yIjp7IiRpZCI6IjM0MyIsIkEiOjI1NSwiUiI6OTEsIkciOjE1NSwiQiI6MjEzfX0sIklzVmlzaWJsZSI6dHJ1ZSwiV2lkdGgiOjAuMCwiSGVpZ2h0IjoxNi4wLCJCb3JkZXJTdHlsZSI6eyIkaWQiOiIzNDQiLCJMaW5lQ29sb3IiOnsiJGlkIjoiMzQ1IiwiJHR5cGUiOiJOTFJFLkNvbW1vbi5Eb20uU29saWRDb2xvckJydXNoLCBOTFJFLkNvbW1vbiIsIkNvbG9yIjp7IiRpZCI6IjM0NiIsIkEiOjI1NSwiUiI6MjU1LCJHIjowLCJCIjowfX0sIkxpbmVXZWlnaHQiOjAuMCwiTGluZVR5cGUiOjAsIlBhcmVudFN0eWxlIjpudWxsfSwiUGFyZW50U3R5bGUiOm51bGx9LCJUaXRsZVN0eWxlIjp7IiRpZCI6IjM0NyIsIkZvbnRTZXR0aW5ncyI6eyIkaWQiOiIzNDgiLCJGb250U2l6ZSI6MTEsIkZvbnROYW1lIjoiQ2FsaWJyaSIsIklzQm9sZCI6dHJ1ZSwiSXNJdGFsaWMiOmZhbHNlLCJJc1VuZGVybGluZWQiOmZhbHNlLCJQYXJlbnRTdHlsZSI6bnVsbH0sIkF1dG9TaXplIjowLCJGb3JlZ3JvdW5kIjp7IiRpZCI6IjM0OSIsIkNvbG9yIjp7IiRpZCI6IjM1MCIsIkEiOjI1NSwiUiI6MCwiRyI6MCwiQiI6MH19LCJNYXhXaWR0aCI6OTYwLjAsIk1heEhlaWdodCI6IkluZmluaXR5IiwiU21hcnRGb3JlZ3JvdW5kSXNBY3RpdmUiOmZhbHNlLCJIb3Jpem9udGFsQWxpZ25tZW50IjoyLCJWZXJ0aWNhbEFsaWdubWVudCI6MCwiU21hcnRGb3JlZ3JvdW5kIjpudWxsLCJCYWNrZ3JvdW5kRmlsbFR5cGUiOjAsIk1hcmdpbiI6eyIkaWQiOiIzNTEiLCJUb3AiOjAuMCwiTGVmdCI6MC4wLCJSaWdodCI6MC4wLCJCb3R0b20iOjAuMH0sIlBhZGRpbmciOnsiJGlkIjoiMzUyIiwiVG9wIjowLjAsIkxlZnQiOjAuMCwiUmlnaHQiOjAuMCwiQm90dG9tIjowLjB9LCJCYWNrZ3JvdW5kIjp7IiRpZCI6IjM1MyIsIkNvbG9yIjp7IiRyZWYiOiIzMTYifX0sIklzVmlzaWJsZSI6dHJ1ZSwiV2lkdGgiOjAuMCwiSGVpZ2h0IjowLjAsIkJvcmRlclN0eWxlIjpudWxsLCJQYXJlbnRTdHlsZSI6bnVsbH0sIkRhdGVTdHlsZSI6eyIkaWQiOiIzNTQiLCJGb250U2V0dGluZ3MiOnsiJGlkIjoiMzU1IiwiRm9udFNpemUiOjEwLCJGb250TmFtZSI6IkNhbGlicmkiLCJJc0JvbGQiOmZhbHNlLCJJc0l0YWxpYyI6ZmFsc2UsIklzVW5kZXJsaW5lZCI6ZmFsc2UsIlBhcmVudFN0eWxlIjpudWxsfSwiQXV0b1NpemUiOjAsIkZvcmVncm91bmQiOnsiJGlkIjoiMzU2IiwiQ29sb3IiOnsiJGlkIjoiMzU3IiwiQSI6MjU1LCJSIjo2OCwiRyI6ODQsIkIiOjEwNn19LCJNYXhXaWR0aCI6MjAwLjAsIk1heEhlaWdodCI6IkluZmluaXR5IiwiU21hcnRGb3JlZ3JvdW5kSXNBY3RpdmUiOmZhbHNlLCJIb3Jpem9udGFsQWxpZ25tZW50IjowLCJWZXJ0aWNhbEFsaWdubWVudCI6MCwiU21hcnRGb3JlZ3JvdW5kIjpudWxsLCJCYWNrZ3JvdW5kRmlsbFR5cGUiOjAsIk1hcmdpbiI6eyIkaWQiOiIzNTgiLCJUb3AiOjAuMCwiTGVmdCI6MC4wLCJSaWdodCI6MC4wLCJCb3R0b20iOjAuMH0sIlBhZGRpbmciOnsiJGlkIjoiMzU5IiwiVG9wIjowLjAsIkxlZnQiOjAuMCwiUmlnaHQiOjAuMCwiQm90dG9tIjowLjB9LCJCYWNrZ3JvdW5kIjp7IiRpZCI6IjM2MCIsIkNvbG9yIjp7IiRyZWYiOiIzMTYifX0sIklzVmlzaWJsZSI6dHJ1ZSwiV2lkdGgiOjAuMCwiSGVpZ2h0IjowLjAsIkJvcmRlclN0eWxlIjpudWxsLCJQYXJlbnRTdHlsZSI6bnVsbH0sIkRhdGVGb3JtYXQiOnsiJGlkIjoiMzYxIiwiRm9ybWF0U3RyaW5nIjoiTS9kL3l5eXkiLCJTZXBhcmF0b3IiOiIvIiwiVXNlSW50ZXJuYXRpb25hbERhdGVGb3JtYXQiOmZhbHNlLCJEYXRlSXNWaXNpYmxlIjp0cnVlLCJUaW1lSXNWaXNpYmxlIjpmYWxzZSwiSG91ckRpZ2l0cyI6MSwiQW1QbURlc2lnbmF0b3IiOjIsIlRyaW0wME1pbnV0ZXMiOmZhbHNlLCJMYXN0S25vd25WaXNpYmlsaXR5U3RhdGUiOnsiJGlkIjoiMzYyIiwiRGF0ZVBhcnRJc1Zpc2libGUiOmZhbHNlLCJUaW1lUGFydElzVmlzaWJsZSI6ZmFsc2V9fSwiV2Vla051bWJlcmluZyI6eyIkaWQiOiIzNjMiLCJGb3JtYXQiOjAsIklzVmlzaWJsZSI6ZmFsc2UsIkxhc3RLbm93blZpc2liaWxpdHlTdGF0ZSI6ZmFsc2V9LCJJc1Zpc2libGUiOnRydWUsIlBhcmVudFN0eWxlIjpudWxsLCJfZXhwbGljaXRseVNldCI6eyIkaWQiOiIzNjQiLCJTaGFwZVN0eWxlIjpmYWxzZSwiVGl0bGVTdHlsZSI6ZmFsc2UsIkRhdGVTdHlsZSI6ZmFsc2UsIkhvcml6b250YWxDb25uZWN0b3JTdHlsZSI6ZmFsc2UsIlZlcnRpY2FsQ29ubmVjdG9yU3R5bGUiOmZhbHNlLCJQZXJjZW50YWdlQ29tcGxldGVTaGFwZU9wYWNpdHkiOmZhbHNlLCJTaGFwZSI6ZmFsc2UsIlNoYXBlVGhpY2tuZXNzIjpmYWxzZSwiRHVyYXRpb25Gb3JtYXQiOmZhbHNlLCJJbmNsdWRlTm9uV29ya2luZ0RheXNJbkR1cmF0aW9uIjpmYWxzZSwiTWFyZ2luIjpmYWxzZSwiU3RhcnREYXRlUG9zaXRpb24iOmZhbHNlLCJFbmREYXRlUG9zaXRpb24iOmZhbHNlLCJUaXRsZVBvc2l0aW9uIjpmYWxzZSwiRHVyYXRpb25Qb3NpdGlvbiI6ZmFsc2UsIlBlcmNlbnRhZ2VDb21wbGV0ZWRQb3NpdGlvbiI6ZmFsc2UsIlNwYWNpbmciOmZhbHNlLCJJc0JlbG93VGltZWJhbmQiOmZhbHNlLCJEYXRlRm9ybWF0IjpmYWxzZSwiV2Vla051bWJlcmluZyI6ZmFsc2UsIklzVmlzaWJsZSI6ZmFsc2V9fSwiRGVmYXVsdFN3aW1sYW5lTW90U3R5bGUiOnsiJGlkIjoiMzY1IiwiU2hhcGUiOjIsIkNvbm5lY3Rvck1hcmdpbiI6eyIkaWQiOiIzNjYiLCJUb3AiOjAuMCwiTGVmdCI6Mi4wLCJSaWdodCI6Mi4wLCJCb3R0b20iOjAuMH0sIkNvbm5lY3RvclN0eWxlIjp7IiRpZCI6IjM2NyIsIkxpbmVDb2xvciI6eyIkaWQiOiIzNjgiLCIkdHlwZSI6Ik5MUkUuQ29tbW9uLkRvbS5Tb2xpZENvbG9yQnJ1c2gsIE5MUkUuQ29tbW9uIiwiQ29sb3IiOnsiJGlkIjoiMzY5IiwiQSI6MTI3LCJSIjozMSwiRyI6NzMsIkIiOjEyNn19LCJMaW5lV2VpZ2h0IjoxLjAsIkxpbmVUeXBlIjowLCJQYXJlbnRTdHlsZSI6bnVsbH0sIklzQmVsb3dUaW1lYmFuZCI6ZmFsc2UsIlBvc2l0aW9uT25UYXNrIjoxLCJIaWRlRGF0ZSI6ZmFsc2UsIlNoYXBlU2l6ZSI6MSwiU3BhY2luZyI6MS4wLCJQYWRkaW5nIjp7IiRpZCI6IjM3MCIsIlRvcCI6Ny4wLCJMZWZ0IjozLjAsIlJpZ2h0IjowLjAsIkJvdHRvbSI6Mi4wfSwiU2hhcGVTdHlsZSI6eyIkaWQiOiIzNzEiLCJNYXJnaW4iOnsiJGlkIjoiMzcyIiwiVG9wIjowLjAsIkxlZnQiOjAuMCwiUmlnaHQiOjAuMCwiQm90dG9tIjowLjB9LCJQYWRkaW5nIjp7IiRpZCI6IjM3MyIsIlRvcCI6MC4wLCJMZWZ0IjowLjAsIlJpZ2h0IjowLjAsIkJvdHRvbSI6MC4wfSwiQmFja2dyb3VuZCI6eyIkaWQiOiIzNzQiLCJDb2xvciI6eyIkaWQiOiIzNzUiLCJBIjoyNTUsIlIiOjkxLCJHIjoxNTUsIkIiOjIxM319LCJJc1Zpc2libGUiOnRydWUsIldpZHRoIjoxOC4wLCJIZWlnaHQiOjIwLjAsIkJvcmRlclN0eWxlIjp7IiRpZCI6IjM3NiIsIkxpbmVDb2xvciI6eyIkaWQiOiIzNzciLCIkdHlwZSI6Ik5MUkUuQ29tbW9uLkRvbS5Tb2xpZENvbG9yQnJ1c2gsIE5MUkUuQ29tbW9uIiwiQ29sb3IiOnsiJGlkIjoiMzc4IiwiQSI6MjU1LCJSIjoyNTUsIkciOjAsIkIiOjB9fSwiTGluZVdlaWdodCI6MC4wLCJMaW5lVHlwZSI6MCwiUGFyZW50U3R5bGUiOm51bGx9LCJQYXJlbnRTdHlsZSI6bnVsbH0sIlRpdGxlU3R5bGUiOnsiJGlkIjoiMzc5IiwiRm9udFNldHRpbmdzIjp7IiRpZCI6IjM4MCIsIkZvbnRTaXplIjoxMSwiRm9udE5hbWUiOiJDYWxpYnJpIiwiSXNCb2xkIjp0cnVlLCJJc0l0YWxpYyI6ZmFsc2UsIklzVW5kZXJsaW5lZCI6ZmFsc2UsIlBhcmVudFN0eWxlIjpudWxsfSwiQXV0b1NpemUiOjAsIkZvcmVncm91bmQiOnsiJGlkIjoiMzgxIiwiQ29sb3IiOnsiJGlkIjoiMzgyIiwiQSI6MjU1LCJSIjowLCJHIjowLCJCIjowfX0sIk1heFdpZHRoIjoyMDAuMCwiTWF4SGVpZ2h0IjoiSW5maW5pdHkiLCJTbWFydEZvcmVncm91bmRJc0FjdGl2ZSI6ZmFsc2UsIkhvcml6b250YWxBbGlnbm1lbnQiOjAsIlZlcnRpY2FsQWxpZ25tZW50IjowLCJTbWFydEZvcmVncm91bmQiOm51bGwsIkJhY2tncm91bmRGaWxsVHlwZSI6MCwiTWFyZ2luIjp7IiRpZCI6IjM4MyIsIlRvcCI6MC4wLCJMZWZ0IjowLjAsIlJpZ2h0IjowLjAsIkJvdHRvbSI6MC4wfSwiUGFkZGluZyI6eyIkaWQiOiIzODQiLCJUb3AiOjAuMCwiTGVmdCI6MC4wLCJSaWdodCI6MC4wLCJCb3R0b20iOjAuMH0sIkJhY2tncm91bmQiOnsiJGlkIjoiMzg1IiwiQ29sb3IiOnsiJGlkIjoiMzg2IiwiQSI6ODksIlIiOjAsIkciOjAsIkIiOjB9fSwiSXNWaXNpYmxlIjp0cnVlLCJXaWR0aCI6MC4wLCJIZWlnaHQiOjAuMCwiQm9yZGVyU3R5bGUiOm51bGwsIlBhcmVudFN0eWxlIjpudWxsfSwiRGF0ZVN0eWxlIjp7IiRpZCI6IjM4NyIsIkZvbnRTZXR0aW5ncyI6eyIkaWQiOiIzODgiLCJGb250U2l6ZSI6MTAsIkZvbnROYW1lIjoiQ2FsaWJyaSIsIklzQm9sZCI6ZmFsc2UsIklzSXRhbGljIjpmYWxzZSwiSXNVbmRlcmxpbmVkIjpmYWxzZSwiUGFyZW50U3R5bGUiOm51bGx9LCJBdXRvU2l6ZSI6MCwiRm9yZWdyb3VuZCI6eyIkaWQiOiIzODkiLCJDb2xvciI6eyIkaWQiOiIzOTAiLCJBIjoyNTUsIlIiOjY4LCJHIjo4NCwiQiI6MTA2fX0sIk1heFdpZHRoIjoyMDAuMCwiTWF4SGVpZ2h0IjoiSW5maW5pdHkiLCJTbWFydEZvcmVncm91bmRJc0FjdGl2ZSI6ZmFsc2UsIkhvcml6b250YWxBbGlnbm1lbnQiOjAsIlZlcnRpY2FsQWxpZ25tZW50IjowLCJTbWFydEZvcmVncm91bmQiOm51bGwsIkJhY2tncm91bmRGaWxsVHlwZSI6MCwiTWFyZ2luIjp7IiRpZCI6IjM5MSIsIlRvcCI6MC4wLCJMZWZ0IjowLjAsIlJpZ2h0IjowLjAsIkJvdHRvbSI6MC4wfSwiUGFkZGluZyI6eyIkaWQiOiIzOTIiLCJUb3AiOjAuMCwiTGVmdCI6MC4wLCJSaWdodCI6MC4wLCJCb3R0b20iOjAuMH0sIkJhY2tncm91bmQiOnsiJGlkIjoiMzkzIiwiQ29sb3IiOnsiJHJlZiI6IjM4NiJ9fSwiSXNWaXNpYmxlIjp0cnVlLCJXaWR0aCI6MC4wLCJIZWlnaHQiOjAuMCwiQm9yZGVyU3R5bGUiOm51bGwsIlBhcmVudFN0eWxlIjpudWxsfSwiRGF0ZUZvcm1hdCI6eyIkaWQiOiIzOTQiLCJGb3JtYXRTdHJpbmciOiJNL2QveXl5eSIsIlNlcGFyYXRvciI6Ii8iLCJVc2VJbnRlcm5hdGlvbmFsRGF0ZUZvcm1hdCI6ZmFsc2UsIkRhdGVJc1Zpc2libGUiOnRydWUsIlRpbWVJc1Zpc2libGUiOmZhbHNlLCJIb3VyRGlnaXRzIjoxLCJBbVBtRGVzaWduYXRvciI6MiwiVHJpbTAwTWludXRlcyI6ZmFsc2UsIkxhc3RLbm93blZpc2liaWxpdHlTdGF0ZSI6eyIkaWQiOiIzOTUiLCJEYXRlUGFydElzVmlzaWJsZSI6ZmFsc2UsIlRpbWVQYXJ0SXNWaXNpYmxlIjpmYWxzZX19LCJXZWVrTnVtYmVyaW5nIjp7IiRpZCI6IjM5NiIsIkZvcm1hdCI6MCwiSXNWaXNpYmxlIjpmYWxzZSwiTGFzdEtub3duVmlzaWJpbGl0eVN0YXRlIjpmYWxzZX0sIklzVmlzaWJsZSI6dHJ1ZSwiUGFyZW50U3R5bGUiOm51bGx9LCJEZWZhdWx0U3dpbWxhbmVNaWxlc3RvbmVTdHlsZSI6eyIkaWQiOiIzOTciLCJUaXRsZVBvc2l0aW9uIjoiUmlnaHQiLCJEYXRlUG9zaXRpb24iOiJMZWZ0IiwiU2hhcGVUeXBlIjoyLCJTaGFwZVNpemUiOjEsIlNwYWNpbmciOjUsIlNoYXBlU3R5bGUiOnsiJGlkIjoiMzk4IiwiTWFyZ2luIjp7IiRpZCI6IjM5OSIsIlRvcCI6MC4wLCJMZWZ0IjowLjAsIlJpZ2h0IjowLjAsIkJvdHRvbSI6MC4wfSwiUGFkZGluZyI6eyIkaWQiOiI0MDAiLCJUb3AiOjAuMCwiTGVmdCI6MC4wLCJSaWdodCI6MC4wLCJCb3R0b20iOjAuMH0sIkJhY2tncm91bmQiOnsiJGlkIjoiNDAxIiwiQ29sb3IiOnsiJGlkIjoiNDAyIiwiQSI6MjU1LCJSIjo5MSwiRyI6MTU1LCJCIjoyMTN9fSwiSXNWaXNpYmxlIjp0cnVlLCJXaWR0aCI6MTguMCwiSGVpZ2h0IjoyMC4wLCJCb3JkZXJTdHlsZSI6eyIkaWQiOiI0MDMiLCJMaW5lQ29sb3IiOnsiJGlkIjoiNDA0IiwiJHR5cGUiOiJOTFJFLkNvbW1vbi5Eb20uU29saWRDb2xvckJydXNoLCBOTFJFLkNvbW1vbiIsIkNvbG9yIjp7IiRpZCI6IjQwNSIsIkEiOjI1NSwiUiI6MjU1LCJHIjowLCJCIjowfX0sIkxpbmVXZWlnaHQiOjAuMCwiTGluZVR5cGUiOjAsIlBhcmVudFN0eWxlIjpudWxsfSwiUGFyZW50U3R5bGUiOm51bGx9LCJUaXRsZVN0eWxlIjp7IiRpZCI6IjQwNiIsIkZvbnRTZXR0aW5ncyI6eyIkaWQiOiI0MDciLCJGb250U2l6ZSI6MTEsIkZvbnROYW1lIjoiQ2FsaWJyaSIsIklzQm9sZCI6dHJ1ZSwiSXNJdGFsaWMiOmZhbHNlLCJJc1VuZGVybGluZWQiOmZhbHNlLCJQYXJlbnRTdHlsZSI6bnVsbH0sIkF1dG9TaXplIjowLCJGb3JlZ3JvdW5kIjp7IiRpZCI6IjQwOCIsIkNvbG9yIjp7IiRpZCI6IjQwOSIsIkEiOjI1NSwiUiI6MCwiRyI6MCwiQiI6MH19LCJNYXhXaWR0aCI6MjAwLjAsIk1heEhlaWdodCI6IkluZmluaXR5IiwiU21hcnRGb3JlZ3JvdW5kSXNBY3RpdmUiOmZhbHNlLCJIb3Jpem9udGFsQWxpZ25tZW50IjowLCJWZXJ0aWNhbEFsaWdubWVudCI6MCwiU21hcnRGb3JlZ3JvdW5kIjpudWxsLCJCYWNrZ3JvdW5kRmlsbFR5cGUiOjAsIk1hcmdpbiI6eyIkaWQiOiI0MTAiLCJUb3AiOjAuMCwiTGVmdCI6MC4wLCJSaWdodCI6MC4wLCJCb3R0b20iOjAuMH0sIlBhZGRpbmciOnsiJGlkIjoiNDExIiwiVG9wIjowLjAsIkxlZnQiOjAuMCwiUmlnaHQiOjAuMCwiQm90dG9tIjowLjB9LCJCYWNrZ3JvdW5kIjp7IiRpZCI6IjQxMiIsIkNvbG9yIjp7IiRpZCI6IjQxMyIsIkEiOjg5LCJSIjowLCJHIjowLCJCIjowfX0sIklzVmlzaWJsZSI6dHJ1ZSwiV2lkdGgiOjAuMCwiSGVpZ2h0IjowLjAsIkJvcmRlclN0eWxlIjpudWxsLCJQYXJlbnRTdHlsZSI6bnVsbH0sIkRhdGVTdHlsZSI6eyIkaWQiOiI0MTQiLCJGb250U2V0dGluZ3MiOnsiJGlkIjoiNDE1IiwiRm9udFNpemUiOjEwLCJGb250TmFtZSI6IkNhbGlicmkiLCJJc0JvbGQiOmZhbHNlLCJJc0l0YWxpYyI6ZmFsc2UsIklzVW5kZXJsaW5lZCI6ZmFsc2UsIlBhcmVudFN0eWxlIjpudWxsfSwiQXV0b1NpemUiOjAsIkZvcmVncm91bmQiOnsiJGlkIjoiNDE2IiwiQ29sb3IiOnsiJGlkIjoiNDE3IiwiQSI6MjU1LCJSIjo2OCwiRyI6ODQsIkIiOjEwNn19LCJNYXhXaWR0aCI6MjAwLjAsIk1heEhlaWdodCI6IkluZmluaXR5IiwiU21hcnRGb3JlZ3JvdW5kSXNBY3RpdmUiOmZhbHNlLCJIb3Jpem9udGFsQWxpZ25tZW50IjowLCJWZXJ0aWNhbEFsaWdubWVudCI6MCwiU21hcnRGb3JlZ3JvdW5kIjpudWxsLCJCYWNrZ3JvdW5kRmlsbFR5cGUiOjAsIk1hcmdpbiI6eyIkaWQiOiI0MTgiLCJUb3AiOjAuMCwiTGVmdCI6MC4wLCJSaWdodCI6MC4wLCJCb3R0b20iOjAuMH0sIlBhZGRpbmciOnsiJGlkIjoiNDE5IiwiVG9wIjowLjAsIkxlZnQiOjAuMCwiUmlnaHQiOjAuMCwiQm90dG9tIjowLjB9LCJCYWNrZ3JvdW5kIjp7IiRpZCI6IjQyMCIsIkNvbG9yIjp7IiRpZCI6IjQyMSIsIkEiOjg5LCJSIjowLCJHIjowLCJCIjowfX0sIklzVmlzaWJsZSI6dHJ1ZSwiV2lkdGgiOjAuMCwiSGVpZ2h0IjowLjAsIkJvcmRlclN0eWxlIjpudWxsLCJQYXJlbnRTdHlsZSI6bnVsbH0sIkRhdGVGb3JtYXQiOnsiJGlkIjoiNDIyIiwiRm9ybWF0U3RyaW5nIjoiTS9kL3l5eXkiLCJTZXBhcmF0b3IiOiIvIiwiVXNlSW50ZXJuYXRpb25hbERhdGVGb3JtYXQiOmZhbHNlLCJEYXRlSXNWaXNpYmxlIjp0cnVlLCJUaW1lSXNWaXNpYmxlIjpmYWxzZSwiSG91ckRpZ2l0cyI6MSwiQW1QbURlc2lnbmF0b3IiOjIsIlRyaW0wME1pbnV0ZXMiOmZhbHNlLCJMYXN0S25vd25WaXNpYmlsaXR5U3RhdGUiOnsiJGlkIjoiNDIzIiwiRGF0ZVBhcnRJc1Zpc2libGUiOmZhbHNlLCJUaW1lUGFydElzVmlzaWJsZSI6ZmFsc2V9fSwiV2Vla051bWJlcmluZyI6eyIkaWQiOiI0MjQiLCJGb3JtYXQiOjAsIklzVmlzaWJsZSI6ZmFsc2UsIkxhc3RLbm93blZpc2liaWxpdHlTdGF0ZSI6ZmFsc2V9LCJJc1Zpc2libGUiOnRydWUsIlBhcmVudFN0eWxlIjpudWxsfSwiRGVmYXVsdFN3aW1sYW5lQWN0aXZpdHlTdHlsZSI6eyIkaWQiOiI0MjUiLCJIZWFkZXJTdHlsZSI6eyIkaWQiOiI0MjYiLCJUZXh0U3R5bGUiOnsiJGlkIjoiNDI3IiwiRm9udFNldHRpbmdzIjp7IiRpZCI6IjQyOCIsIkZvbnRTaXplIjoxMSwiRm9udE5hbWUiOiJDYWxpYnJpIiwiSXNCb2xkIjpmYWxzZSwiSXNJdGFsaWMiOmZhbHNlLCJJc1VuZGVybGluZWQiOmZhbHNlLCJQYXJlbnRTdHlsZSI6bnVsbH0sIkF1dG9TaXplIjoyLCJGb3JlZ3JvdW5kIjp7IiRpZCI6IjQyOSIsIkNvbG9yIjp7IiRpZCI6IjQzMCIsIkEiOjI1NSwiUiI6MCwiRyI6MCwiQiI6MH19LCJNYXhXaWR0aCI6IkluZmluaXR5IiwiTWF4SGVpZ2h0IjoiSW5maW5pdHkiLCJTbWFydEZvcmVncm91bmRJc0FjdGl2ZSI6ZmFsc2UsIkhvcml6b250YWxBbGlnbm1lbnQiOjAsIlZlcnRpY2FsQWxpZ25tZW50IjowLCJTbWFydEZvcmVncm91bmQiOm51bGwsIkJhY2tncm91bmRGaWxsVHlwZSI6MCwiTWFyZ2luIjp7IiRpZCI6IjQzMSIsIlRvcCI6MC4wLCJMZWZ0IjowLjAsIlJpZ2h0IjowLjAsIkJvdHRvbSI6MC4wfSwiUGFkZGluZyI6eyIkaWQiOiI0MzIiLCJUb3AiOjAuMCwiTGVmdCI6MC4wLCJSaWdodCI6MC4wLCJCb3R0b20iOjAuMH0sIkJhY2tncm91bmQiOm51bGwsIklzVmlzaWJsZSI6dHJ1ZSwiV2lkdGgiOjAuMCwiSGVpZ2h0IjowLjAsIkJvcmRlclN0eWxlIjpudWxsLCJQYXJlbnRTdHlsZSI6bnVsbH0sIlJlY3RhbmdsZVN0eWxlIjp7IiRpZCI6IjQzMyIsIk1hcmdpbiI6eyIkaWQiOiI0MzQiLCJUb3AiOjAuMCwiTGVmdCI6MC4wLCJSaWdodCI6MC4wLCJCb3R0b20iOjAuMH0sIlBhZGRpbmciOnsiJGlkIjoiNDM1IiwiVG9wIjowLjAsIkxlZnQiOjAuMCwiUmlnaHQiOjAuMCwiQm90dG9tIjowLjB9LCJCYWNrZ3JvdW5kIjp7IiRpZCI6IjQzNiIsIkNvbG9yIjp7IiRpZCI6IjQzNyIsIkEiOjYzLCJSIjo5MSwiRyI6MTU1LCJCIjoyMTN9fSwiSXNWaXNpYmxlIjp0cnVlLCJXaWR0aCI6MC4wLCJIZWlnaHQiOjAuMCwiQm9yZGVyU3R5bGUiOnsiJGlkIjoiNDM4IiwiTGluZUNvbG9yIjp7IiRpZCI6IjQzOSIsIiR0eXBlIjoiTkxSRS5Db21tb24uRG9tLlNvbGlkQ29sb3JCcnVzaCwgTkxSRS5Db21tb24iLCJDb2xvciI6eyIkaWQiOiI0NDAiLCJBIjoyNTUsIlIiOjI1NSwiRyI6MCwiQiI6MH19LCJMaW5lV2VpZ2h0IjowLjAsIkxpbmVUeXBlIjowLCJQYXJlbnRTdHlsZSI6bnVsbH0sIlBhcmVudFN0eWxlIjpudWxsfSwiTWFyZ2luIjp7IiRpZCI6IjQ0MSIsIlRvcCI6MC4wLCJMZWZ0IjowLjAsIlJpZ2h0IjowLjAsIkJvdHRvbSI6MC4wfSwiUGFkZGluZyI6eyIkaWQiOiI0NDIiLCJUb3AiOjAuMCwiTGVmdCI6MC4wLCJSaWdodCI6MC4wLCJCb3R0b20iOjAuMH0sIkJhY2tncm91bmQiOm51bGwsIklzVmlzaWJsZSI6dHJ1ZSwiV2lkdGgiOjAuMCwiSGVpZ2h0IjowLjAsIkJvcmRlclN0eWxlIjpudWxsLCJQYXJlbnRTdHlsZSI6bnVsbH0sIkJhY2tncm91bmRTdHlsZSI6eyIkaWQiOiI0NDMiLCJNYXJnaW4iOnsiJGlkIjoiNDQ0IiwiVG9wIjowLjAsIkxlZnQiOjAuMCwiUmlnaHQiOjAuMCwiQm90dG9tIjowLjB9LCJQYWRkaW5nIjp7IiRpZCI6IjQ0NSIsIlRvcCI6MC4wLCJMZWZ0IjowLjAsIlJpZ2h0IjowLjAsIkJvdHRvbSI6MC4wfSwiQmFja2dyb3VuZCI6eyIkaWQiOiI0NDYiLCJDb2xvciI6eyIkaWQiOiI0NDciLCJBIjo1MSwiUiI6OTEsIkciOjE1NSwiQiI6MjEzfX0sIklzVmlzaWJsZSI6dHJ1ZSwiV2lkdGgiOjAuMCwiSGVpZ2h0IjowLjAsIkJvcmRlclN0eWxlIjp7IiRpZCI6IjQ0OCIsIkxpbmVDb2xvciI6eyIkaWQiOiI0NDkiLCIkdHlwZSI6Ik5MUkUuQ29tbW9uLkRvbS5Tb2xpZENvbG9yQnJ1c2gsIE5MUkUuQ29tbW9uIiwiQ29sb3IiOnsiJGlkIjoiNDUwIiwiQSI6MjU1LCJSIjoyNTUsIkciOjAsIkIiOjB9fSwiTGluZVdlaWdodCI6MC4wLCJMaW5lVHlwZSI6MCwiUGFyZW50U3R5bGUiOm51bGx9LCJQYXJlbnRTdHlsZSI6bnVsbH0sIk1hcmdpbiI6eyIkaWQiOiI0NTEiLCJUb3AiOjAuMCwiTGVmdCI6MC4wLCJSaWdodCI6MC4wLCJCb3R0b20iOjAuMH0sIlBhZGRpbmciOnsiJGlkIjoiNDUyIiwiVG9wIjowLjAsIkxlZnQiOjAuMCwiUmlnaHQiOjAuMCwiQm90dG9tIjowLjB9LCJJc1Zpc2libGUiOnRydWUsIldpZHRoIjowLjAsIkhlaWdodCI6MC4wLCJCb3JkZXJTdHlsZSI6bnVsbCwiUGFyZW50U3R5bGUiOm51bGx9LCJNYXJnaW4iOnsiJGlkIjoiNDUzIiwiVG9wIjowLjAsIkxlZnQiOjAuMCwiUmlnaHQiOjAuMCwiQm90dG9tIjowLjB9LCJQYWRkaW5nIjp7IiRpZCI6IjQ1NCIsIlRvcCI6MC4wLCJMZWZ0IjowLjAsIlJpZ2h0IjowLjAsIkJvdHRvbSI6MC4wfSwiSXNWaXNpYmxlIjp0cnVlLCJXaWR0aCI6MC4wLCJIZWlnaHQiOjAuMCwiQm9yZGVyU3R5bGUiOnsiJGlkIjoiNDU1IiwiTGluZUNvbG9yIjpudWxsLCJMaW5lV2VpZ2h0IjowLjAsIkxpbmVUeXBlIjowLCJQYXJlbnRTdHlsZSI6bnVsbH0sIlBhcmVudFN0eWxlIjpudWxsfSwiX2FkZGl0aW9uYWxTd2ltbGFuZVYyU3R5bGVzIjpbXSwiQ29uZGl0aW9uYWxGb3JtYXR0aW5nIjp7IiRpZCI6IjQ1NiIsIlB2QUZvcm1hdHRpbmciOnsiJGlkIjoiNDU3IiwiRGVsYXlUYXNrU3R5bGUiOnsiJGlkIjoiNDU4IiwiU3R5bGVPcHRpb25zIjo4LCJUaXRsZUZvcmVncm91bmQiOnsiJGlkIjoiNDU5IiwiQ29sb3IiOnsiJGlkIjoiNDYwIiwiQSI6MjU1LCJSIjoxNzUsIkciOjAsIkIiOjB9fSwiQWN0dWFsU2hhcGVzQmFja2dyb3VuZCI6eyIkaWQiOiI0NjEiLCJDb2xvciI6eyIkaWQiOiI0NjIiLCJBIjo2MiwiUiI6MjU1LCJHIjowLCJCIjowfX0sIkFjdHVhbFNoYXBlc0JvcmRlclN0eWxlIjp7IiRpZCI6IjQ2MyIsIkxpbmVDb2xvciI6eyIkaWQiOiI0NjQiLCIkdHlwZSI6Ik5MUkUuQ29tbW9uLkRvbS5Tb2xpZENvbG9yQnJ1c2gsIE5MUkUuQ29tbW9uIiwiQ29sb3IiOnsiJGlkIjoiNDY1IiwiQSI6MTYzLCJSIjoyNTUsIkciOjAsIkIiOjB9fSwiTGluZVdlaWdodCI6My4wLCJMaW5lVHlwZSI6MCwiUGFyZW50U3R5bGUiOm51bGx9LCJCYXNlbGluZVNoYXBlc0JhY2tncm91bmQiOnsiJGlkIjoiNDY2IiwiQ29sb3IiOnsiJGlkIjoiNDY3IiwiQSI6MTg0LCJSIjoyNTUsIkciOjAsIkIiOjB9fSwiSXNWaXNpYmxlIjp0cnVlfSwiRGVsYXlNaWxlc3RvbmVTdHlsZSI6eyIkaWQiOiI0NjgiLCJTdHlsZU9wdGlvbnMiOjIsIlRpdGxlRm9yZWdyb3VuZCI6eyIkaWQiOiI0NjkiLCJDb2xvciI6eyIkaWQiOiI0NzAiLCJBIjoyNTUsIlIiOjE3NSwiRyI6MCwiQiI6MH19LCJBY3R1YWxTaGFwZXNCYWNrZ3JvdW5kIjp7IiRpZCI6IjQ3MSIsIkNvbG9yIjp7IiRpZCI6IjQ3MiIsIkEiOjI1NSwiUiI6MjIyLCJHIjo4MCwiQiI6NTB9fSwiQWN0dWFsU2hhcGVzQm9yZGVyU3R5bGUiOnsiJGlkIjoiNDczIiwiTGluZUNvbG9yIjp7IiRpZCI6IjQ3NCIsIiR0eXBlIjoiTkxSRS5Db21tb24uRG9tLlNvbGlkQ29sb3JCcnVzaCwgTkxSRS5Db21tb24iLCJDb2xvciI6eyIkaWQiOiI0NzUiLCJBIjoxNjMsIlIiOjI1NSwiRyI6MCwiQiI6MH19LCJMaW5lV2VpZ2h0IjozLjAsIkxpbmVUeXBlIjowLCJQYXJlbnRTdHlsZSI6bnVsbH0sIkJhc2VsaW5lU2hhcGVzQmFja2dyb3VuZCI6eyIkaWQiOiI0NzYiLCJDb2xvciI6eyIkaWQiOiI0NzciLCJBIjoxODQsIlIiOjI1NSwiRyI6MCwiQiI6MH19LCJJc1Zpc2libGUiOnRydWV9LCJBZHZhbmNlVGFza1N0eWxlIjp7IiRpZCI6IjQ3OCIsIlN0eWxlT3B0aW9ucyI6OCwiVGl0bGVGb3JlZ3JvdW5kIjp7IiRpZCI6IjQ3OSIsIkNvbG9yIjp7IiRpZCI6IjQ4MCIsIkEiOjI1NSwiUiI6MCwiRyI6MTEwLCJCIjowfX0sIkFjdHVhbFNoYXBlc0JhY2tncm91bmQiOnsiJGlkIjoiNDgxIiwiQ29sb3IiOnsiJGlkIjoiNDgyIiwiQSI6NjEsIlIiOjAsIkciOjEyOCwiQiI6MH19LCJBY3R1YWxTaGFwZXNCb3JkZXJTdHlsZSI6eyIkaWQiOiI0ODMiLCJMaW5lQ29sb3IiOnsiJGlkIjoiNDg0IiwiJHR5cGUiOiJOTFJFLkNvbW1vbi5Eb20uU29saWRDb2xvckJydXNoLCBOTFJFLkNvbW1vbiIsIkNvbG9yIjp7IiRpZCI6IjQ4NSIsIkEiOjE2MywiUiI6MCwiRyI6MTI4LCJCIjowfX0sIkxpbmVXZWlnaHQiOjMuMCwiTGluZVR5cGUiOjAsIlBhcmVudFN0eWxlIjpudWxsfSwiQmFzZWxpbmVTaGFwZXNCYWNrZ3JvdW5kIjp7IiRpZCI6IjQ4NiIsIkNvbG9yIjp7IiRpZCI6IjQ4NyIsIkEiOjE4NCwiUiI6MCwiRyI6MTI4LCJCIjowfX0sIklzVmlzaWJsZSI6dHJ1ZX0sIkFkdmFuY2VNaWxlc3RvbmVTdHlsZSI6eyIkaWQiOiI0ODgiLCJTdHlsZU9wdGlvbnMiOjIsIlRpdGxlRm9yZWdyb3VuZCI6eyIkaWQiOiI0ODkiLCJDb2xvciI6eyIkaWQiOiI0OTAiLCJBIjoyNTUsIlIiOjAsIkciOjExMCwiQiI6MH19LCJBY3R1YWxTaGFwZXNCYWNrZ3JvdW5kIjp7IiRpZCI6IjQ5MSIsIkNvbG9yIjp7IiRpZCI6IjQ5MiIsIkEiOjI1NSwiUiI6MjAsIkciOjEwMCwiQiI6MH19LCJBY3R1YWxTaGFwZXNCb3JkZXJTdHlsZSI6eyIkaWQiOiI0OTMiLCJMaW5lQ29sb3IiOnsiJGlkIjoiNDk0IiwiJHR5cGUiOiJOTFJFLkNvbW1vbi5Eb20uU29saWRDb2xvckJydXNoLCBOTFJFLkNvbW1vbiIsIkNvbG9yIjp7IiRpZCI6IjQ5NSIsIkEiOjE2MywiUiI6MCwiRyI6MTI4LCJCIjowfX0sIkxpbmVXZWlnaHQiOjMuMCwiTGluZVR5cGUiOjAsIlBhcmVudFN0eWxlIjpudWxsfSwiQmFzZWxpbmVTaGFwZXNCYWNrZ3JvdW5kIjp7IiRpZCI6IjQ5NiIsIkNvbG9yIjp7IiRpZCI6IjQ5NyIsIkEiOjE4NCwiUiI6MCwiRyI6MTI4LCJCIjowfX0sIklzVmlzaWJsZSI6dHJ1ZX19fX0sIlNjYWxlIjp7IiRpZCI6IjQ5OCIsIlN0YXJ0RGF0ZSI6IjAwMDEtMDEtMDFUMDA6MDA6MDAiLCJFbmREYXRlIjoiMjAxOC0wNi0yOVQyMzo1OTowMCIsIkZvcm1hdCI6Ik1NTSIsIlR5cGUiOjIsIkF1dG9EYXRlUmFuZ2UiOnRydWUsIldvcmtpbmdEYXlzIjoxMjcsIkZpc2NhbFllYXIiOnsiJGlkIjoiNDk5IiwiU3RhcnRNb250aCI6MSwiVXNlU3RhcnRpbmdZZWFyRm9yTnVtYmVyaW5nIjp0cnVlLCJTaG93RmlzY2FsWWVhckxhYmVsIjp0cnVlfSwiVG9kYXlNYXJrZXJUZXh0IjoiSG95IiwiQXV0b1NjYWxlVHlwZSI6dHJ1ZX0sIlNjYWxlVjIiOnsiJGlkIjoiNTAwIiwiU3RhcnREYXRlIjoiMDAwMS0wMS0wMVQwMDowMDowMCIsIkVuZERhdGUiOiIyMDI1LTEyLTIwVDAwOjAwOjAwIiwiQXV0b0RhdGVSYW5nZSI6dHJ1ZSwiV29ya2luZ0RheXMiOjEyNywiRmlzY2FsWWVhciI6eyIkcmVmIjoiNDk5In0sIlRvZGF5TWFya2VyVGV4dCI6IkhveSIsIkF1dG9TY2FsZVR5cGUiOnRydWUsIlRpbWViYW5kU2NhbGVzIjp7IiRpZCI6IjUwMSIsIlRvcFNjYWxlTGF5ZXIiOnsiJGlkIjoiNTAyIiwiRm9ybWF0IjoidyIsIlR5cGUiOjEsIkdyb3VwaW5nSW50ZXJ2YWxzIjp7IiRpZCI6IjUwMyIsIklzU2V0IjpmYWxzZSwiR3JvdXBpbmdTdGVwQ291bnQiOjF9fSwiTWlkZGxlU2NhbGVMYXllciI6eyIkaWQiOiI1MDQiLCJGb3JtYXQiOm51bGwsIlR5cGUiOjAsIkdyb3VwaW5nSW50ZXJ2YWxzIjp7IiRpZCI6IjUwNSIsIklzU2V0IjpmYWxzZSwiR3JvdXBpbmdTdGVwQ291bnQiOjF9fSwiQm90dG9tU2NhbGVMYXllciI6eyIkaWQiOiI1MDYiLCJGb3JtYXQiOm51bGwsIlR5cGUiOjAsIkdyb3VwaW5nSW50ZXJ2YWxzIjp7IiRpZCI6IjUwNyIsIklzU2V0IjpmYWxzZSwiR3JvdXBpbmdTdGVwQ291bnQiOjF9fX19LCJNaWxlc3RvbmVzIjpbeyIkaWQiOiI1MDgiLCJEYXRlIjoiMjAyNS0xMS0wN1QwMDowMDowMCIsIlN0eWxlIjp7IiRpZCI6IjUwOSIsIlNoYXBlIjoyLCJDb25uZWN0b3JNYXJnaW4iOnsiJGlkIjoiNTEwIiwiVG9wIjowLjAsIkxlZnQiOjIuMCwiUmlnaHQiOjIuMCwiQm90dG9tIjowLjB9LCJDb25uZWN0b3JTdHlsZSI6eyIkaWQiOiI1MTEiLCJMaW5lQ29sb3IiOnsiJGlkIjoiNTEyIiwiJHR5cGUiOiJOTFJFLkNvbW1vbi5Eb20uU29saWRDb2xvckJydXNoLCBOTFJFLkNvbW1vbiIsIkNvbG9yIjp7IiRpZCI6IjUxMyIsIkEiOjEyNywiUiI6MzEsIkciOjczLCJCIjoxMjZ9fSwiTGluZVdlaWdodCI6MS4wLCJMaW5lVHlwZSI6MCwiUGFyZW50U3R5bGUiOm51bGx9LCJJc0JlbG93VGltZWJhbmQiOmZhbHNlLCJQb3NpdGlvbk9uVGFzayI6MCwiSGlkZURhdGUiOmZhbHNlLCJTaGFwZVNpemUiOjEsIlNwYWNpbmciOjEuMCwiUGFkZGluZyI6eyIkaWQiOiI1MTQiLCJUb3AiOjcuMCwiTGVmdCI6My4wLCJSaWdodCI6MC4wLCJCb3R0b20iOjIuMH0sIlNoYXBlU3R5bGUiOnsiJGlkIjoiNTE1IiwiTWFyZ2luIjp7IiRpZCI6IjUxNiIsIlRvcCI6MC4wLCJMZWZ0IjowLjAsIlJpZ2h0IjowLjAsIkJvdHRvbSI6MC4wfSwiUGFkZGluZyI6eyIkaWQiOiI1MTciLCJUb3AiOjAuMCwiTGVmdCI6MC4wLCJSaWdodCI6MC4wLCJCb3R0b20iOjAuMH0sIkJhY2tncm91bmQiOnsiJGlkIjoiNTE4IiwiQ29sb3IiOnsiJGlkIjoiNTE5IiwiQSI6MjU1LCJSIjoyMzQsIkciOjIyLCJCIjozMH19LCJJc1Zpc2libGUiOnRydWUsIldpZHRoIjoxOC4wLCJIZWlnaHQiOjIwLjAsIkJvcmRlclN0eWxlIjp7IiRpZCI6IjUyMCIsIkxpbmVDb2xvciI6eyIkaWQiOiI1MjEiLCIkdHlwZSI6Ik5MUkUuQ29tbW9uLkRvbS5Tb2xpZENvbG9yQnJ1c2gsIE5MUkUuQ29tbW9uIiwiQ29sb3IiOnsiJGlkIjoiNTIyIiwiQSI6MjU1LCJSIjoyNTUsIkciOjAsIkIiOjB9fSwiTGluZVdlaWdodCI6MC4wLCJMaW5lVHlwZSI6MCwiUGFyZW50U3R5bGUiOm51bGx9LCJQYXJlbnRTdHlsZSI6bnVsbH0sIlRpdGxlU3R5bGUiOnsiJGlkIjoiNTIzIiwiRm9udFNldHRpbmdzIjp7IiRpZCI6IjUyNCIsIkZvbnRTaXplIjoxMSwiRm9udE5hbWUiOiJDYWxpYnJpIiwiSXNCb2xkIjp0cnVlLCJJc0l0YWxpYyI6ZmFsc2UsIklzVW5kZXJsaW5lZCI6ZmFsc2UsIlBhcmVudFN0eWxlIjpudWxsfSwiQXV0b1NpemUiOjAsIkZvcmVncm91bmQiOnsiJGlkIjoiNTI1IiwiQ29sb3IiOnsiJGlkIjoiNTI2IiwiQSI6MjU1LCJSIjowLCJHIjowLCJCIjowfX0sIk1heFdpZHRoIjoyMDAuMCwiTWF4SGVpZ2h0IjoiSW5maW5pdHkiLCJTbWFydEZvcmVncm91bmRJc0FjdGl2ZSI6ZmFsc2UsIkhvcml6b250YWxBbGlnbm1lbnQiOjAsIlZlcnRpY2FsQWxpZ25tZW50IjowLCJTbWFydEZvcmVncm91bmQiOm51bGwsIkJhY2tncm91bmRGaWxsVHlwZSI6MCwiTWFyZ2luIjp7IiRpZCI6IjUyNyIsIlRvcCI6MC4wLCJMZWZ0IjowLjAsIlJpZ2h0IjowLjAsIkJvdHRvbSI6MC4wfSwiUGFkZGluZyI6eyIkaWQiOiI1MjgiLCJUb3AiOjAuMCwiTGVmdCI6MC4wLCJSaWdodCI6MC4wLCJCb3R0b20iOjAuMH0sIkJhY2tncm91bmQiOnsiJGlkIjoiNTI5IiwiQ29sb3IiOnsiJGlkIjoiNTMwIiwiQSI6ODksIlIiOjAsIkciOjAsIkIiOjB9fSwiSXNWaXNpYmxlIjp0cnVlLCJXaWR0aCI6MC4wLCJIZWlnaHQiOjAuMCwiQm9yZGVyU3R5bGUiOnsiJGlkIjoiNTMxIiwiTGluZUNvbG9yIjpudWxsLCJMaW5lV2VpZ2h0IjowLjAsIkxpbmVUeXBlIjowLCJQYXJlbnRTdHlsZSI6bnVsbH0sIlBhcmVudFN0eWxlIjpudWxsfSwiRGF0ZVN0eWxlIjp7IiRpZCI6IjUzMiIsIkZvbnRTZXR0aW5ncyI6eyIkaWQiOiI1MzMiLCJGb250U2l6ZSI6MTAsIkZvbnROYW1lIjoiQ2FsaWJyaSIsIklzQm9sZCI6ZmFsc2UsIklzSXRhbGljIjpmYWxzZSwiSXNVbmRlcmxpbmVkIjpmYWxzZSwiUGFyZW50U3R5bGUiOm51bGx9LCJBdXRvU2l6ZSI6MCwiRm9yZWdyb3VuZCI6eyIkaWQiOiI1MzQiLCJDb2xvciI6eyIkaWQiOiI1MzUiLCJBIjoyNTUsIlIiOjY4LCJHIjo4NCwiQiI6MTA2fX0sIk1heFdpZHRoIjoyMDAuMCwiTWF4SGVpZ2h0IjoiSW5maW5pdHkiLCJTbWFydEZvcmVncm91bmRJc0FjdGl2ZSI6ZmFsc2UsIkhvcml6b250YWxBbGlnbm1lbnQiOjAsIlZlcnRpY2FsQWxpZ25tZW50IjowLCJTbWFydEZvcmVncm91bmQiOm51bGwsIkJhY2tncm91bmRGaWxsVHlwZSI6MCwiTWFyZ2luIjp7IiRpZCI6IjUzNiIsIlRvcCI6MC4wLCJMZWZ0IjowLjAsIlJpZ2h0IjowLjAsIkJvdHRvbSI6MC4wfSwiUGFkZGluZyI6eyIkaWQiOiI1MzciLCJUb3AiOjAuMCwiTGVmdCI6MC4wLCJSaWdodCI6MC4wLCJCb3R0b20iOjAuMH0sIkJhY2tncm91bmQiOnsiJGlkIjoiNTM4IiwiQ29sb3IiOnsiJHJlZiI6IjUzMCJ9fSwiSXNWaXNpYmxlIjp0cnVlLCJXaWR0aCI6MC4wLCJIZWlnaHQiOjAuMCwiQm9yZGVyU3R5bGUiOnsiJGlkIjoiNTM5IiwiTGluZUNvbG9yIjpudWxsLCJMaW5lV2VpZ2h0IjowLjAsIkxpbmVUeXBlIjowLCJQYXJlbnRTdHlsZSI6bnVsbH0sIlBhcmVudFN0eWxlIjpudWxsfSwiRGF0ZUZvcm1hdCI6eyIkaWQiOiI1NDAiLCJGb3JtYXRTdHJpbmciOiJNL2QveXl5eSIsIlNlcGFyYXRvciI6Ii8iLCJVc2VJbnRlcm5hdGlvbmFsRGF0ZUZvcm1hdCI6ZmFsc2UsIkRhdGVJc1Zpc2libGUiOnRydWUsIlRpbWVJc1Zpc2libGUiOmZhbHNlLCJIb3VyRGlnaXRzIjoxLCJBbVBtRGVzaWduYXRvciI6MiwiVHJpbTAwTWludXRlcyI6ZmFsc2UsIkxhc3RLbm93blZpc2liaWxpdHlTdGF0ZSI6eyIkaWQiOiI1NDEiLCJEYXRlUGFydElzVmlzaWJsZSI6ZmFsc2UsIlRpbWVQYXJ0SXNWaXNpYmxlIjpmYWxzZX19LCJXZWVrTnVtYmVyaW5nIjp7IiRpZCI6IjU0MiIsIkZvcm1hdCI6MCwiSXNWaXNpYmxlIjpmYWxzZSwiTGFzdEtub3duVmlzaWJpbGl0eVN0YXRlIjpmYWxzZX0sIklzVmlzaWJsZSI6dHJ1ZSwiUGFyZW50U3R5bGUiOm51bGx9LCJJbmRleCI6NSwiUGVyY2VudGFnZUNvbXBsZXRlIjpudWxsLCJQb3NpdGlvbiI6eyJSYXRpbyI6MC4wLCJJc0N1c3RvbSI6ZmFsc2V9LCJEYXRlRm9ybWF0Ijp7IiRyZWYiOiI1NDAifSwiV2Vla051bWJlcmluZyI6eyIkaWQiOiI1NDMiLCJGb3JtYXQiOjAsIklzVmlzaWJsZSI6ZmFsc2UsIkxhc3RLbm93blZpc2liaWxpdHlTdGF0ZSI6ZmFsc2V9LCJCYXNlbGluZURhdGEiOnsiJGlkIjoiNTQ0IiwiRGF0ZSI6IjIwMjUtMTItMjBUMDA6MDA6MDAifSwiUmVsYXRlZFRhc2tJZCI6IjAwMDAwMDAwLTAwMDAtMDAwMC0wMDAwLTAwMDAwMDAwMDAwMCIsIklkIjoiNmM4MjhhMTAtYjVjOS00ZWFhLThmOGItMjgzNTUzZWJkYjQ2IiwiSW1wb3J0SWQiOm51bGwsIlRpdGxlIjoiUmVsZWFzZSAxLjAiLCJOb3RlIjpudWxsLCJIeXBlcmxpbmsiOnsiJGlkIjoiNTQ1IiwiQWRkcmVzcyI6IiIsIlN1YkFkZHJlc3MiOiIifSwiSXNDaGFuZ2VkIjpmYWxzZSwiSXNOZXciOmZhbHNlfV0sIlRhc2tzIjpbeyIkaWQiOiI1NDYiLCJHcm91cE5hbWUiOm51bGwsIlN0YXJ0RGF0ZSI6IjIwMjUtMTAtMDZUMDA6MDA6MDBaIiwiRW5kRGF0ZSI6IjIwMjUtMTAtMDlUMjM6NTk6MDBaIiwiUGVyY2VudGFnZUNvbXBsZXRlIjpudWxsLCJTdHlsZSI6eyIkaWQiOiI1NDciLCJTaGFwZSI6MCwiU2hhcGVUaGlja25lc3MiOjEsIkR1cmF0aW9uRm9ybWF0IjowLCJJbmNsdWRlTm9uV29ya2luZ0RheXNJbkR1cmF0aW9uIjpmYWxzZSwiUGVyY2VudGFnZUNvbXBsZXRlU3R5bGUiOnsiJGlkIjoiNTQ4IiwiRm9udFNldHRpbmdzIjp7IiRpZCI6IjU0OSIsIkZvbnRTaXplIjoxMCwiRm9udE5hbWUiOiJDYWxpYnJpIiwiSXNCb2xkIjpmYWxzZSwiSXNJdGFsaWMiOmZhbHNlLCJJc1VuZGVybGluZWQiOmZhbHNlLCJQYXJlbnRTdHlsZSI6bnVsbH0sIkF1dG9TaXplIjowLCJGb3JlZ3JvdW5kIjp7IiRpZCI6IjU1MCIsIkNvbG9yIjp7IiRpZCI6IjU1MSIsIkEiOjI1NSwiUiI6MjM3LCJHIjoxMjUsIkIiOjQ5fX0sIk1heFdpZHRoIjoyMDAuMCwiTWF4SGVpZ2h0IjoiSW5maW5pdHkiLCJTbWFydEZvcmVncm91bmRJc0FjdGl2ZSI6ZmFsc2UsIkhvcml6b250YWxBbGlnbm1lbnQiOjAsIlZlcnRpY2FsQWxpZ25tZW50IjowLCJTbWFydEZvcmVncm91bmQiOm51bGwsIkJhY2tncm91bmRGaWxsVHlwZSI6MCwiTWFyZ2luIjp7IiRpZCI6IjU1MiIsIlRvcCI6MC4wLCJMZWZ0IjowLjAsIlJpZ2h0IjowLjAsIkJvdHRvbSI6MC4wfSwiUGFkZGluZyI6eyIkaWQiOiI1NTMiLCJUb3AiOjAuMCwiTGVmdCI6MC4wLCJSaWdodCI6MC4wLCJCb3R0b20iOjAuMH0sIkJhY2tncm91bmQiOnsiJGlkIjoiNTU0IiwiQ29sb3IiOnsiJGlkIjoiNTU1IiwiQSI6ODksIlIiOjAsIkciOjAsIkIiOjB9fSwiSXNWaXNpYmxlIjp0cnVlLCJXaWR0aCI6MC4wLCJIZWlnaHQiOjAuMCwiQm9yZGVyU3R5bGUiOnsiJGlkIjoiNTU2IiwiTGluZUNvbG9yIjpudWxsLCJMaW5lV2VpZ2h0IjowLjAsIkxpbmVUeXBlIjowLCJQYXJlbnRTdHlsZSI6bnVsbH0sIlBhcmVudFN0eWxlIjpudWxsfSwiRHVyYXRpb25TdHlsZSI6eyIkaWQiOiI1NTciLCJGb250U2V0dGluZ3MiOnsiJGlkIjoiNTU4IiwiRm9udFNpemUiOjEwLCJGb250TmFtZSI6IkNhbGlicmkiLCJJc0JvbGQiOmZhbHNlLCJJc0l0YWxpYyI6ZmFsc2UsIklzVW5kZXJsaW5lZCI6ZmFsc2UsIlBhcmVudFN0eWxlIjpudWxsfSwiQXV0b1NpemUiOjAsIkZvcmVncm91bmQiOnsiJGlkIjoiNTU5IiwiQ29sb3IiOnsiJGlkIjoiNTYwIiwiQSI6MjU1LCJSIjoyMzcsIkciOjEyNSwiQiI6NDl9fSwiTWF4V2lkdGgiOjIwMC4wLCJNYXhIZWlnaHQiOiJJbmZpbml0eSIsIlNtYXJ0Rm9yZWdyb3VuZElzQWN0aXZlIjpmYWxzZSwiSG9yaXpvbnRhbEFsaWdubWVudCI6MCwiVmVydGljYWxBbGlnbm1lbnQiOjAsIlNtYXJ0Rm9yZWdyb3VuZCI6bnVsbCwiQmFja2dyb3VuZEZpbGxUeXBlIjowLCJNYXJnaW4iOnsiJGlkIjoiNTYxIiwiVG9wIjowLjAsIkxlZnQiOjAuMCwiUmlnaHQiOjAuMCwiQm90dG9tIjowLjB9LCJQYWRkaW5nIjp7IiRpZCI6IjU2MiIsIlRvcCI6MC4wLCJMZWZ0IjowLjAsIlJpZ2h0IjowLjAsIkJvdHRvbSI6MC4wfSwiQmFja2dyb3VuZCI6eyIkaWQiOiI1NjMiLCJDb2xvciI6eyIkcmVmIjoiNTU1In19LCJJc1Zpc2libGUiOnRydWUsIldpZHRoIjowLjAsIkhlaWdodCI6MC4wLCJCb3JkZXJTdHlsZSI6eyIkaWQiOiI1NjQiLCJMaW5lQ29sb3IiOm51bGwsIkxpbmVXZWlnaHQiOjAuMCwiTGluZVR5cGUiOjAsIlBhcmVudFN0eWxlIjpudWxsfSwiUGFyZW50U3R5bGUiOm51bGx9LCJIb3Jpem9udGFsQ29ubmVjdG9yU3R5bGUiOnsiJGlkIjoiNTY1IiwiTGluZUNvbG9yIjp7IiRpZCI6IjU2NiIsIiR0eXBlIjoiTkxSRS5Db21tb24uRG9tLlNvbGlkQ29sb3JCcnVzaCwgTkxSRS5Db21tb24iLCJDb2xvciI6eyIkaWQiOiI1NjciLCJBIjoyNTUsIlIiOjIwNCwiRyI6MjA0LCJCIjoyMDR9fSwiTGluZVdlaWdodCI6MS4wLCJMaW5lVHlwZSI6MCwiUGFyZW50U3R5bGUiOm51bGx9LCJWZXJ0aWNhbENvbm5lY3RvclN0eWxlIjp7IiRpZCI6IjU2OCIsIkxpbmVDb2xvciI6eyIkaWQiOiI1NjkiLCIkdHlwZSI6Ik5MUkUuQ29tbW9uLkRvbS5Tb2xpZENvbG9yQnJ1c2gsIE5MUkUuQ29tbW9uIiwiQ29sb3IiOnsiJGlkIjoiNTcwIiwiQSI6MjU1LCJSIjoyMDQsIkciOjIwNCwiQiI6MjA0fX0sIkxpbmVXZWlnaHQiOjAuMCwiTGluZVR5cGUiOjAsIlBhcmVudFN0eWxlIjpudWxsfSwiTWFyZ2luIjpudWxsLCJTdGFydERhdGVQb3NpdGlvbiI6NCwiRW5kRGF0ZVBvc2l0aW9uIjo0LCJEYXRlSXNWaXNpYmxlIjp0cnVlLCJUaXRsZVBvc2l0aW9uIjo1LCJEdXJhdGlvblBvc2l0aW9uIjo2LCJQZXJjZW50YWdlQ29tcGxldGVkUG9zaXRpb24iOjYsIlNwYWNpbmciOjUsIklzQmVsb3dUaW1lYmFuZCI6dHJ1ZSwiUGVyY2VudGFnZUNvbXBsZXRlU2hhcGVPcGFjaXR5IjozNSwiQmFzZWxpbmVTdHlsZSI6eyIkaWQiOiI1NzEiLCJTaGFwZVN0eWxlIjp7IiRpZCI6IjU3MiIsIk1hcmdpbiI6eyIkaWQiOiI1NzMiLCJUb3AiOjAuMCwiTGVmdCI6MC4wLCJSaWdodCI6MC4wLCJCb3R0b20iOjAuMH0sIlBhZGRpbmciOnsiJGlkIjoiNTc0IiwiVG9wIjowLjAsIkxlZnQiOjAuMCwiUmlnaHQiOjAuMCwiQm90dG9tIjowLjB9LCJCYWNrZ3JvdW5kIjp7IiRpZCI6IjU3NSIsIkNvbG9yIjp7IiRpZCI6IjU3NiIsIkEiOjE1MywiUiI6MCwiRyI6MCwiQiI6MH19LCJJc1Zpc2libGUiOnRydWUsIldpZHRoIjowLjAsIkhlaWdodCI6MC4wLCJCb3JkZXJTdHlsZSI6bnVsbCwiUGFyZW50U3R5bGUiOm51bGx9LCJNYXJnaW4iOnsiJGlkIjoiNTc3IiwiVG9wIjowLjAsIkxlZnQiOjAuMCwiUmlnaHQiOjAuMCwiQm90dG9tIjowLjB9LCJQYWRkaW5nIjp7IiRpZCI6IjU3OCIsIlRvcCI6MC4wLCJMZWZ0IjowLjAsIlJpZ2h0IjowLjAsIkJvdHRvbSI6MC4wfSwiQmFja2dyb3VuZCI6bnVsbCwiSXNWaXNpYmxlIjp0cnVlLCJXaWR0aCI6MC4wLCJIZWlnaHQiOjAuMCwiQm9yZGVyU3R5bGUiOm51bGwsIlBhcmVudFN0eWxlIjpudWxsfSwiU2hhcGVTdHlsZSI6eyIkaWQiOiI1NzkiLCJNYXJnaW4iOnsiJGlkIjoiNTgwIiwiVG9wIjowLjAsIkxlZnQiOjQuMCwiUmlnaHQiOjQuMCwiQm90dG9tIjowLjB9LCJQYWRkaW5nIjp7IiRpZCI6IjU4MSIsIlRvcCI6MC4wLCJMZWZ0IjowLjAsIlJpZ2h0IjowLjAsIkJvdHRvbSI6MC4wfSwiQmFja2dyb3VuZCI6eyIkaWQiOiI1ODIiLCJDb2xvciI6eyIkaWQiOiI1ODMiLCJBIjoyNTUsIlIiOjkxLCJHIjoxNTUsIkIiOjIxM319LCJJc1Zpc2libGUiOnRydWUsIldpZHRoIjowLjAsIkhlaWdodCI6MTYuMCwiQm9yZGVyU3R5bGUiOnsiJGlkIjoiNTg0IiwiTGluZUNvbG9yIjp7IiRpZCI6IjU4NSIsIiR0eXBlIjoiTkxSRS5Db21tb24uRG9tLlNvbGlkQ29sb3JCcnVzaCwgTkxSRS5Db21tb24iLCJDb2xvciI6eyIkaWQiOiI1ODYiLCJBIjoyNTUsIlIiOjI1NSwiRyI6MCwiQiI6MH19LCJMaW5lV2VpZ2h0IjowLjAsIkxpbmVUeXBlIjowLCJQYXJlbnRTdHlsZSI6bnVsbH0sIlBhcmVudFN0eWxlIjpudWxsfSwiVGl0bGVTdHlsZSI6eyIkaWQiOiI1ODciLCJGb250U2V0dGluZ3MiOnsiJGlkIjoiNTg4IiwiRm9udFNpemUiOjExLCJGb250TmFtZSI6IkNhbGlicmkiLCJJc0JvbGQiOnRydWUsIklzSXRhbGljIjpmYWxzZSwiSXNVbmRlcmxpbmVkIjpmYWxzZSwiUGFyZW50U3R5bGUiOm51bGx9LCJBdXRvU2l6ZSI6MCwiRm9yZWdyb3VuZCI6eyIkaWQiOiI1ODkiLCJDb2xvciI6eyIkaWQiOiI1OTAiLCJBIjoyNTUsIlIiOjAsIkciOjAsIkIiOjB9fSwiTWF4V2lkdGgiOjk2MC4wLCJNYXhIZWlnaHQiOiJJbmZpbml0eSIsIlNtYXJ0Rm9yZWdyb3VuZElzQWN0aXZlIjpmYWxzZSwiSG9yaXpvbnRhbEFsaWdubWVudCI6MCwiVmVydGljYWxBbGlnbm1lbnQiOjAsIlNtYXJ0Rm9yZWdyb3VuZCI6bnVsbCwiQmFja2dyb3VuZEZpbGxUeXBlIjowLCJNYXJnaW4iOnsiJGlkIjoiNTkxIiwiVG9wIjowLjAsIkxlZnQiOjAuMCwiUmlnaHQiOjAuMCwiQm90dG9tIjowLjB9LCJQYWRkaW5nIjp7IiRpZCI6IjU5MiIsIlRvcCI6MC4wLCJMZWZ0IjowLjAsIlJpZ2h0IjowLjAsIkJvdHRvbSI6MC4wfSwiQmFja2dyb3VuZCI6eyIkaWQiOiI1OTMiLCJDb2xvciI6eyIkcmVmIjoiNTU1In19LCJJc1Zpc2libGUiOnRydWUsIldpZHRoIjowLjAsIkhlaWdodCI6MC4wLCJCb3JkZXJTdHlsZSI6eyIkaWQiOiI1OTQiLCJMaW5lQ29sb3IiOm51bGwsIkxpbmVXZWlnaHQiOjAuMCwiTGluZVR5cGUiOjAsIlBhcmVudFN0eWxlIjpudWxsfSwiUGFyZW50U3R5bGUiOm51bGx9LCJEYXRlU3R5bGUiOnsiJGlkIjoiNTk1IiwiRm9udFNldHRpbmdzIjp7IiRpZCI6IjU5NiIsIkZvbnRTaXplIjoxMCwiRm9udE5hbWUiOiJDYWxpYnJpIiwiSXNCb2xkIjpmYWxzZSwiSXNJdGFsaWMiOmZhbHNlLCJJc1VuZGVybGluZWQiOmZhbHNlLCJQYXJlbnRTdHlsZSI6bnVsbH0sIkF1dG9TaXplIjowLCJGb3JlZ3JvdW5kIjp7IiRpZCI6IjU5NyIsIkNvbG9yIjp7IiRpZCI6IjU5OCIsIkEiOjI1NSwiUiI6NjgsIkciOjg0LCJCIjoxMDZ9fSwiTWF4V2lkdGgiOjIwMC4wLCJNYXhIZWlnaHQiOiJJbmZpbml0eSIsIlNtYXJ0Rm9yZWdyb3VuZElzQWN0aXZlIjpmYWxzZSwiSG9yaXpvbnRhbEFsaWdubWVudCI6MCwiVmVydGljYWxBbGlnbm1lbnQiOjAsIlNtYXJ0Rm9yZWdyb3VuZCI6bnVsbCwiQmFja2dyb3VuZEZpbGxUeXBlIjowLCJNYXJnaW4iOnsiJGlkIjoiNTk5IiwiVG9wIjowLjAsIkxlZnQiOjAuMCwiUmlnaHQiOjAuMCwiQm90dG9tIjowLjB9LCJQYWRkaW5nIjp7IiRpZCI6IjYwMCIsIlRvcCI6MC4wLCJMZWZ0IjowLjAsIlJpZ2h0IjowLjAsIkJvdHRvbSI6MC4wfSwiQmFja2dyb3VuZCI6eyIkaWQiOiI2MDEiLCJDb2xvciI6eyIkcmVmIjoiNTU1In19LCJJc1Zpc2libGUiOnRydWUsIldpZHRoIjowLjAsIkhlaWdodCI6MC4wLCJCb3JkZXJTdHlsZSI6eyIkaWQiOiI2MDIiLCJMaW5lQ29sb3IiOm51bGwsIkxpbmVXZWlnaHQiOjAuMCwiTGluZVR5cGUiOjAsIlBhcmVudFN0eWxlIjpudWxsfSwiUGFyZW50U3R5bGUiOm51bGx9LCJEYXRlRm9ybWF0Ijp7IiRpZCI6IjYwMyIsIkZvcm1hdFN0cmluZyI6Ik0vZC95eXl5IiwiU2VwYXJhdG9yIjoiLyIsIlVzZUludGVybmF0aW9uYWxEYXRlRm9ybWF0IjpmYWxzZSwiRGF0ZUlzVmlzaWJsZSI6dHJ1ZSwiVGltZUlzVmlzaWJsZSI6ZmFsc2UsIkhvdXJEaWdpdHMiOjEsIkFtUG1EZXNpZ25hdG9yIjoyLCJUcmltMDBNaW51dGVzIjpmYWxzZSwiTGFzdEtub3duVmlzaWJpbGl0eVN0YXRlIjp7IiRpZCI6IjYwNCIsIkRhdGVQYXJ0SXNWaXNpYmxlIjpmYWxzZSwiVGltZVBhcnRJc1Zpc2libGUiOmZhbHNlfX0sIldlZWtOdW1iZXJpbmciOnsiJGlkIjoiNjA1IiwiRm9ybWF0IjowLCJJc1Zpc2libGUiOmZhbHNlLCJMYXN0S25vd25WaXNpYmlsaXR5U3RhdGUiOmZhbHNlfSwiSXNWaXNpYmxlIjp0cnVlLCJQYXJlbnRTdHlsZSI6bnVsbH0sIkluZGV4IjowLCJTbWFydER1cmF0aW9uQWN0aXZhdGVkIjpmYWxzZSwiRGF0ZUZvcm1hdCI6eyIkcmVmIjoiNjAzIn0sIldlZWtOdW1iZXJpbmciOnsiJGlkIjoiNjA2IiwiRm9ybWF0IjowLCJJc1Zpc2libGUiOmZhbHNlLCJMYXN0S25vd25WaXNpYmlsaXR5U3RhdGUiOmZhbHNlfSwiQmFzZWxpbmVEYXRhIjp7IiRpZCI6IjYwNyIsIlN0YXJ0RGF0ZSI6IjIwMjUtMTAtMDdUMDA6MDA6MDAiLCJFbmREYXRlIjoiMjAyNS0xMC0yMFQyMzo1OTowMCJ9LCJJZCI6Ijk5MDVkOTk0LThmZDItNDkxNi1hOWViLTJhZDRiMzZkMTg5YSIsIkltcG9ydElkIjpudWxsLCJUaXRsZSI6IlNwcmludCAxIiwiTm90ZSI6bnVsbCwiSHlwZXJsaW5rIjp7IiRpZCI6IjYwOCIsIkFkZHJlc3MiOiIiLCJTdWJBZGRyZXNzIjoiIn0sIklzQ2hhbmdlZCI6ZmFsc2UsIklzTmV3IjpmYWxzZX0seyIkaWQiOiI2MDkiLCJHcm91cE5hbWUiOm51bGwsIlN0YXJ0RGF0ZSI6IjIwMjUtMTAtMTBUMDA6MDA6MDBaIiwiRW5kRGF0ZSI6IjIwMjUtMTAtMTZUMjM6NTk6MDBaIiwiUGVyY2VudGFnZUNvbXBsZXRlIjpudWxsLCJTdHlsZSI6eyIkaWQiOiI2MTAiLCJTaGFwZSI6MCwiU2hhcGVUaGlja25lc3MiOjEsIkR1cmF0aW9uRm9ybWF0IjowLCJJbmNsdWRlTm9uV29ya2luZ0RheXNJbkR1cmF0aW9uIjpmYWxzZSwiUGVyY2VudGFnZUNvbXBsZXRlU3R5bGUiOnsiJGlkIjoiNjExIiwiRm9udFNldHRpbmdzIjp7IiRpZCI6IjYxMiIsIkZvbnRTaXplIjoxMCwiRm9udE5hbWUiOiJDYWxpYnJpIiwiSXNCb2xkIjpmYWxzZSwiSXNJdGFsaWMiOmZhbHNlLCJJc1VuZGVybGluZWQiOmZhbHNlLCJQYXJlbnRTdHlsZSI6bnVsbH0sIkF1dG9TaXplIjowLCJGb3JlZ3JvdW5kIjp7IiRpZCI6IjYxMyIsIkNvbG9yIjp7IiRpZCI6IjYxNCIsIkEiOjI1NSwiUiI6MjM3LCJHIjoxMjUsIkIiOjQ5fX0sIk1heFdpZHRoIjoyMDAuMCwiTWF4SGVpZ2h0IjoiSW5maW5pdHkiLCJTbWFydEZvcmVncm91bmRJc0FjdGl2ZSI6ZmFsc2UsIkhvcml6b250YWxBbGlnbm1lbnQiOjAsIlZlcnRpY2FsQWxpZ25tZW50IjowLCJTbWFydEZvcmVncm91bmQiOm51bGwsIkJhY2tncm91bmRGaWxsVHlwZSI6MCwiTWFyZ2luIjp7IiRpZCI6IjYxNSIsIlRvcCI6MC4wLCJMZWZ0IjowLjAsIlJpZ2h0IjowLjAsIkJvdHRvbSI6MC4wfSwiUGFkZGluZyI6eyIkaWQiOiI2MTYiLCJUb3AiOjAuMCwiTGVmdCI6MC4wLCJSaWdodCI6MC4wLCJCb3R0b20iOjAuMH0sIkJhY2tncm91bmQiOnsiJGlkIjoiNjE3IiwiQ29sb3IiOnsiJGlkIjoiNjE4IiwiQSI6ODksIlIiOjAsIkciOjAsIkIiOjB9fSwiSXNWaXNpYmxlIjp0cnVlLCJXaWR0aCI6MC4wLCJIZWlnaHQiOjAuMCwiQm9yZGVyU3R5bGUiOnsiJGlkIjoiNjE5IiwiTGluZUNvbG9yIjpudWxsLCJMaW5lV2VpZ2h0IjowLjAsIkxpbmVUeXBlIjowLCJQYXJlbnRTdHlsZSI6bnVsbH0sIlBhcmVudFN0eWxlIjpudWxsfSwiRHVyYXRpb25TdHlsZSI6eyIkaWQiOiI2MjAiLCJGb250U2V0dGluZ3MiOnsiJGlkIjoiNjIxIiwiRm9udFNpemUiOjEwLCJGb250TmFtZSI6IkNhbGlicmkiLCJJc0JvbGQiOmZhbHNlLCJJc0l0YWxpYyI6ZmFsc2UsIklzVW5kZXJsaW5lZCI6ZmFsc2UsIlBhcmVudFN0eWxlIjpudWxsfSwiQXV0b1NpemUiOjAsIkZvcmVncm91bmQiOnsiJGlkIjoiNjIyIiwiQ29sb3IiOnsiJGlkIjoiNjIzIiwiQSI6MjU1LCJSIjoyMzcsIkciOjEyNSwiQiI6NDl9fSwiTWF4V2lkdGgiOjIwMC4wLCJNYXhIZWlnaHQiOiJJbmZpbml0eSIsIlNtYXJ0Rm9yZWdyb3VuZElzQWN0aXZlIjpmYWxzZSwiSG9yaXpvbnRhbEFsaWdubWVudCI6MCwiVmVydGljYWxBbGlnbm1lbnQiOjAsIlNtYXJ0Rm9yZWdyb3VuZCI6bnVsbCwiQmFja2dyb3VuZEZpbGxUeXBlIjowLCJNYXJnaW4iOnsiJGlkIjoiNjI0IiwiVG9wIjowLjAsIkxlZnQiOjAuMCwiUmlnaHQiOjAuMCwiQm90dG9tIjowLjB9LCJQYWRkaW5nIjp7IiRpZCI6IjYyNSIsIlRvcCI6MC4wLCJMZWZ0IjowLjAsIlJpZ2h0IjowLjAsIkJvdHRvbSI6MC4wfSwiQmFja2dyb3VuZCI6eyIkaWQiOiI2MjYiLCJDb2xvciI6eyIkcmVmIjoiNjE4In19LCJJc1Zpc2libGUiOnRydWUsIldpZHRoIjowLjAsIkhlaWdodCI6MC4wLCJCb3JkZXJTdHlsZSI6eyIkaWQiOiI2MjciLCJMaW5lQ29sb3IiOm51bGwsIkxpbmVXZWlnaHQiOjAuMCwiTGluZVR5cGUiOjAsIlBhcmVudFN0eWxlIjpudWxsfSwiUGFyZW50U3R5bGUiOm51bGx9LCJIb3Jpem9udGFsQ29ubmVjdG9yU3R5bGUiOnsiJGlkIjoiNjI4IiwiTGluZUNvbG9yIjp7IiRpZCI6IjYyOSIsIiR0eXBlIjoiTkxSRS5Db21tb24uRG9tLlNvbGlkQ29sb3JCcnVzaCwgTkxSRS5Db21tb24iLCJDb2xvciI6eyIkaWQiOiI2MzAiLCJBIjoyNTUsIlIiOjIwNCwiRyI6MjA0LCJCIjoyMDR9fSwiTGluZVdlaWdodCI6MS4wLCJMaW5lVHlwZSI6MCwiUGFyZW50U3R5bGUiOm51bGx9LCJWZXJ0aWNhbENvbm5lY3RvclN0eWxlIjp7IiRpZCI6IjYzMSIsIkxpbmVDb2xvciI6eyIkaWQiOiI2MzIiLCIkdHlwZSI6Ik5MUkUuQ29tbW9uLkRvbS5Tb2xpZENvbG9yQnJ1c2gsIE5MUkUuQ29tbW9uIiwiQ29sb3IiOnsiJGlkIjoiNjMzIiwiQSI6MjU1LCJSIjoyMDQsIkciOjIwNCwiQiI6MjA0fX0sIkxpbmVXZWlnaHQiOjAuMCwiTGluZVR5cGUiOjAsIlBhcmVudFN0eWxlIjpudWxsfSwiTWFyZ2luIjpudWxsLCJTdGFydERhdGVQb3NpdGlvbiI6NCwiRW5kRGF0ZVBvc2l0aW9uIjo0LCJEYXRlSXNWaXNpYmxlIjp0cnVlLCJUaXRsZVBvc2l0aW9uIjo1LCJEdXJhdGlvblBvc2l0aW9uIjo2LCJQZXJjZW50YWdlQ29tcGxldGVkUG9zaXRpb24iOjYsIlNwYWNpbmciOjUsIklzQmVsb3dUaW1lYmFuZCI6dHJ1ZSwiUGVyY2VudGFnZUNvbXBsZXRlU2hhcGVPcGFjaXR5IjozNSwiQmFzZWxpbmVTdHlsZSI6eyIkaWQiOiI2MzQiLCJTaGFwZVN0eWxlIjp7IiRpZCI6IjYzNSIsIk1hcmdpbiI6eyIkaWQiOiI2MzYiLCJUb3AiOjAuMCwiTGVmdCI6MC4wLCJSaWdodCI6MC4wLCJCb3R0b20iOjAuMH0sIlBhZGRpbmciOnsiJGlkIjoiNjM3IiwiVG9wIjowLjAsIkxlZnQiOjAuMCwiUmlnaHQiOjAuMCwiQm90dG9tIjowLjB9LCJCYWNrZ3JvdW5kIjp7IiRpZCI6IjYzOCIsIkNvbG9yIjp7IiRpZCI6IjYzOSIsIkEiOjE1MywiUiI6MCwiRyI6MCwiQiI6MH19LCJJc1Zpc2libGUiOnRydWUsIldpZHRoIjowLjAsIkhlaWdodCI6MC4wLCJCb3JkZXJTdHlsZSI6bnVsbCwiUGFyZW50U3R5bGUiOm51bGx9LCJNYXJnaW4iOnsiJGlkIjoiNjQwIiwiVG9wIjowLjAsIkxlZnQiOjAuMCwiUmlnaHQiOjAuMCwiQm90dG9tIjowLjB9LCJQYWRkaW5nIjp7IiRpZCI6IjY0MSIsIlRvcCI6MC4wLCJMZWZ0IjowLjAsIlJpZ2h0IjowLjAsIkJvdHRvbSI6MC4wfSwiQmFja2dyb3VuZCI6bnVsbCwiSXNWaXNpYmxlIjp0cnVlLCJXaWR0aCI6MC4wLCJIZWlnaHQiOjAuMCwiQm9yZGVyU3R5bGUiOm51bGwsIlBhcmVudFN0eWxlIjpudWxsfSwiU2hhcGVTdHlsZSI6eyIkaWQiOiI2NDIiLCJNYXJnaW4iOnsiJGlkIjoiNjQzIiwiVG9wIjowLjAsIkxlZnQiOjQuMCwiUmlnaHQiOjQuMCwiQm90dG9tIjowLjB9LCJQYWRkaW5nIjp7IiRpZCI6IjY0NCIsIlRvcCI6MC4wLCJMZWZ0IjowLjAsIlJpZ2h0IjowLjAsIkJvdHRvbSI6MC4wfSwiQmFja2dyb3VuZCI6eyIkaWQiOiI2NDUiLCJDb2xvciI6eyIkaWQiOiI2NDYiLCJBIjoyNTUsIlIiOjIzNywiRyI6MTI1LCJCIjo0OX19LCJJc1Zpc2libGUiOnRydWUsIldpZHRoIjowLjAsIkhlaWdodCI6MTYuMCwiQm9yZGVyU3R5bGUiOnsiJGlkIjoiNjQ3IiwiTGluZUNvbG9yIjp7IiRpZCI6IjY0OCIsIiR0eXBlIjoiTkxSRS5Db21tb24uRG9tLlNvbGlkQ29sb3JCcnVzaCwgTkxSRS5Db21tb24iLCJDb2xvciI6eyIkaWQiOiI2NDkiLCJBIjoyNTUsIlIiOjI1NSwiRyI6MCwiQiI6MH19LCJMaW5lV2VpZ2h0IjowLjAsIkxpbmVUeXBlIjowLCJQYXJlbnRTdHlsZSI6bnVsbH0sIlBhcmVudFN0eWxlIjpudWxsfSwiVGl0bGVTdHlsZSI6eyIkaWQiOiI2NTAiLCJGb250U2V0dGluZ3MiOnsiJGlkIjoiNjUxIiwiRm9udFNpemUiOjExLCJGb250TmFtZSI6IkNhbGlicmkiLCJJc0JvbGQiOnRydWUsIklzSXRhbGljIjpmYWxzZSwiSXNVbmRlcmxpbmVkIjpmYWxzZSwiUGFyZW50U3R5bGUiOm51bGx9LCJBdXRvU2l6ZSI6MCwiRm9yZWdyb3VuZCI6eyIkaWQiOiI2NTIiLCJDb2xvciI6eyIkaWQiOiI2NTMiLCJBIjoyNTUsIlIiOjAsIkciOjAsIkIiOjB9fSwiTWF4V2lkdGgiOjk2MC4wLCJNYXhIZWlnaHQiOiJJbmZpbml0eSIsIlNtYXJ0Rm9yZWdyb3VuZElzQWN0aXZlIjpmYWxzZSwiSG9yaXpvbnRhbEFsaWdubWVudCI6MCwiVmVydGljYWxBbGlnbm1lbnQiOjAsIlNtYXJ0Rm9yZWdyb3VuZCI6bnVsbCwiQmFja2dyb3VuZEZpbGxUeXBlIjowLCJNYXJnaW4iOnsiJGlkIjoiNjU0IiwiVG9wIjowLjAsIkxlZnQiOjAuMCwiUmlnaHQiOjAuMCwiQm90dG9tIjowLjB9LCJQYWRkaW5nIjp7IiRpZCI6IjY1NSIsIlRvcCI6MC4wLCJMZWZ0IjowLjAsIlJpZ2h0IjowLjAsIkJvdHRvbSI6MC4wfSwiQmFja2dyb3VuZCI6eyIkaWQiOiI2NTYiLCJDb2xvciI6eyIkcmVmIjoiNjE4In19LCJJc1Zpc2libGUiOnRydWUsIldpZHRoIjowLjAsIkhlaWdodCI6MC4wLCJCb3JkZXJTdHlsZSI6eyIkaWQiOiI2NTciLCJMaW5lQ29sb3IiOm51bGwsIkxpbmVXZWlnaHQiOjAuMCwiTGluZVR5cGUiOjAsIlBhcmVudFN0eWxlIjpudWxsfSwiUGFyZW50U3R5bGUiOm51bGx9LCJEYXRlU3R5bGUiOnsiJGlkIjoiNjU4IiwiRm9udFNldHRpbmdzIjp7IiRpZCI6IjY1OSIsIkZvbnRTaXplIjoxMCwiRm9udE5hbWUiOiJDYWxpYnJpIiwiSXNCb2xkIjpmYWxzZSwiSXNJdGFsaWMiOmZhbHNlLCJJc1VuZGVybGluZWQiOmZhbHNlLCJQYXJlbnRTdHlsZSI6bnVsbH0sIkF1dG9TaXplIjowLCJGb3JlZ3JvdW5kIjp7IiRpZCI6IjY2MCIsIkNvbG9yIjp7IiRpZCI6IjY2MSIsIkEiOjI1NSwiUiI6NjgsIkciOjg0LCJCIjoxMDZ9fSwiTWF4V2lkdGgiOjIwMC4wLCJNYXhIZWlnaHQiOiJJbmZpbml0eSIsIlNtYXJ0Rm9yZWdyb3VuZElzQWN0aXZlIjpmYWxzZSwiSG9yaXpvbnRhbEFsaWdubWVudCI6MCwiVmVydGljYWxBbGlnbm1lbnQiOjAsIlNtYXJ0Rm9yZWdyb3VuZCI6bnVsbCwiQmFja2dyb3VuZEZpbGxUeXBlIjowLCJNYXJnaW4iOnsiJGlkIjoiNjYyIiwiVG9wIjowLjAsIkxlZnQiOjAuMCwiUmlnaHQiOjAuMCwiQm90dG9tIjowLjB9LCJQYWRkaW5nIjp7IiRpZCI6IjY2MyIsIlRvcCI6MC4wLCJMZWZ0IjowLjAsIlJpZ2h0IjowLjAsIkJvdHRvbSI6MC4wfSwiQmFja2dyb3VuZCI6eyIkaWQiOiI2NjQiLCJDb2xvciI6eyIkcmVmIjoiNjE4In19LCJJc1Zpc2libGUiOnRydWUsIldpZHRoIjowLjAsIkhlaWdodCI6MC4wLCJCb3JkZXJTdHlsZSI6eyIkaWQiOiI2NjUiLCJMaW5lQ29sb3IiOm51bGwsIkxpbmVXZWlnaHQiOjAuMCwiTGluZVR5cGUiOjAsIlBhcmVudFN0eWxlIjpudWxsfSwiUGFyZW50U3R5bGUiOm51bGx9LCJEYXRlRm9ybWF0Ijp7IiRpZCI6IjY2NiIsIkZvcm1hdFN0cmluZyI6Ik0vZC95eXl5IiwiU2VwYXJhdG9yIjoiLyIsIlVzZUludGVybmF0aW9uYWxEYXRlRm9ybWF0IjpmYWxzZSwiRGF0ZUlzVmlzaWJsZSI6dHJ1ZSwiVGltZUlzVmlzaWJsZSI6ZmFsc2UsIkhvdXJEaWdpdHMiOjEsIkFtUG1EZXNpZ25hdG9yIjoyLCJUcmltMDBNaW51dGVzIjpmYWxzZSwiTGFzdEtub3duVmlzaWJpbGl0eVN0YXRlIjp7IiRpZCI6IjY2NyIsIkRhdGVQYXJ0SXNWaXNpYmxlIjpmYWxzZSwiVGltZVBhcnRJc1Zpc2libGUiOmZhbHNlfX0sIldlZWtOdW1iZXJpbmciOnsiJGlkIjoiNjY4IiwiRm9ybWF0IjowLCJJc1Zpc2libGUiOmZhbHNlLCJMYXN0S25vd25WaXNpYmlsaXR5U3RhdGUiOmZhbHNlfSwiSXNWaXNpYmxlIjp0cnVlLCJQYXJlbnRTdHlsZSI6bnVsbH0sIkluZGV4IjoxLCJTbWFydER1cmF0aW9uQWN0aXZhdGVkIjpmYWxzZSwiRGF0ZUZvcm1hdCI6eyIkcmVmIjoiNjY2In0sIldlZWtOdW1iZXJpbmciOnsiJGlkIjoiNjY5IiwiRm9ybWF0IjowLCJJc1Zpc2libGUiOmZhbHNlLCJMYXN0S25vd25WaXNpYmlsaXR5U3RhdGUiOmZhbHNlfSwiQmFzZWxpbmVEYXRhIjp7IiRpZCI6IjY3MCIsIlN0YXJ0RGF0ZSI6IjIwMjUtMTAtMjFUMDA6MDA6MDAiLCJFbmREYXRlIjoiMjAyNS0xMS0wM1QyMzo1OTowMCJ9LCJJZCI6ImYzOTA0Mjc4LTE2ZTktNDk4NC1iZWRkLWI1NjBkM2M3NmI1NSIsIkltcG9ydElkIjpudWxsLCJUaXRsZSI6IlNwcmludCAyIiwiTm90ZSI6bnVsbCwiSHlwZXJsaW5rIjp7IiRpZCI6IjY3MSIsIkFkZHJlc3MiOiIiLCJTdWJBZGRyZXNzIjoiIn0sIklzQ2hhbmdlZCI6ZmFsc2UsIklzTmV3IjpmYWxzZX0seyIkaWQiOiI2NzIiLCJHcm91cE5hbWUiOm51bGwsIlN0YXJ0RGF0ZSI6IjIwMjUtMTAtMTdUMDA6MDA6MDBaIiwiRW5kRGF0ZSI6IjIwMjUtMTAtMjNUMjM6NTk6MDBaIiwiUGVyY2VudGFnZUNvbXBsZXRlIjpudWxsLCJTdHlsZSI6eyIkaWQiOiI2NzMiLCJTaGFwZSI6MCwiU2hhcGVUaGlja25lc3MiOjEsIkR1cmF0aW9uRm9ybWF0IjowLCJJbmNsdWRlTm9uV29ya2luZ0RheXNJbkR1cmF0aW9uIjpmYWxzZSwiUGVyY2VudGFnZUNvbXBsZXRlU3R5bGUiOnsiJGlkIjoiNjc0IiwiRm9udFNldHRpbmdzIjp7IiRpZCI6IjY3NSIsIkZvbnRTaXplIjoxMCwiRm9udE5hbWUiOiJDYWxpYnJpIiwiSXNCb2xkIjpmYWxzZSwiSXNJdGFsaWMiOmZhbHNlLCJJc1VuZGVybGluZWQiOmZhbHNlLCJQYXJlbnRTdHlsZSI6bnVsbH0sIkF1dG9TaXplIjowLCJGb3JlZ3JvdW5kIjp7IiRpZCI6IjY3NiIsIkNvbG9yIjp7IiRpZCI6IjY3NyIsIkEiOjI1NSwiUiI6MjM3LCJHIjoxMjUsIkIiOjQ5fX0sIk1heFdpZHRoIjoyMDAuMCwiTWF4SGVpZ2h0IjoiSW5maW5pdHkiLCJTbWFydEZvcmVncm91bmRJc0FjdGl2ZSI6ZmFsc2UsIkhvcml6b250YWxBbGlnbm1lbnQiOjAsIlZlcnRpY2FsQWxpZ25tZW50IjowLCJTbWFydEZvcmVncm91bmQiOm51bGwsIkJhY2tncm91bmRGaWxsVHlwZSI6MCwiTWFyZ2luIjp7IiRpZCI6IjY3OCIsIlRvcCI6MC4wLCJMZWZ0IjowLjAsIlJpZ2h0IjowLjAsIkJvdHRvbSI6MC4wfSwiUGFkZGluZyI6eyIkaWQiOiI2NzkiLCJUb3AiOjAuMCwiTGVmdCI6MC4wLCJSaWdodCI6MC4wLCJCb3R0b20iOjAuMH0sIkJhY2tncm91bmQiOnsiJGlkIjoiNjgwIiwiQ29sb3IiOnsiJGlkIjoiNjgxIiwiQSI6ODksIlIiOjAsIkciOjAsIkIiOjB9fSwiSXNWaXNpYmxlIjp0cnVlLCJXaWR0aCI6MC4wLCJIZWlnaHQiOjAuMCwiQm9yZGVyU3R5bGUiOnsiJGlkIjoiNjgyIiwiTGluZUNvbG9yIjpudWxsLCJMaW5lV2VpZ2h0IjowLjAsIkxpbmVUeXBlIjowLCJQYXJlbnRTdHlsZSI6bnVsbH0sIlBhcmVudFN0eWxlIjpudWxsfSwiRHVyYXRpb25TdHlsZSI6eyIkaWQiOiI2ODMiLCJGb250U2V0dGluZ3MiOnsiJGlkIjoiNjg0IiwiRm9udFNpemUiOjEwLCJGb250TmFtZSI6IkNhbGlicmkiLCJJc0JvbGQiOmZhbHNlLCJJc0l0YWxpYyI6ZmFsc2UsIklzVW5kZXJsaW5lZCI6ZmFsc2UsIlBhcmVudFN0eWxlIjpudWxsfSwiQXV0b1NpemUiOjAsIkZvcmVncm91bmQiOnsiJGlkIjoiNjg1IiwiQ29sb3IiOnsiJGlkIjoiNjg2IiwiQSI6MjU1LCJSIjoyMzcsIkciOjEyNSwiQiI6NDl9fSwiTWF4V2lkdGgiOjIwMC4wLCJNYXhIZWlnaHQiOiJJbmZpbml0eSIsIlNtYXJ0Rm9yZWdyb3VuZElzQWN0aXZlIjpmYWxzZSwiSG9yaXpvbnRhbEFsaWdubWVudCI6MCwiVmVydGljYWxBbGlnbm1lbnQiOjAsIlNtYXJ0Rm9yZWdyb3VuZCI6bnVsbCwiQmFja2dyb3VuZEZpbGxUeXBlIjowLCJNYXJnaW4iOnsiJGlkIjoiNjg3IiwiVG9wIjowLjAsIkxlZnQiOjAuMCwiUmlnaHQiOjAuMCwiQm90dG9tIjowLjB9LCJQYWRkaW5nIjp7IiRpZCI6IjY4OCIsIlRvcCI6MC4wLCJMZWZ0IjowLjAsIlJpZ2h0IjowLjAsIkJvdHRvbSI6MC4wfSwiQmFja2dyb3VuZCI6eyIkaWQiOiI2ODkiLCJDb2xvciI6eyIkcmVmIjoiNjgxIn19LCJJc1Zpc2libGUiOnRydWUsIldpZHRoIjowLjAsIkhlaWdodCI6MC4wLCJCb3JkZXJTdHlsZSI6eyIkaWQiOiI2OTAiLCJMaW5lQ29sb3IiOm51bGwsIkxpbmVXZWlnaHQiOjAuMCwiTGluZVR5cGUiOjAsIlBhcmVudFN0eWxlIjpudWxsfSwiUGFyZW50U3R5bGUiOm51bGx9LCJIb3Jpem9udGFsQ29ubmVjdG9yU3R5bGUiOnsiJGlkIjoiNjkxIiwiTGluZUNvbG9yIjp7IiRpZCI6IjY5MiIsIiR0eXBlIjoiTkxSRS5Db21tb24uRG9tLlNvbGlkQ29sb3JCcnVzaCwgTkxSRS5Db21tb24iLCJDb2xvciI6eyIkaWQiOiI2OTMiLCJBIjoyNTUsIlIiOjIwNCwiRyI6MjA0LCJCIjoyMDR9fSwiTGluZVdlaWdodCI6MS4wLCJMaW5lVHlwZSI6MCwiUGFyZW50U3R5bGUiOm51bGx9LCJWZXJ0aWNhbENvbm5lY3RvclN0eWxlIjp7IiRpZCI6IjY5NCIsIkxpbmVDb2xvciI6eyIkaWQiOiI2OTUiLCIkdHlwZSI6Ik5MUkUuQ29tbW9uLkRvbS5Tb2xpZENvbG9yQnJ1c2gsIE5MUkUuQ29tbW9uIiwiQ29sb3IiOnsiJGlkIjoiNjk2IiwiQSI6MjU1LCJSIjoyMDQsIkciOjIwNCwiQiI6MjA0fX0sIkxpbmVXZWlnaHQiOjAuMCwiTGluZVR5cGUiOjAsIlBhcmVudFN0eWxlIjpudWxsfSwiTWFyZ2luIjpudWxsLCJTdGFydERhdGVQb3NpdGlvbiI6NCwiRW5kRGF0ZVBvc2l0aW9uIjo0LCJEYXRlSXNWaXNpYmxlIjp0cnVlLCJUaXRsZVBvc2l0aW9uIjo1LCJEdXJhdGlvblBvc2l0aW9uIjo2LCJQZXJjZW50YWdlQ29tcGxldGVkUG9zaXRpb24iOjYsIlNwYWNpbmciOjUsIklzQmVsb3dUaW1lYmFuZCI6dHJ1ZSwiUGVyY2VudGFnZUNvbXBsZXRlU2hhcGVPcGFjaXR5IjozNSwiQmFzZWxpbmVTdHlsZSI6eyIkaWQiOiI2OTciLCJTaGFwZVN0eWxlIjp7IiRpZCI6IjY5OCIsIk1hcmdpbiI6eyIkaWQiOiI2OTkiLCJUb3AiOjAuMCwiTGVmdCI6MC4wLCJSaWdodCI6MC4wLCJCb3R0b20iOjAuMH0sIlBhZGRpbmciOnsiJGlkIjoiNzAwIiwiVG9wIjowLjAsIkxlZnQiOjAuMCwiUmlnaHQiOjAuMCwiQm90dG9tIjowLjB9LCJCYWNrZ3JvdW5kIjp7IiRpZCI6IjcwMSIsIkNvbG9yIjp7IiRpZCI6IjcwMiIsIkEiOjE1MywiUiI6MCwiRyI6MCwiQiI6MH19LCJJc1Zpc2libGUiOnRydWUsIldpZHRoIjowLjAsIkhlaWdodCI6MC4wLCJCb3JkZXJTdHlsZSI6bnVsbCwiUGFyZW50U3R5bGUiOm51bGx9LCJNYXJnaW4iOnsiJGlkIjoiNzAzIiwiVG9wIjowLjAsIkxlZnQiOjAuMCwiUmlnaHQiOjAuMCwiQm90dG9tIjowLjB9LCJQYWRkaW5nIjp7IiRpZCI6IjcwNCIsIlRvcCI6MC4wLCJMZWZ0IjowLjAsIlJpZ2h0IjowLjAsIkJvdHRvbSI6MC4wfSwiQmFja2dyb3VuZCI6bnVsbCwiSXNWaXNpYmxlIjp0cnVlLCJXaWR0aCI6MC4wLCJIZWlnaHQiOjAuMCwiQm9yZGVyU3R5bGUiOm51bGwsIlBhcmVudFN0eWxlIjpudWxsfSwiU2hhcGVTdHlsZSI6eyIkaWQiOiI3MDUiLCJNYXJnaW4iOnsiJGlkIjoiNzA2IiwiVG9wIjowLjAsIkxlZnQiOjQuMCwiUmlnaHQiOjQuMCwiQm90dG9tIjowLjB9LCJQYWRkaW5nIjp7IiRpZCI6IjcwNyIsIlRvcCI6MC4wLCJMZWZ0IjowLjAsIlJpZ2h0IjowLjAsIkJvdHRvbSI6MC4wfSwiQmFja2dyb3VuZCI6eyIkaWQiOiI3MDgiLCJDb2xvciI6eyIkaWQiOiI3MDkiLCJBIjoyNTUsIlIiOjI1NSwiRyI6MTkyLCJCIjowfX0sIklzVmlzaWJsZSI6dHJ1ZSwiV2lkdGgiOjAuMCwiSGVpZ2h0IjoxNi4wLCJCb3JkZXJTdHlsZSI6eyIkaWQiOiI3MTAiLCJMaW5lQ29sb3IiOnsiJGlkIjoiNzExIiwiJHR5cGUiOiJOTFJFLkNvbW1vbi5Eb20uU29saWRDb2xvckJydXNoLCBOTFJFLkNvbW1vbiIsIkNvbG9yIjp7IiRpZCI6IjcxMiIsIkEiOjI1NSwiUiI6MjU1LCJHIjowLCJCIjowfX0sIkxpbmVXZWlnaHQiOjAuMCwiTGluZVR5cGUiOjAsIlBhcmVudFN0eWxlIjpudWxsfSwiUGFyZW50U3R5bGUiOm51bGx9LCJUaXRsZVN0eWxlIjp7IiRpZCI6IjcxMyIsIkZvbnRTZXR0aW5ncyI6eyIkaWQiOiI3MTQiLCJGb250U2l6ZSI6MTEsIkZvbnROYW1lIjoiQ2FsaWJyaSIsIklzQm9sZCI6dHJ1ZSwiSXNJdGFsaWMiOmZhbHNlLCJJc1VuZGVybGluZWQiOmZhbHNlLCJQYXJlbnRTdHlsZSI6bnVsbH0sIkF1dG9TaXplIjowLCJGb3JlZ3JvdW5kIjp7IiRpZCI6IjcxNSIsIkNvbG9yIjp7IiRpZCI6IjcxNiIsIkEiOjI1NSwiUiI6MCwiRyI6MCwiQiI6MH19LCJNYXhXaWR0aCI6OTYwLjAsIk1heEhlaWdodCI6IkluZmluaXR5IiwiU21hcnRGb3JlZ3JvdW5kSXNBY3RpdmUiOmZhbHNlLCJIb3Jpem9udGFsQWxpZ25tZW50IjowLCJWZXJ0aWNhbEFsaWdubWVudCI6MCwiU21hcnRGb3JlZ3JvdW5kIjpudWxsLCJCYWNrZ3JvdW5kRmlsbFR5cGUiOjAsIk1hcmdpbiI6eyIkaWQiOiI3MTciLCJUb3AiOjAuMCwiTGVmdCI6MC4wLCJSaWdodCI6MC4wLCJCb3R0b20iOjAuMH0sIlBhZGRpbmciOnsiJGlkIjoiNzE4IiwiVG9wIjowLjAsIkxlZnQiOjAuMCwiUmlnaHQiOjAuMCwiQm90dG9tIjowLjB9LCJCYWNrZ3JvdW5kIjp7IiRpZCI6IjcxOSIsIkNvbG9yIjp7IiRyZWYiOiI2ODEifX0sIklzVmlzaWJsZSI6dHJ1ZSwiV2lkdGgiOjAuMCwiSGVpZ2h0IjowLjAsIkJvcmRlclN0eWxlIjp7IiRpZCI6IjcyMCIsIkxpbmVDb2xvciI6bnVsbCwiTGluZVdlaWdodCI6MC4wLCJMaW5lVHlwZSI6MCwiUGFyZW50U3R5bGUiOm51bGx9LCJQYXJlbnRTdHlsZSI6bnVsbH0sIkRhdGVTdHlsZSI6eyIkaWQiOiI3MjEiLCJGb250U2V0dGluZ3MiOnsiJGlkIjoiNzIyIiwiRm9udFNpemUiOjEwLCJGb250TmFtZSI6IkNhbGlicmkiLCJJc0JvbGQiOmZhbHNlLCJJc0l0YWxpYyI6ZmFsc2UsIklzVW5kZXJsaW5lZCI6ZmFsc2UsIlBhcmVudFN0eWxlIjpudWxsfSwiQXV0b1NpemUiOjAsIkZvcmVncm91bmQiOnsiJGlkIjoiNzIzIiwiQ29sb3IiOnsiJGlkIjoiNzI0IiwiQSI6MjU1LCJSIjo2OCwiRyI6ODQsIkIiOjEwNn19LCJNYXhXaWR0aCI6MjAwLjAsIk1heEhlaWdodCI6IkluZmluaXR5IiwiU21hcnRGb3JlZ3JvdW5kSXNBY3RpdmUiOmZhbHNlLCJIb3Jpem9udGFsQWxpZ25tZW50IjowLCJWZXJ0aWNhbEFsaWdubWVudCI6MCwiU21hcnRGb3JlZ3JvdW5kIjpudWxsLCJCYWNrZ3JvdW5kRmlsbFR5cGUiOjAsIk1hcmdpbiI6eyIkaWQiOiI3MjUiLCJUb3AiOjAuMCwiTGVmdCI6MC4wLCJSaWdodCI6MC4wLCJCb3R0b20iOjAuMH0sIlBhZGRpbmciOnsiJGlkIjoiNzI2IiwiVG9wIjowLjAsIkxlZnQiOjAuMCwiUmlnaHQiOjAuMCwiQm90dG9tIjowLjB9LCJCYWNrZ3JvdW5kIjp7IiRpZCI6IjcyNyIsIkNvbG9yIjp7IiRyZWYiOiI2ODEifX0sIklzVmlzaWJsZSI6dHJ1ZSwiV2lkdGgiOjAuMCwiSGVpZ2h0IjowLjAsIkJvcmRlclN0eWxlIjp7IiRpZCI6IjcyOCIsIkxpbmVDb2xvciI6bnVsbCwiTGluZVdlaWdodCI6MC4wLCJMaW5lVHlwZSI6MCwiUGFyZW50U3R5bGUiOm51bGx9LCJQYXJlbnRTdHlsZSI6bnVsbH0sIkRhdGVGb3JtYXQiOnsiJGlkIjoiNzI5IiwiRm9ybWF0U3RyaW5nIjoiTS9kL3l5eXkiLCJTZXBhcmF0b3IiOiIvIiwiVXNlSW50ZXJuYXRpb25hbERhdGVGb3JtYXQiOmZhbHNlLCJEYXRlSXNWaXNpYmxlIjp0cnVlLCJUaW1lSXNWaXNpYmxlIjpmYWxzZSwiSG91ckRpZ2l0cyI6MSwiQW1QbURlc2lnbmF0b3IiOjIsIlRyaW0wME1pbnV0ZXMiOmZhbHNlLCJMYXN0S25vd25WaXNpYmlsaXR5U3RhdGUiOnsiJGlkIjoiNzMwIiwiRGF0ZVBhcnRJc1Zpc2libGUiOmZhbHNlLCJUaW1lUGFydElzVmlzaWJsZSI6ZmFsc2V9fSwiV2Vla051bWJlcmluZyI6eyIkaWQiOiI3MzEiLCJGb3JtYXQiOjAsIklzVmlzaWJsZSI6ZmFsc2UsIkxhc3RLbm93blZpc2liaWxpdHlTdGF0ZSI6ZmFsc2V9LCJJc1Zpc2libGUiOnRydWUsIlBhcmVudFN0eWxlIjpudWxsfSwiSW5kZXgiOjIsIlNtYXJ0RHVyYXRpb25BY3RpdmF0ZWQiOmZhbHNlLCJEYXRlRm9ybWF0Ijp7IiRyZWYiOiI3MjkifSwiV2Vla051bWJlcmluZyI6eyIkaWQiOiI3MzIiLCJGb3JtYXQiOjAsIklzVmlzaWJsZSI6ZmFsc2UsIkxhc3RLbm93blZpc2liaWxpdHlTdGF0ZSI6ZmFsc2V9LCJCYXNlbGluZURhdGEiOnsiJGlkIjoiNzMzIiwiU3RhcnREYXRlIjoiMjAyNS0xMS0wNFQwMDowMDowMCIsIkVuZERhdGUiOiIyMDI1LTExLTE3VDIzOjU5OjAwIn0sIklkIjoiNGM1MjM0ODYtNzgwOS00NjMwLWE5ZDItMGVjODAxMDEyYjU3IiwiSW1wb3J0SWQiOm51bGwsIlRpdGxlIjoiU3ByaW50IDMiLCJOb3RlIjpudWxsLCJIeXBlcmxpbmsiOnsiJGlkIjoiNzM0IiwiQWRkcmVzcyI6IiIsIlN1YkFkZHJlc3MiOiIifSwiSXNDaGFuZ2VkIjpmYWxzZSwiSXNOZXciOmZhbHNlfSx7IiRpZCI6IjczNSIsIkdyb3VwTmFtZSI6bnVsbCwiU3RhcnREYXRlIjoiMjAyNS0xMC0yNFQwMDowMDowMFoiLCJFbmREYXRlIjoiMjAyNS0xMC0zMFQyMzo1OTowMFoiLCJQZXJjZW50YWdlQ29tcGxldGUiOm51bGwsIlN0eWxlIjp7IiRpZCI6IjczNiIsIlNoYXBlIjowLCJTaGFwZVRoaWNrbmVzcyI6MSwiRHVyYXRpb25Gb3JtYXQiOjAsIkluY2x1ZGVOb25Xb3JraW5nRGF5c0luRHVyYXRpb24iOmZhbHNlLCJQZXJjZW50YWdlQ29tcGxldGVTdHlsZSI6eyIkaWQiOiI3MzciLCJGb250U2V0dGluZ3MiOnsiJGlkIjoiNzM4IiwiRm9udFNpemUiOjEwLCJGb250TmFtZSI6IkNhbGlicmkiLCJJc0JvbGQiOmZhbHNlLCJJc0l0YWxpYyI6ZmFsc2UsIklzVW5kZXJsaW5lZCI6ZmFsc2UsIlBhcmVudFN0eWxlIjpudWxsfSwiQXV0b1NpemUiOjAsIkZvcmVncm91bmQiOnsiJGlkIjoiNzM5IiwiQ29sb3IiOnsiJGlkIjoiNzQwIiwiQSI6MjU1LCJSIjoyMzcsIkciOjEyNSwiQiI6NDl9fSwiTWF4V2lkdGgiOjIwMC4wLCJNYXhIZWlnaHQiOiJJbmZpbml0eSIsIlNtYXJ0Rm9yZWdyb3VuZElzQWN0aXZlIjpmYWxzZSwiSG9yaXpvbnRhbEFsaWdubWVudCI6MCwiVmVydGljYWxBbGlnbm1lbnQiOjAsIlNtYXJ0Rm9yZWdyb3VuZCI6bnVsbCwiQmFja2dyb3VuZEZpbGxUeXBlIjowLCJNYXJnaW4iOnsiJGlkIjoiNzQxIiwiVG9wIjowLjAsIkxlZnQiOjAuMCwiUmlnaHQiOjAuMCwiQm90dG9tIjowLjB9LCJQYWRkaW5nIjp7IiRpZCI6Ijc0MiIsIlRvcCI6MC4wLCJMZWZ0IjowLjAsIlJpZ2h0IjowLjAsIkJvdHRvbSI6MC4wfSwiQmFja2dyb3VuZCI6eyIkaWQiOiI3NDMiLCJDb2xvciI6eyIkaWQiOiI3NDQiLCJBIjo4OSwiUiI6MCwiRyI6MCwiQiI6MH19LCJJc1Zpc2libGUiOnRydWUsIldpZHRoIjowLjAsIkhlaWdodCI6MC4wLCJCb3JkZXJTdHlsZSI6eyIkaWQiOiI3NDUiLCJMaW5lQ29sb3IiOm51bGwsIkxpbmVXZWlnaHQiOjAuMCwiTGluZVR5cGUiOjAsIlBhcmVudFN0eWxlIjpudWxsfSwiUGFyZW50U3R5bGUiOm51bGx9LCJEdXJhdGlvblN0eWxlIjp7IiRpZCI6Ijc0NiIsIkZvbnRTZXR0aW5ncyI6eyIkaWQiOiI3NDciLCJGb250U2l6ZSI6MTAsIkZvbnROYW1lIjoiQ2FsaWJyaSIsIklzQm9sZCI6ZmFsc2UsIklzSXRhbGljIjpmYWxzZSwiSXNVbmRlcmxpbmVkIjpmYWxzZSwiUGFyZW50U3R5bGUiOm51bGx9LCJBdXRvU2l6ZSI6MCwiRm9yZWdyb3VuZCI6eyIkaWQiOiI3NDgiLCJDb2xvciI6eyIkaWQiOiI3NDkiLCJBIjoyNTUsIlIiOjIzNywiRyI6MTI1LCJCIjo0OX19LCJNYXhXaWR0aCI6MjAwLjAsIk1heEhlaWdodCI6IkluZmluaXR5IiwiU21hcnRGb3JlZ3JvdW5kSXNBY3RpdmUiOmZhbHNlLCJIb3Jpem9udGFsQWxpZ25tZW50IjowLCJWZXJ0aWNhbEFsaWdubWVudCI6MCwiU21hcnRGb3JlZ3JvdW5kIjpudWxsLCJCYWNrZ3JvdW5kRmlsbFR5cGUiOjAsIk1hcmdpbiI6eyIkaWQiOiI3NTAiLCJUb3AiOjAuMCwiTGVmdCI6MC4wLCJSaWdodCI6MC4wLCJCb3R0b20iOjAuMH0sIlBhZGRpbmciOnsiJGlkIjoiNzUxIiwiVG9wIjowLjAsIkxlZnQiOjAuMCwiUmlnaHQiOjAuMCwiQm90dG9tIjowLjB9LCJCYWNrZ3JvdW5kIjp7IiRpZCI6Ijc1MiIsIkNvbG9yIjp7IiRyZWYiOiI3NDQifX0sIklzVmlzaWJsZSI6dHJ1ZSwiV2lkdGgiOjAuMCwiSGVpZ2h0IjowLjAsIkJvcmRlclN0eWxlIjp7IiRpZCI6Ijc1MyIsIkxpbmVDb2xvciI6bnVsbCwiTGluZVdlaWdodCI6MC4wLCJMaW5lVHlwZSI6MCwiUGFyZW50U3R5bGUiOm51bGx9LCJQYXJlbnRTdHlsZSI6bnVsbH0sIkhvcml6b250YWxDb25uZWN0b3JTdHlsZSI6eyIkaWQiOiI3NTQiLCJMaW5lQ29sb3IiOnsiJGlkIjoiNzU1IiwiJHR5cGUiOiJOTFJFLkNvbW1vbi5Eb20uU29saWRDb2xvckJydXNoLCBOTFJFLkNvbW1vbiIsIkNvbG9yIjp7IiRpZCI6Ijc1NiIsIkEiOjI1NSwiUiI6MjA0LCJHIjoyMDQsIkIiOjIwNH19LCJMaW5lV2VpZ2h0IjoxLjAsIkxpbmVUeXBlIjowLCJQYXJlbnRTdHlsZSI6bnVsbH0sIlZlcnRpY2FsQ29ubmVjdG9yU3R5bGUiOnsiJGlkIjoiNzU3IiwiTGluZUNvbG9yIjp7IiRpZCI6Ijc1OCIsIiR0eXBlIjoiTkxSRS5Db21tb24uRG9tLlNvbGlkQ29sb3JCcnVzaCwgTkxSRS5Db21tb24iLCJDb2xvciI6eyIkaWQiOiI3NTkiLCJBIjoyNTUsIlIiOjIwNCwiRyI6MjA0LCJCIjoyMDR9fSwiTGluZVdlaWdodCI6MC4wLCJMaW5lVHlwZSI6MCwiUGFyZW50U3R5bGUiOm51bGx9LCJNYXJnaW4iOm51bGwsIlN0YXJ0RGF0ZVBvc2l0aW9uIjo0LCJFbmREYXRlUG9zaXRpb24iOjQsIkRhdGVJc1Zpc2libGUiOnRydWUsIlRpdGxlUG9zaXRpb24iOjUsIkR1cmF0aW9uUG9zaXRpb24iOjYsIlBlcmNlbnRhZ2VDb21wbGV0ZWRQb3NpdGlvbiI6NiwiU3BhY2luZyI6NSwiSXNCZWxvd1RpbWViYW5kIjp0cnVlLCJQZXJjZW50YWdlQ29tcGxldGVTaGFwZU9wYWNpdHkiOjM1LCJCYXNlbGluZVN0eWxlIjp7IiRpZCI6Ijc2MCIsIlNoYXBlU3R5bGUiOnsiJGlkIjoiNzYxIiwiTWFyZ2luIjp7IiRpZCI6Ijc2MiIsIlRvcCI6MC4wLCJMZWZ0IjowLjAsIlJpZ2h0IjowLjAsIkJvdHRvbSI6MC4wfSwiUGFkZGluZyI6eyIkaWQiOiI3NjMiLCJUb3AiOjAuMCwiTGVmdCI6MC4wLCJSaWdodCI6MC4wLCJCb3R0b20iOjAuMH0sIkJhY2tncm91bmQiOnsiJGlkIjoiNzY0IiwiQ29sb3IiOnsiJGlkIjoiNzY1IiwiQSI6MTUzLCJSIjowLCJHIjowLCJCIjowfX0sIklzVmlzaWJsZSI6dHJ1ZSwiV2lkdGgiOjAuMCwiSGVpZ2h0IjowLjAsIkJvcmRlclN0eWxlIjpudWxsLCJQYXJlbnRTdHlsZSI6bnVsbH0sIk1hcmdpbiI6eyIkaWQiOiI3NjYiLCJUb3AiOjAuMCwiTGVmdCI6MC4wLCJSaWdodCI6MC4wLCJCb3R0b20iOjAuMH0sIlBhZGRpbmciOnsiJGlkIjoiNzY3IiwiVG9wIjowLjAsIkxlZnQiOjAuMCwiUmlnaHQiOjAuMCwiQm90dG9tIjowLjB9LCJCYWNrZ3JvdW5kIjpudWxsLCJJc1Zpc2libGUiOnRydWUsIldpZHRoIjowLjAsIkhlaWdodCI6MC4wLCJCb3JkZXJTdHlsZSI6bnVsbCwiUGFyZW50U3R5bGUiOm51bGx9LCJTaGFwZVN0eWxlIjp7IiRpZCI6Ijc2OCIsIk1hcmdpbiI6eyIkaWQiOiI3NjkiLCJUb3AiOjAuMCwiTGVmdCI6NC4wLCJSaWdodCI6NC4wLCJCb3R0b20iOjAuMH0sIlBhZGRpbmciOnsiJGlkIjoiNzcwIiwiVG9wIjowLjAsIkxlZnQiOjAuMCwiUmlnaHQiOjAuMCwiQm90dG9tIjowLjB9LCJCYWNrZ3JvdW5kIjp7IiRpZCI6Ijc3MSIsIkNvbG9yIjp7IiRpZCI6Ijc3MiIsIkEiOjI1NSwiUiI6MTEyLCJHIjoxNzMsIkIiOjcxfX0sIklzVmlzaWJsZSI6dHJ1ZSwiV2lkdGgiOjAuMCwiSGVpZ2h0IjoxNi4wLCJCb3JkZXJTdHlsZSI6eyIkaWQiOiI3NzMiLCJMaW5lQ29sb3IiOnsiJGlkIjoiNzc0IiwiJHR5cGUiOiJOTFJFLkNvbW1vbi5Eb20uU29saWRDb2xvckJydXNoLCBOTFJFLkNvbW1vbiIsIkNvbG9yIjp7IiRpZCI6Ijc3NSIsIkEiOjI1NSwiUiI6MjU1LCJHIjowLCJCIjowfX0sIkxpbmVXZWlnaHQiOjAuMCwiTGluZVR5cGUiOjAsIlBhcmVudFN0eWxlIjpudWxsfSwiUGFyZW50U3R5bGUiOm51bGx9LCJUaXRsZVN0eWxlIjp7IiRpZCI6Ijc3NiIsIkZvbnRTZXR0aW5ncyI6eyIkaWQiOiI3NzciLCJGb250U2l6ZSI6MTEsIkZvbnROYW1lIjoiQ2FsaWJyaSIsIklzQm9sZCI6dHJ1ZSwiSXNJdGFsaWMiOmZhbHNlLCJJc1VuZGVybGluZWQiOmZhbHNlLCJQYXJlbnRTdHlsZSI6bnVsbH0sIkF1dG9TaXplIjowLCJGb3JlZ3JvdW5kIjp7IiRpZCI6Ijc3OCIsIkNvbG9yIjp7IiRpZCI6Ijc3OSIsIkEiOjI1NSwiUiI6MCwiRyI6MCwiQiI6MH19LCJNYXhXaWR0aCI6OTYwLjAsIk1heEhlaWdodCI6IkluZmluaXR5IiwiU21hcnRGb3JlZ3JvdW5kSXNBY3RpdmUiOmZhbHNlLCJIb3Jpem9udGFsQWxpZ25tZW50IjowLCJWZXJ0aWNhbEFsaWdubWVudCI6MCwiU21hcnRGb3JlZ3JvdW5kIjpudWxsLCJCYWNrZ3JvdW5kRmlsbFR5cGUiOjAsIk1hcmdpbiI6eyIkaWQiOiI3ODAiLCJUb3AiOjAuMCwiTGVmdCI6MC4wLCJSaWdodCI6MC4wLCJCb3R0b20iOjAuMH0sIlBhZGRpbmciOnsiJGlkIjoiNzgxIiwiVG9wIjowLjAsIkxlZnQiOjAuMCwiUmlnaHQiOjAuMCwiQm90dG9tIjowLjB9LCJCYWNrZ3JvdW5kIjp7IiRpZCI6Ijc4MiIsIkNvbG9yIjp7IiRyZWYiOiI3NDQifX0sIklzVmlzaWJsZSI6dHJ1ZSwiV2lkdGgiOjAuMCwiSGVpZ2h0IjowLjAsIkJvcmRlclN0eWxlIjp7IiRpZCI6Ijc4MyIsIkxpbmVDb2xvciI6bnVsbCwiTGluZVdlaWdodCI6MC4wLCJMaW5lVHlwZSI6MCwiUGFyZW50U3R5bGUiOm51bGx9LCJQYXJlbnRTdHlsZSI6bnVsbH0sIkRhdGVTdHlsZSI6eyIkaWQiOiI3ODQiLCJGb250U2V0dGluZ3MiOnsiJGlkIjoiNzg1IiwiRm9udFNpemUiOjEwLCJGb250TmFtZSI6IkNhbGlicmkiLCJJc0JvbGQiOmZhbHNlLCJJc0l0YWxpYyI6ZmFsc2UsIklzVW5kZXJsaW5lZCI6ZmFsc2UsIlBhcmVudFN0eWxlIjpudWxsfSwiQXV0b1NpemUiOjAsIkZvcmVncm91bmQiOnsiJGlkIjoiNzg2IiwiQ29sb3IiOnsiJGlkIjoiNzg3IiwiQSI6MjU1LCJSIjo2OCwiRyI6ODQsIkIiOjEwNn19LCJNYXhXaWR0aCI6MjAwLjAsIk1heEhlaWdodCI6IkluZmluaXR5IiwiU21hcnRGb3JlZ3JvdW5kSXNBY3RpdmUiOmZhbHNlLCJIb3Jpem9udGFsQWxpZ25tZW50IjowLCJWZXJ0aWNhbEFsaWdubWVudCI6MCwiU21hcnRGb3JlZ3JvdW5kIjpudWxsLCJCYWNrZ3JvdW5kRmlsbFR5cGUiOjAsIk1hcmdpbiI6eyIkaWQiOiI3ODgiLCJUb3AiOjAuMCwiTGVmdCI6MC4wLCJSaWdodCI6MC4wLCJCb3R0b20iOjAuMH0sIlBhZGRpbmciOnsiJGlkIjoiNzg5IiwiVG9wIjowLjAsIkxlZnQiOjAuMCwiUmlnaHQiOjAuMCwiQm90dG9tIjowLjB9LCJCYWNrZ3JvdW5kIjp7IiRpZCI6Ijc5MCIsIkNvbG9yIjp7IiRyZWYiOiI3NDQifX0sIklzVmlzaWJsZSI6dHJ1ZSwiV2lkdGgiOjAuMCwiSGVpZ2h0IjowLjAsIkJvcmRlclN0eWxlIjp7IiRpZCI6Ijc5MSIsIkxpbmVDb2xvciI6bnVsbCwiTGluZVdlaWdodCI6MC4wLCJMaW5lVHlwZSI6MCwiUGFyZW50U3R5bGUiOm51bGx9LCJQYXJlbnRTdHlsZSI6bnVsbH0sIkRhdGVGb3JtYXQiOnsiJGlkIjoiNzkyIiwiRm9ybWF0U3RyaW5nIjoiTS9kL3l5eXkiLCJTZXBhcmF0b3IiOiIvIiwiVXNlSW50ZXJuYXRpb25hbERhdGVGb3JtYXQiOmZhbHNlLCJEYXRlSXNWaXNpYmxlIjp0cnVlLCJUaW1lSXNWaXNpYmxlIjpmYWxzZSwiSG91ckRpZ2l0cyI6MSwiQW1QbURlc2lnbmF0b3IiOjIsIlRyaW0wME1pbnV0ZXMiOmZhbHNlLCJMYXN0S25vd25WaXNpYmlsaXR5U3RhdGUiOnsiJGlkIjoiNzkzIiwiRGF0ZVBhcnRJc1Zpc2libGUiOmZhbHNlLCJUaW1lUGFydElzVmlzaWJsZSI6ZmFsc2V9fSwiV2Vla051bWJlcmluZyI6eyIkaWQiOiI3OTQiLCJGb3JtYXQiOjAsIklzVmlzaWJsZSI6ZmFsc2UsIkxhc3RLbm93blZpc2liaWxpdHlTdGF0ZSI6ZmFsc2V9LCJJc1Zpc2libGUiOnRydWUsIlBhcmVudFN0eWxlIjpudWxsfSwiSW5kZXgiOjMsIlNtYXJ0RHVyYXRpb25BY3RpdmF0ZWQiOmZhbHNlLCJEYXRlRm9ybWF0Ijp7IiRyZWYiOiI3OTIifSwiV2Vla051bWJlcmluZyI6eyIkaWQiOiI3OTUiLCJGb3JtYXQiOjAsIklzVmlzaWJsZSI6ZmFsc2UsIkxhc3RLbm93blZpc2liaWxpdHlTdGF0ZSI6ZmFsc2V9LCJCYXNlbGluZURhdGEiOnsiJGlkIjoiNzk2IiwiU3RhcnREYXRlIjoiMjAyNS0xMS0xOFQwMDowMDowMCIsIkVuZERhdGUiOiIyMDI1LTEyLTAxVDIzOjU5OjAwIn0sIklkIjoiYjgzM2VmNTYtYzgzNC00MWI4LWFhZTktZjhhYTAwMGYwNWM3IiwiSW1wb3J0SWQiOm51bGwsIlRpdGxlIjoiU3ByaW50IDQiLCJOb3RlIjpudWxsLCJIeXBlcmxpbmsiOnsiJGlkIjoiNzk3IiwiQWRkcmVzcyI6IiIsIlN1YkFkZHJlc3MiOiIifSwiSXNDaGFuZ2VkIjpmYWxzZSwiSXNOZXciOmZhbHNlfSx7IiRpZCI6Ijc5OCIsIkdyb3VwTmFtZSI6bnVsbCwiU3RhcnREYXRlIjoiMjAyNS0xMC0zMVQwMDowMDowMFoiLCJFbmREYXRlIjoiMjAyNS0xMS0wN1QyMzo1OTowMFoiLCJQZXJjZW50YWdlQ29tcGxldGUiOm51bGwsIlN0eWxlIjp7IiRpZCI6Ijc5OSIsIlNoYXBlIjowLCJTaGFwZVRoaWNrbmVzcyI6MSwiRHVyYXRpb25Gb3JtYXQiOjAsIkluY2x1ZGVOb25Xb3JraW5nRGF5c0luRHVyYXRpb24iOmZhbHNlLCJQZXJjZW50YWdlQ29tcGxldGVTdHlsZSI6eyIkaWQiOiI4MDAiLCJGb250U2V0dGluZ3MiOnsiJGlkIjoiODAxIiwiRm9udFNpemUiOjEwLCJGb250TmFtZSI6IkNhbGlicmkiLCJJc0JvbGQiOmZhbHNlLCJJc0l0YWxpYyI6ZmFsc2UsIklzVW5kZXJsaW5lZCI6ZmFsc2UsIlBhcmVudFN0eWxlIjpudWxsfSwiQXV0b1NpemUiOjAsIkZvcmVncm91bmQiOnsiJGlkIjoiODAyIiwiQ29sb3IiOnsiJGlkIjoiODAzIiwiQSI6MjU1LCJSIjoyMzcsIkciOjEyNSwiQiI6NDl9fSwiTWF4V2lkdGgiOjIwMC4wLCJNYXhIZWlnaHQiOiJJbmZpbml0eSIsIlNtYXJ0Rm9yZWdyb3VuZElzQWN0aXZlIjpmYWxzZSwiSG9yaXpvbnRhbEFsaWdubWVudCI6MCwiVmVydGljYWxBbGlnbm1lbnQiOjAsIlNtYXJ0Rm9yZWdyb3VuZCI6bnVsbCwiQmFja2dyb3VuZEZpbGxUeXBlIjowLCJNYXJnaW4iOnsiJGlkIjoiODA0IiwiVG9wIjowLjAsIkxlZnQiOjAuMCwiUmlnaHQiOjAuMCwiQm90dG9tIjowLjB9LCJQYWRkaW5nIjp7IiRpZCI6IjgwNSIsIlRvcCI6MC4wLCJMZWZ0IjowLjAsIlJpZ2h0IjowLjAsIkJvdHRvbSI6MC4wfSwiQmFja2dyb3VuZCI6eyIkaWQiOiI4MDYiLCJDb2xvciI6eyIkaWQiOiI4MDciLCJBIjo4OSwiUiI6MCwiRyI6MCwiQiI6MH19LCJJc1Zpc2libGUiOnRydWUsIldpZHRoIjowLjAsIkhlaWdodCI6MC4wLCJCb3JkZXJTdHlsZSI6eyIkaWQiOiI4MDgiLCJMaW5lQ29sb3IiOm51bGwsIkxpbmVXZWlnaHQiOjAuMCwiTGluZVR5cGUiOjAsIlBhcmVudFN0eWxlIjpudWxsfSwiUGFyZW50U3R5bGUiOm51bGx9LCJEdXJhdGlvblN0eWxlIjp7IiRpZCI6IjgwOSIsIkZvbnRTZXR0aW5ncyI6eyIkaWQiOiI4MTAiLCJGb250U2l6ZSI6MTAsIkZvbnROYW1lIjoiQ2FsaWJyaSIsIklzQm9sZCI6ZmFsc2UsIklzSXRhbGljIjpmYWxzZSwiSXNVbmRlcmxpbmVkIjpmYWxzZSwiUGFyZW50U3R5bGUiOm51bGx9LCJBdXRvU2l6ZSI6MCwiRm9yZWdyb3VuZCI6eyIkaWQiOiI4MTEiLCJDb2xvciI6eyIkaWQiOiI4MTIiLCJBIjoyNTUsIlIiOjIzNywiRyI6MTI1LCJCIjo0OX19LCJNYXhXaWR0aCI6MjAwLjAsIk1heEhlaWdodCI6IkluZmluaXR5IiwiU21hcnRGb3JlZ3JvdW5kSXNBY3RpdmUiOmZhbHNlLCJIb3Jpem9udGFsQWxpZ25tZW50IjowLCJWZXJ0aWNhbEFsaWdubWVudCI6MCwiU21hcnRGb3JlZ3JvdW5kIjpudWxsLCJCYWNrZ3JvdW5kRmlsbFR5cGUiOjAsIk1hcmdpbiI6eyIkaWQiOiI4MTMiLCJUb3AiOjAuMCwiTGVmdCI6MC4wLCJSaWdodCI6MC4wLCJCb3R0b20iOjAuMH0sIlBhZGRpbmciOnsiJGlkIjoiODE0IiwiVG9wIjowLjAsIkxlZnQiOjAuMCwiUmlnaHQiOjAuMCwiQm90dG9tIjowLjB9LCJCYWNrZ3JvdW5kIjp7IiRpZCI6IjgxNSIsIkNvbG9yIjp7IiRyZWYiOiI4MDcifX0sIklzVmlzaWJsZSI6dHJ1ZSwiV2lkdGgiOjAuMCwiSGVpZ2h0IjowLjAsIkJvcmRlclN0eWxlIjp7IiRpZCI6IjgxNiIsIkxpbmVDb2xvciI6bnVsbCwiTGluZVdlaWdodCI6MC4wLCJMaW5lVHlwZSI6MCwiUGFyZW50U3R5bGUiOm51bGx9LCJQYXJlbnRTdHlsZSI6bnVsbH0sIkhvcml6b250YWxDb25uZWN0b3JTdHlsZSI6eyIkaWQiOiI4MTciLCJMaW5lQ29sb3IiOnsiJGlkIjoiODE4IiwiJHR5cGUiOiJOTFJFLkNvbW1vbi5Eb20uU29saWRDb2xvckJydXNoLCBOTFJFLkNvbW1vbiIsIkNvbG9yIjp7IiRpZCI6IjgxOSIsIkEiOjI1NSwiUiI6MjA0LCJHIjoyMDQsIkIiOjIwNH19LCJMaW5lV2VpZ2h0IjoxLjAsIkxpbmVUeXBlIjowLCJQYXJlbnRTdHlsZSI6bnVsbH0sIlZlcnRpY2FsQ29ubmVjdG9yU3R5bGUiOnsiJGlkIjoiODIwIiwiTGluZUNvbG9yIjp7IiRpZCI6IjgyMSIsIiR0eXBlIjoiTkxSRS5Db21tb24uRG9tLlNvbGlkQ29sb3JCcnVzaCwgTkxSRS5Db21tb24iLCJDb2xvciI6eyIkaWQiOiI4MjIiLCJBIjoyNTUsIlIiOjIwNCwiRyI6MjA0LCJCIjoyMDR9fSwiTGluZVdlaWdodCI6MC4wLCJMaW5lVHlwZSI6MCwiUGFyZW50U3R5bGUiOm51bGx9LCJNYXJnaW4iOm51bGwsIlN0YXJ0RGF0ZVBvc2l0aW9uIjo0LCJFbmREYXRlUG9zaXRpb24iOjQsIkRhdGVJc1Zpc2libGUiOnRydWUsIlRpdGxlUG9zaXRpb24iOjUsIkR1cmF0aW9uUG9zaXRpb24iOjYsIlBlcmNlbnRhZ2VDb21wbGV0ZWRQb3NpdGlvbiI6NiwiU3BhY2luZyI6NSwiSXNCZWxvd1RpbWViYW5kIjp0cnVlLCJQZXJjZW50YWdlQ29tcGxldGVTaGFwZU9wYWNpdHkiOjM1LCJCYXNlbGluZVN0eWxlIjp7IiRpZCI6IjgyMyIsIlNoYXBlU3R5bGUiOnsiJGlkIjoiODI0IiwiTWFyZ2luIjp7IiRpZCI6IjgyNSIsIlRvcCI6MC4wLCJMZWZ0IjowLjAsIlJpZ2h0IjowLjAsIkJvdHRvbSI6MC4wfSwiUGFkZGluZyI6eyIkaWQiOiI4MjYiLCJUb3AiOjAuMCwiTGVmdCI6MC4wLCJSaWdodCI6MC4wLCJCb3R0b20iOjAuMH0sIkJhY2tncm91bmQiOnsiJGlkIjoiODI3IiwiQ29sb3IiOnsiJGlkIjoiODI4IiwiQSI6MTUzLCJSIjowLCJHIjowLCJCIjowfX0sIklzVmlzaWJsZSI6dHJ1ZSwiV2lkdGgiOjAuMCwiSGVpZ2h0IjowLjAsIkJvcmRlclN0eWxlIjpudWxsLCJQYXJlbnRTdHlsZSI6bnVsbH0sIk1hcmdpbiI6eyIkaWQiOiI4MjkiLCJUb3AiOjAuMCwiTGVmdCI6MC4wLCJSaWdodCI6MC4wLCJCb3R0b20iOjAuMH0sIlBhZGRpbmciOnsiJGlkIjoiODMwIiwiVG9wIjowLjAsIkxlZnQiOjAuMCwiUmlnaHQiOjAuMCwiQm90dG9tIjowLjB9LCJCYWNrZ3JvdW5kIjpudWxsLCJJc1Zpc2libGUiOnRydWUsIldpZHRoIjowLjAsIkhlaWdodCI6MC4wLCJCb3JkZXJTdHlsZSI6bnVsbCwiUGFyZW50U3R5bGUiOm51bGx9LCJTaGFwZVN0eWxlIjp7IiRpZCI6IjgzMSIsIk1hcmdpbiI6eyIkaWQiOiI4MzIiLCJUb3AiOjAuMCwiTGVmdCI6NC4wLCJSaWdodCI6NC4wLCJCb3R0b20iOjAuMH0sIlBhZGRpbmciOnsiJGlkIjoiODMzIiwiVG9wIjowLjAsIkxlZnQiOjAuMCwiUmlnaHQiOjAuMCwiQm90dG9tIjowLjB9LCJCYWNrZ3JvdW5kIjp7IiRpZCI6IjgzNCIsIkNvbG9yIjp7IiRpZCI6IjgzNSIsIkEiOjI1NSwiUiI6MTExLCJHIjo0OSwiQiI6MTUyfX0sIklzVmlzaWJsZSI6dHJ1ZSwiV2lkdGgiOjAuMCwiSGVpZ2h0IjoxNi4wLCJCb3JkZXJTdHlsZSI6eyIkaWQiOiI4MzYiLCJMaW5lQ29sb3IiOnsiJGlkIjoiODM3IiwiJHR5cGUiOiJOTFJFLkNvbW1vbi5Eb20uU29saWRDb2xvckJydXNoLCBOTFJFLkNvbW1vbiIsIkNvbG9yIjp7IiRpZCI6IjgzOCIsIkEiOjI1NSwiUiI6MjU1LCJHIjowLCJCIjowfX0sIkxpbmVXZWlnaHQiOjAuMCwiTGluZVR5cGUiOjAsIlBhcmVudFN0eWxlIjpudWxsfSwiUGFyZW50U3R5bGUiOm51bGx9LCJUaXRsZVN0eWxlIjp7IiRpZCI6IjgzOSIsIkZvbnRTZXR0aW5ncyI6eyIkaWQiOiI4NDAiLCJGb250U2l6ZSI6MTEsIkZvbnROYW1lIjoiQ2FsaWJyaSIsIklzQm9sZCI6dHJ1ZSwiSXNJdGFsaWMiOmZhbHNlLCJJc1VuZGVybGluZWQiOmZhbHNlLCJQYXJlbnRTdHlsZSI6bnVsbH0sIkF1dG9TaXplIjowLCJGb3JlZ3JvdW5kIjp7IiRpZCI6Ijg0MSIsIkNvbG9yIjp7IiRpZCI6Ijg0MiIsIkEiOjI1NSwiUiI6MCwiRyI6MCwiQiI6MH19LCJNYXhXaWR0aCI6OTYwLjAsIk1heEhlaWdodCI6IkluZmluaXR5IiwiU21hcnRGb3JlZ3JvdW5kSXNBY3RpdmUiOmZhbHNlLCJIb3Jpem9udGFsQWxpZ25tZW50IjowLCJWZXJ0aWNhbEFsaWdubWVudCI6MCwiU21hcnRGb3JlZ3JvdW5kIjpudWxsLCJCYWNrZ3JvdW5kRmlsbFR5cGUiOjAsIk1hcmdpbiI6eyIkaWQiOiI4NDMiLCJUb3AiOjAuMCwiTGVmdCI6MC4wLCJSaWdodCI6MC4wLCJCb3R0b20iOjAuMH0sIlBhZGRpbmciOnsiJGlkIjoiODQ0IiwiVG9wIjowLjAsIkxlZnQiOjAuMCwiUmlnaHQiOjAuMCwiQm90dG9tIjowLjB9LCJCYWNrZ3JvdW5kIjp7IiRpZCI6Ijg0NSIsIkNvbG9yIjp7IiRyZWYiOiI4MDcifX0sIklzVmlzaWJsZSI6dHJ1ZSwiV2lkdGgiOjAuMCwiSGVpZ2h0IjowLjAsIkJvcmRlclN0eWxlIjp7IiRpZCI6Ijg0NiIsIkxpbmVDb2xvciI6bnVsbCwiTGluZVdlaWdodCI6MC4wLCJMaW5lVHlwZSI6MCwiUGFyZW50U3R5bGUiOm51bGx9LCJQYXJlbnRTdHlsZSI6bnVsbH0sIkRhdGVTdHlsZSI6eyIkaWQiOiI4NDciLCJGb250U2V0dGluZ3MiOnsiJGlkIjoiODQ4IiwiRm9udFNpemUiOjEwLCJGb250TmFtZSI6IkNhbGlicmkiLCJJc0JvbGQiOmZhbHNlLCJJc0l0YWxpYyI6ZmFsc2UsIklzVW5kZXJsaW5lZCI6ZmFsc2UsIlBhcmVudFN0eWxlIjpudWxsfSwiQXV0b1NpemUiOjAsIkZvcmVncm91bmQiOnsiJGlkIjoiODQ5IiwiQ29sb3IiOnsiJGlkIjoiODUwIiwiQSI6MjU1LCJSIjo2OCwiRyI6ODQsIkIiOjEwNn19LCJNYXhXaWR0aCI6MjAwLjAsIk1heEhlaWdodCI6IkluZmluaXR5IiwiU21hcnRGb3JlZ3JvdW5kSXNBY3RpdmUiOmZhbHNlLCJIb3Jpem9udGFsQWxpZ25tZW50IjowLCJWZXJ0aWNhbEFsaWdubWVudCI6MCwiU21hcnRGb3JlZ3JvdW5kIjpudWxsLCJCYWNrZ3JvdW5kRmlsbFR5cGUiOjAsIk1hcmdpbiI6eyIkaWQiOiI4NTEiLCJUb3AiOjAuMCwiTGVmdCI6MC4wLCJSaWdodCI6MC4wLCJCb3R0b20iOjAuMH0sIlBhZGRpbmciOnsiJGlkIjoiODUyIiwiVG9wIjowLjAsIkxlZnQiOjAuMCwiUmlnaHQiOjAuMCwiQm90dG9tIjowLjB9LCJCYWNrZ3JvdW5kIjp7IiRpZCI6Ijg1MyIsIkNvbG9yIjp7IiRyZWYiOiI4MDcifX0sIklzVmlzaWJsZSI6dHJ1ZSwiV2lkdGgiOjAuMCwiSGVpZ2h0IjowLjAsIkJvcmRlclN0eWxlIjp7IiRpZCI6Ijg1NCIsIkxpbmVDb2xvciI6bnVsbCwiTGluZVdlaWdodCI6MC4wLCJMaW5lVHlwZSI6MCwiUGFyZW50U3R5bGUiOm51bGx9LCJQYXJlbnRTdHlsZSI6bnVsbH0sIkRhdGVGb3JtYXQiOnsiJGlkIjoiODU1IiwiRm9ybWF0U3RyaW5nIjoiTS9kL3l5eXkiLCJTZXBhcmF0b3IiOiIvIiwiVXNlSW50ZXJuYXRpb25hbERhdGVGb3JtYXQiOmZhbHNlLCJEYXRlSXNWaXNpYmxlIjp0cnVlLCJUaW1lSXNWaXNpYmxlIjpmYWxzZSwiSG91ckRpZ2l0cyI6MSwiQW1QbURlc2lnbmF0b3IiOjIsIlRyaW0wME1pbnV0ZXMiOmZhbHNlLCJMYXN0S25vd25WaXNpYmlsaXR5U3RhdGUiOnsiJGlkIjoiODU2IiwiRGF0ZVBhcnRJc1Zpc2libGUiOmZhbHNlLCJUaW1lUGFydElzVmlzaWJsZSI6ZmFsc2V9fSwiV2Vla051bWJlcmluZyI6eyIkaWQiOiI4NTciLCJGb3JtYXQiOjAsIklzVmlzaWJsZSI6ZmFsc2UsIkxhc3RLbm93blZpc2liaWxpdHlTdGF0ZSI6ZmFsc2V9LCJJc1Zpc2libGUiOnRydWUsIlBhcmVudFN0eWxlIjpudWxsfSwiSW5kZXgiOjQsIlNtYXJ0RHVyYXRpb25BY3RpdmF0ZWQiOmZhbHNlLCJEYXRlRm9ybWF0Ijp7IiRyZWYiOiI4NTUifSwiV2Vla051bWJlcmluZyI6eyIkaWQiOiI4NTgiLCJGb3JtYXQiOjAsIklzVmlzaWJsZSI6ZmFsc2UsIkxhc3RLbm93blZpc2liaWxpdHlTdGF0ZSI6ZmFsc2V9LCJCYXNlbGluZURhdGEiOnsiJGlkIjoiODU5IiwiU3RhcnREYXRlIjoiMjAyNS0xMi0wMlQwMDowMDowMCIsIkVuZERhdGUiOiIyMDI1LTEyLTE1VDIzOjU5OjAwIn0sIklkIjoiNWMyMjMzYWEtNGNkZi00NzFjLWEzZGEtYWI5Mjc2ZjY1MWYyIiwiSW1wb3J0SWQiOm51bGwsIlRpdGxlIjoiU3ByaW50IDUiLCJOb3RlIjpudWxsLCJIeXBlcmxpbmsiOnsiJGlkIjoiODYwIiwiQWRkcmVzcyI6IiIsIlN1YkFkZHJlc3MiOiIifSwiSXNDaGFuZ2VkIjpmYWxzZSwiSXNOZXciOmZhbHNlfV0sIlN3aW1sYW5lcyI6W10sIk1zUHJvamVjdEl0ZW1zVHJlZSI6bnVsbCwiTWV0YWRhdGEiOnsiJGlkIjoiODYxIiwiUmVjZW50Q29sb3JzQ29sbGVjdGlvbiI6IltcIiNGRkIyMEUxMlwiLFwiI0ZGNkYzMTk4XCIsXCIjRkY3MEFENDdcIixcIiNGRkVBMTYxRVwiLFwiI0ZGRkZDMDAwXCIsXCIjRkZFRDdEMzFcIl0iLCJNc3BMYXRlc3RJbXBvcnRJdGVtcyI6IntcIiRpZFwiOlwiMVwiLFwiUm9vdFwiOntcIkltcG9ydElkXCI6bnVsbCxcIklzSW1wb3J0ZWRcIjpmYWxzZSxcIkNoaWxkcmVuXCI6W119fSIsIk1zcFN5bmNCeVVpZCI6IkZhbHNlIiwiTXNwQ29sdW1uc01hcHBpbmciOiJbe1wiJGlkXCI6XCIxXCIsXCJTZWxlY3RlZE1hcHBpbmdcIjoxLFwiQ29sdW1uSGVhZGVyXCI6XCJTd2ltbGFuZVwiLFwiQ29sdW1uRnJpZW5kbHlOYW1lXCI6bnVsbH0se1wiJGlkXCI6XCIyXCIsXCJTZWxlY3RlZE1hcHBpbmdcIjoyLFwiQ29sdW1uSGVhZGVyXCI6XCJOYW1lXCIsXCJDb2x1bW5GcmllbmRseU5hbWVcIjpudWxsfSx7XCIkaWRcIjpcIjNcIixcIlNlbGVjdGVkTWFwcGluZ1wiOjMsXCJDb2x1bW5IZWFkZXJcIjpcIlN0YXJ0XCIsXCJDb2x1bW5GcmllbmRseU5hbWVcIjpudWxsfSx7XCIkaWRcIjpcIjRcIixcIlNlbGVjdGVkTWFwcGluZ1wiOjQsXCJDb2x1bW5IZWFkZXJcIjpcIkZpbmlzaFwiLFwiQ29sdW1uRnJpZW5kbHlOYW1lXCI6bnVsbH0se1wiJGlkXCI6XCI1XCIsXCJTZWxlY3RlZE1hcHBpbmdcIjo1LFwiQ29sdW1uSGVhZGVyXCI6XCJQZXJjZW50Q29tcGxldGVcIixcIkNvbHVtbkZyaWVuZGx5TmFtZVwiOm51bGx9XSIsIlNvdXJjZVRoZW1lIjoie1wiJGlkXCI6XCIxXCIsXCJJZFwiOlwiOGUzNWUzYzMtZTZlOS00ZTc3LWExMTgtZDVkYTJhYmQ0Y2I5XCIsXCJDYXRlZ29yeVwiOjIsXCJDdWx0dXJlSW5mb05hbWVcIjpcImVzLVBBXCIsXCJWZXJzaW9uXCI6e1wiJGlkXCI6XCIyXCIsXCJUaGVtZURvbVZlcnNpb25cIjpcIjIuMC4wXCJ9LFwiU3R5bGVcIjp7XCIkaWRcIjpcIjNcIixcIlRpbWViYW5kU3R5bGVcIjp7XCIkaWRcIjpcIjRcIixcIlJpZ2h0RW5kQ2Fwc1N0eWxlXCI6e1wiJGlkXCI6XCI1XCIsXCJGb250U2V0dGluZ3NcIjp7XCIkaWRcIjpcIjZcIixcIkZvbnRTaXplXCI6MTgsXCJGb250TmFtZVwiOlwiQ2FsaWJyaVwiLFwiSXNCb2xkXCI6dHJ1ZSxcIklzSXRhbGljXCI6ZmFsc2UsXCJJc1VuZGVybGluZWRcIjpmYWxzZX0sXCJGb3JlZ3JvdW5kXCI6e1wiJGlkXCI6XCI3XCIsXCJDb2xvclwiOntcIiRpZFwiOlwiOFwiLFwiQVwiOjI1NSxcIlJcIjoyMzcsXCJHXCI6MTI1LFwiQlwiOjQ5fX0sXCJIb3Jpem9udGFsQWxpZ25tZW50XCI6MCxcIklzVmlzaWJsZVwiOnRydWV9LFwiTGVmdEVuZENhcHNTdHlsZVwiOntcIiRpZFwiOlwiOVwiLFwiRm9udFNldHRpbmdzXCI6e1wiJGlkXCI6XCIxMFwiLFwiRm9udFNpemVcIjoxOCxcIkZvbnROYW1lXCI6XCJDYWxpYnJpXCIsXCJJc0JvbGRcIjp0cnVlLFwiSXNJdGFsaWNcIjpmYWxzZSxcIklzVW5kZXJsaW5lZFwiOmZhbHNlfSxcIkZvcmVncm91bmRcIjp7XCIkaWRcIjpcIjExXCIsXCJDb2xvclwiOntcIiRpZFwiOlwiMTJcIixcIkFcIjoyNTUsXCJSXCI6MjM3LFwiR1wiOjEyNSxcIkJcIjo0OX19LFwiSG9yaXpvbnRhbEFsaWdubWVudFwiOjAsXCJJc1Zpc2libGVcIjp0cnVlfSxcIlRvZGF5TWFya2VyU3R5bGVcIjp7XCIkaWRcIjpcIjEzXCIsXCJUb2RheVRleHRTdHlsZVwiOntcIiRpZFwiOlwiMTRcIixcIkZvbnRTZXR0aW5nc1wiOntcIiRpZFwiOlwiMTVcIixcIkZvbnRTaXplXCI6MTIsXCJGb250TmFtZVwiOlwiQ2FsaWJyaVwiLFwiSXNCb2xkXCI6ZmFsc2UsXCJJc0l0YWxpY1wiOmZhbHNlLFwiSXNVbmRlcmxpbmVkXCI6ZmFsc2V9LFwiRm9yZWdyb3VuZFwiOntcIiRpZFwiOlwiMTZcIixcIkNvbG9yXCI6e1wiJGlkXCI6XCIxN1wiLFwiQVwiOjI1NSxcIlJcIjowLFwiR1wiOjAsXCJCXCI6MH19LFwiSG9yaXpvbnRhbEFsaWdubWVudFwiOjAsXCJJc1Zpc2libGVcIjp0cnVlfSxcIlRvZGF5TWFya2VyU2hhcGVTdHlsZVwiOntcIiRpZFwiOlwiMThcIixcIk1hcmdpblwiOntcIiRpZFwiOlwiMTlcIixcIlRvcFwiOjAuMCxcIkxlZnRcIjowLjAsXCJSaWdodFwiOjAuMCxcIkJvdHRvbVwiOjAuMH0sXCJQYWRkaW5nXCI6e1wiJGlkXCI6XCIyMFwiLFwiVG9wXCI6MC4wLFwiTGVmdFwiOjAuMCxcIlJpZ2h0XCI6MC4wLFwiQm90dG9tXCI6MC4wfSxcIkJhY2tncm91bmRcIjp7XCIkaWRcIjpcIjIxXCIsXCJDb2xvclwiOntcIiRpZFwiOlwiMjJcIixcIkFcIjoyNTUsXCJSXCI6MjU1LFwiR1wiOjAsXCJCXCI6MH19LFwiSXNWaXNpYmxlXCI6dHJ1ZSxcIldpZHRoXCI6MC4wLFwiSGVpZ2h0XCI6MC4wLFwiQm9yZGVyU3R5bGVcIjpudWxsfSxcIlRvZGF5TWFya2VyUG9zaXRpb25cIjozLFwiSXNWaXNpYmxlXCI6dHJ1ZX0sXCJTY2FsZVN0eWxlXCI6e1wiJGlkXCI6XCIyM1wiLFwiU2hvd1NlZ21lbnRTZXBhcmF0b3JzXCI6dHJ1ZSxcIlNlZ21lbnRTZXBhcmF0b3JPcGFjaXR5XCI6MzAsXCJTaGFwZVwiOjAsXCJTZWdtZW50VGV4dFN0eWxlXCI6e1wiJGlkXCI6XCIyNFwiLFwiRm9udFNldHRpbmdzXCI6e1wiJGlkXCI6XCIyNVwiLFwiRm9udFNpemVcIjoxMixcIkZvbnROYW1lXCI6XCJDYWxpYnJpXCIsXCJJc0JvbGRcIjpmYWxzZSxcIklzSXRhbGljXCI6ZmFsc2UsXCJJc1VuZGVybGluZWRcIjpmYWxzZX0sXCJGb3JlZ3JvdW5kXCI6e1wiJGlkXCI6XCIyNlwiLFwiQ29sb3JcIjp7XCIkaWRcIjpcIjI3XCIsXCJBXCI6MjU1LFwiUlwiOjI1NSxcIkdcIjoyNTUsXCJCXCI6MjU1fX0sXCJIb3Jpem9udGFsQWxpZ25tZW50XCI6MCxcIklzVmlzaWJsZVwiOnRydWV9LFwiU2hhcGVTdHlsZVwiOntcIiRpZFwiOlwiMjhcIixcIk1hcmdpblwiOntcIiRpZFwiOlwiMjlcIixcIlRvcFwiOjAuMCxcIkxlZnRcIjoxMi4wLFwiUmlnaHRcIjoxMi4wLFwiQm90dG9tXCI6MC4wfSxcIlBhZGRpbmdcIjp7XCIkaWRcIjpcIjMwXCIsXCJUb3BcIjo3LjAsXCJMZWZ0XCI6MC4wLFwiUmlnaHRcIjowLjAsXCJCb3R0b21cIjo3LjB9LFwiQmFja2dyb3VuZFwiOntcIiRpZFwiOlwiMzFcIixcIkNvbG9yXCI6e1wiJGlkXCI6XCIzMlwiLFwiQVwiOjI1NSxcIlJcIjo2OCxcIkdcIjo4NCxcIkJcIjoxMDZ9fSxcIklzVmlzaWJsZVwiOnRydWUsXCJXaWR0aFwiOjg1OC4wLFwiSGVpZ2h0XCI6MzAuMCxcIkJvcmRlclN0eWxlXCI6e1wiJGlkXCI6XCIzM1wiLFwiTGluZVN0eWxlXCI6e1wiJGlkXCI6XCIzNFwiLFwiTGluZUNvbG9yXCI6e1wiJGlkXCI6XCIzNVwiLFwiQ29sb3JcIjp7XCIkaWRcIjpcIjM2XCIsXCJBXCI6MjU1LFwiUlwiOjI1NSxcIkdcIjowLFwiQlwiOjB9fSxcIkxpbmVXZWlnaHRcIjowLjAsXCJMaW5lVHlwZVwiOjB9LFwiSXNWaXNpYmxlXCI6ZmFsc2V9fX0sXCJFbGFwc2VkVGltZVN0eWxlXCI6e1wiJGlkXCI6XCIzN1wiLFwiRWxhcHNlZFRpbWVCYWNrZ3JvdW5kXCI6e1wiJGlkXCI6XCIzOFwiLFwiQ29sb3JcIjp7XCIkaWRcIjpcIjM5XCIsXCJBXCI6MTkxLFwiUlwiOjI1NSxcIkdcIjowLFwiQlwiOjB9fSxcIkVsYXBzZWRUaW1lRm9ybWF0XCI6MSxcIklzVmlzaWJsZVwiOnRydWV9LFwiTWFyZ2luXCI6e1wiJGlkXCI6XCI0MFwiLFwiVG9wXCI6MC4wLFwiTGVmdFwiOjEwLjAsXCJSaWdodFwiOjEwLjAsXCJCb3R0b21cIjowLjB9LFwiUGFkZGluZ1wiOntcIiRpZFwiOlwiNDFcIixcIlRvcFwiOjAuMCxcIkxlZnRcIjowLjAsXCJSaWdodFwiOjAuMCxcIkJvdHRvbVwiOjAuMH0sXCJCYWNrZ3JvdW5kXCI6e1wiJGlkXCI6XCI0MlwiLFwiQ29sb3JcIjp7XCIkaWRcIjpcIjQzXCIsXCJBXCI6MjU1LFwiUlwiOjMxLFwiR1wiOjczLFwiQlwiOjEyNX19LFwiSXNWaXNpYmxlXCI6ZmFsc2UsXCJXaWR0aFwiOjAuMCxcIkhlaWdodFwiOjAuMCxcIkJvcmRlclN0eWxlXCI6bnVsbH0sXCJUYXNrU3R5bGVcIjp7XCIkaWRcIjpcIjQ0XCIsXCJTaGFwZVwiOjAsXCJTaGFwZVRoaWNrbmVzc1wiOjEsXCJEdXJhdGlvbkZvcm1hdFwiOjAsXCJQZXJjZW50YWdlQ29tcGxldGVUZXh0U3R5bGVcIjp7XCIkaWRcIjpcIjQ1XCIsXCJGb250U2V0dGluZ3NcIjp7XCIkaWRcIjpcIjQ2XCIsXCJGb250U2l6ZVwiOjEwLFwiRm9udE5hbWVcIjpcIkNhbGlicmlcIixcIklzQm9sZFwiOmZhbHNlLFwiSXNJdGFsaWNcIjpmYWxzZSxcIklzVW5kZXJsaW5lZFwiOmZhbHNlfSxcIkZvcmVncm91bmRcIjp7XCIkaWRcIjpcIjQ3XCIsXCJDb2xvclwiOntcIiRpZFwiOlwiNDhcIixcIkFcIjoyNTUsXCJSXCI6MjM3LFwiR1wiOjEyNSxcIkJcIjo0OX19LFwiSG9yaXpvbnRhbEFsaWdubWVudFwiOjAsXCJJc1Zpc2libGVcIjpmYWxzZX0sXCJQZXJjZW50YWdlQ29tcGxldGVIaWdobGlnaHRTdHlsZVwiOntcIiRpZFwiOlwiNDlcIixcIkJhY2tncm91bmRcIjp7XCIkaWRcIjpcIjUwXCIsXCJDb2xvclwiOntcIiRpZFwiOlwiNTFcIixcIkFcIjo4OSxcIlJcIjowLFwiR1wiOjAsXCJCXCI6MH19fSxcIkR1cmF0aW9uU3R5bGVcIjp7XCIkaWRcIjpcIjUyXCIsXCJGb250U2V0dGluZ3NcIjp7XCIkaWRcIjpcIjUzXCIsXCJGb250U2l6ZVwiOjEwLFwiRm9udE5hbWVcIjpcIkNhbGlicmlcIixcIklzQm9sZFwiOmZhbHNlLFwiSXNJdGFsaWNcIjpmYWxzZSxcIklzVW5kZXJsaW5lZFwiOmZhbHNlfSxcIkZvcmVncm91bmRcIjp7XCIkaWRcIjpcIjU0XCIsXCJDb2xvclwiOntcIiRpZFwiOlwiNTVcIixcIkFcIjoyNTUsXCJSXCI6MjM3LFwiR1wiOjEyNSxcIkJcIjo0OX19LFwiSG9yaXpvbnRhbEFsaWdubWVudFwiOjAsXCJJc1Zpc2libGVcIjpmYWxzZX0sXCJIb3Jpem9udGFsQ29ubmVjdG9yU3R5bGVcIjp7XCIkaWRcIjpcIjU2XCIsXCJMaW5lU3R5bGVcIjp7XCIkaWRcIjpcIjU3XCIsXCJMaW5lQ29sb3JcIjp7XCIkaWRcIjpcIjU4XCIsXCJDb2xvclwiOntcIiRpZFwiOlwiNTlcIixcIkFcIjoyNTUsXCJSXCI6MjA0LFwiR1wiOjIwNCxcIkJcIjoyMDR9fSxcIkxpbmVXZWlnaHRcIjoxLjAsXCJMaW5lVHlwZVwiOjB9LFwiSXNWaXNpYmxlXCI6dHJ1ZX0sXCJWZXJ0aWNhbENvbm5lY3RvclN0eWxlXCI6e1wiJGlkXCI6XCI2MFwiLFwiTGluZVN0eWxlXCI6e1wiJGlkXCI6XCI2MVwiLFwiTGluZUNvbG9yXCI6e1wiJGlkXCI6XCI2MlwiLFwiQ29sb3JcIjp7XCIkaWRcIjpcIjYzXCIsXCJBXCI6MjU1LFwiUlwiOjIwNCxcIkdcIjoyMDQsXCJCXCI6MjA0fX0sXCJMaW5lV2VpZ2h0XCI6MC4wLFwiTGluZVR5cGVcIjowfSxcIklzVmlzaWJsZVwiOmZhbHNlfSxcIk1hcmdpblwiOntcIiRpZFwiOlwiNjRcIixcIlRvcFwiOjAuMCxcIkxlZnRcIjowLjAsXCJSaWdodFwiOjAuMCxcIkJvdHRvbVwiOjAuMH0sXCJTdGFydERhdGVQb3NpdGlvblwiOjQsXCJFbmREYXRlUG9zaXRpb25cIjo0LFwiVGl0bGVQb3NpdGlvblwiOjUsXCJEdXJhdGlvblBvc2l0aW9uXCI6MCxcIlBlcmNlbnRhZ2VDb21wbGV0ZWRQb3NpdGlvblwiOjAsXCJTcGFjaW5nXCI6NSxcIklzQmVsb3dUaW1lYmFuZFwiOnRydWUsXCJCYXNlbGluZVN0eWxlXCI6e1wiJGlkXCI6XCI2NVwiLFwiQmFzZWxpbmVTaGFwZVN0eWxlXCI6e1wiJGlkXCI6XCI2NlwiLFwiTWFyZ2luXCI6e1wiJGlkXCI6XCI2N1wiLFwiVG9wXCI6MC4wLFwiTGVmdFwiOjAuMCxcIlJpZ2h0XCI6MC4wLFwiQm90dG9tXCI6MC4wfSxcIlBhZGRpbmdcIjp7XCIkaWRcIjpcIjY4XCIsXCJUb3BcIjowLjAsXCJMZWZ0XCI6MC4wLFwiUmlnaHRcIjowLjAsXCJCb3R0b21cIjowLjB9LFwiQmFja2dyb3VuZFwiOntcIiRpZFwiOlwiNjlcIixcIkNvbG9yXCI6e1wiJGlkXCI6XCI3MFwiLFwiQVwiOjE1MyxcIlJcIjowLFwiR1wiOjAsXCJCXCI6MH19LFwiSXNWaXNpYmxlXCI6ZmFsc2UsXCJXaWR0aFwiOjAuMCxcIkhlaWdodFwiOjAuMCxcIkJvcmRlclN0eWxlXCI6e1wiJGlkXCI6XCI3MVwiLFwiTGluZVN0eWxlXCI6e1wiJGlkXCI6XCI3MlwiLFwiTGluZUNvbG9yXCI6e1wiJGlkXCI6XCI3M1wiLFwiQ29sb3JcIjp7XCIkaWRcIjpcIjc0XCIsXCJBXCI6MjU1LFwiUlwiOjI1NSxcIkdcIjowLFwiQlwiOjB9fSxcIkxpbmVXZWlnaHRcIjoyLjAsXCJMaW5lVHlwZVwiOjB9LFwiSXNWaXNpYmxlXCI6ZmFsc2V9fX0sXCJTaGFwZVN0eWxlXCI6e1wiJGlkXCI6XCI3NVwiLFwiTWFyZ2luXCI6e1wiJGlkXCI6XCI3NlwiLFwiVG9wXCI6MC4wLFwiTGVmdFwiOjQuMCxcIlJpZ2h0XCI6NC4wLFwiQm90dG9tXCI6MC4wfSxcIlBhZGRpbmdcIjp7XCIkaWRcIjpcIjc3XCIsXCJUb3BcIjowLjAsXCJMZWZ0XCI6MC4wLFwiUmlnaHRcIjowLjAsXCJCb3R0b21cIjowLjB9LFwiQmFja2dyb3VuZFwiOntcIiRpZFwiOlwiNzhcIixcIkNvbG9yXCI6e1wiJGlkXCI6XCI3OVwiLFwiQVwiOjI1NSxcIlJcIjo5MSxcIkdcIjoxNTUsXCJCXCI6MjEzfX0sXCJJc1Zpc2libGVcIjp0cnVlLFwiV2lkdGhcIjowLjAsXCJIZWlnaHRcIjoxNi4wLFwiQm9yZGVyU3R5bGVcIjp7XCIkaWRcIjpcIjgwXCIsXCJMaW5lU3R5bGVcIjp7XCIkaWRcIjpcIjgxXCIsXCJMaW5lQ29sb3JcIjp7XCIkaWRcIjpcIjgyXCIsXCJDb2xvclwiOntcIiRpZFwiOlwiODNcIixcIkFcIjoyNTUsXCJSXCI6MjM0LFwiR1wiOjIyLFwiQlwiOjMwfX0sXCJMaW5lV2VpZ2h0XCI6Mi4wLFwiTGluZVR5cGVcIjowfSxcIklzVmlzaWJsZVwiOmZhbHNlfX0sXCJUaXRsZVN0eWxlXCI6e1wiJGlkXCI6XCI4NFwiLFwiRm9udFNldHRpbmdzXCI6e1wiJGlkXCI6XCI4NVwiLFwiRm9udFNpemVcIjoxMSxcIkZvbnROYW1lXCI6XCJDYWxpYnJpXCIsXCJJc0JvbGRcIjp0cnVlLFwiSXNJdGFsaWNcIjpmYWxzZSxcIklzVW5kZXJsaW5lZFwiOmZhbHNlfSxcIkZvcmVncm91bmRcIjp7XCIkaWRcIjpcIjg2XCIsXCJDb2xvclwiOntcIiRpZFwiOlwiODdcIixcIkFcIjoyNTUsXCJSXCI6MCxcIkdcIjowLFwiQlwiOjB9fSxcIkhvcml6b250YWxBbGlnbm1lbnRcIjowLFwiSXNWaXNpYmxlXCI6dHJ1ZX0sXCJEYXRlU3R5bGVcIjp7XCIkaWRcIjpcIjg4XCIsXCJGb250U2V0dGluZ3NcIjp7XCIkaWRcIjpcIjg5XCIsXCJGb250U2l6ZVwiOjEwLFwiRm9udE5hbWVcIjpcIkNhbGlicmlcIixcIklzQm9sZFwiOmZhbHNlLFwiSXNJdGFsaWNcIjpmYWxzZSxcIklzVW5kZXJsaW5lZFwiOmZhbHNlfSxcIkZvcmVncm91bmRcIjp7XCIkaWRcIjpcIjkwXCIsXCJDb2xvclwiOntcIiRpZFwiOlwiOTFcIixcIkFcIjoyNTUsXCJSXCI6NjgsXCJHXCI6ODQsXCJCXCI6MTA2fX0sXCJIb3Jpem9udGFsQWxpZ25tZW50XCI6MCxcIklzVmlzaWJsZVwiOnRydWV9LFwiRGF0ZUZvcm1hdFwiOntcIiRpZFwiOlwiOTJcIixcIkZvcm1hdFN0cmluZ1wiOlwiTS9kL3l5eXlcIixcIlNlcGFyYXRvclwiOlwiL1wiLFwiVXNlSW50ZXJuYXRpb25hbERhdGVGb3JtYXRcIjpmYWxzZSxcIkRhdGVJc1Zpc2libGVcIjp0cnVlLFwiVGltZUlzVmlzaWJsZVwiOmZhbHNlLFwiSG91ckRpZ2l0c1wiOjEsXCJBbVBtRGVzaWduYXRvclwiOjIsXCJUcmltMDBNaW51dGVzXCI6ZmFsc2V9LFwiV2Vla051bWJlcmluZ1wiOntcIiRpZFwiOlwiOTNcIixcIkZvcm1hdFwiOjAsXCJJc1Zpc2libGVcIjpmYWxzZSxcIkxhc3RLbm93blZpc2liaWxpdHlTdGF0ZVwiOmZhbHNlfX0sXCJNaWxlc3RvbmVTdHlsZVwiOntcIiRpZFwiOlwiOTRcIixcIlNoYXBlXCI6MixcIklzQmVsb3dUaW1lYmFuZFwiOmZhbHNlLFwiU2hhcGVTaXplXCI6MSxcIlBhZGRpbmdcIjp7XCIkaWRcIjpcIjk1XCIsXCJUb3BcIjo3LjAsXCJMZWZ0XCI6My4wLFwiUmlnaHRcIjowLjAsXCJCb3R0b21cIjoyLjB9LFwiU2hhcGVTdHlsZVwiOntcIiRpZFwiOlwiOTZcIixcIk1hcmdpblwiOntcIiRpZFwiOlwiOTdcIixcIlRvcFwiOjAuMCxcIkxlZnRcIjowLjAsXCJSaWdodFwiOjAuMCxcIkJvdHRvbVwiOjAuMH0sXCJQYWRkaW5nXCI6e1wiJGlkXCI6XCI5OFwiLFwiVG9wXCI6MC4wLFwiTGVmdFwiOjAuMCxcIlJpZ2h0XCI6MC4wLFwiQm90dG9tXCI6MC4wfSxcIkJhY2tncm91bmRcIjp7XCIkaWRcIjpcIjk5XCIsXCJDb2xvclwiOntcIiRpZFwiOlwiMTAwXCIsXCJBXCI6MjU1LFwiUlwiOjIzNCxcIkdcIjoyMixcIkJcIjozMH19LFwiSXNWaXNpYmxlXCI6dHJ1ZSxcIldpZHRoXCI6MTguMCxcIkhlaWdodFwiOjIwLjAsXCJCb3JkZXJTdHlsZVwiOntcIiRpZFwiOlwiMTAxXCIsXCJMaW5lU3R5bGVcIjp7XCIkaWRcIjpcIjEwMlwiLFwiTGluZUNvbG9yXCI6e1wiJGlkXCI6XCIxMDNcIixcIkNvbG9yXCI6e1wiJGlkXCI6XCIxMDRcIixcIkFcIjoyNTUsXCJSXCI6MjM0LFwiR1wiOjIyLFwiQlwiOjMwfX0sXCJMaW5lV2VpZ2h0XCI6Mi4wLFwiTGluZVR5cGVcIjowfSxcIklzVmlzaWJsZVwiOmZhbHNlfX0sXCJUaXRsZVN0eWxlXCI6e1wiJGlkXCI6XCIxMDVcIixcIkZvbnRTZXR0aW5nc1wiOntcIiRpZFwiOlwiMTA2XCIsXCJGb250U2l6ZVwiOjExLFwiRm9udE5hbWVcIjpcIkNhbGlicmlcIixcIklzQm9sZFwiOnRydWUsXCJJc0l0YWxpY1wiOmZhbHNlLFwiSXNVbmRlcmxpbmVkXCI6ZmFsc2V9LFwiRm9yZWdyb3VuZFwiOntcIiRpZFwiOlwiMTA3XCIsXCJDb2xvclwiOntcIiRpZFwiOlwiMTA4XCIsXCJBXCI6MjU1LFwiUlwiOjAsXCJHXCI6MCxcIkJcIjowfX0sXCJIb3Jpem9udGFsQWxpZ25tZW50XCI6MCxcIklzVmlzaWJsZVwiOnRydWV9LFwiRGF0ZVN0eWxlXCI6e1wiJGlkXCI6XCIxMDlcIixcIkZvbnRTZXR0aW5nc1wiOntcIiRpZFwiOlwiMTEwXCIsXCJGb250U2l6ZVwiOjEwLFwiRm9udE5hbWVcIjpcIkNhbGlicmlcIixcIklzQm9sZFwiOmZhbHNlLFwiSXNJdGFsaWNcIjpmYWxzZSxcIklzVW5kZXJsaW5lZFwiOmZhbHNlfSxcIkZvcmVncm91bmRcIjp7XCIkaWRcIjpcIjExMVwiLFwiQ29sb3JcIjp7XCIkaWRcIjpcIjExMlwiLFwiQVwiOjI1NSxcIlJcIjo2OCxcIkdcIjo4NCxcIkJcIjoxMDZ9fSxcIkhvcml6b250YWxBbGlnbm1lbnRcIjowLFwiSXNWaXNpYmxlXCI6dHJ1ZX0sXCJEYXRlRm9ybWF0XCI6e1wiJGlkXCI6XCIxMTNcIixcIkZvcm1hdFN0cmluZ1wiOlwiTS9kL3l5eXlcIixcIlNlcGFyYXRvclwiOlwiL1wiLFwiVXNlSW50ZXJuYXRpb25hbERhdGVGb3JtYXRcIjpmYWxzZSxcIkRhdGVJc1Zpc2libGVcIjp0cnVlLFwiVGltZUlzVmlzaWJsZVwiOmZhbHNlLFwiSG91ckRpZ2l0c1wiOjEsXCJBbVBtRGVzaWduYXRvclwiOjIsXCJUcmltMDBNaW51dGVzXCI6ZmFsc2V9LFwiV2Vla051bWJlcmluZ1wiOntcIiRpZFwiOlwiMTE0XCIsXCJGb3JtYXRcIjowLFwiSXNWaXNpYmxlXCI6ZmFsc2UsXCJMYXN0S25vd25WaXNpYmlsaXR5U3RhdGVcIjpmYWxzZX19LFwiTW90U3R5bGVcIjp7XCIkaWRcIjpcIjExNVwiLFwiU2hhcGVcIjoyLFwiU2hhcGVTaXplXCI6MSxcIkRldGFpbHNTcGFjaW5nXCI6MS4wLFwiUGFkZGluZ1wiOntcIiRpZFwiOlwiMTE2XCIsXCJUb3BcIjo3LjAsXCJMZWZ0XCI6My4wLFwiUmlnaHRcIjowLjAsXCJCb3R0b21cIjoyLjB9LFwiUG9zaXRpb25PblRhc2tcIjoxLFwiU2hhcGVTdHlsZVwiOntcIiRpZFwiOlwiMTE3XCIsXCJNYXJnaW5cIjp7XCIkaWRcIjpcIjExOFwiLFwiVG9wXCI6MC4wLFwiTGVmdFwiOjAuMCxcIlJpZ2h0XCI6MC4wLFwiQm90dG9tXCI6MC4wfSxcIlBhZGRpbmdcIjp7XCIkaWRcIjpcIjExOVwiLFwiVG9wXCI6MC4wLFwiTGVmdFwiOjAuMCxcIlJpZ2h0XCI6MC4wLFwiQm90dG9tXCI6MC4wfSxcIkJhY2tncm91bmRcIjp7XCIkaWRcIjpcIjEyMFwiLFwiQ29sb3JcIjp7XCIkaWRcIjpcIjEyMVwiLFwiQVwiOjI1NSxcIlJcIjoyMzQsXCJHXCI6MjIsXCJCXCI6MzB9fSxcIklzVmlzaWJsZVwiOnRydWUsXCJXaWR0aFwiOjE4LjAsXCJIZWlnaHRcIjoyMC4wLFwiQm9yZGVyU3R5bGVcIjp7XCIkaWRcIjpcIjEyMlwiLFwiTGluZVN0eWxlXCI6e1wiJGlkXCI6XCIxMjNcIixcIkxpbmVDb2xvclwiOntcIiRpZFwiOlwiMTI0XCIsXCJDb2xvclwiOntcIiRpZFwiOlwiMTI1XCIsXCJBXCI6MjU1LFwiUlwiOjIzNCxcIkdcIjoyMixcIkJcIjozMH19LFwiTGluZVdlaWdodFwiOjAuMCxcIkxpbmVUeXBlXCI6MH0sXCJJc1Zpc2libGVcIjpmYWxzZX19LFwiVGl0bGVTdHlsZVwiOntcIiRpZFwiOlwiMTI2XCIsXCJGb250U2V0dGluZ3NcIjp7XCIkaWRcIjpcIjEyN1wiLFwiRm9udFNpemVcIjoxMSxcIkZvbnROYW1lXCI6XCJDYWxpYnJpXCIsXCJJc0JvbGRcIjp0cnVlLFwiSXNJdGFsaWNcIjpmYWxzZSxcIklzVW5kZXJsaW5lZFwiOmZhbHNlfSxcIkZvcmVncm91bmRcIjp7XCIkaWRcIjpcIjEyOFwiLFwiQ29sb3JcIjp7XCIkaWRcIjpcIjEyOVwiLFwiQVwiOjI1NSxcIlJcIjowLFwiR1wiOjAsXCJCXCI6MH19LFwiSG9yaXpvbnRhbEFsaWdubWVudFwiOjAsXCJJc1Zpc2libGVcIjp0cnVlfSxcIkRhdGVTdHlsZVwiOntcIiRpZFwiOlwiMTMwXCIsXCJGb250U2V0dGluZ3NcIjp7XCIkaWRcIjpcIjEzMVwiLFwiRm9udFNpemVcIjoxMCxcIkZvbnROYW1lXCI6XCJDYWxpYnJpXCIsXCJJc0JvbGRcIjpmYWxzZSxcIklzSXRhbGljXCI6ZmFsc2UsXCJJc1VuZGVybGluZWRcIjpmYWxzZX0sXCJGb3JlZ3JvdW5kXCI6e1wiJGlkXCI6XCIxMzJcIixcIkNvbG9yXCI6e1wiJGlkXCI6XCIxMzNcIixcIkFcIjoyNTUsXCJSXCI6NjgsXCJHXCI6ODQsXCJCXCI6MTA2fX0sXCJIb3Jpem9udGFsQWxpZ25tZW50XCI6MCxcIklzVmlzaWJsZVwiOnRydWV9LFwiRGF0ZUZvcm1hdFwiOntcIiRpZFwiOlwiMTM0XCIsXCJGb3JtYXRTdHJpbmdcIjpcIk0vZC95eXl5XCIsXCJTZXBhcmF0b3JcIjpcIi9cIixcIlVzZUludGVybmF0aW9uYWxEYXRlRm9ybWF0XCI6ZmFsc2UsXCJEYXRlSXNWaXNpYmxlXCI6dHJ1ZSxcIlRpbWVJc1Zpc2libGVcIjpmYWxzZSxcIkhvdXJEaWdpdHNcIjoxLFwiQW1QbURlc2lnbmF0b3JcIjoyLFwiVHJpbTAwTWludXRlc1wiOmZhbHNlfSxcIldlZWtOdW1iZXJpbmdcIjp7XCIkaWRcIjpcIjEzNVwiLFwiRm9ybWF0XCI6MCxcIklzVmlzaWJsZVwiOmZhbHNlLFwiTGFzdEtub3duVmlzaWJpbGl0eVN0YXRlXCI6ZmFsc2V9fSxcIlN3aW1sYW5lVjJTdHlsZVwiOntcIiRpZFwiOlwiMTM2XCIsXCJTdHlsZUlkXCI6XCI0MTQ2ZmQwYS1iM2MzLTQzNzAtYjc2MS0zOWExMjUyYjk5ZmNcIixcIk5hbWVcIjpcIlN3aW1sYW5lIFN0eWxlIDFcIixcIkhlYWRlclN0eWxlXCI6e1wiJGlkXCI6XCIxMzdcIixcIlRleHRTdHlsZVwiOntcIiRpZFwiOlwiMTM4XCIsXCJGb250U2V0dGluZ3NcIjp7XCIkaWRcIjpcIjEzOVwiLFwiRm9udFNpemVcIjoxMixcIkZvbnROYW1lXCI6XCJDYWxpYnJpXCIsXCJJc0JvbGRcIjpmYWxzZSxcIklzSXRhbGljXCI6ZmFsc2UsXCJJc1VuZGVybGluZWRcIjpmYWxzZX0sXCJGb3JlZ3JvdW5kXCI6e1wiJGlkXCI6XCIxNDBcIixcIkNvbG9yXCI6e1wiJGlkXCI6XCIxNDFcIixcIkFcIjoyNTUsXCJSXCI6MjU1LFwiR1wiOjI1NSxcIkJcIjoyNTV9fSxcIkhvcml6b250YWxBbGlnbm1lbnRcIjowLFwiSXNWaXNpYmxlXCI6dHJ1ZX0sXCJSZWN0YW5nbGVTdHlsZVwiOntcIiRpZFwiOlwiMTQyXCIsXCJNYXJnaW5cIjp7XCIkaWRcIjpcIjE0M1wiLFwiVG9wXCI6MC4wLFwiTGVmdFwiOjAuMCxcIlJpZ2h0XCI6MC4wLFwiQm90dG9tXCI6MC4wfSxcIlBhZGRpbmdcIjp7XCIkaWRcIjpcIjE0NFwiLFwiVG9wXCI6MC4wLFwiTGVmdFwiOjAuMCxcIlJpZ2h0XCI6MC4wLFwiQm90dG9tXCI6MC4wfSxcIkJhY2tncm91bmRcIjp7XCIkaWRcIjpcIjE0NVwiLFwiQ29sb3JcIjp7XCIkaWRcIjpcIjE0NlwiLFwiQVwiOjI1NSxcIlJcIjo5MSxcIkdcIjoxNTUsXCJCXCI6MjEzfX0sXCJJc1Zpc2libGVcIjp0cnVlLFwiV2lkdGhcIjowLjAsXCJIZWlnaHRcIjowLjAsXCJCb3JkZXJTdHlsZVwiOntcIiRpZFwiOlwiMTQ3XCIsXCJMaW5lU3R5bGVcIjp7XCIkaWRcIjpcIjE0OFwiLFwiTGluZUNvbG9yXCI6e1wiJGlkXCI6XCIxNDlcIixcIkNvbG9yXCI6e1wiJGlkXCI6XCIxNTBcIixcIkFcIjoyNTUsXCJSXCI6MjU1LFwiR1wiOjAsXCJCXCI6MH19LFwiTGluZVdlaWdodFwiOjAuMCxcIkxpbmVUeXBlXCI6MH0sXCJJc1Zpc2libGVcIjpmYWxzZX19fSxcIkJhY2tncm91bmRTdHlsZVwiOntcIiRpZFwiOlwiMTUxXCIsXCJNYXJnaW5cIjp7XCIkaWRcIjpcIjE1MlwiLFwiVG9wXCI6MC4wLFwiTGVmdFwiOjAuMCxcIlJpZ2h0XCI6MC4wLFwiQm90dG9tXCI6MC4wfSxcIlBhZGRpbmdcIjp7XCIkaWRcIjpcIjE1M1wiLFwiVG9wXCI6MC4wLFwiTGVmdFwiOjAuMCxcIlJpZ2h0XCI6MC4wLFwiQm90dG9tXCI6MC4wfSxcIkJhY2tncm91bmRcIjp7XCIkaWRcIjpcIjE1NFwiLFwiQ29sb3JcIjp7XCIkaWRcIjpcIjE1NVwiLFwiQVwiOjUxLFwiUlwiOjkxLFwiR1wiOjE1NSxcIkJcIjoyMTN9fSxcIklzVmlzaWJsZVwiOnRydWUsXCJXaWR0aFwiOjAuMCxcIkhlaWdodFwiOjAuMCxcIkJvcmRlclN0eWxlXCI6e1wiJGlkXCI6XCIxNTZcIixcIkxpbmVTdHlsZVwiOntcIiRpZFwiOlwiMTU3XCIsXCJMaW5lQ29sb3JcIjp7XCIkaWRcIjpcIjE1OFwiLFwiQ29sb3JcIjp7XCIkaWRcIjpcIjE1OVwiLFwiQVwiOjI1NSxcIlJcIjoyMzQsXCJHXCI6MjIsXCJCXCI6MzB9fSxcIkxpbmVXZWlnaHRcIjowLjAsXCJMaW5lVHlwZVwiOjB9LFwiSXNWaXNpYmxlXCI6ZmFsc2V9fSxcIklzQWJvdmVUaW1lYmFuZFwiOmZhbHNlLFwiU3BhY2luZ1wiOjUsXCJEZWZhdWx0U3dpbWxhbmVBY3Rpdml0eVN0eWxlXCI6e1wiJGlkXCI6XCIxNjBcIixcIkhlYWRlclN0eWxlXCI6e1wiJGlkXCI6XCIxNjFcIixcIlRleHRTdHlsZVwiOntcIiRpZFwiOlwiMTYyXCIsXCJGb250U2V0dGluZ3NcIjp7XCIkaWRcIjpcIjE2M1wiLFwiRm9udFNpemVcIjoxMSxcIkZvbnROYW1lXCI6XCJDYWxpYnJpXCIsXCJJc0JvbGRcIjpmYWxzZSxcIklzSXRhbGljXCI6ZmFsc2UsXCJJc1VuZGVybGluZWRcIjpmYWxzZX0sXCJGb3JlZ3JvdW5kXCI6e1wiJGlkXCI6XCIxNjRcIixcIkNvbG9yXCI6e1wiJGlkXCI6XCIxNjVcIixcIkFcIjoyNTUsXCJSXCI6MCxcIkdcIjowLFwiQlwiOjB9fSxcIkhvcml6b250YWxBbGlnbm1lbnRcIjowLFwiSXNWaXNpYmxlXCI6dHJ1ZX0sXCJSZWN0YW5nbGVTdHlsZVwiOntcIiRpZFwiOlwiMTY2XCIsXCJNYXJnaW5cIjp7XCIkaWRcIjpcIjE2N1wiLFwiVG9wXCI6MC4wLFwiTGVmdFwiOjAuMCxcIlJpZ2h0XCI6MC4wLFwiQm90dG9tXCI6MC4wfSxcIlBhZGRpbmdcIjp7XCIkaWRcIjpcIjE2OFwiLFwiVG9wXCI6MC4wLFwiTGVmdFwiOjAuMCxcIlJpZ2h0XCI6MC4wLFwiQm90dG9tXCI6MC4wfSxcIkJhY2tncm91bmRcIjp7XCIkaWRcIjpcIjE2OVwiLFwiQ29sb3JcIjp7XCIkaWRcIjpcIjE3MFwiLFwiQVwiOjYzLFwiUlwiOjkxLFwiR1wiOjE1NSxcIkJcIjoyMTN9fSxcIklzVmlzaWJsZVwiOnRydWUsXCJXaWR0aFwiOjAuMCxcIkhlaWdodFwiOjAuMCxcIkJvcmRlclN0eWxlXCI6e1wiJGlkXCI6XCIxNzFcIixcIkxpbmVTdHlsZVwiOntcIiRpZFwiOlwiMTcyXCIsXCJMaW5lQ29sb3JcIjp7XCIkaWRcIjpcIjE3M1wiLFwiQ29sb3JcIjp7XCIkaWRcIjpcIjE3NFwiLFwiQVwiOjI1NSxcIlJcIjoyNTUsXCJHXCI6MCxcIkJcIjowfX0sXCJMaW5lV2VpZ2h0XCI6MC4wLFwiTGluZVR5cGVcIjowfSxcIklzVmlzaWJsZVwiOmZhbHNlfX19LFwiQmFja2dyb3VuZFN0eWxlXCI6e1wiJGlkXCI6XCIxNzVcIixcIk1hcmdpblwiOntcIiRpZFwiOlwiMTc2XCIsXCJUb3BcIjowLjAsXCJMZWZ0XCI6MC4wLFwiUmlnaHRcIjowLjAsXCJCb3R0b21cIjowLjB9LFwiUGFkZGluZ1wiOntcIiRpZFwiOlwiMTc3XCIsXCJUb3BcIjowLjAsXCJMZWZ0XCI6MC4wLFwiUmlnaHRcIjowLjAsXCJCb3R0b21cIjowLjB9LFwiQmFja2dyb3VuZFwiOntcIiRpZFwiOlwiMTc4XCIsXCJDb2xvclwiOntcIiRpZFwiOlwiMTc5XCIsXCJBXCI6NTEsXCJSXCI6OTEsXCJHXCI6MTU1LFwiQlwiOjIxM319LFwiSXNWaXNpYmxlXCI6dHJ1ZSxcIldpZHRoXCI6MC4wLFwiSGVpZ2h0XCI6MC4wLFwiQm9yZGVyU3R5bGVcIjp7XCIkaWRcIjpcIjE4MFwiLFwiTGluZVN0eWxlXCI6e1wiJGlkXCI6XCIxODFcIixcIkxpbmVDb2xvclwiOntcIiRpZFwiOlwiMTgyXCIsXCJDb2xvclwiOntcIiRpZFwiOlwiMTgzXCIsXCJBXCI6MjU1LFwiUlwiOjI1NSxcIkdcIjowLFwiQlwiOjB9fSxcIkxpbmVXZWlnaHRcIjowLjAsXCJMaW5lVHlwZVwiOjB9LFwiSXNWaXNpYmxlXCI6ZmFsc2V9fX0sXCJEZWZhdWx0U3dpbWxhbmVNaWxlc3RvbmVTdHlsZVwiOntcIiRpZFwiOlwiMTg0XCIsXCJUaXRsZVBvc2l0aW9uXCI6MixcIkRhdGVQb3NpdGlvblwiOjAsXCJTaGFwZVR5cGVcIjoyLFwiU2hhcGVTaXplXCI6MSxcIlNwYWNpbmdcIjo1LFwiU2hhcGVTdHlsZVwiOntcIiRpZFwiOlwiMTg1XCIsXCJNYXJnaW5cIjp7XCIkaWRcIjpcIjE4NlwiLFwiVG9wXCI6MC4wLFwiTGVmdFwiOjAuMCxcIlJpZ2h0XCI6MC4wLFwiQm90dG9tXCI6MC4wfSxcIlBhZGRpbmdcIjp7XCIkaWRcIjpcIjE4N1wiLFwiVG9wXCI6MC4wLFwiTGVmdFwiOjAuMCxcIlJpZ2h0XCI6MC4wLFwiQm90dG9tXCI6MC4wfSxcIkJhY2tncm91bmRcIjp7XCIkaWRcIjpcIjE4OFwiLFwiQ29sb3JcIjp7XCIkaWRcIjpcIjE4OVwiLFwiQVwiOjI1NSxcIlJcIjo5MSxcIkdcIjoxNTUsXCJCXCI6MjEzfX0sXCJJc1Zpc2libGVcIjp0cnVlLFwiV2lkdGhcIjoxOC4wLFwiSGVpZ2h0XCI6MjAuMCxcIkJvcmRlclN0eWxlXCI6e1wiJGlkXCI6XCIxOTBcIixcIkxpbmVTdHlsZVwiOntcIiRpZFwiOlwiMTkxXCIsXCJMaW5lQ29sb3JcIjp7XCIkaWRcIjpcIjE5MlwiLFwiQ29sb3JcIjp7XCIkaWRcIjpcIjE5M1wiLFwiQVwiOjI1NSxcIlJcIjoyNTUsXCJHXCI6MCxcIkJcIjowfX0sXCJMaW5lV2VpZ2h0XCI6Mi4wLFwiTGluZVR5cGVcIjowfSxcIklzVmlzaWJsZVwiOmZhbHNlfX0sXCJUaXRsZVN0eWxlXCI6e1wiJGlkXCI6XCIxOTRcIixcIkZvbnRTZXR0aW5nc1wiOntcIiRpZFwiOlwiMTk1XCIsXCJGb250U2l6ZVwiOjExLFwiRm9udE5hbWVcIjpcIkNhbGlicmlcIixcIklzQm9sZFwiOnRydWUsXCJJc0l0YWxpY1wiOmZhbHNlLFwiSXNVbmRlcmxpbmVkXCI6ZmFsc2V9LFwiRm9yZWdyb3VuZFwiOntcIiRpZFwiOlwiMTk2XCIsXCJDb2xvclwiOntcIiRpZFwiOlwiMTk3XCIsXCJBXCI6MjU1LFwiUlwiOjAsXCJHXCI6MCxcIkJcIjowfX0sXCJIb3Jpem9udGFsQWxpZ25tZW50XCI6MCxcIklzVmlzaWJsZVwiOnRydWV9LFwiRGF0ZVN0eWxlXCI6e1wiJGlkXCI6XCIxOThcIixcIkZvbnRTZXR0aW5nc1wiOntcIiRpZFwiOlwiMTk5XCIsXCJGb250U2l6ZVwiOjEwLFwiRm9udE5hbWVcIjpcIkNhbGlicmlcIixcIklzQm9sZFwiOmZhbHNlLFwiSXNJdGFsaWNcIjpmYWxzZSxcIklzVW5kZXJsaW5lZFwiOmZhbHNlfSxcIkZvcmVncm91bmRcIjp7XCIkaWRcIjpcIjIwMFwiLFwiQ29sb3JcIjp7XCIkaWRcIjpcIjIwMVwiLFwiQVwiOjI1NSxcIlJcIjo2OCxcIkdcIjo4NCxcIkJcIjoxMDZ9fSxcIkhvcml6b250YWxBbGlnbm1lbnRcIjowLFwiSXNWaXNpYmxlXCI6dHJ1ZX0sXCJEYXRlRm9ybWF0XCI6e1wiJGlkXCI6XCIyMDJcIixcIkZvcm1hdFN0cmluZ1wiOlwiTS9kL3l5eXlcIixcIlNlcGFyYXRvclwiOlwiL1wiLFwiVXNlSW50ZXJuYXRpb25hbERhdGVGb3JtYXRcIjpmYWxzZSxcIkRhdGVJc1Zpc2libGVcIjp0cnVlLFwiVGltZUlzVmlzaWJsZVwiOmZhbHNlLFwiSG91ckRpZ2l0c1wiOjEsXCJBbVBtRGVzaWduYXRvclwiOjIsXCJUcmltMDBNaW51dGVzXCI6ZmFsc2V9LFwiV2Vla051bWJlcmluZ1wiOntcIiRpZFwiOlwiMjAzXCIsXCJGb3JtYXRcIjowLFwiSXNWaXNpYmxlXCI6ZmFsc2UsXCJMYXN0S25vd25WaXNpYmlsaXR5U3RhdGVcIjpmYWxzZX19LFwiRGVmYXVsdFN3aW1sYW5lVGFza1N0eWxlXCI6e1wiJGlkXCI6XCIyMDRcIixcIlNoYXBlXCI6MCxcIlNoYXBlVGhpY2tuZXNzXCI6MSxcIkR1cmF0aW9uRm9ybWF0XCI6MCxcIlBlcmNlbnRhZ2VDb21wbGV0ZVRleHRTdHlsZVwiOntcIiRpZFwiOlwiMjA1XCIsXCJGb250U2V0dGluZ3NcIjp7XCIkaWRcIjpcIjIwNlwiLFwiRm9udFNpemVcIjoxMCxcIkZvbnROYW1lXCI6XCJDYWxpYnJpXCIsXCJJc0JvbGRcIjpmYWxzZSxcIklzSXRhbGljXCI6ZmFsc2UsXCJJc1VuZGVybGluZWRcIjpmYWxzZX0sXCJGb3JlZ3JvdW5kXCI6e1wiJGlkXCI6XCIyMDdcIixcIkNvbG9yXCI6e1wiJGlkXCI6XCIyMDhcIixcIkFcIjoyNTUsXCJSXCI6MjM3LFwiR1wiOjEyNSxcIkJcIjo0OX19LFwiSG9yaXpvbnRhbEFsaWdubWVudFwiOjAsXCJJc1Zpc2libGVcIjpmYWxzZX0sXCJQZXJjZW50YWdlQ29tcGxldGVIaWdobGlnaHRTdHlsZVwiOntcIiRpZFwiOlwiMjA5XCIsXCJCYWNrZ3JvdW5kXCI6e1wiJGlkXCI6XCIyMTBcIixcIkNvbG9yXCI6e1wiJGlkXCI6XCIyMTFcIixcIkFcIjo4OSxcIlJcIjowLFwiR1wiOjAsXCJCXCI6MH19fSxcIkR1cmF0aW9uU3R5bGVcIjp7XCIkaWRcIjpcIjIxMlwiLFwiRm9udFNldHRpbmdzXCI6e1wiJGlkXCI6XCIyMTNcIixcIkZvbnRTaXplXCI6MTAsXCJGb250TmFtZVwiOlwiQ2FsaWJyaVwiLFwiSXNCb2xkXCI6ZmFsc2UsXCJJc0l0YWxpY1wiOmZhbHNlLFwiSXNVbmRlcmxpbmVkXCI6ZmFsc2V9LFwiRm9yZWdyb3VuZFwiOntcIiRpZFwiOlwiMjE0XCIsXCJDb2xvclwiOntcIiRpZFwiOlwiMjE1XCIsXCJBXCI6MjU1LFwiUlwiOjIzNyxcIkdcIjoxMjUsXCJCXCI6NDl9fSxcIkhvcml6b250YWxBbGlnbm1lbnRcIjowLFwiSXNWaXNpYmxlXCI6ZmFsc2V9LFwiTWFyZ2luXCI6e1wiJGlkXCI6XCIyMTZcIixcIlRvcFwiOjAuMCxcIkxlZnRcIjowLjAsXCJSaWdodFwiOjAuMCxcIkJvdHRvbVwiOjAuMH0sXCJTdGFydERhdGVQb3NpdGlvblwiOjQsXCJFbmREYXRlUG9zaXRpb25cIjo0LFwiVGl0bGVQb3NpdGlvblwiOjMsXCJEdXJhdGlvblBvc2l0aW9uXCI6MCxcIlBlcmNlbnRhZ2VDb21wbGV0ZWRQb3NpdGlvblwiOjAsXCJTcGFjaW5nXCI6NSxcIkJhc2VsaW5lU3R5bGVcIjp7XCIkaWRcIjpcIjIxN1wiLFwiQmFzZWxpbmVTaGFwZVN0eWxlXCI6e1wiJGlkXCI6XCIyMThcIixcIk1hcmdpblwiOntcIiRpZFwiOlwiMjE5XCIsXCJUb3BcIjowLjAsXCJMZWZ0XCI6MC4wLFwiUmlnaHRcIjowLjAsXCJCb3R0b21cIjowLjB9LFwiUGFkZGluZ1wiOntcIiRpZFwiOlwiMjIwXCIsXCJUb3BcIjowLjAsXCJMZWZ0XCI6MC4wLFwiUmlnaHRcIjowLjAsXCJCb3R0b21cIjowLjB9LFwiQmFja2dyb3VuZFwiOntcIiRpZFwiOlwiMjIxXCIsXCJDb2xvclwiOntcIiRpZFwiOlwiMjIyXCIsXCJBXCI6MTUzLFwiUlwiOjAsXCJHXCI6MCxcIkJcIjowfX0sXCJJc1Zpc2libGVcIjpmYWxzZSxcIldpZHRoXCI6MC4wLFwiSGVpZ2h0XCI6MC4wLFwiQm9yZGVyU3R5bGVcIjp7XCIkaWRcIjpcIjIyM1wiLFwiTGluZVN0eWxlXCI6e1wiJGlkXCI6XCIyMjRcIixcIkxpbmVDb2xvclwiOntcIiRpZFwiOlwiMjI1XCIsXCJDb2xvclwiOntcIiRpZFwiOlwiMjI2XCIsXCJBXCI6MjU1LFwiUlwiOjI1NSxcIkdcIjowLFwiQlwiOjB9fSxcIkxpbmVXZWlnaHRcIjoyLjAsXCJMaW5lVHlwZVwiOjB9LFwiSXNWaXNpYmxlXCI6ZmFsc2V9fX0sXCJTaGFwZVN0eWxlXCI6e1wiJGlkXCI6XCIyMjdcIixcIk1hcmdpblwiOntcIiRpZFwiOlwiMjI4XCIsXCJUb3BcIjowLjAsXCJMZWZ0XCI6NC4wLFwiUmlnaHRcIjo0LjAsXCJCb3R0b21cIjowLjB9LFwiUGFkZGluZ1wiOntcIiRpZFwiOlwiMjI5XCIsXCJUb3BcIjowLjAsXCJMZWZ0XCI6MC4wLFwiUmlnaHRcIjowLjAsXCJCb3R0b21cIjowLjB9LFwiQmFja2dyb3VuZFwiOntcIiRpZFwiOlwiMjMwXCIsXCJDb2xvclwiOntcIiRpZFwiOlwiMjMxXCIsXCJBXCI6MjU1LFwiUlwiOjkxLFwiR1wiOjE1NSxcIkJcIjoyMTN9fSxcIklzVmlzaWJsZVwiOnRydWUsXCJXaWR0aFwiOjAuMCxcIkhlaWdodFwiOjE2LjAsXCJCb3JkZXJTdHlsZVwiOntcIiRpZFwiOlwiMjMyXCIsXCJMaW5lU3R5bGVcIjp7XCIkaWRcIjpcIjIzM1wiLFwiTGluZUNvbG9yXCI6e1wiJGlkXCI6XCIyMzRcIixcIkNvbG9yXCI6e1wiJGlkXCI6XCIyMzVcIixcIkFcIjoyNTUsXCJSXCI6MjU1LFwiR1wiOjAsXCJCXCI6MH19LFwiTGluZVdlaWdodFwiOjIuMCxcIkxpbmVUeXBlXCI6MH0sXCJJc1Zpc2libGVcIjpmYWxzZX19LFwiVGl0bGVTdHlsZVwiOntcIiRpZFwiOlwiMjM2XCIsXCJGb250U2V0dGluZ3NcIjp7XCIkaWRcIjpcIjIzN1wiLFwiRm9udFNpemVcIjoxMSxcIkZvbnROYW1lXCI6XCJDYWxpYnJpXCIsXCJJc0JvbGRcIjp0cnVlLFwiSXNJdGFsaWNcIjpmYWxzZSxcIklzVW5kZXJsaW5lZFwiOmZhbHNlfSxcIkZvcmVncm91bmRcIjp7XCIkaWRcIjpcIjIzOFwiLFwiQ29sb3JcIjp7XCIkaWRcIjpcIjIzOVwiLFwiQVwiOjI1NSxcIlJcIjowLFwiR1wiOjAsXCJCXCI6MH19LFwiSG9yaXpvbnRhbEFsaWdubWVudFwiOjIsXCJJc1Zpc2libGVcIjp0cnVlfSxcIkRhdGVTdHlsZVwiOntcIiRpZFwiOlwiMjQwXCIsXCJGb250U2V0dGluZ3NcIjp7XCIkaWRcIjpcIjI0MVwiLFwiRm9udFNpemVcIjoxMCxcIkZvbnROYW1lXCI6XCJDYWxpYnJpXCIsXCJJc0JvbGRcIjpmYWxzZSxcIklzSXRhbGljXCI6ZmFsc2UsXCJJc1VuZGVybGluZWRcIjpmYWxzZX0sXCJGb3JlZ3JvdW5kXCI6e1wiJGlkXCI6XCIyNDJcIixcIkNvbG9yXCI6e1wiJGlkXCI6XCIyNDNcIixcIkFcIjoyNTUsXCJSXCI6NjgsXCJHXCI6ODQsXCJCXCI6MTA2fX0sXCJIb3Jpem9udGFsQWxpZ25tZW50XCI6MCxcIklzVmlzaWJsZVwiOnRydWV9LFwiRGF0ZUZvcm1hdFwiOntcIiRpZFwiOlwiMjQ0XCIsXCJGb3JtYXRTdHJpbmdcIjpcIk0vZC95eXl5XCIsXCJTZXBhcmF0b3JcIjpcIi9cIixcIlVzZUludGVybmF0aW9uYWxEYXRlRm9ybWF0XCI6ZmFsc2UsXCJEYXRlSXNWaXNpYmxlXCI6dHJ1ZSxcIlRpbWVJc1Zpc2libGVcIjpmYWxzZSxcIkhvdXJEaWdpdHNcIjoxLFwiQW1QbURlc2lnbmF0b3JcIjoyLFwiVHJpbTAwTWludXRlc1wiOmZhbHNlfSxcIldlZWtOdW1iZXJpbmdcIjp7XCIkaWRcIjpcIjI0NVwiLFwiRm9ybWF0XCI6MCxcIklzVmlzaWJsZVwiOmZhbHNlLFwiTGFzdEtub3duVmlzaWJpbGl0eVN0YXRlXCI6ZmFsc2V9fSxcIkRlZmF1bHRTd2ltbGFuZU1vdFN0eWxlXCI6e1wiJGlkXCI6XCIyNDZcIixcIlNoYXBlXCI6MixcIlNoYXBlU2l6ZVwiOjEsXCJEZXRhaWxzU3BhY2luZ1wiOjEuMCxcIlBhZGRpbmdcIjp7XCIkaWRcIjpcIjI0N1wiLFwiVG9wXCI6Ny4wLFwiTGVmdFwiOjMuMCxcIlJpZ2h0XCI6MC4wLFwiQm90dG9tXCI6Mi4wfSxcIlBvc2l0aW9uT25UYXNrXCI6MSxcIlNoYXBlU3R5bGVcIjp7XCIkaWRcIjpcIjI0OFwiLFwiTWFyZ2luXCI6e1wiJGlkXCI6XCIyNDlcIixcIlRvcFwiOjAuMCxcIkxlZnRcIjowLjAsXCJSaWdodFwiOjAuMCxcIkJvdHRvbVwiOjAuMH0sXCJQYWRkaW5nXCI6e1wiJGlkXCI6XCIyNTBcIixcIlRvcFwiOjAuMCxcIkxlZnRcIjowLjAsXCJSaWdodFwiOjAuMCxcIkJvdHRvbVwiOjAuMH0sXCJCYWNrZ3JvdW5kXCI6e1wiJGlkXCI6XCIyNTFcIixcIkNvbG9yXCI6e1wiJGlkXCI6XCIyNTJcIixcIkFcIjoyNTUsXCJSXCI6OTEsXCJHXCI6MTU1LFwiQlwiOjIxM319LFwiSXNWaXNpYmxlXCI6dHJ1ZSxcIldpZHRoXCI6MTguMCxcIkhlaWdodFwiOjIwLjAsXCJCb3JkZXJTdHlsZVwiOntcIiRpZFwiOlwiMjUzXCIsXCJMaW5lU3R5bGVcIjp7XCIkaWRcIjpcIjI1NFwiLFwiTGluZUNvbG9yXCI6e1wiJGlkXCI6XCIyNTVcIixcIkNvbG9yXCI6e1wiJGlkXCI6XCIyNTZcIixcIkFcIjoyNTUsXCJSXCI6MjU1LFwiR1wiOjAsXCJCXCI6MH19LFwiTGluZVdlaWdodFwiOjAuMCxcIkxpbmVUeXBlXCI6MH0sXCJJc1Zpc2libGVcIjpmYWxzZX19LFwiVGl0bGVTdHlsZVwiOntcIiRpZFwiOlwiMjU3XCIsXCJGb250U2V0dGluZ3NcIjp7XCIkaWRcIjpcIjI1OFwiLFwiRm9udFNpemVcIjoxMSxcIkZvbnROYW1lXCI6XCJDYWxpYnJpXCIsXCJJc0JvbGRcIjp0cnVlLFwiSXNJdGFsaWNcIjpmYWxzZSxcIklzVW5kZXJsaW5lZFwiOmZhbHNlfSxcIkZvcmVncm91bmRcIjp7XCIkaWRcIjpcIjI1OVwiLFwiQ29sb3JcIjp7XCIkaWRcIjpcIjI2MFwiLFwiQVwiOjI1NSxcIlJcIjowLFwiR1wiOjAsXCJCXCI6MH19LFwiSG9yaXpvbnRhbEFsaWdubWVudFwiOjAsXCJJc1Zpc2libGVcIjp0cnVlfSxcIkRhdGVTdHlsZVwiOntcIiRpZFwiOlwiMjYxXCIsXCJGb250U2V0dGluZ3NcIjp7XCIkaWRcIjpcIjI2MlwiLFwiRm9udFNpemVcIjoxMCxcIkZvbnROYW1lXCI6XCJDYWxpYnJpXCIsXCJJc0JvbGRcIjpmYWxzZSxcIklzSXRhbGljXCI6ZmFsc2UsXCJJc1VuZGVybGluZWRcIjpmYWxzZX0sXCJGb3JlZ3JvdW5kXCI6e1wiJGlkXCI6XCIyNjNcIixcIkNvbG9yXCI6e1wiJGlkXCI6XCIyNjRcIixcIkFcIjoyNTUsXCJSXCI6NjgsXCJHXCI6ODQsXCJCXCI6MTA2fX0sXCJIb3Jpem9udGFsQWxpZ25tZW50XCI6MCxcIklzVmlzaWJsZVwiOnRydWV9LFwiRGF0ZUZvcm1hdFwiOntcIiRpZFwiOlwiMjY1XCIsXCJGb3JtYXRTdHJpbmdcIjpcIk0vZC95eXl5XCIsXCJTZXBhcmF0b3JcIjpcIi9cIixcIlVzZUludGVybmF0aW9uYWxEYXRlRm9ybWF0XCI6ZmFsc2UsXCJEYXRlSXNWaXNpYmxlXCI6dHJ1ZSxcIlRpbWVJc1Zpc2libGVcIjpmYWxzZSxcIkhvdXJEaWdpdHNcIjoxLFwiQW1QbURlc2lnbmF0b3JcIjoyLFwiVHJpbTAwTWludXRlc1wiOmZhbHNlfSxcIldlZWtOdW1iZXJpbmdcIjp7XCIkaWRcIjpcIjI2NlwiLFwiRm9ybWF0XCI6MCxcIklzVmlzaWJsZVwiOmZhbHNlLFwiTGFzdEtub3duVmlzaWJpbGl0eVN0YXRlXCI6ZmFsc2V9fX0sXCJfYWRkaXRpb25hbFN3aW1sYW5lVjJTdHlsZXNcIjpbXSxcIkdyaWRsaW5lUGFuZWxTdHlsZVwiOntcIiRpZFwiOlwiMjY3XCIsXCJHcmlkbGluZVN0eWxlXCI6e1wiJGlkXCI6XCIyNjhcIixcIkxpbmVDb2xvclwiOntcIiRpZFwiOlwiMjY5XCIsXCJDb2xvclwiOntcIiRpZFwiOlwiMjcwXCIsXCJBXCI6MzgsXCJSXCI6NzksXCJHXCI6MTI5LFwiQlwiOjE4OX19LFwiTGluZVdlaWdodFwiOjEuMCxcIkxpbmVUeXBlXCI6MH0sXCJJc1Zpc2libGVcIjp0cnVlfSxcIkFjdGl2aXR5TGluZVBhbmVsU3R5bGVcIjp7XCIkaWRcIjpcIjI3MVwiLFwiQWN0aXZpdHlMaW5lU3R5bGVcIjp7XCIkaWRcIjpcIjI3MlwiLFwiTGluZUNvbG9yXCI6e1wiJGlkXCI6XCIyNzNcIixcIkNvbG9yXCI6e1wiJGlkXCI6XCIyNzRcIixcIkFcIjozOCxcIlJcIjo3OSxcIkdcIjoxMjksXCJCXCI6MTg5fX0sXCJMaW5lV2VpZ2h0XCI6MS4wLFwiTGluZVR5cGVcIjowfSxcIklzVmlzaWJsZVwiOnRydWV9LFwiRGVmYXVsdERlcGVuZGVuY3lTdHlsZVwiOntcIiRpZFwiOlwiMjc1XCIsXCJMaW5lU3R5bGVcIjp7XCIkaWRcIjpcIjI3NlwiLFwiTGluZUNvbG9yXCI6e1wiJGlkXCI6XCIyNzdcIixcIkNvbG9yXCI6e1wiJGlkXCI6XCIyNzhcIixcIkFcIjoyNTUsXCJSXCI6MCxcIkdcIjowLFwiQlwiOjB9fSxcIkxpbmVXZWlnaHRcIjoxLjAsXCJMaW5lVHlwZVwiOjB9LFwiRW5kQXJyb3doZWFkTGluZVN0eWxlXCI6e1wiJGlkXCI6XCIyNzlcIixcIktpbmRcIjoxLFwiV2lkdGhcIjoxLFwiTGVuZ3RoXCI6MH0sXCJCcmluZ1RvRnJvbnRcIjp0cnVlLFwiUmFkaXVzXCI6MC4wfSxcIkNyaXRpY2FsUGF0aFN0eWxlXCI6e1wiJGlkXCI6XCIyODBcIixcIkNyaXRpY2FsUGF0aFN0eWxlT3B0aW9uc1wiOjE0LFwiTGluZVN0eWxlXCI6e1wiJGlkXCI6XCIyODFcIixcIkxpbmVDb2xvclwiOntcIiRpZFwiOlwiMjgyXCIsXCJDb2xvclwiOntcIiRpZFwiOlwiMjgzXCIsXCJBXCI6MjU1LFwiUlwiOjIyMixcIkdcIjo1MCxcIkJcIjo1MH19LFwiTGluZVdlaWdodFwiOjEuMCxcIkxpbmVUeXBlXCI6MH0sXCJUaXRsZUZvcmVncm91bmRcIjp7XCIkaWRcIjpcIjI4NFwiLFwiQ29sb3JcIjp7XCIkaWRcIjpcIjI4NVwiLFwiQVwiOjI1NSxcIlJcIjoxNzYsXCJHXCI6MTksXCJCXCI6MjV9fSxcIlNoYXBlc0JhY2tncm91bmRcIjp7XCIkaWRcIjpcIjI4NlwiLFwiQ29sb3JcIjp7XCIkaWRcIjpcIjI4N1wiLFwiQVwiOjI1NSxcIlJcIjoyNTMsXCJHXCI6MjAzLFwiQlwiOjIwOH19LFwiU2hhcGVzQm9yZGVyU3R5bGVcIjp7XCIkaWRcIjpcIjI4OFwiLFwiTGluZUNvbG9yXCI6e1wiJGlkXCI6XCIyODlcIixcIkNvbG9yXCI6e1wiJGlkXCI6XCIyOTBcIixcIkFcIjoyNTUsXCJSXCI6MjIyLFwiR1wiOjUwLFwiQlwiOjUwfX0sXCJMaW5lV2VpZ2h0XCI6Mi4wLFwiTGluZVR5cGVcIjowfX0sXCJQYW5lbHNTcGFjaW5nRGVmaW5pdGlvblwiOntcIiRpZFwiOlwiMjkxXCIsXCJTcGFjaW5nQWJvdmVUaW1lYmFuZFwiOjE2LFwiU3BhY2luZ0JlbG93VGltZWJhbmRcIjoxNixcIlNwYWNpbmdBYm92ZUJldHdlZW5Td2ltbGFuZXNBbmRUYXNrc1wiOjE2LFwiU3BhY2luZ0JlbG93QmV0d2VlblN3aW1sYW5lc0FuZFRhc2tzXCI6MTZ9LFwiQ29uZGl0aW9uYWxGb3JtYXR0aW5nXCI6e1wiJGlkXCI6XCIyOTJcIixcIlB2QUZvcm1hdHRpbmdcIjp7XCIkaWRcIjpcIjI5M1wiLFwiRGVsYXlUYXNrU3R5bGVcIjp7XCIkaWRcIjpcIjI5NFwiLFwiU3R5bGVPcHRpb25zXCI6OCxcIlRpdGxlRm9yZWdyb3VuZFwiOntcIiRpZFwiOlwiMjk1XCIsXCJDb2xvclwiOntcIiRpZFwiOlwiMjk2XCIsXCJBXCI6MjU1LFwiUlwiOjE3NSxcIkdcIjowLFwiQlwiOjB9fSxcIkFjdHVhbFNoYXBlc0JhY2tncm91bmRcIjp7XCIkaWRcIjpcIjI5N1wiLFwiQ29sb3JcIjp7XCIkaWRcIjpcIjI5OFwiLFwiQVwiOjYyLFwiUlwiOjI1NSxcIkdcIjowLFwiQlwiOjB9fSxcIkFjdHVhbFNoYXBlc0JvcmRlclN0eWxlXCI6e1wiJGlkXCI6XCIyOTlcIixcIkxpbmVDb2xvclwiOntcIiRpZFwiOlwiMzAwXCIsXCJDb2xvclwiOntcIiRpZFwiOlwiMzAxXCIsXCJBXCI6MTYzLFwiUlwiOjI1NSxcIkdcIjowLFwiQlwiOjB9fSxcIkxpbmVXZWlnaHRcIjozLjAsXCJMaW5lVHlwZVwiOjB9LFwiQmFzZWxpbmVTaGFwZXNCYWNrZ3JvdW5kXCI6e1wiJGlkXCI6XCIzMDJcIixcIkNvbG9yXCI6e1wiJGlkXCI6XCIzMDNcIixcIkFcIjoxODQsXCJSXCI6MjU1LFwiR1wiOjAsXCJCXCI6MH19fSxcIkRlbGF5TWlsZXN0b25lU3R5bGVcIjp7XCIkaWRcIjpcIjMwNFwiLFwiU3R5bGVPcHRpb25zXCI6MixcIlRpdGxlRm9yZWdyb3VuZFwiOntcIiRpZFwiOlwiMzA1XCIsXCJDb2xvclwiOntcIiRpZFwiOlwiMzA2XCIsXCJBXCI6MjU1LFwiUlwiOjE3NSxcIkdcIjowLFwiQlwiOjB9fSxcIkFjdHVhbFNoYXBlc0JhY2tncm91bmRcIjp7XCIkaWRcIjpcIjMwN1wiLFwiQ29sb3JcIjp7XCIkaWRcIjpcIjMwOFwiLFwiQVwiOjI1NSxcIlJcIjoyMjIsXCJHXCI6ODAsXCJCXCI6NTB9fSxcIkFjdHVhbFNoYXBlc0JvcmRlclN0eWxlXCI6e1wiJGlkXCI6XCIzMDlcIixcIkxpbmVDb2xvclwiOntcIiRpZFwiOlwiMzEwXCIsXCJDb2xvclwiOntcIiRpZFwiOlwiMzExXCIsXCJBXCI6MTYzLFwiUlwiOjI1NSxcIkdcIjowLFwiQlwiOjB9fSxcIkxpbmVXZWlnaHRcIjozLjAsXCJMaW5lVHlwZVwiOjB9LFwiQmFzZWxpbmVTaGFwZXNCYWNrZ3JvdW5kXCI6e1wiJGlkXCI6XCIzMTJcIixcIkNvbG9yXCI6e1wiJGlkXCI6XCIzMTNcIixcIkFcIjoxODQsXCJSXCI6MjU1LFwiR1wiOjAsXCJCXCI6MH19fSxcIkFkdmFuY2VUYXNrU3R5bGVcIjp7XCIkaWRcIjpcIjMxNFwiLFwiU3R5bGVPcHRpb25zXCI6OCxcIlRpdGxlRm9yZWdyb3VuZFwiOntcIiRpZFwiOlwiMzE1XCIsXCJDb2xvclwiOntcIiRpZFwiOlwiMzE2XCIsXCJBXCI6MjU1LFwiUlwiOjAsXCJHXCI6MTEwLFwiQlwiOjB9fSxcIkFjdHVhbFNoYXBlc0JhY2tncm91bmRcIjp7XCIkaWRcIjpcIjMxN1wiLFwiQ29sb3JcIjp7XCIkaWRcIjpcIjMxOFwiLFwiQVwiOjYxLFwiUlwiOjAsXCJHXCI6MTI4LFwiQlwiOjB9fSxcIkFjdHVhbFNoYXBlc0JvcmRlclN0eWxlXCI6e1wiJGlkXCI6XCIzMTlcIixcIkxpbmVDb2xvclwiOntcIiRpZFwiOlwiMzIwXCIsXCJDb2xvclwiOntcIiRpZFwiOlwiMzIxXCIsXCJBXCI6MTYzLFwiUlwiOjAsXCJHXCI6MTI4LFwiQlwiOjB9fSxcIkxpbmVXZWlnaHRcIjozLjAsXCJMaW5lVHlwZVwiOjB9LFwiQmFzZWxpbmVTaGFwZXNCYWNrZ3JvdW5kXCI6e1wiJGlkXCI6XCIzMjJcIixcIkNvbG9yXCI6e1wiJGlkXCI6XCIzMjNcIixcIkFcIjoxODQsXCJSXCI6MCxcIkdcIjoxMjgsXCJCXCI6MH19fSxcIkFkdmFuY2VNaWxlc3RvbmVTdHlsZVwiOntcIiRpZFwiOlwiMzI0XCIsXCJTdHlsZU9wdGlvbnNcIjoyLFwiVGl0bGVGb3JlZ3JvdW5kXCI6e1wiJGlkXCI6XCIzMjVcIixcIkNvbG9yXCI6e1wiJGlkXCI6XCIzMjZcIixcIkFcIjoyNTUsXCJSXCI6MCxcIkdcIjoxMTAsXCJCXCI6MH19LFwiQWN0dWFsU2hhcGVzQmFja2dyb3VuZFwiOntcIiRpZFwiOlwiMzI3XCIsXCJDb2xvclwiOntcIiRpZFwiOlwiMzI4XCIsXCJBXCI6MjU1LFwiUlwiOjIwLFwiR1wiOjEwMCxcIkJcIjowfX0sXCJBY3R1YWxTaGFwZXNCb3JkZXJTdHlsZVwiOntcIiRpZFwiOlwiMzI5XCIsXCJMaW5lQ29sb3JcIjp7XCIkaWRcIjpcIjMzMFwiLFwiQ29sb3JcIjp7XCIkaWRcIjpcIjMzMVwiLFwiQVwiOjE2MyxcIlJcIjowLFwiR1wiOjEyOCxcIkJcIjowfX0sXCJMaW5lV2VpZ2h0XCI6My4wLFwiTGluZVR5cGVcIjowfSxcIkJhc2VsaW5lU2hhcGVzQmFja2dyb3VuZFwiOntcIiRpZFwiOlwiMzMyXCIsXCJDb2xvclwiOntcIiRpZFwiOlwiMzMzXCIsXCJBXCI6MTg0LFwiUlwiOjAsXCJHXCI6MTI4LFwiQlwiOjB9fX19fSxcIl9zZWxlY3RlZFRoZW1lUHJlc2V0Q29sb3JzXCI6e1wiJGlkXCI6XCIzMzRcIixcIlRleHRMaWdodFwiOntcIiRpZFwiOlwiMzM1XCIsXCJBXCI6MjU1LFwiUlwiOjI1NSxcIkdcIjoyNTUsXCJCXCI6MjU1fSxcIlRleHREYXJrXCI6e1wiJGlkXCI6XCIzMzZcIixcIkFcIjoyNTUsXCJSXCI6MCxcIkdcIjowLFwiQlwiOjB9LFwiQWNjZW50MVwiOntcIiRpZFwiOlwiMzM3XCIsXCJBXCI6MjU1LFwiUlwiOjI1NSxcIkdcIjoyNTUsXCJCXCI6MjU1fSxcIkFjY2VudDJcIjp7XCIkaWRcIjpcIjMzOFwiLFwiQVwiOjI1NSxcIlJcIjo2OCxcIkdcIjo4NCxcIkJcIjoxMDZ9LFwiQWNjZW50M1wiOntcIiRpZFwiOlwiMzM5XCIsXCJBXCI6MjU1LFwiUlwiOjkxLFwiR1wiOjE1NSxcIkJcIjoyMTN9LFwiQWNjZW50NFwiOntcIiRpZFwiOlwiMzQwXCIsXCJBXCI6MjU1LFwiUlwiOjIzMyxcIkdcIjoxMTMsXCJCXCI6NTB9LFwiQWNjZW50NVwiOntcIiRpZFwiOlwiMzQxXCIsXCJBXCI6MjU1LFwiUlwiOjI1LFwiR1wiOjEwNyxcIkJcIjozNn0sXCJBY2NlbnQ2XCI6e1wiJGlkXCI6XCIzNDJcIixcIkFcIjoyNTUsXCJSXCI6MTUsXCJHXCI6MTU4LFwiQlwiOjIxM30sXCJBY2NlbnQ3XCI6e1wiJGlkXCI6XCIzNDNcIixcIkFcIjoyNTUsXCJSXCI6MTYwLFwiR1wiOjQzLFwiQlwiOjE0N30sXCJBY2NlbnQ4XCI6e1wiJGlkXCI6XCIzNDRcIixcIkFcIjoyNTUsXCJSXCI6NzgsXCJHXCI6MTY3LFwiQlwiOjQ2fX0sXCJfY3VzdG9tUHJlc2V0Q29sb3JzXCI6e1wiJGlkXCI6XCIzNDVcIn19fSJ9LCJTZXR0aW5ncyI6eyIkaWQiOiI4NjIiLCJJbXBhT3B0aW9ucyI6eyIkaWQiOiI4NjMiLCJMZWZ0VG9SaWdodCI6ZmFsc2UsIlBheWxvYWRPcHRpb25zIjoyfSwiVXNlQ29tcHJlc3Npb24iOmZhbHNlLCJDb21wcmVzaW9uUGVyY2VudGFnZSI6NTAuMCwiSW5hY3RpdmVJbnRlcnZhbFdpZHRoVGhyZXNob2xkIjozMC4wLCJJbmFjdGl2ZUludGVydmFsV2lkdGgiOjEuMCwiU3BsaXRUYXNrcyI6ZmFsc2UsIlVzZUNsdXN0ZXIiOmZhbHNlLCJFcHNpbG9uIjowLjAsIk1pblBvaW50c1RvRm9ybUFDbHVzdGVyIjoyLCJHZW5lcmF0ZUludmlzaWJsZVNoYXBlcyI6ZmFsc2UsIlNtYXJ0VGltZWxpbmVUYXNrUGVyY2VudGFnZUZpdCI6ZmFsc2V9LCJJc05ldyI6ZmFsc2UsIkltcG9ydFR5cGUiOjAsIkZpbGVQYXRoIjpudWxsLCJUaW1lQ29uZmlndXJhdGlvbiI6eyIkaWQiOiI4NjQiLCJVc2VUaW1lIjpmYWxzZSwiV29ya0RheVN0YXJ0IjoiMDA6MDA6MDAiLCJXb3JrRGF5RW5kIjoiMjM6NTk6MDAifSwiTGFzdFVzZWRUZW1wbGF0ZUlkIjoiNzM1NWI2MzMtYWM2Ni00NTI4LThiNGQtMjk5ZmFlZGM5ZWU5IiwiTGFzdFVzZWRUaGVtZURldGFpbHMiOnsiJGlkIjoiODY1IiwiSWQiOiI4ZTM1ZTNjMy1lNmU5LTRlNzctYTExOC1kNWRhMmFiZDRjYjkiLCJUaXRsZSI6IlVudGl0bGVkIHRoZW1lIiwiQ2F0ZWdvcnkiOjJ9LCJGaXJzdFdlZWtPZlllYXIiOjAsIlBsYWNlTWlsZXN0b25lQXRUaGVCZWdpbm5pbmdPZlRoZURheSI6ZmFsc2UsIkRlcGVuZGVuY3lTY2hlZHVsaW5nU2V0dGluZ3MiOnsiJGlkIjoiODY2IiwiRGVwZW5kZW5jaWVzU2NoZWR1bGluZ01vZGVTZXR0aW5nIjoiRmxleGlibGUiLCJEZXBlbmRlbmNpZXNQcmV2aW91c1NjaGVkdWxpbmdNb2RlIjoiRmxleGlibGUiLCJPbkJyZWFraW5nRmxleGlibGVTY2hlZHVsaW5nTW9kZVNldHRpbmciOiJBc2tFdmVyeXRpbWUiLCJPbkJyZWFraW5nU3RyaWN0U2NoZWR1bGluZ01vZGVTZXR0aW5nIjoiQXNrRXZlcnl0aW1lIn0sIkRlcGVuZGVuY3lNb2R1bGVFbmFibGVkIjp0cnVlLCJQbGFubmVkTW9kdWxlRW5hYmxlZCI6ZmFsc2UsIk9sZEZpeGVkSW50ZXJ2YWxzUmVuZGVyaW5nU3RyYXRlZ3lVc2VkQmVmb3JlIjpmYWxzZSwiRGVwZW5kZW5jaWVzIjp7Il9kZXBlbmRlbmNpZXMiOltdfX0="/>
+  <p:tag name="__PART_0" val="eyIkaWQiOiIxIiwiX3N3aW1sYW5lc1YyIjpbXSwiSGFzQmFzZWxpbmVzIjpmYWxzZSwiQ3VsdHVyZUluZm9OYW1lIjoiZXMtUEEiLCJTdHlsZU5hbWUiOm51bGwsIlZlcnNpb24iOnsiJGlkIjoiMiIsIlZlcnNpb24iOiI1LjQuMCIsIk9yaWdpbmFsQXNzZW1ibHlWZXJzaW9uIjoiMy42Mi4wMC4wMCIsIkVkaXRpb24iOiJCYXNpYyIsIkxhc3RTYXZlZEVkaXRpb24iOjAsIklzUGx1c0VkaXRpb24iOmZhbHNlLCJJc1Byb0VkaXRpb24iOmZhbHNlfSwiRWZmZWN0IjoxLCJTdHlsZSI6eyIkaWQiOiIzIiwiRGVmYXVsdERlcGVuZGVuY3lTdHlsZSI6eyIkaWQiOiI0IiwiTGluZVN0eWxlIjp7IiRpZCI6IjUiLCJMaW5lQ29sb3IiOnsiJGlkIjoiNiIsIiR0eXBlIjoiTkxSRS5Db21tb24uRG9tLlNvbGlkQ29sb3JCcnVzaCwgTkxSRS5Db21tb24iLCJDb2xvciI6eyIkaWQiOiI3IiwiQSI6MjU1LCJSIjowLCJHIjowLCJCIjowfX0sIkxpbmVXZWlnaHQiOjEuMCwiTGluZVR5cGUiOjAsIlBhcmVudFN0eWxlIjpudWxsfSwiRW5kQXJyb3doZWFkTGluZVN0eWxlIjp7IiRpZCI6IjgiLCJLaW5kIjoxLCJXaWR0aCI6MSwiTGVuZ3RoIjowLCJQYXJlbnRTdHlsZSI6bnVsbH0sIkJyaW5nVG9Gcm9udCI6dHJ1ZSwiRWxib3dSYWRpdXMiOjAuMCwiTWFyZ2luIjp7IiRpZCI6IjkiLCJUb3AiOjAuMCwiTGVmdCI6MC4wLCJSaWdodCI6MC4wLCJCb3R0b20iOjAuMH0sIlBhZGRpbmciOnsiJGlkIjoiMTAiLCJUb3AiOjAuMCwiTGVmdCI6MC4wLCJSaWdodCI6MC4wLCJCb3R0b20iOjAuMH0sIkJhY2tncm91bmQiOm51bGwsIklzVmlzaWJsZSI6dHJ1ZSwiV2lkdGgiOjAuMCwiSGVpZ2h0IjowLjAsIkJvcmRlclN0eWxlIjpudWxsLCJQYXJlbnRTdHlsZSI6bnVsbH0sIkNyaXRpY2FsUGF0aFN0eWxlIjp7IiRpZCI6IjExIiwiQ3JpdGljYWxQYXRoU3R5bGVPcHRpb25zIjoxNCwiTGluZVN0eWxlIjp7IiRpZCI6IjEyIiwiTGluZUNvbG9yIjp7IiRpZCI6IjEzIiwiJHR5cGUiOiJOTFJFLkNvbW1vbi5Eb20uU29saWRDb2xvckJydXNoLCBOTFJFLkNvbW1vbiIsIkNvbG9yIjp7IiRpZCI6IjE0IiwiQSI6MjU1LCJSIjoyMjIsIkciOjUwLCJCIjo1MH19LCJMaW5lV2VpZ2h0IjoxLjAsIkxpbmVUeXBlIjowLCJQYXJlbnRTdHlsZSI6bnVsbH0sIlRpdGxlRm9yZWdyb3VuZCI6eyIkaWQiOiIxNSIsIkNvbG9yIjp7IiRpZCI6IjE2IiwiQSI6MjU1LCJSIjoxNzYsIkciOjE5LCJCIjoyNX19LCJTaGFwZXNCYWNrZ3JvdW5kIjp7IiRpZCI6IjE3IiwiQ29sb3IiOnsiJGlkIjoiMTgiLCJBIjoyNTUsIlIiOjI1MywiRyI6MjAzLCJCIjoyMDh9fSwiU2hhcGVzQm9yZGVyU3R5bGUiOnsiJGlkIjoiMTkiLCJMaW5lQ29sb3IiOnsiJGlkIjoiMjAiLCIkdHlwZSI6Ik5MUkUuQ29tbW9uLkRvbS5Tb2xpZENvbG9yQnJ1c2gsIE5MUkUuQ29tbW9uIiwiQ29sb3IiOnsiJGlkIjoiMjEiLCJBIjoyNTUsIlIiOjIyMiwiRyI6NTAsIkIiOjUwfX0sIkxpbmVXZWlnaHQiOjEuNSwiTGluZVR5cGUiOjAsIlBhcmVudFN0eWxlIjpudWxsfSwiTWFyZ2luIjp7IiRpZCI6IjIyIiwiVG9wIjowLjAsIkxlZnQiOjAuMCwiUmlnaHQiOjAuMCwiQm90dG9tIjowLjB9LCJQYWRkaW5nIjp7IiRpZCI6IjIzIiwiVG9wIjowLjAsIkxlZnQiOjAuMCwiUmlnaHQiOjAuMCwiQm90dG9tIjowLjB9LCJCYWNrZ3JvdW5kIjpudWxsLCJJc1Zpc2libGUiOmZhbHNlLCJXaWR0aCI6MC4wLCJIZWlnaHQiOjAuMCwiQm9yZGVyU3R5bGUiOm51bGwsIlBhcmVudFN0eWxlIjpudWxsfSwiUGFuZWxzU3BhY2luZ0RlZmluaXRpb24iOnsiJGlkIjoiMjQiLCJTcGFjaW5nQWJvdmVUaW1lYmFuZCI6MTYsIlNwYWNpbmdCZWxvd1RpbWViYW5kIjoxNiwiU3BhY2luZ0Fib3ZlQmV0d2VlblN3aW1sYW5lc0FuZFRhc2tzIjoxNiwiU3BhY2luZ0JlbG93QmV0d2VlblN3aW1sYW5lc0FuZFRhc2tzIjoxNn0sIlRpbWViYW5kU3R5bGUiOnsiJGlkIjoiMjUiLCJTY2FsZU1hcmtpbmciOjAsIlNoYXBlIjowLCJTaGFwZVN0eWxlIjp7IiRpZCI6IjI2IiwiTWFyZ2luIjp7IiRpZCI6IjI3IiwiVG9wIjowLjAsIkxlZnQiOjEyLjAsIlJpZ2h0IjoxMi4wLCJCb3R0b20iOjAuMH0sIlBhZGRpbmciOnsiJGlkIjoiMjgiLCJUb3AiOjAuMCwiTGVmdCI6MC4wLCJSaWdodCI6MC4wLCJCb3R0b20iOjAuMH0sIkJhY2tncm91bmQiOnsiJGlkIjoiMjkiLCJDb2xvciI6eyIkaWQiOiIzMCIsIkEiOjI1NSwiUiI6NjgsIkciOjg0LCJCIjoxMDZ9fSwiSXNWaXNpYmxlIjp0cnVlLCJXaWR0aCI6ODU4LjAsIkhlaWdodCI6MzAuMCwiQm9yZGVyU3R5bGUiOnsiJGlkIjoiMzEiLCJMaW5lQ29sb3IiOnsiJGlkIjoiMzIiLCIkdHlwZSI6Ik5MUkUuQ29tbW9uLkRvbS5Tb2xpZENvbG9yQnJ1c2gsIE5MUkUuQ29tbW9uIiwiQ29sb3IiOnsiJGlkIjoiMzMiLCJBIjoyNTUsIlIiOjI1NSwiRyI6MCwiQiI6MH19LCJMaW5lV2VpZ2h0IjowLjAsIkxpbmVUeXBlIjowLCJQYXJlbnRTdHlsZSI6bnVsbH0sIlBhcmVudFN0eWxlIjpudWxsfSwiTWlkZGxlVGllclNoYXBlU3R5bGUiOnsiJGlkIjoiMzQiLCJNYXJnaW4iOnsiJHJlZiI6IjI3In0sIlBhZGRpbmciOnsiJHJlZiI6IjI4In0sIkJhY2tncm91bmQiOnsiJHJlZiI6IjI5In0sIklzVmlzaWJsZSI6dHJ1ZSwiV2lkdGgiOjg1OC4wLCJIZWlnaHQiOjMwLjAsIkJvcmRlclN0eWxlIjp7IiRpZCI6IjM1IiwiTGluZUNvbG9yIjpudWxsLCJMaW5lV2VpZ2h0IjowLjAsIkxpbmVUeXBlIjowLCJQYXJlbnRTdHlsZSI6bnVsbH0sIlBhcmVudFN0eWxlIjpudWxsfSwiQm90dG9tVGllclNoYXBlU3R5bGUiOnsiJGlkIjoiMzYiLCJNYXJnaW4iOnsiJHJlZiI6IjI3In0sIlBhZGRpbmciOnsiJHJlZiI6IjI4In0sIkJhY2tncm91bmQiOnsiJHJlZiI6IjI5In0sIklzVmlzaWJsZSI6dHJ1ZSwiV2lkdGgiOjg1OC4wLCJIZWlnaHQiOjMwLjAsIkJvcmRlclN0eWxlIjp7IiRpZCI6IjM3IiwiTGluZUNvbG9yIjpudWxsLCJMaW5lV2VpZ2h0IjowLjAsIkxpbmVUeXBlIjowLCJQYXJlbnRTdHlsZSI6bnVsbH0sIlBhcmVudFN0eWxlIjpudWxsfSwiUmlnaHRFbmRDYXBzU3R5bGUiOnsiJGlkIjoiMzgiLCJGb250U2V0dGluZ3MiOnsiJGlkIjoiMzkiLCJGb250U2l6ZSI6MTgsIkZvbnROYW1lIjoiQ2FsaWJyaSIsIklzQm9sZCI6dHJ1ZSwiSXNJdGFsaWMiOmZhbHNlLCJJc1VuZGVybGluZWQiOmZhbHNlLCJQYXJlbnRTdHlsZSI6bnVsbH0sIkF1dG9TaXplIjowLCJGb3JlZ3JvdW5kIjp7IiRpZCI6IjQwIiwiQ29sb3IiOnsiJGlkIjoiNDEiLCJBIjoyNTUsIlIiOjIzNywiRyI6MTI1LCJCIjo0OX19LCJNYXhXaWR0aCI6IkluZmluaXR5IiwiTWF4SGVpZ2h0IjoiSW5maW5pdHkiLCJTbWFydEZvcmVncm91bmRJc0FjdGl2ZSI6ZmFsc2UsIkhvcml6b250YWxBbGlnbm1lbnQiOjAsIlZlcnRpY2FsQWxpZ25tZW50IjowLCJTbWFydEZvcmVncm91bmQiOm51bGwsIkJhY2tncm91bmRGaWxsVHlwZSI6MCwiTWFyZ2luIjp7IiRpZCI6IjQyIiwiVG9wIjowLjAsIkxlZnQiOjAuMCwiUmlnaHQiOjI1LjAsIkJvdHRvbSI6MC4wfSwiUGFkZGluZyI6eyIkaWQiOiI0MyIsIlRvcCI6MC4wLCJMZWZ0IjowLjAsIlJpZ2h0IjowLjAsIkJvdHRvbSI6MC4wfSwiQmFja2dyb3VuZCI6eyIkaWQiOiI0NCIsIkNvbG9yIjp7IiRpZCI6IjQ1IiwiQSI6ODksIlIiOjAsIkciOjAsIkIiOjB9fSwiSXNWaXNpYmxlIjp0cnVlLCJXaWR0aCI6MC4wLCJIZWlnaHQiOjAuMCwiQm9yZGVyU3R5bGUiOm51bGwsIlBhcmVudFN0eWxlIjpudWxsfSwiTGVmdEVuZENhcHNTdHlsZSI6eyIkaWQiOiI0NiIsIkZvbnRTZXR0aW5ncyI6eyIkaWQiOiI0NyIsIkZvbnRTaXplIjoxOCwiRm9udE5hbWUiOiJDYWxpYnJpIiwiSXNCb2xkIjp0cnVlLCJJc0l0YWxpYyI6ZmFsc2UsIklzVW5kZXJsaW5lZCI6ZmFsc2UsIlBhcmVudFN0eWxlIjpudWxsfSwiQXV0b1NpemUiOjAsIkZvcmVncm91bmQiOnsiJGlkIjoiNDgiLCJDb2xvciI6eyIkaWQiOiI0OSIsIkEiOjI1NSwiUiI6MjM3LCJHIjoxMjUsIkIiOjQ5fX0sIk1heFdpZHRoIjoiSW5maW5pdHkiLCJNYXhIZWlnaHQiOiJJbmZpbml0eSIsIlNtYXJ0Rm9yZWdyb3VuZElzQWN0aXZlIjpmYWxzZSwiSG9yaXpvbnRhbEFsaWdubWVudCI6MCwiVmVydGljYWxBbGlnbm1lbnQiOjAsIlNtYXJ0Rm9yZWdyb3VuZCI6bnVsbCwiQmFja2dyb3VuZEZpbGxUeXBlIjowLCJNYXJnaW4iOnsiJGlkIjoiNTAiLCJUb3AiOjAuMCwiTGVmdCI6MjUuMCwiUmlnaHQiOjAuMCwiQm90dG9tIjowLjB9LCJQYWRkaW5nIjp7IiRpZCI6IjUxIiwiVG9wIjowLjAsIkxlZnQiOjAuMCwiUmlnaHQiOjAuMCwiQm90dG9tIjowLjB9LCJCYWNrZ3JvdW5kIjp7IiRpZCI6IjUyIiwiQ29sb3IiOnsiJHJlZiI6IjQ1In19LCJJc1Zpc2libGUiOnRydWUsIldpZHRoIjowLjAsIkhlaWdodCI6MC4wLCJCb3JkZXJTdHlsZSI6bnVsbCwiUGFyZW50U3R5bGUiOm51bGx9LCJUb2RheVRleHRTdHlsZSI6eyIkaWQiOiI1MyIsIkZvbnRTZXR0aW5ncyI6eyIkaWQiOiI1NCIsIkZvbnRTaXplIjoxMiwiRm9udE5hbWUiOiJDYWxpYnJpIiwiSXNCb2xkIjpmYWxzZSwiSXNJdGFsaWMiOmZhbHNlLCJJc1VuZGVybGluZWQiOmZhbHNlLCJQYXJlbnRTdHlsZSI6bnVsbH0sIkF1dG9TaXplIjowLCJGb3JlZ3JvdW5kIjp7IiRpZCI6IjU1IiwiQ29sb3IiOnsiJGlkIjoiNTYiLCJBIjoyNTUsIlIiOjAsIkciOjAsIkIiOjB9fSwiTWF4V2lkdGgiOjIwMC4wLCJNYXhIZWlnaHQiOiJJbmZpbml0eSIsIlNtYXJ0Rm9yZWdyb3VuZElzQWN0aXZlIjpmYWxzZSwiSG9yaXpvbnRhbEFsaWdubWVudCI6MCwiVmVydGljYWxBbGlnbm1lbnQiOjAsIlNtYXJ0Rm9yZWdyb3VuZCI6bnVsbCwiQmFja2dyb3VuZEZpbGxUeXBlIjowLCJNYXJnaW4iOnsiJGlkIjoiNTciLCJUb3AiOjAuMCwiTGVmdCI6MC4wLCJSaWdodCI6MC4wLCJCb3R0b20iOjAuMH0sIlBhZGRpbmciOnsiJGlkIjoiNTgiLCJUb3AiOjAuMCwiTGVmdCI6MC4wLCJSaWdodCI6MC4wLCJCb3R0b20iOjAuMH0sIkJhY2tncm91bmQiOnsiJGlkIjoiNTkiLCJDb2xvciI6eyIkcmVmIjoiNDUifX0sIklzVmlzaWJsZSI6dHJ1ZSwiV2lkdGgiOjAuMCwiSGVpZ2h0IjowLjAsIkJvcmRlclN0eWxlIjpudWxsLCJQYXJlbnRTdHlsZSI6bnVsbH0sIlRvZGF5TWFya2VyU3R5bGUiOnsiJGlkIjoiNjAiLCJNYXJnaW4iOnsiJGlkIjoiNjEiLCJUb3AiOjAuMCwiTGVmdCI6MC4wLCJSaWdodCI6MC4wLCJCb3R0b20iOjAuMH0sIlBhZGRpbmciOnsiJGlkIjoiNjIiLCJUb3AiOjAuMCwiTGVmdCI6MC4wLCJSaWdodCI6MC4wLCJCb3R0b20iOjAuMH0sIkJhY2tncm91bmQiOnsiJGlkIjoiNjMiLCJDb2xvciI6eyIkaWQiOiI2NCIsIkEiOjI1NSwiUiI6MjU1LCJHIjowLCJCIjowfX0sIklzVmlzaWJsZSI6dHJ1ZSwiV2lkdGgiOjAuMCwiSGVpZ2h0IjowLjAsIkJvcmRlclN0eWxlIjpudWxsLCJQYXJlbnRTdHlsZSI6bnVsbH0sIlNjYWxlU3R5bGUiOnsiJGlkIjoiNjUiLCJTaGFwZSI6MCwiU2hvd1NlZ21lbnRTZXBhcmF0b3JzIjp0cnVlLCJTZWdtZW50U2VwYXJhdG9yT3BhY2l0eSI6MzAsIkhhc0JlZW5WaXNpYmxlQmVmb3JlIjp0cnVlLCJGb250U2V0dGluZ3MiOnsiJGlkIjoiNjYiLCJGb250U2l6ZSI6MTIsIkZvbnROYW1lIjoiQ2FsaWJyaSIsIklzQm9sZCI6ZmFsc2UsIklzSXRhbGljIjpmYWxzZSwiSXNVbmRlcmxpbmVkIjpmYWxzZSwiUGFyZW50U3R5bGUiOm51bGx9LCJBdXRvU2l6ZSI6MCwiRm9yZWdyb3VuZCI6eyIkaWQiOiI2NyIsIkNvbG9yIjp7IiRpZCI6IjY4IiwiQSI6MjU1LCJSIjoyNTUsIkciOjI1NSwiQiI6MjU1fX0sIk1heFdpZHRoIjoyMDAuMCwiTWF4SGVpZ2h0IjoiSW5maW5pdHkiLCJTbWFydEZvcmVncm91bmRJc0FjdGl2ZSI6ZmFsc2UsIkhvcml6b250YWxBbGlnbm1lbnQiOjAsIlZlcnRpY2FsQWxpZ25tZW50IjoxLCJTbWFydEZvcmVncm91bmQiOm51bGwsIkJhY2tncm91bmRGaWxsVHlwZSI6MCwiTWFyZ2luIjp7IiRpZCI6IjY5IiwiVG9wIjowLjAsIkxlZnQiOjQuMCwiUmlnaHQiOjQuMCwiQm90dG9tIjowLjB9LCJQYWRkaW5nIjp7IiRpZCI6IjcwIiwiVG9wIjowLjAsIkxlZnQiOjAuMCwiUmlnaHQiOjAuMCwiQm90dG9tIjowLjB9LCJCYWNrZ3JvdW5kIjp7IiRpZCI6IjcxIiwiQ29sb3IiOnsiJHJlZiI6IjQ1In19LCJJc1Zpc2libGUiOnRydWUsIldpZHRoIjowLjAsIkhlaWdodCI6MC4wLCJCb3JkZXJTdHlsZSI6bnVsbCwiUGFyZW50U3R5bGUiOm51bGx9LCJTaW5nbGVTY2FsZVNoYXBlU3R5bGUiOnsiJGlkIjoiNzIiLCJTaGFwZSI6MCwiSGVpZ2h0IjozMC4wfSwiTWlkZGxlVGllclNjYWxlU3R5bGUiOnsiJGlkIjoiNzMiLCJTaGFwZSI6MCwiU2hvd1NlZ21lbnRTZXBhcmF0b3JzIjp0cnVlLCJTZWdtZW50U2VwYXJhdG9yT3BhY2l0eSI6MzAsIkhhc0JlZW5WaXNpYmxlQmVmb3JlIjpmYWxzZSwiRm9udFNldHRpbmdzIjp7IiRpZCI6Ijc0IiwiRm9udFNpemUiOjEyLCJGb250TmFtZSI6IkNhbGlicmkiLCJJc0JvbGQiOmZhbHNlLCJJc0l0YWxpYyI6ZmFsc2UsIklzVW5kZXJsaW5lZCI6ZmFsc2UsIlBhcmVudFN0eWxlIjpudWxsfSwiQXV0b1NpemUiOjAsIkZvcmVncm91bmQiOnsiJHJlZiI6IjY3In0sIk1heFdpZHRoIjoyMDAuMCwiTWF4SGVpZ2h0IjoiSW5maW5pdHkiLCJTbWFydEZvcmVncm91bmRJc0FjdGl2ZSI6ZmFsc2UsIkhvcml6b250YWxBbGlnbm1lbnQiOjAsIlZlcnRpY2FsQWxpZ25tZW50IjoxLCJTbWFydEZvcmVncm91bmQiOm51bGwsIkJhY2tncm91bmRGaWxsVHlwZSI6MCwiTWFyZ2luIjp7IiRyZWYiOiI2OSJ9LCJQYWRkaW5nIjp7IiRyZWYiOiI3MCJ9LCJCYWNrZ3JvdW5kIjp7IiRyZWYiOiI3MSJ9LCJJc1Zpc2libGUiOmZhbHNlLCJXaWR0aCI6MC4wLCJIZWlnaHQiOjAuMCwiQm9yZGVyU3R5bGUiOm51bGwsIlBhcmVudFN0eWxlIjpudWxsfSwiQm90dG9tVGllclNjYWxlU3R5bGUiOnsiJGlkIjoiNzUiLCJTaGFwZSI6MCwiU2hvd1NlZ21lbnRTZXBhcmF0b3JzIjp0cnVlLCJTZWdtZW50U2VwYXJhdG9yT3BhY2l0eSI6MzAsIkhhc0JlZW5WaXNpYmxlQmVmb3JlIjpmYWxzZSwiRm9udFNldHRpbmdzIjp7IiRpZCI6Ijc2IiwiRm9udFNpemUiOjEyLCJGb250TmFtZSI6IkNhbGlicmkiLCJJc0JvbGQiOmZhbHNlLCJJc0l0YWxpYyI6ZmFsc2UsIklzVW5kZXJsaW5lZCI6ZmFsc2UsIlBhcmVudFN0eWxlIjpudWxsfSwiQXV0b1NpemUiOjAsIkZvcmVncm91bmQiOnsiJHJlZiI6IjY3In0sIk1heFdpZHRoIjoyMDAuMCwiTWF4SGVpZ2h0IjoiSW5maW5pdHkiLCJTbWFydEZvcmVncm91bmRJc0FjdGl2ZSI6ZmFsc2UsIkhvcml6b250YWxBbGlnbm1lbnQiOjAsIlZlcnRpY2FsQWxpZ25tZW50IjoxLCJTbWFydEZvcmVncm91bmQiOm51bGwsIkJhY2tncm91bmRGaWxsVHlwZSI6MCwiTWFyZ2luIjp7IiRyZWYiOiI2OSJ9LCJQYWRkaW5nIjp7IiRyZWYiOiI3MCJ9LCJCYWNrZ3JvdW5kIjp7IiRyZWYiOiI3MSJ9LCJJc1Zpc2libGUiOmZhbHNlLCJXaWR0aCI6MC4wLCJIZWlnaHQiOjAuMCwiQm9yZGVyU3R5bGUiOm51bGwsIlBhcmVudFN0eWxlIjpudWxsfSwiRWxhcHNlZFRpbWVCYWNrZ3JvdW5kIjp7IiRpZCI6Ijc3IiwiQ29sb3IiOnsiJGlkIjoiNzgiLCJBIjoxOTEsIlIiOjI1NSwiRyI6MCwiQiI6MH19LCJBcHBlbmRZZWFyT25ZZWFyQ2hhbmdlIjp0cnVlLCJFbGFwc2VkVGltZUZvcm1hdCI6MiwiVG9kYXlNYXJrZXJQb3NpdGlvbiI6MywiUXVpY2tQb3NpdGlvbiI6MSwiQWJzb2x1dGVQb3NpdGlvbiI6MjcwLjAsIk1hcmdpbiI6eyIkaWQiOiI3OSIsIlRvcCI6MC4wLCJMZWZ0IjoxMC4wLCJSaWdodCI6MTAuMCwiQm90dG9tIjowLjB9LCJQYWRkaW5nIjp7IiRpZCI6IjgwIiwiVG9wIjowLjAsIkxlZnQiOjAuMCwiUmlnaHQiOjAuMCwiQm90dG9tIjowLjB9LCJCYWNrZ3JvdW5kIjp7IiRpZCI6IjgxIiwiQ29sb3IiOnsiJGlkIjoiODIiLCJBIjoyNTUsIlIiOjMxLCJHIjo3MywiQiI6MTI1fX0sIklzVmlzaWJsZSI6dHJ1ZSwiV2lkdGgiOjAuMCwiSGVpZ2h0IjowLjAsIkJvcmRlclN0eWxlIjpudWxsLCJQYXJlbnRTdHlsZSI6bnVsbH0sIkRlZmF1bHRNaWxlc3RvbmVTdHlsZSI6eyIkaWQiOiI4MyIsIlNoYXBlIjoyLCJDb25uZWN0b3JNYXJnaW4iOnsiJGlkIjoiODQiLCJUb3AiOjAuMCwiTGVmdCI6Mi4wLCJSaWdodCI6Mi4wLCJCb3R0b20iOjAuMH0sIkNvbm5lY3RvclN0eWxlIjp7IiRpZCI6Ijg1IiwiTGluZUNvbG9yIjp7IiRpZCI6Ijg2IiwiJHR5cGUiOiJOTFJFLkNvbW1vbi5Eb20uU29saWRDb2xvckJydXNoLCBOTFJFLkNvbW1vbiIsIkNvbG9yIjp7IiRpZCI6Ijg3IiwiQSI6MTI3LCJSIjozMSwiRyI6NzMsIkIiOjEyNn19LCJMaW5lV2VpZ2h0IjoxLjAsIkxpbmVUeXBlIjowLCJQYXJlbnRTdHlsZSI6bnVsbH0sIklzQmVsb3dUaW1lYmFuZCI6ZmFsc2UsIlBvc2l0aW9uT25UYXNrIjowLCJIaWRlRGF0ZSI6ZmFsc2UsIlNoYXBlU2l6ZSI6MSwiU3BhY2luZyI6MS4wLCJQYWRkaW5nIjp7IiRpZCI6Ijg4IiwiVG9wIjo3LjAsIkxlZnQiOjMuMCwiUmlnaHQiOjAuMCwiQm90dG9tIjoyLjB9LCJTaGFwZVN0eWxlIjp7IiRpZCI6Ijg5IiwiTWFyZ2luIjp7IiRpZCI6IjkwIiwiVG9wIjowLjAsIkxlZnQiOjAuMCwiUmlnaHQiOjAuMCwiQm90dG9tIjowLjB9LCJQYWRkaW5nIjp7IiRpZCI6IjkxIiwiVG9wIjowLjAsIkxlZnQiOjAuMCwiUmlnaHQiOjAuMCwiQm90dG9tIjowLjB9LCJCYWNrZ3JvdW5kIjp7IiRpZCI6IjkyIiwiQ29sb3IiOnsiJGlkIjoiOTMiLCJBIjoyNTUsIlIiOjIzNCwiRyI6MjIsIkIiOjMwfX0sIklzVmlzaWJsZSI6dHJ1ZSwiV2lkdGgiOjE4LjAsIkhlaWdodCI6MjAuMCwiQm9yZGVyU3R5bGUiOnsiJGlkIjoiOTQiLCJMaW5lQ29sb3IiOnsiJGlkIjoiOTUiLCIkdHlwZSI6Ik5MUkUuQ29tbW9uLkRvbS5Tb2xpZENvbG9yQnJ1c2gsIE5MUkUuQ29tbW9uIiwiQ29sb3IiOnsiJGlkIjoiOTYiLCJBIjoyNTUsIlIiOjIzNCwiRyI6MjIsIkIiOjMwfX0sIkxpbmVXZWlnaHQiOjAuMCwiTGluZVR5cGUiOjAsIlBhcmVudFN0eWxlIjpudWxsfSwiUGFyZW50U3R5bGUiOm51bGx9LCJUaXRsZVN0eWxlIjp7IiRpZCI6Ijk3IiwiRm9udFNldHRpbmdzIjp7IiRpZCI6Ijk4IiwiRm9udFNpemUiOjExLCJGb250TmFtZSI6IkNhbGlicmkiLCJJc0JvbGQiOnRydWUsIklzSXRhbGljIjpmYWxzZSwiSXNVbmRlcmxpbmVkIjpmYWxzZSwiUGFyZW50U3R5bGUiOm51bGx9LCJBdXRvU2l6ZSI6MCwiRm9yZWdyb3VuZCI6eyIkaWQiOiI5OSIsIkNvbG9yIjp7IiRpZCI6IjEwMCIsIkEiOjI1NSwiUiI6MCwiRyI6MCwiQiI6MH19LCJNYXhXaWR0aCI6MjAwLjAsIk1heEhlaWdodCI6IkluZmluaXR5IiwiU21hcnRGb3JlZ3JvdW5kSXNBY3RpdmUiOmZhbHNlLCJIb3Jpem9udGFsQWxpZ25tZW50IjowLCJWZXJ0aWNhbEFsaWdubWVudCI6MCwiU21hcnRGb3JlZ3JvdW5kIjpudWxsLCJCYWNrZ3JvdW5kRmlsbFR5cGUiOjAsIk1hcmdpbiI6eyIkaWQiOiIxMDEiLCJUb3AiOjAuMCwiTGVmdCI6MC4wLCJSaWdodCI6MC4wLCJCb3R0b20iOjAuMH0sIlBhZGRpbmciOnsiJGlkIjoiMTAyIiwiVG9wIjowLjAsIkxlZnQiOjAuMCwiUmlnaHQiOjAuMCwiQm90dG9tIjowLjB9LCJCYWNrZ3JvdW5kIjp7IiRpZCI6IjEwMyIsIkNvbG9yIjp7IiRpZCI6IjEwNCIsIkEiOjg5LCJSIjowLCJHIjowLCJCIjowfX0sIklzVmlzaWJsZSI6dHJ1ZSwiV2lkdGgiOjAuMCwiSGVpZ2h0IjowLjAsIkJvcmRlclN0eWxlIjpudWxsLCJQYXJlbnRTdHlsZSI6bnVsbH0sIkRhdGVTdHlsZSI6eyIkaWQiOiIxMDUiLCJGb250U2V0dGluZ3MiOnsiJGlkIjoiMTA2IiwiRm9udFNpemUiOjEwLCJGb250TmFtZSI6IkNhbGlicmkiLCJJc0JvbGQiOmZhbHNlLCJJc0l0YWxpYyI6ZmFsc2UsIklzVW5kZXJsaW5lZCI6ZmFsc2UsIlBhcmVudFN0eWxlIjpudWxsfSwiQXV0b1NpemUiOjAsIkZvcmVncm91bmQiOnsiJGlkIjoiMTA3IiwiQ29sb3IiOnsiJGlkIjoiMTA4IiwiQSI6MjU1LCJSIjo2OCwiRyI6ODQsIkIiOjEwNn19LCJNYXhXaWR0aCI6MjAwLjAsIk1heEhlaWdodCI6IkluZmluaXR5IiwiU21hcnRGb3JlZ3JvdW5kSXNBY3RpdmUiOmZhbHNlLCJIb3Jpem9udGFsQWxpZ25tZW50IjowLCJWZXJ0aWNhbEFsaWdubWVudCI6MCwiU21hcnRGb3JlZ3JvdW5kIjpudWxsLCJCYWNrZ3JvdW5kRmlsbFR5cGUiOjAsIk1hcmdpbiI6eyIkaWQiOiIxMDkiLCJUb3AiOjAuMCwiTGVmdCI6MC4wLCJSaWdodCI6MC4wLCJCb3R0b20iOjAuMH0sIlBhZGRpbmciOnsiJGlkIjoiMTEwIiwiVG9wIjowLjAsIkxlZnQiOjAuMCwiUmlnaHQiOjAuMCwiQm90dG9tIjowLjB9LCJCYWNrZ3JvdW5kIjp7IiRpZCI6IjExMSIsIkNvbG9yIjp7IiRyZWYiOiIxMDQifX0sIklzVmlzaWJsZSI6dHJ1ZSwiV2lkdGgiOjAuMCwiSGVpZ2h0IjowLjAsIkJvcmRlclN0eWxlIjpudWxsLCJQYXJlbnRTdHlsZSI6bnVsbH0sIkRhdGVGb3JtYXQiOnsiJGlkIjoiMTEyIiwiRm9ybWF0U3RyaW5nIjoiTS9kL3l5eXkiLCJTZXBhcmF0b3IiOiIvIiwiVXNlSW50ZXJuYXRpb25hbERhdGVGb3JtYXQiOmZhbHNlLCJEYXRlSXNWaXNpYmxlIjp0cnVlLCJUaW1lSXNWaXNpYmxlIjpmYWxzZSwiSG91ckRpZ2l0cyI6MSwiQW1QbURlc2lnbmF0b3IiOjIsIlRyaW0wME1pbnV0ZXMiOmZhbHNlLCJMYXN0S25vd25WaXNpYmlsaXR5U3RhdGUiOnsiJGlkIjoiMTEzIiwiRGF0ZVBhcnRJc1Zpc2libGUiOmZhbHNlLCJUaW1lUGFydElzVmlzaWJsZSI6ZmFsc2V9fSwiV2Vla051bWJlcmluZyI6eyIkaWQiOiIxMTQiLCJGb3JtYXQiOjAsIklzVmlzaWJsZSI6ZmFsc2UsIkxhc3RLbm93blZpc2liaWxpdHlTdGF0ZSI6ZmFsc2V9LCJJc1Zpc2libGUiOnRydWUsIlBhcmVudFN0eWxlIjpudWxsfSwiRGVmYXVsdE1vdFN0eWxlIjp7IiRpZCI6IjExNSIsIlNoYXBlIjoyLCJDb25uZWN0b3JNYXJnaW4iOnsiJGlkIjoiMTE2IiwiVG9wIjowLjAsIkxlZnQiOjIuMCwiUmlnaHQiOjIuMCwiQm90dG9tIjowLjB9LCJDb25uZWN0b3JTdHlsZSI6eyIkaWQiOiIxMTciLCJMaW5lQ29sb3IiOnsiJGlkIjoiMTE4IiwiJHR5cGUiOiJOTFJFLkNvbW1vbi5Eb20uU29saWRDb2xvckJydXNoLCBOTFJFLkNvbW1vbiIsIkNvbG9yIjp7IiRpZCI6IjExOSIsIkEiOjEyNywiUiI6MzEsIkciOjczLCJCIjoxMjZ9fSwiTGluZVdlaWdodCI6MS4wLCJMaW5lVHlwZSI6MCwiUGFyZW50U3R5bGUiOm51bGx9LCJJc0JlbG93VGltZWJhbmQiOmZhbHNlLCJQb3NpdGlvbk9uVGFzayI6MSwiSGlkZURhdGUiOmZhbHNlLCJTaGFwZVNpemUiOjEsIlNwYWNpbmciOjEuMCwiUGFkZGluZyI6eyIkaWQiOiIxMjAiLCJUb3AiOjcuMCwiTGVmdCI6My4wLCJSaWdodCI6MC4wLCJCb3R0b20iOjIuMH0sIlNoYXBlU3R5bGUiOnsiJGlkIjoiMTIxIiwiTWFyZ2luIjp7IiRpZCI6IjEyMiIsIlRvcCI6MC4wLCJMZWZ0IjowLjAsIlJpZ2h0IjowLjAsIkJvdHRvbSI6MC4wfSwiUGFkZGluZyI6eyIkaWQiOiIxMjMiLCJUb3AiOjAuMCwiTGVmdCI6MC4wLCJSaWdodCI6MC4wLCJCb3R0b20iOjAuMH0sIkJhY2tncm91bmQiOnsiJGlkIjoiMTI0IiwiQ29sb3IiOnsiJGlkIjoiMTI1IiwiQSI6MjU1LCJSIjoyMzQsIkciOjIyLCJCIjozMH19LCJJc1Zpc2libGUiOnRydWUsIldpZHRoIjoxOC4wLCJIZWlnaHQiOjIwLjAsIkJvcmRlclN0eWxlIjp7IiRpZCI6IjEyNiIsIkxpbmVDb2xvciI6eyIkaWQiOiIxMjciLCIkdHlwZSI6Ik5MUkUuQ29tbW9uLkRvbS5Tb2xpZENvbG9yQnJ1c2gsIE5MUkUuQ29tbW9uIiwiQ29sb3IiOnsiJGlkIjoiMTI4IiwiQSI6MjU1LCJSIjoyMzQsIkciOjIyLCJCIjozMH19LCJMaW5lV2VpZ2h0IjowLjAsIkxpbmVUeXBlIjowLCJQYXJlbnRTdHlsZSI6bnVsbH0sIlBhcmVudFN0eWxlIjpudWxsfSwiVGl0bGVTdHlsZSI6eyIkaWQiOiIxMjkiLCJGb250U2V0dGluZ3MiOnsiJGlkIjoiMTMwIiwiRm9udFNpemUiOjExLCJGb250TmFtZSI6IkNhbGlicmkiLCJJc0JvbGQiOnRydWUsIklzSXRhbGljIjpmYWxzZSwiSXNVbmRlcmxpbmVkIjpmYWxzZSwiUGFyZW50U3R5bGUiOm51bGx9LCJBdXRvU2l6ZSI6MCwiRm9yZWdyb3VuZCI6eyIkaWQiOiIxMzEiLCJDb2xvciI6eyIkaWQiOiIxMzIiLCJBIjoyNTUsIlIiOjAsIkciOjAsIkIiOjB9fSwiTWF4V2lkdGgiOjIwMC4wLCJNYXhIZWlnaHQiOiJJbmZpbml0eSIsIlNtYXJ0Rm9yZWdyb3VuZElzQWN0aXZlIjpmYWxzZSwiSG9yaXpvbnRhbEFsaWdubWVudCI6MCwiVmVydGljYWxBbGlnbm1lbnQiOjAsIlNtYXJ0Rm9yZWdyb3VuZCI6bnVsbCwiQmFja2dyb3VuZEZpbGxUeXBlIjowLCJNYXJnaW4iOnsiJGlkIjoiMTMzIiwiVG9wIjowLjAsIkxlZnQiOjAuMCwiUmlnaHQiOjAuMCwiQm90dG9tIjowLjB9LCJQYWRkaW5nIjp7IiRpZCI6IjEzNCIsIlRvcCI6MC4wLCJMZWZ0IjowLjAsIlJpZ2h0IjowLjAsIkJvdHRvbSI6MC4wfSwiQmFja2dyb3VuZCI6eyIkaWQiOiIxMzUiLCJDb2xvciI6eyIkaWQiOiIxMzYiLCJBIjo4OSwiUiI6MCwiRyI6MCwiQiI6MH19LCJJc1Zpc2libGUiOnRydWUsIldpZHRoIjowLjAsIkhlaWdodCI6MC4wLCJCb3JkZXJTdHlsZSI6bnVsbCwiUGFyZW50U3R5bGUiOm51bGx9LCJEYXRlU3R5bGUiOnsiJGlkIjoiMTM3IiwiRm9udFNldHRpbmdzIjp7IiRpZCI6IjEzOCIsIkZvbnRTaXplIjoxMCwiRm9udE5hbWUiOiJDYWxpYnJpIiwiSXNCb2xkIjpmYWxzZSwiSXNJdGFsaWMiOmZhbHNlLCJJc1VuZGVybGluZWQiOmZhbHNlLCJQYXJlbnRTdHlsZSI6bnVsbH0sIkF1dG9TaXplIjowLCJGb3JlZ3JvdW5kIjp7IiRpZCI6IjEzOSIsIkNvbG9yIjp7IiRpZCI6IjE0MCIsIkEiOjI1NSwiUiI6NjgsIkciOjg0LCJCIjoxMDZ9fSwiTWF4V2lkdGgiOjIwMC4wLCJNYXhIZWlnaHQiOiJJbmZpbml0eSIsIlNtYXJ0Rm9yZWdyb3VuZElzQWN0aXZlIjpmYWxzZSwiSG9yaXpvbnRhbEFsaWdubWVudCI6MCwiVmVydGljYWxBbGlnbm1lbnQiOjAsIlNtYXJ0Rm9yZWdyb3VuZCI6bnVsbCwiQmFja2dyb3VuZEZpbGxUeXBlIjowLCJNYXJnaW4iOnsiJGlkIjoiMTQxIiwiVG9wIjowLjAsIkxlZnQiOjAuMCwiUmlnaHQiOjAuMCwiQm90dG9tIjowLjB9LCJQYWRkaW5nIjp7IiRpZCI6IjE0MiIsIlRvcCI6MC4wLCJMZWZ0IjowLjAsIlJpZ2h0IjowLjAsIkJvdHRvbSI6MC4wfSwiQmFja2dyb3VuZCI6eyIkaWQiOiIxNDMiLCJDb2xvciI6eyIkcmVmIjoiMTM2In19LCJJc1Zpc2libGUiOnRydWUsIldpZHRoIjowLjAsIkhlaWdodCI6MC4wLCJCb3JkZXJTdHlsZSI6bnVsbCwiUGFyZW50U3R5bGUiOm51bGx9LCJEYXRlRm9ybWF0Ijp7IiRpZCI6IjE0NCIsIkZvcm1hdFN0cmluZyI6Ik0vZC95eXl5IiwiU2VwYXJhdG9yIjoiLyIsIlVzZUludGVybmF0aW9uYWxEYXRlRm9ybWF0IjpmYWxzZSwiRGF0ZUlzVmlzaWJsZSI6dHJ1ZSwiVGltZUlzVmlzaWJsZSI6ZmFsc2UsIkhvdXJEaWdpdHMiOjEsIkFtUG1EZXNpZ25hdG9yIjoyLCJUcmltMDBNaW51dGVzIjpmYWxzZSwiTGFzdEtub3duVmlzaWJpbGl0eVN0YXRlIjp7IiRpZCI6IjE0NSIsIkRhdGVQYXJ0SXNWaXNpYmxlIjpmYWxzZSwiVGltZVBhcnRJc1Zpc2libGUiOmZhbHNlfX0sIldlZWtOdW1iZXJpbmciOnsiJGlkIjoiMTQ2IiwiRm9ybWF0IjowLCJJc1Zpc2libGUiOmZhbHNlLCJMYXN0S25vd25WaXNpYmlsaXR5U3RhdGUiOmZhbHNlfSwiSXNWaXNpYmxlIjp0cnVlLCJQYXJlbnRTdHlsZSI6bnVsbH0sIkRlZmF1bHRUYXNrU3R5bGUiOnsiJGlkIjoiMTQ3IiwiU2hhcGUiOjAsIlNoYXBlVGhpY2tuZXNzIjoxLCJEdXJhdGlvbkZvcm1hdCI6MCwiSW5jbHVkZU5vbldvcmtpbmdEYXlzSW5EdXJhdGlvbiI6ZmFsc2UsIlBlcmNlbnRhZ2VDb21wbGV0ZVN0eWxlIjp7IiRpZCI6IjE0OCIsIkZvbnRTZXR0aW5ncyI6eyIkaWQiOiIxNDkiLCJGb250U2l6ZSI6MTAsIkZvbnROYW1lIjoiQ2FsaWJyaSIsIklzQm9sZCI6ZmFsc2UsIklzSXRhbGljIjpmYWxzZSwiSXNVbmRlcmxpbmVkIjpmYWxzZSwiUGFyZW50U3R5bGUiOm51bGx9LCJBdXRvU2l6ZSI6MCwiRm9yZWdyb3VuZCI6eyIkaWQiOiIxNTAiLCJDb2xvciI6eyIkaWQiOiIxNTEiLCJBIjoyNTUsIlIiOjIzNywiRyI6MTI1LCJCIjo0OX19LCJNYXhXaWR0aCI6MjAwLjAsIk1heEhlaWdodCI6IkluZmluaXR5IiwiU21hcnRGb3JlZ3JvdW5kSXNBY3RpdmUiOmZhbHNlLCJIb3Jpem9udGFsQWxpZ25tZW50IjowLCJWZXJ0aWNhbEFsaWdubWVudCI6MCwiU21hcnRGb3JlZ3JvdW5kIjpudWxsLCJCYWNrZ3JvdW5kRmlsbFR5cGUiOjAsIk1hcmdpbiI6eyIkaWQiOiIxNTIiLCJUb3AiOjAuMCwiTGVmdCI6MC4wLCJSaWdodCI6MC4wLCJCb3R0b20iOjAuMH0sIlBhZGRpbmciOnsiJGlkIjoiMTUzIiwiVG9wIjowLjAsIkxlZnQiOjAuMCwiUmlnaHQiOjAuMCwiQm90dG9tIjowLjB9LCJCYWNrZ3JvdW5kIjp7IiRpZCI6IjE1NCIsIkNvbG9yIjp7IiRpZCI6IjE1NSIsIkEiOjg5LCJSIjowLCJHIjowLCJCIjowfX0sIklzVmlzaWJsZSI6dHJ1ZSwiV2lkdGgiOjAuMCwiSGVpZ2h0IjowLjAsIkJvcmRlclN0eWxlIjpudWxsLCJQYXJlbnRTdHlsZSI6bnVsbH0sIkR1cmF0aW9uU3R5bGUiOnsiJGlkIjoiMTU2IiwiRm9udFNldHRpbmdzIjp7IiRpZCI6IjE1NyIsIkZvbnRTaXplIjoxMCwiRm9udE5hbWUiOiJDYWxpYnJpIiwiSXNCb2xkIjpmYWxzZSwiSXNJdGFsaWMiOmZhbHNlLCJJc1VuZGVybGluZWQiOmZhbHNlLCJQYXJlbnRTdHlsZSI6bnVsbH0sIkF1dG9TaXplIjowLCJGb3JlZ3JvdW5kIjp7IiRpZCI6IjE1OCIsIkNvbG9yIjp7IiRpZCI6IjE1OSIsIkEiOjI1NSwiUiI6MjM3LCJHIjoxMjUsIkIiOjQ5fX0sIk1heFdpZHRoIjoyMDAuMCwiTWF4SGVpZ2h0IjoiSW5maW5pdHkiLCJTbWFydEZvcmVncm91bmRJc0FjdGl2ZSI6ZmFsc2UsIkhvcml6b250YWxBbGlnbm1lbnQiOjAsIlZlcnRpY2FsQWxpZ25tZW50IjowLCJTbWFydEZvcmVncm91bmQiOm51bGwsIkJhY2tncm91bmRGaWxsVHlwZSI6MCwiTWFyZ2luIjp7IiRpZCI6IjE2MCIsIlRvcCI6MC4wLCJMZWZ0IjowLjAsIlJpZ2h0IjowLjAsIkJvdHRvbSI6MC4wfSwiUGFkZGluZyI6eyIkaWQiOiIxNjEiLCJUb3AiOjAuMCwiTGVmdCI6MC4wLCJSaWdodCI6MC4wLCJCb3R0b20iOjAuMH0sIkJhY2tncm91bmQiOnsiJGlkIjoiMTYyIiwiQ29sb3IiOnsiJHJlZiI6IjE1NSJ9fSwiSXNWaXNpYmxlIjp0cnVlLCJXaWR0aCI6MC4wLCJIZWlnaHQiOjAuMCwiQm9yZGVyU3R5bGUiOm51bGwsIlBhcmVudFN0eWxlIjpudWxsfSwiSG9yaXpvbnRhbENvbm5lY3RvclN0eWxlIjp7IiRpZCI6IjE2MyIsIkxpbmVDb2xvciI6eyIkaWQiOiIxNjQiLCIkdHlwZSI6Ik5MUkUuQ29tbW9uLkRvbS5Tb2xpZENvbG9yQnJ1c2gsIE5MUkUuQ29tbW9uIiwiQ29sb3IiOnsiJGlkIjoiMTY1IiwiQSI6MjU1LCJSIjoyMDQsIkciOjIwNCwiQiI6MjA0fX0sIkxpbmVXZWlnaHQiOjEuMCwiTGluZVR5cGUiOjAsIlBhcmVudFN0eWxlIjpudWxsfSwiVmVydGljYWxDb25uZWN0b3JTdHlsZSI6eyIkaWQiOiIxNjYiLCJMaW5lQ29sb3IiOnsiJGlkIjoiMTY3IiwiJHR5cGUiOiJOTFJFLkNvbW1vbi5Eb20uU29saWRDb2xvckJydXNoLCBOTFJFLkNvbW1vbiIsIkNvbG9yIjp7IiRpZCI6IjE2OCIsIkEiOjI1NSwiUiI6MjA0LCJHIjoyMDQsIkIiOjIwNH19LCJMaW5lV2VpZ2h0IjowLjAsIkxpbmVUeXBlIjowLCJQYXJlbnRTdHlsZSI6bnVsbH0sIk1hcmdpbiI6bnVsbCwiU3RhcnREYXRlUG9zaXRpb24iOjQsIkVuZERhdGVQb3NpdGlvbiI6NCwiRGF0ZUlzVmlzaWJsZSI6dHJ1ZSwiVGl0bGVQb3NpdGlvbiI6NSwiRHVyYXRpb25Qb3NpdGlvbiI6NiwiUGVyY2VudGFnZUNvbXBsZXRlZFBvc2l0aW9uIjo2LCJTcGFjaW5nIjo1LCJJc0JlbG93VGltZWJhbmQiOnRydWUsIlBlcmNlbnRhZ2VDb21wbGV0ZVNoYXBlT3BhY2l0eSI6MzUsIkJhc2VsaW5lU3R5bGUiOnsiJGlkIjoiMTY5IiwiU2hhcGVTdHlsZSI6eyIkaWQiOiIxNzAiLCJNYXJnaW4iOnsiJGlkIjoiMTcxIiwiVG9wIjowLjAsIkxlZnQiOjAuMCwiUmlnaHQiOjAuMCwiQm90dG9tIjowLjB9LCJQYWRkaW5nIjp7IiRpZCI6IjE3MiIsIlRvcCI6MC4wLCJMZWZ0IjowLjAsIlJpZ2h0IjowLjAsIkJvdHRvbSI6MC4wfSwiQmFja2dyb3VuZCI6eyIkaWQiOiIxNzMiLCJDb2xvciI6eyIkaWQiOiIxNzQiLCJBIjoxNTMsIlIiOjAsIkciOjAsIkIiOjB9fSwiSXNWaXNpYmxlIjp0cnVlLCJXaWR0aCI6MC4wLCJIZWlnaHQiOjAuMCwiQm9yZGVyU3R5bGUiOnsiJGlkIjoiMTc1IiwiTGluZUNvbG9yIjpudWxsLCJMaW5lV2VpZ2h0IjowLjAsIkxpbmVUeXBlIjowLCJQYXJlbnRTdHlsZSI6bnVsbH0sIlBhcmVudFN0eWxlIjpudWxsfSwiTWFyZ2luIjp7IiRpZCI6IjE3NiIsIlRvcCI6MC4wLCJMZWZ0IjowLjAsIlJpZ2h0IjowLjAsIkJvdHRvbSI6MC4wfSwiUGFkZGluZyI6eyIkaWQiOiIxNzciLCJUb3AiOjAuMCwiTGVmdCI6MC4wLCJSaWdodCI6MC4wLCJCb3R0b20iOjAuMH0sIkJhY2tncm91bmQiOm51bGwsIklzVmlzaWJsZSI6dHJ1ZSwiV2lkdGgiOjAuMCwiSGVpZ2h0IjowLjAsIkJvcmRlclN0eWxlIjpudWxsLCJQYXJlbnRTdHlsZSI6bnVsbH0sIlNoYXBlU3R5bGUiOnsiJGlkIjoiMTc4IiwiTWFyZ2luIjp7IiRpZCI6IjE3OSIsIlRvcCI6MC4wLCJMZWZ0Ijo0LjAsIlJpZ2h0Ijo0LjAsIkJvdHRvbSI6MC4wfSwiUGFkZGluZyI6eyIkaWQiOiIxODAiLCJUb3AiOjAuMCwiTGVmdCI6MC4wLCJSaWdodCI6MC4wLCJCb3R0b20iOjAuMH0sIkJhY2tncm91bmQiOnsiJGlkIjoiMTgxIiwiQ29sb3IiOnsiJGlkIjoiMTgyIiwiQSI6MjU1LCJSIjo5MSwiRyI6MTU1LCJCIjoyMTN9fSwiSXNWaXNpYmxlIjp0cnVlLCJXaWR0aCI6MC4wLCJIZWlnaHQiOjE2LjAsIkJvcmRlclN0eWxlIjp7IiRpZCI6IjE4MyIsIkxpbmVDb2xvciI6eyIkaWQiOiIxODQiLCIkdHlwZSI6Ik5MUkUuQ29tbW9uLkRvbS5Tb2xpZENvbG9yQnJ1c2gsIE5MUkUuQ29tbW9uIiwiQ29sb3IiOnsiJGlkIjoiMTg1IiwiQSI6MjU1LCJSIjoyMzQsIkciOjIyLCJCIjozMH19LCJMaW5lV2VpZ2h0IjowLjAsIkxpbmVUeXBlIjowLCJQYXJlbnRTdHlsZSI6bnVsbH0sIlBhcmVudFN0eWxlIjpudWxsfSwiVGl0bGVTdHlsZSI6eyIkaWQiOiIxODYiLCJGb250U2V0dGluZ3MiOnsiJGlkIjoiMTg3IiwiRm9udFNpemUiOjExLCJGb250TmFtZSI6IkNhbGlicmkiLCJJc0JvbGQiOnRydWUsIklzSXRhbGljIjpmYWxzZSwiSXNVbmRlcmxpbmVkIjpmYWxzZSwiUGFyZW50U3R5bGUiOm51bGx9LCJBdXRvU2l6ZSI6MCwiRm9yZWdyb3VuZCI6eyIkaWQiOiIxODgiLCJDb2xvciI6eyIkaWQiOiIxODkiLCJBIjoyNTUsIlIiOjAsIkciOjAsIkIiOjB9fSwiTWF4V2lkdGgiOjIwMC4wLCJNYXhIZWlnaHQiOiJJbmZpbml0eSIsIlNtYXJ0Rm9yZWdyb3VuZElzQWN0aXZlIjpmYWxzZSwiSG9yaXpvbnRhbEFsaWdubWVudCI6MCwiVmVydGljYWxBbGlnbm1lbnQiOjAsIlNtYXJ0Rm9yZWdyb3VuZCI6bnVsbCwiQmFja2dyb3VuZEZpbGxUeXBlIjowLCJNYXJnaW4iOnsiJGlkIjoiMTkwIiwiVG9wIjowLjAsIkxlZnQiOjAuMCwiUmlnaHQiOjAuMCwiQm90dG9tIjowLjB9LCJQYWRkaW5nIjp7IiRpZCI6IjE5MSIsIlRvcCI6MC4wLCJMZWZ0IjowLjAsIlJpZ2h0IjowLjAsIkJvdHRvbSI6MC4wfSwiQmFja2dyb3VuZCI6eyIkaWQiOiIxOTIiLCJDb2xvciI6eyIkcmVmIjoiMTU1In19LCJJc1Zpc2libGUiOnRydWUsIldpZHRoIjowLjAsIkhlaWdodCI6MC4wLCJCb3JkZXJTdHlsZSI6bnVsbCwiUGFyZW50U3R5bGUiOm51bGx9LCJEYXRlU3R5bGUiOnsiJGlkIjoiMTkzIiwiRm9udFNldHRpbmdzIjp7IiRpZCI6IjE5NCIsIkZvbnRTaXplIjoxMCwiRm9udE5hbWUiOiJDYWxpYnJpIiwiSXNCb2xkIjpmYWxzZSwiSXNJdGFsaWMiOmZhbHNlLCJJc1VuZGVybGluZWQiOmZhbHNlLCJQYXJlbnRTdHlsZSI6bnVsbH0sIkF1dG9TaXplIjowLCJGb3JlZ3JvdW5kIjp7IiRpZCI6IjE5NSIsIkNvbG9yIjp7IiRpZCI6IjE5NiIsIkEiOjI1NSwiUiI6NjgsIkciOjg0LCJCIjoxMDZ9fSwiTWF4V2lkdGgiOjIwMC4wLCJNYXhIZWlnaHQiOiJJbmZpbml0eSIsIlNtYXJ0Rm9yZWdyb3VuZElzQWN0aXZlIjpmYWxzZSwiSG9yaXpvbnRhbEFsaWdubWVudCI6MCwiVmVydGljYWxBbGlnbm1lbnQiOjAsIlNtYXJ0Rm9yZWdyb3VuZCI6bnVsbCwiQmFja2dyb3VuZEZpbGxUeXBlIjowLCJNYXJnaW4iOnsiJGlkIjoiMTk3IiwiVG9wIjowLjAsIkxlZnQiOjAuMCwiUmlnaHQiOjAuMCwiQm90dG9tIjowLjB9LCJQYWRkaW5nIjp7IiRpZCI6IjE5OCIsIlRvcCI6MC4wLCJMZWZ0IjowLjAsIlJpZ2h0IjowLjAsIkJvdHRvbSI6MC4wfSwiQmFja2dyb3VuZCI6eyIkaWQiOiIxOTkiLCJDb2xvciI6eyIkcmVmIjoiMTU1In19LCJJc1Zpc2libGUiOnRydWUsIldpZHRoIjowLjAsIkhlaWdodCI6MC4wLCJCb3JkZXJTdHlsZSI6bnVsbCwiUGFyZW50U3R5bGUiOm51bGx9LCJEYXRlRm9ybWF0Ijp7IiRpZCI6IjIwMCIsIkZvcm1hdFN0cmluZyI6Ik0vZC95eXl5IiwiU2VwYXJhdG9yIjoiLyIsIlVzZUludGVybmF0aW9uYWxEYXRlRm9ybWF0IjpmYWxzZSwiRGF0ZUlzVmlzaWJsZSI6dHJ1ZSwiVGltZUlzVmlzaWJsZSI6ZmFsc2UsIkhvdXJEaWdpdHMiOjEsIkFtUG1EZXNpZ25hdG9yIjoyLCJUcmltMDBNaW51dGVzIjpmYWxzZSwiTGFzdEtub3duVmlzaWJpbGl0eVN0YXRlIjp7IiRpZCI6IjIwMSIsIkRhdGVQYXJ0SXNWaXNpYmxlIjpmYWxzZSwiVGltZVBhcnRJc1Zpc2libGUiOmZhbHNlfX0sIldlZWtOdW1iZXJpbmciOnsiJGlkIjoiMjAyIiwiRm9ybWF0IjowLCJJc1Zpc2libGUiOmZhbHNlLCJMYXN0S25vd25WaXNpYmlsaXR5U3RhdGUiOmZhbHNlfSwiSXNWaXNpYmxlIjp0cnVlLCJQYXJlbnRTdHlsZSI6bnVsbCwiX2V4cGxpY2l0bHlTZXQiOnsiJGlkIjoiMjAzIiwiU2hhcGVTdHlsZSI6ZmFsc2UsIlRpdGxlU3R5bGUiOmZhbHNlLCJEYXRlU3R5bGUiOmZhbHNlLCJIb3Jpem9udGFsQ29ubmVjdG9yU3R5bGUiOmZhbHNlLCJWZXJ0aWNhbENvbm5lY3RvclN0eWxlIjpmYWxzZSwiUGVyY2VudGFnZUNvbXBsZXRlU2hhcGVPcGFjaXR5IjpmYWxzZSwiU2hhcGUiOmZhbHNlLCJTaGFwZVRoaWNrbmVzcyI6ZmFsc2UsIkR1cmF0aW9uRm9ybWF0IjpmYWxzZSwiSW5jbHVkZU5vbldvcmtpbmdEYXlzSW5EdXJhdGlvbiI6ZmFsc2UsIk1hcmdpbiI6ZmFsc2UsIlN0YXJ0RGF0ZVBvc2l0aW9uIjpmYWxzZSwiRW5kRGF0ZVBvc2l0aW9uIjpmYWxzZSwiVGl0bGVQb3NpdGlvbiI6ZmFsc2UsIkR1cmF0aW9uUG9zaXRpb24iOmZhbHNlLCJQZXJjZW50YWdlQ29tcGxldGVkUG9zaXRpb24iOmZhbHNlLCJTcGFjaW5nIjpmYWxzZSwiSXNCZWxvd1RpbWViYW5kIjpmYWxzZSwiRGF0ZUZvcm1hdCI6ZmFsc2UsIldlZWtOdW1iZXJpbmciOmZhbHNlLCJJc1Zpc2libGUiOmZhbHNlfX0sIkRlZmF1bHRTd2ltbGFuZU1pbGVzdG9uZVN0eWxlIjp7IiRpZCI6IjIwNCIsIlRpdGxlUG9zaXRpb24iOiJSaWdodCIsIkRhdGVQb3NpdGlvbiI6IkxlZnQiLCJTaGFwZVR5cGUiOjIsIlNoYXBlU2l6ZSI6MSwiU3BhY2luZyI6NSwiU2hhcGVTdHlsZSI6eyIkaWQiOiIyMDUiLCJNYXJnaW4iOnsiJGlkIjoiMjA2IiwiVG9wIjowLjAsIkxlZnQiOjAuMCwiUmlnaHQiOjAuMCwiQm90dG9tIjowLjB9LCJQYWRkaW5nIjp7IiRpZCI6IjIwNyIsIlRvcCI6MC4wLCJMZWZ0IjowLjAsIlJpZ2h0IjowLjAsIkJvdHRvbSI6MC4wfSwiQmFja2dyb3VuZCI6eyIkaWQiOiIyMDgiLCJDb2xvciI6eyIkaWQiOiIyMDkiLCJBIjoyNTUsIlIiOjAsIkciOjExNCwiQiI6MTg4fX0sIklzVmlzaWJsZSI6dHJ1ZSwiV2lkdGgiOjE4LjAsIkhlaWdodCI6MjAuMCwiQm9yZGVyU3R5bGUiOnsiJGlkIjoiMjEwIiwiTGluZUNvbG9yIjp7IiRpZCI6IjIxMSIsIiR0eXBlIjoiTkxSRS5Db21tb24uRG9tLlNvbGlkQ29sb3JCcnVzaCwgTkxSRS5Db21tb24iLCJDb2xvciI6eyIkaWQiOiIyMTIiLCJBIjoyNTUsIlIiOjI1NSwiRyI6MCwiQiI6MH19LCJMaW5lV2VpZ2h0IjowLjAsIkxpbmVUeXBlIjowLCJQYXJlbnRTdHlsZSI6bnVsbH0sIlBhcmVudFN0eWxlIjpudWxsfSwiVGl0bGVTdHlsZSI6eyIkaWQiOiIyMTMiLCJGb250U2V0dGluZ3MiOnsiJGlkIjoiMjE0IiwiRm9udFNpemUiOjExLCJGb250TmFtZSI6IkNhbGlicmkiLCJJc0JvbGQiOnRydWUsIklzSXRhbGljIjpmYWxzZSwiSXNVbmRlcmxpbmVkIjpmYWxzZSwiUGFyZW50U3R5bGUiOm51bGx9LCJBdXRvU2l6ZSI6MCwiRm9yZWdyb3VuZCI6eyIkaWQiOiIyMTUiLCJDb2xvciI6eyIkaWQiOiIyMTYiLCJBIjoyNTUsIlIiOjAsIkciOjAsIkIiOjB9fSwiTWF4V2lkdGgiOjIwMC4wLCJNYXhIZWlnaHQiOiJJbmZpbml0eSIsIlNtYXJ0Rm9yZWdyb3VuZElzQWN0aXZlIjpmYWxzZSwiSG9yaXpvbnRhbEFsaWdubWVudCI6MCwiVmVydGljYWxBbGlnbm1lbnQiOjAsIlNtYXJ0Rm9yZWdyb3VuZCI6bnVsbCwiQmFja2dyb3VuZEZpbGxUeXBlIjowLCJNYXJnaW4iOnsiJGlkIjoiMjE3IiwiVG9wIjowLjAsIkxlZnQiOjAuMCwiUmlnaHQiOjAuMCwiQm90dG9tIjowLjB9LCJQYWRkaW5nIjp7IiRpZCI6IjIxOCIsIlRvcCI6MC4wLCJMZWZ0IjowLjAsIlJpZ2h0IjowLjAsIkJvdHRvbSI6MC4wfSwiQmFja2dyb3VuZCI6eyIkaWQiOiIyMTkiLCJDb2xvciI6eyIkaWQiOiIyMjAiLCJBIjo4OSwiUiI6MCwiRyI6MCwiQiI6MH19LCJJc1Zpc2libGUiOnRydWUsIldpZHRoIjowLjAsIkhlaWdodCI6MC4wLCJCb3JkZXJTdHlsZSI6bnVsbCwiUGFyZW50U3R5bGUiOm51bGx9LCJEYXRlU3R5bGUiOnsiJGlkIjoiMjIxIiwiRm9udFNldHRpbmdzIjp7IiRpZCI6IjIyMiIsIkZvbnRTaXplIjoxMCwiRm9udE5hbWUiOiJDYWxpYnJpIiwiSXNCb2xkIjpmYWxzZSwiSXNJdGFsaWMiOmZhbHNlLCJJc1VuZGVybGluZWQiOmZhbHNlLCJQYXJlbnRTdHlsZSI6bnVsbH0sIkF1dG9TaXplIjowLCJGb3JlZ3JvdW5kIjp7IiRpZCI6IjIyMyIsIkNvbG9yIjp7IiRpZCI6IjIyNCIsIkEiOjI1NSwiUiI6NjgsIkciOjg0LCJCIjoxMDZ9fSwiTWF4V2lkdGgiOjIwMC4wLCJNYXhIZWlnaHQiOiJJbmZpbml0eSIsIlNtYXJ0Rm9yZWdyb3VuZElzQWN0aXZlIjpmYWxzZSwiSG9yaXpvbnRhbEFsaWdubWVudCI6MCwiVmVydGljYWxBbGlnbm1lbnQiOjAsIlNtYXJ0Rm9yZWdyb3VuZCI6bnVsbCwiQmFja2dyb3VuZEZpbGxUeXBlIjowLCJNYXJnaW4iOnsiJGlkIjoiMjI1IiwiVG9wIjowLjAsIkxlZnQiOjAuMCwiUmlnaHQiOjAuMCwiQm90dG9tIjowLjB9LCJQYWRkaW5nIjp7IiRpZCI6IjIyNiIsIlRvcCI6MC4wLCJMZWZ0IjowLjAsIlJpZ2h0IjowLjAsIkJvdHRvbSI6MC4wfSwiQmFja2dyb3VuZCI6eyIkaWQiOiIyMjciLCJDb2xvciI6eyIkaWQiOiIyMjgiLCJBIjo4OSwiUiI6MCwiRyI6MCwiQiI6MH19LCJJc1Zpc2libGUiOnRydWUsIldpZHRoIjowLjAsIkhlaWdodCI6MC4wLCJCb3JkZXJTdHlsZSI6bnVsbCwiUGFyZW50U3R5bGUiOm51bGx9LCJEYXRlRm9ybWF0Ijp7IiRpZCI6IjIyOSIsIkZvcm1hdFN0cmluZyI6Ik0vZC95eXl5IiwiU2VwYXJhdG9yIjoiLyIsIlVzZUludGVybmF0aW9uYWxEYXRlRm9ybWF0IjpmYWxzZSwiRGF0ZUlzVmlzaWJsZSI6dHJ1ZSwiVGltZUlzVmlzaWJsZSI6ZmFsc2UsIkhvdXJEaWdpdHMiOjEsIkFtUG1EZXNpZ25hdG9yIjoyLCJUcmltMDBNaW51dGVzIjpmYWxzZSwiTGFzdEtub3duVmlzaWJpbGl0eVN0YXRlIjp7IiRpZCI6IjIzMCIsIkRhdGVQYXJ0SXNWaXNpYmxlIjpmYWxzZSwiVGltZVBhcnRJc1Zpc2libGUiOmZhbHNlfX0sIldlZWtOdW1iZXJpbmciOnsiJGlkIjoiMjMxIiwiRm9ybWF0IjowLCJJc1Zpc2libGUiOmZhbHNlLCJMYXN0S25vd25WaXNpYmlsaXR5U3RhdGUiOmZhbHNlfSwiSXNWaXNpYmxlIjp0cnVlLCJQYXJlbnRTdHlsZSI6bnVsbH0sIkdyaWRsaW5lUGFuZWxTdHlsZSI6eyIkaWQiOiIyMzIiLCJHcmlkbGluZVN0eWxlIjp7IiRpZCI6IjIzMyIsIkxpbmVDb2xvciI6eyIkaWQiOiIyMzQiLCIkdHlwZSI6Ik5MUkUuQ29tbW9uLkRvbS5Tb2xpZENvbG9yQnJ1c2gsIE5MUkUuQ29tbW9uIiwiQ29sb3IiOnsiJGlkIjoiMjM1IiwiQSI6MzgsIlIiOjc5LCJHIjoxMjksIkIiOjE4OX19LCJMaW5lV2VpZ2h0IjoxLjAsIkxpbmVUeXBlIjowLCJQYXJlbnRTdHlsZSI6bnVsbH0sIk1hcmdpbiI6eyIkaWQiOiIyMzYiLCJUb3AiOjAuMCwiTGVmdCI6MC4wLCJSaWdodCI6MC4wLCJCb3R0b20iOjAuMH0sIlBhZGRpbmciOnsiJGlkIjoiMjM3IiwiVG9wIjowLjAsIkxlZnQiOjAuMCwiUmlnaHQiOjAuMCwiQm90dG9tIjowLjB9LCJCYWNrZ3JvdW5kIjpudWxsLCJJc1Zpc2libGUiOnRydWUsIldpZHRoIjowLjAsIkhlaWdodCI6MC4wLCJCb3JkZXJTdHlsZSI6bnVsbCwiUGFyZW50U3R5bGUiOm51bGx9LCJBY3Rpdml0eUxpbmVQYW5lbFN0eWxlIjp7IiRpZCI6IjIzOCIsIkFjdGl2aXR5TGluZVN0eWxlIjp7IiRpZCI6IjIzOSIsIkxpbmVDb2xvciI6eyIkaWQiOiIyNDAiLCIkdHlwZSI6Ik5MUkUuQ29tbW9uLkRvbS5Tb2xpZENvbG9yQnJ1c2gsIE5MUkUuQ29tbW9uIiwiQ29sb3IiOnsiJGlkIjoiMjQxIiwiQSI6MzgsIlIiOjc5LCJHIjoxMjksIkIiOjE4OX19LCJMaW5lV2VpZ2h0IjoxLjAsIkxpbmVUeXBlIjowLCJQYXJlbnRTdHlsZSI6bnVsbH0sIk1hcmdpbiI6eyIkaWQiOiIyNDIiLCJUb3AiOjAuMCwiTGVmdCI6MC4wLCJSaWdodCI6MC4wLCJCb3R0b20iOjAuMH0sIlBhZGRpbmciOnsiJGlkIjoiMjQzIiwiVG9wIjowLjAsIkxlZnQiOjAuMCwiUmlnaHQiOjAuMCwiQm90dG9tIjowLjB9LCJCYWNrZ3JvdW5kIjpudWxsLCJJc1Zpc2libGUiOnRydWUsIldpZHRoIjowLjAsIkhlaWdodCI6MC4wLCJCb3JkZXJTdHlsZSI6bnVsbCwiUGFyZW50U3R5bGUiOm51bGx9LCJfc2VsZWN0ZWRUaGVtZVByZXNldENvbG9ycyI6eyIkaWQiOiIyNDQiLCJUZXh0TGlnaHQiOnsiJGlkIjoiMjQ1IiwiQSI6MjU1LCJSIjoyNTUsIkciOjI1NSwiQiI6MjU1fSwiVGV4dERhcmsiOnsiJGlkIjoiMjQ2IiwiQSI6MjU1LCJSIjowLCJHIjowLCJCIjowfSwiQWNjZW50MSI6eyIkcmVmIjoiNjgifSwiQWNjZW50MiI6eyIkcmVmIjoiMzAifSwiQWNjZW50MyI6eyIkaWQiOiIyNDciLCJBIjoyNTUsIlIiOjkxLCJHIjoxNTUsIkIiOjIxM30sIkFjY2VudDQiOnsiJGlkIjoiMjQ4IiwiQSI6MjU1LCJSIjoyMzMsIkciOjExMywiQiI6NTB9LCJBY2NlbnQ1Ijp7IiRpZCI6IjI0OSIsIkEiOjI1NSwiUiI6MjUsIkciOjEwNywiQiI6MzZ9LCJBY2NlbnQ2Ijp7IiRpZCI6IjI1MCIsIkEiOjI1NSwiUiI6MTUsIkciOjE1OCwiQiI6MjEzfSwiQWNjZW50NyI6eyIkaWQiOiIyNTEiLCJBIjoyNTUsIlIiOjE2MCwiRyI6NDMsIkIiOjE0N30sIkFjY2VudDgiOnsiJGlkIjoiMjUyIiwiQSI6MjU1LCJSIjo3OCwiRyI6MTY3LCJCIjo0Nn19LCJTaG93RWxhcHNlZFRpbWVHcmFkaWVudFN0eWxlIjpmYWxzZSwiVGltZWJhbmRSZXNlcnZlZExlZnRBcmVhU3R5bGUiOnsiJGlkIjoiMjUzIiwiQWN0aXZpdHlIZWFkZXJXaWR0aCI6MC4wLCJJc1NldCI6ZmFsc2V9LCJEZWZhdWx0U3dpbWxhbmVTdHlsZSI6eyIkaWQiOiIyNTQiLCJIZWFkZXJTdHlsZSI6eyIkaWQiOiIyNTUiLCJUZXh0U3R5bGUiOnsiJGlkIjoiMjU2IiwiRm9udFNldHRpbmdzIjp7IiRpZCI6IjI1NyIsIkZvbnRTaXplIjoxMiwiRm9udE5hbWUiOiJDYWxpYnJpIiwiSXNCb2xkIjpmYWxzZSwiSXNJdGFsaWMiOmZhbHNlLCJJc1VuZGVybGluZWQiOmZhbHNlLCJQYXJlbnRTdHlsZSI6bnVsbH0sIkF1dG9TaXplIjowLCJGb3JlZ3JvdW5kIjp7IiRpZCI6IjI1OCIsIkNvbG9yIjp7IiRpZCI6IjI1OSIsIkEiOjI1NSwiUiI6MjU1LCJHIjoyNTUsIkIiOjI1NX19LCJNYXhXaWR0aCI6IkluZmluaXR5IiwiTWF4SGVpZ2h0IjoiSW5maW5pdHkiLCJTbWFydEZvcmVncm91bmRJc0FjdGl2ZSI6ZmFsc2UsIkhvcml6b250YWxBbGlnbm1lbnQiOjAsIlZlcnRpY2FsQWxpZ25tZW50IjowLCJTbWFydEZvcmVncm91bmQiOm51bGwsIkJhY2tncm91bmRGaWxsVHlwZSI6MCwiTWFyZ2luIjp7IiRpZCI6IjI2MCIsIlRvcCI6MC4wLCJMZWZ0IjowLjAsIlJpZ2h0IjowLjAsIkJvdHRvbSI6MC4wfSwiUGFkZGluZyI6eyIkaWQiOiIyNjEiLCJUb3AiOjAuMCwiTGVmdCI6MC4wLCJSaWdodCI6MC4wLCJCb3R0b20iOjAuMH0sIkJhY2tncm91bmQiOm51bGwsIklzVmlzaWJsZSI6dHJ1ZSwiV2lkdGgiOjAuMCwiSGVpZ2h0IjowLjAsIkJvcmRlclN0eWxlIjpudWxsLCJQYXJlbnRTdHlsZSI6bnVsbH0sIlJlY3RhbmdsZVN0eWxlIjp7IiRpZCI6IjI2MiIsIk1hcmdpbiI6eyIkaWQiOiIyNjMiLCJUb3AiOjAuMCwiTGVmdCI6MC4wLCJSaWdodCI6MC4wLCJCb3R0b20iOjAuMH0sIlBhZGRpbmciOnsiJGlkIjoiMjY0IiwiVG9wIjowLjAsIkxlZnQiOjAuMCwiUmlnaHQiOjAuMCwiQm90dG9tIjowLjB9LCJCYWNrZ3JvdW5kIjp7IiRpZCI6IjI2NSIsIkNvbG9yIjp7IiRpZCI6IjI2NiIsIkEiOjEyNywiUiI6NzksIkciOjEyOSwiQiI6MTg5fX0sIklzVmlzaWJsZSI6dHJ1ZSwiV2lkdGgiOjAuMCwiSGVpZ2h0IjowLjAsIkJvcmRlclN0eWxlIjp7IiRpZCI6IjI2NyIsIkxpbmVDb2xvciI6eyIkaWQiOiIyNjgiLCIkdHlwZSI6Ik5MUkUuQ29tbW9uLkRvbS5Tb2xpZENvbG9yQnJ1c2gsIE5MUkUuQ29tbW9uIiwiQ29sb3IiOnsiJGlkIjoiMjY5IiwiQSI6MjU1LCJSIjoyNTUsIkciOjAsIkIiOjB9fSwiTGluZVdlaWdodCI6MC4wLCJMaW5lVHlwZSI6MCwiUGFyZW50U3R5bGUiOm51bGx9LCJQYXJlbnRTdHlsZSI6bnVsbH0sIk1hcmdpbiI6eyIkaWQiOiIyNzAiLCJUb3AiOjAuMCwiTGVmdCI6MC4wLCJSaWdodCI6MC4wLCJCb3R0b20iOjAuMH0sIlBhZGRpbmciOnsiJGlkIjoiMjcxIiwiVG9wIjowLjAsIkxlZnQiOjAuMCwiUmlnaHQiOjAuMCwiQm90dG9tIjowLjB9LCJCYWNrZ3JvdW5kIjpudWxsLCJJc1Zpc2libGUiOnRydWUsIldpZHRoIjowLjAsIkhlaWdodCI6MC4wLCJCb3JkZXJTdHlsZSI6bnVsbCwiUGFyZW50U3R5bGUiOm51bGx9LCJCYWNrZ3JvdW5kU3R5bGUiOnsiJGlkIjoiMjcyIiwiTWFyZ2luIjp7IiRpZCI6IjI3MyIsIlRvcCI6MC4wLCJMZWZ0IjowLjAsIlJpZ2h0IjowLjAsIkJvdHRvbSI6MC4wfSwiUGFkZGluZyI6eyIkaWQiOiIyNzQiLCJUb3AiOjAuMCwiTGVmdCI6MC4wLCJSaWdodCI6MC4wLCJCb3R0b20iOjAuMH0sIkJhY2tncm91bmQiOnsiJGlkIjoiMjc1IiwiQ29sb3IiOnsiJGlkIjoiMjc2IiwiQSI6MzgsIlIiOjc5LCJHIjoxMjksIkIiOjE4OX19LCJJc1Zpc2libGUiOnRydWUsIldpZHRoIjowLjAsIkhlaWdodCI6MC4wLCJCb3JkZXJTdHlsZSI6eyIkaWQiOiIyNzciLCJMaW5lQ29sb3IiOnsiJGlkIjoiMjc4IiwiJHR5cGUiOiJOTFJFLkNvbW1vbi5Eb20uU29saWRDb2xvckJydXNoLCBOTFJFLkNvbW1vbiIsIkNvbG9yIjp7IiRpZCI6IjI3OSIsIkEiOjI1NSwiUiI6MjU1LCJHIjowLCJCIjowfX0sIkxpbmVXZWlnaHQiOjAuMCwiTGluZVR5cGUiOjAsIlBhcmVudFN0eWxlIjpudWxsfSwiUGFyZW50U3R5bGUiOm51bGx9LCJJc0Fib3ZlVGltZWJhbmQiOmZhbHNlLCJNYXJnaW4iOnsiJGlkIjoiMjgwIiwiVG9wIjowLjAsIkxlZnQiOjAuMCwiUmlnaHQiOjAuMCwiQm90dG9tIjowLjB9LCJQYWRkaW5nIjp7IiRpZCI6IjI4MSIsIlRvcCI6MC4wLCJMZWZ0IjowLjAsIlJpZ2h0IjowLjAsIkJvdHRvbSI6MC4wfSwiSXNWaXNpYmxlIjp0cnVlLCJXaWR0aCI6MC4wLCJIZWlnaHQiOjAuMCwiQm9yZGVyU3R5bGUiOm51bGwsIlBhcmVudFN0eWxlIjpudWxsfSwiRGVmYXVsdFN3aW1sYW5lVjJTdHlsZSI6eyIkaWQiOiIyODIiLCJTdHlsZUlkIjoiZjY1ZTk2OTktNDZhZS00NDEzLThlZWMtYjE3ZTM5YWViMmZlIiwiSGVhZGVyU3R5bGUiOnsiJGlkIjoiMjgzIiwiVGV4dElzVmVydGljYWwiOmZhbHNlLCJUZXh0U3R5bGUiOnsiJGlkIjoiMjg0IiwiRm9udFNldHRpbmdzIjp7IiRpZCI6IjI4NSIsIkZvbnRTaXplIjoxMiwiRm9udE5hbWUiOiJDYWxpYnJpIiwiSXNCb2xkIjpmYWxzZSwiSXNJdGFsaWMiOmZhbHNlLCJJc1VuZGVybGluZWQiOmZhbHNlLCJQYXJlbnRTdHlsZSI6bnVsbH0sIkF1dG9TaXplIjoyLCJGb3JlZ3JvdW5kIjp7IiRpZCI6IjI4NiIsIkNvbG9yIjp7IiRpZCI6IjI4NyIsIkEiOjI1NSwiUiI6MjU1LCJHIjoyNTUsIkIiOjI1NX19LCJNYXhXaWR0aCI6IkluZmluaXR5IiwiTWF4SGVpZ2h0IjoiSW5maW5pdHkiLCJTbWFydEZvcmVncm91bmRJc0FjdGl2ZSI6ZmFsc2UsIkhvcml6b250YWxBbGlnbm1lbnQiOjAsIlZlcnRpY2FsQWxpZ25tZW50IjowLCJTbWFydEZvcmVncm91bmQiOm51bGwsIkJhY2tncm91bmRGaWxsVHlwZSI6MCwiTWFyZ2luIjp7IiRpZCI6IjI4OCIsIlRvcCI6MC4wLCJMZWZ0IjowLjAsIlJpZ2h0IjowLjAsIkJvdHRvbSI6MC4wfSwiUGFkZGluZyI6eyIkaWQiOiIyODkiLCJUb3AiOjAuMCwiTGVmdCI6MC4wLCJSaWdodCI6MC4wLCJCb3R0b20iOjAuMH0sIkJhY2tncm91bmQiOm51bGwsIklzVmlzaWJsZSI6dHJ1ZSwiV2lkdGgiOjAuMCwiSGVpZ2h0IjowLjAsIkJvcmRlclN0eWxlIjpudWxsLCJQYXJlbnRTdHlsZSI6bnVsbH0sIlJlY3RhbmdsZVN0eWxlIjp7IiRpZCI6IjI5MCIsIk1hcmdpbiI6eyIkaWQiOiIyOTEiLCJUb3AiOjAuMCwiTGVmdCI6MC4wLCJSaWdodCI6MC4wLCJCb3R0b20iOjAuMH0sIlBhZGRpbmciOnsiJGlkIjoiMjkyIiwiVG9wIjowLjAsIkxlZnQiOjAuMCwiUmlnaHQiOjAuMCwiQm90dG9tIjowLjB9LCJCYWNrZ3JvdW5kIjp7IiRpZCI6IjI5MyIsIkNvbG9yIjp7IiRpZCI6IjI5NCIsIkEiOjI1NSwiUiI6OTEsIkciOjE1NSwiQiI6MjEzfX0sIklzVmlzaWJsZSI6dHJ1ZSwiV2lkdGgiOjAuMCwiSGVpZ2h0IjowLjAsIkJvcmRlclN0eWxlIjp7IiRpZCI6IjI5NSIsIkxpbmVDb2xvciI6eyIkaWQiOiIyOTYiLCIkdHlwZSI6Ik5MUkUuQ29tbW9uLkRvbS5Tb2xpZENvbG9yQnJ1c2gsIE5MUkUuQ29tbW9uIiwiQ29sb3IiOnsiJGlkIjoiMjk3IiwiQSI6MjU1LCJSIjoyNTUsIkciOjAsIkIiOjB9fSwiTGluZVdlaWdodCI6MC4wLCJMaW5lVHlwZSI6MCwiUGFyZW50U3R5bGUiOm51bGx9LCJQYXJlbnRTdHlsZSI6bnVsbH0sIk1hcmdpbiI6eyIkaWQiOiIyOTgiLCJUb3AiOjAuMCwiTGVmdCI6MC4wLCJSaWdodCI6MC4wLCJCb3R0b20iOjAuMH0sIlBhZGRpbmciOnsiJGlkIjoiMjk5IiwiVG9wIjowLjAsIkxlZnQiOjAuMCwiUmlnaHQiOjAuMCwiQm90dG9tIjowLjB9LCJCYWNrZ3JvdW5kIjpudWxsLCJJc1Zpc2libGUiOnRydWUsIldpZHRoIjowLjAsIkhlaWdodCI6MC4wLCJCb3JkZXJTdHlsZSI6bnVsbCwiUGFyZW50U3R5bGUiOm51bGx9LCJCYWNrZ3JvdW5kU3R5bGUiOnsiJGlkIjoiMzAwIiwiTWFyZ2luIjp7IiRpZCI6IjMwMSIsIlRvcCI6MC4wLCJMZWZ0IjowLjAsIlJpZ2h0IjowLjAsIkJvdHRvbSI6MC4wfSwiUGFkZGluZyI6eyIkaWQiOiIzMDIiLCJUb3AiOjAuMCwiTGVmdCI6MC4wLCJSaWdodCI6MC4wLCJCb3R0b20iOjAuMH0sIkJhY2tncm91bmQiOnsiJGlkIjoiMzAzIiwiQ29sb3IiOnsiJGlkIjoiMzA0IiwiQSI6NTEsIlIiOjkxLCJHIjoxNTUsIkIiOjIxM319LCJJc1Zpc2libGUiOnRydWUsIldpZHRoIjowLjAsIkhlaWdodCI6MC4wLCJCb3JkZXJTdHlsZSI6eyIkaWQiOiIzMDUiLCJMaW5lQ29sb3IiOnsiJGlkIjoiMzA2IiwiJHR5cGUiOiJOTFJFLkNvbW1vbi5Eb20uU29saWRDb2xvckJydXNoLCBOTFJFLkNvbW1vbiIsIkNvbG9yIjp7IiRpZCI6IjMwNyIsIkEiOjI1NSwiUiI6MjM0LCJHIjoyMiwiQiI6MzB9fSwiTGluZVdlaWdodCI6MC4wLCJMaW5lVHlwZSI6MCwiUGFyZW50U3R5bGUiOm51bGx9LCJQYXJlbnRTdHlsZSI6bnVsbH0sIklzQWJvdmVUaW1lYmFuZCI6ZmFsc2UsIlNwYWNpbmciOjUsIkRlZmF1bHRTd2ltbGFuZVRhc2tTdHlsZSI6eyIkaWQiOiIzMDgiLCIkdHlwZSI6Ik5MUkUuQ29tbW9uLkRvbS5TdHlsZXMuRXhwbGljaXRTZXRhYmxlVGFza1N0eWxlLCBOTFJFLkNvbW1vbiIsIlNoYXBlIjowLCJTaGFwZVRoaWNrbmVzcyI6MSwiRHVyYXRpb25Gb3JtYXQiOjAsIkluY2x1ZGVOb25Xb3JraW5nRGF5c0luRHVyYXRpb24iOmZhbHNlLCJQZXJjZW50YWdlQ29tcGxldGVTdHlsZSI6eyIkaWQiOiIzMDkiLCJGb250U2V0dGluZ3MiOnsiJGlkIjoiMzEwIiwiRm9udFNpemUiOjEwLCJGb250TmFtZSI6IkNhbGlicmkiLCJJc0JvbGQiOmZhbHNlLCJJc0l0YWxpYyI6ZmFsc2UsIklzVW5kZXJsaW5lZCI6ZmFsc2UsIlBhcmVudFN0eWxlIjpudWxsfSwiQXV0b1NpemUiOjAsIkZvcmVncm91bmQiOnsiJGlkIjoiMzExIiwiQ29sb3IiOnsiJGlkIjoiMzEyIiwiQSI6MjU1LCJSIjoyMzcsIkciOjEyNSwiQiI6NDl9fSwiTWF4V2lkdGgiOjIwMC4wLCJNYXhIZWlnaHQiOiJJbmZpbml0eSIsIlNtYXJ0Rm9yZWdyb3VuZElzQWN0aXZlIjpmYWxzZSwiSG9yaXpvbnRhbEFsaWdubWVudCI6MCwiVmVydGljYWxBbGlnbm1lbnQiOjAsIlNtYXJ0Rm9yZWdyb3VuZCI6bnVsbCwiQmFja2dyb3VuZEZpbGxUeXBlIjowLCJNYXJnaW4iOnsiJGlkIjoiMzEzIiwiVG9wIjowLjAsIkxlZnQiOjAuMCwiUmlnaHQiOjAuMCwiQm90dG9tIjowLjB9LCJQYWRkaW5nIjp7IiRpZCI6IjMxNCIsIlRvcCI6MC4wLCJMZWZ0IjowLjAsIlJpZ2h0IjowLjAsIkJvdHRvbSI6MC4wfSwiQmFja2dyb3VuZCI6eyIkaWQiOiIzMTUiLCJDb2xvciI6eyIkaWQiOiIzMTYiLCJBIjo4OSwiUiI6MCwiRyI6MCwiQiI6MH19LCJJc1Zpc2libGUiOnRydWUsIldpZHRoIjowLjAsIkhlaWdodCI6MC4wLCJCb3JkZXJTdHlsZSI6bnVsbCwiUGFyZW50U3R5bGUiOm51bGx9LCJEdXJhdGlvblN0eWxlIjp7IiRpZCI6IjMxNyIsIkZvbnRTZXR0aW5ncyI6eyIkaWQiOiIzMTgiLCJGb250U2l6ZSI6MTAsIkZvbnROYW1lIjoiQ2FsaWJyaSIsIklzQm9sZCI6ZmFsc2UsIklzSXRhbGljIjpmYWxzZSwiSXNVbmRlcmxpbmVkIjpmYWxzZSwiUGFyZW50U3R5bGUiOm51bGx9LCJBdXRvU2l6ZSI6MCwiRm9yZWdyb3VuZCI6eyIkaWQiOiIzMTkiLCJDb2xvciI6eyIkaWQiOiIzMjAiLCJBIjoyNTUsIlIiOjIzNywiRyI6MTI1LCJCIjo0OX19LCJNYXhXaWR0aCI6MjAwLjAsIk1heEhlaWdodCI6IkluZmluaXR5IiwiU21hcnRGb3JlZ3JvdW5kSXNBY3RpdmUiOmZhbHNlLCJIb3Jpem9udGFsQWxpZ25tZW50IjowLCJWZXJ0aWNhbEFsaWdubWVudCI6MCwiU21hcnRGb3JlZ3JvdW5kIjpudWxsLCJCYWNrZ3JvdW5kRmlsbFR5cGUiOjAsIk1hcmdpbiI6eyIkaWQiOiIzMjEiLCJUb3AiOjAuMCwiTGVmdCI6MC4wLCJSaWdodCI6MC4wLCJCb3R0b20iOjAuMH0sIlBhZGRpbmciOnsiJGlkIjoiMzIyIiwiVG9wIjowLjAsIkxlZnQiOjAuMCwiUmlnaHQiOjAuMCwiQm90dG9tIjowLjB9LCJCYWNrZ3JvdW5kIjp7IiRpZCI6IjMyMyIsIkNvbG9yIjp7IiRyZWYiOiIzMTYifX0sIklzVmlzaWJsZSI6dHJ1ZSwiV2lkdGgiOjAuMCwiSGVpZ2h0IjowLjAsIkJvcmRlclN0eWxlIjpudWxsLCJQYXJlbnRTdHlsZSI6bnVsbH0sIkhvcml6b250YWxDb25uZWN0b3JTdHlsZSI6eyIkaWQiOiIzMjQiLCJMaW5lQ29sb3IiOnsiJGlkIjoiMzI1IiwiJHR5cGUiOiJOTFJFLkNvbW1vbi5Eb20uU29saWRDb2xvckJydXNoLCBOTFJFLkNvbW1vbiIsIkNvbG9yIjp7IiRpZCI6IjMyNiIsIkEiOjI1NSwiUiI6MjA0LCJHIjoyMDQsIkIiOjIwNH19LCJMaW5lV2VpZ2h0IjoxLjAsIkxpbmVUeXBlIjowLCJQYXJlbnRTdHlsZSI6bnVsbH0sIlZlcnRpY2FsQ29ubmVjdG9yU3R5bGUiOnsiJGlkIjoiMzI3IiwiTGluZUNvbG9yIjp7IiRpZCI6IjMyOCIsIiR0eXBlIjoiTkxSRS5Db21tb24uRG9tLlNvbGlkQ29sb3JCcnVzaCwgTkxSRS5Db21tb24iLCJDb2xvciI6eyIkaWQiOiIzMjkiLCJBIjoyNTUsIlIiOjIwNCwiRyI6MjA0LCJCIjoyMDR9fSwiTGluZVdlaWdodCI6MC4wLCJMaW5lVHlwZSI6MCwiUGFyZW50U3R5bGUiOm51bGx9LCJNYXJnaW4iOm51bGwsIlN0YXJ0RGF0ZVBvc2l0aW9uIjo0LCJFbmREYXRlUG9zaXRpb24iOjQsIkRhdGVJc1Zpc2libGUiOnRydWUsIlRpdGxlUG9zaXRpb24iOjMsIkR1cmF0aW9uUG9zaXRpb24iOjYsIlBlcmNlbnRhZ2VDb21wbGV0ZWRQb3NpdGlvbiI6NiwiU3BhY2luZyI6NSwiSXNCZWxvd1RpbWViYW5kIjp0cnVlLCJQZXJjZW50YWdlQ29tcGxldGVTaGFwZU9wYWNpdHkiOjM1LCJCYXNlbGluZVN0eWxlIjp7IiRpZCI6IjMzMCIsIlNoYXBlU3R5bGUiOnsiJGlkIjoiMzMxIiwiTWFyZ2luIjp7IiRpZCI6IjMzMiIsIlRvcCI6MC4wLCJMZWZ0IjowLjAsIlJpZ2h0IjowLjAsIkJvdHRvbSI6MC4wfSwiUGFkZGluZyI6eyIkaWQiOiIzMzMiLCJUb3AiOjAuMCwiTGVmdCI6MC4wLCJSaWdodCI6MC4wLCJCb3R0b20iOjAuMH0sIkJhY2tncm91bmQiOnsiJGlkIjoiMzM0IiwiQ29sb3IiOnsiJGlkIjoiMzM1IiwiQSI6MTUzLCJSIjowLCJHIjowLCJCIjowfX0sIklzVmlzaWJsZSI6dHJ1ZSwiV2lkdGgiOjAuMCwiSGVpZ2h0IjowLjAsIkJvcmRlclN0eWxlIjp7IiRpZCI6IjMzNiIsIkxpbmVDb2xvciI6bnVsbCwiTGluZVdlaWdodCI6MC4wLCJMaW5lVHlwZSI6MCwiUGFyZW50U3R5bGUiOm51bGx9LCJQYXJlbnRTdHlsZSI6bnVsbH0sIk1hcmdpbiI6eyIkaWQiOiIzMzciLCJUb3AiOjAuMCwiTGVmdCI6MC4wLCJSaWdodCI6MC4wLCJCb3R0b20iOjAuMH0sIlBhZGRpbmciOnsiJGlkIjoiMzM4IiwiVG9wIjowLjAsIkxlZnQiOjAuMCwiUmlnaHQiOjAuMCwiQm90dG9tIjowLjB9LCJCYWNrZ3JvdW5kIjpudWxsLCJJc1Zpc2libGUiOnRydWUsIldpZHRoIjowLjAsIkhlaWdodCI6MC4wLCJCb3JkZXJTdHlsZSI6bnVsbCwiUGFyZW50U3R5bGUiOm51bGx9LCJTaGFwZVN0eWxlIjp7IiRpZCI6IjMzOSIsIk1hcmdpbiI6eyIkaWQiOiIzNDAiLCJUb3AiOjAuMCwiTGVmdCI6NC4wLCJSaWdodCI6NC4wLCJCb3R0b20iOjAuMH0sIlBhZGRpbmciOnsiJGlkIjoiMzQxIiwiVG9wIjowLjAsIkxlZnQiOjAuMCwiUmlnaHQiOjAuMCwiQm90dG9tIjowLjB9LCJCYWNrZ3JvdW5kIjp7IiRpZCI6IjM0MiIsIkNvbG9yIjp7IiRpZCI6IjM0MyIsIkEiOjI1NSwiUiI6OTEsIkciOjE1NSwiQiI6MjEzfX0sIklzVmlzaWJsZSI6dHJ1ZSwiV2lkdGgiOjAuMCwiSGVpZ2h0IjoxNi4wLCJCb3JkZXJTdHlsZSI6eyIkaWQiOiIzNDQiLCJMaW5lQ29sb3IiOnsiJGlkIjoiMzQ1IiwiJHR5cGUiOiJOTFJFLkNvbW1vbi5Eb20uU29saWRDb2xvckJydXNoLCBOTFJFLkNvbW1vbiIsIkNvbG9yIjp7IiRpZCI6IjM0NiIsIkEiOjI1NSwiUiI6MjU1LCJHIjowLCJCIjowfX0sIkxpbmVXZWlnaHQiOjAuMCwiTGluZVR5cGUiOjAsIlBhcmVudFN0eWxlIjpudWxsfSwiUGFyZW50U3R5bGUiOm51bGx9LCJUaXRsZVN0eWxlIjp7IiRpZCI6IjM0NyIsIkZvbnRTZXR0aW5ncyI6eyIkaWQiOiIzNDgiLCJGb250U2l6ZSI6MTEsIkZvbnROYW1lIjoiQ2FsaWJyaSIsIklzQm9sZCI6dHJ1ZSwiSXNJdGFsaWMiOmZhbHNlLCJJc1VuZGVybGluZWQiOmZhbHNlLCJQYXJlbnRTdHlsZSI6bnVsbH0sIkF1dG9TaXplIjowLCJGb3JlZ3JvdW5kIjp7IiRpZCI6IjM0OSIsIkNvbG9yIjp7IiRpZCI6IjM1MCIsIkEiOjI1NSwiUiI6MCwiRyI6MCwiQiI6MH19LCJNYXhXaWR0aCI6OTYwLjAsIk1heEhlaWdodCI6IkluZmluaXR5IiwiU21hcnRGb3JlZ3JvdW5kSXNBY3RpdmUiOmZhbHNlLCJIb3Jpem9udGFsQWxpZ25tZW50IjoyLCJWZXJ0aWNhbEFsaWdubWVudCI6MCwiU21hcnRGb3JlZ3JvdW5kIjpudWxsLCJCYWNrZ3JvdW5kRmlsbFR5cGUiOjAsIk1hcmdpbiI6eyIkaWQiOiIzNTEiLCJUb3AiOjAuMCwiTGVmdCI6MC4wLCJSaWdodCI6MC4wLCJCb3R0b20iOjAuMH0sIlBhZGRpbmciOnsiJGlkIjoiMzUyIiwiVG9wIjowLjAsIkxlZnQiOjAuMCwiUmlnaHQiOjAuMCwiQm90dG9tIjowLjB9LCJCYWNrZ3JvdW5kIjp7IiRpZCI6IjM1MyIsIkNvbG9yIjp7IiRyZWYiOiIzMTYifX0sIklzVmlzaWJsZSI6dHJ1ZSwiV2lkdGgiOjAuMCwiSGVpZ2h0IjowLjAsIkJvcmRlclN0eWxlIjpudWxsLCJQYXJlbnRTdHlsZSI6bnVsbH0sIkRhdGVTdHlsZSI6eyIkaWQiOiIzNTQiLCJGb250U2V0dGluZ3MiOnsiJGlkIjoiMzU1IiwiRm9udFNpemUiOjEwLCJGb250TmFtZSI6IkNhbGlicmkiLCJJc0JvbGQiOmZhbHNlLCJJc0l0YWxpYyI6ZmFsc2UsIklzVW5kZXJsaW5lZCI6ZmFsc2UsIlBhcmVudFN0eWxlIjpudWxsfSwiQXV0b1NpemUiOjAsIkZvcmVncm91bmQiOnsiJGlkIjoiMzU2IiwiQ29sb3IiOnsiJGlkIjoiMzU3IiwiQSI6MjU1LCJSIjo2OCwiRyI6ODQsIkIiOjEwNn19LCJNYXhXaWR0aCI6MjAwLjAsIk1heEhlaWdodCI6IkluZmluaXR5IiwiU21hcnRGb3JlZ3JvdW5kSXNBY3RpdmUiOmZhbHNlLCJIb3Jpem9udGFsQWxpZ25tZW50IjowLCJWZXJ0aWNhbEFsaWdubWVudCI6MCwiU21hcnRGb3JlZ3JvdW5kIjpudWxsLCJCYWNrZ3JvdW5kRmlsbFR5cGUiOjAsIk1hcmdpbiI6eyIkaWQiOiIzNTgiLCJUb3AiOjAuMCwiTGVmdCI6MC4wLCJSaWdodCI6MC4wLCJCb3R0b20iOjAuMH0sIlBhZGRpbmciOnsiJGlkIjoiMzU5IiwiVG9wIjowLjAsIkxlZnQiOjAuMCwiUmlnaHQiOjAuMCwiQm90dG9tIjowLjB9LCJCYWNrZ3JvdW5kIjp7IiRpZCI6IjM2MCIsIkNvbG9yIjp7IiRyZWYiOiIzMTYifX0sIklzVmlzaWJsZSI6dHJ1ZSwiV2lkdGgiOjAuMCwiSGVpZ2h0IjowLjAsIkJvcmRlclN0eWxlIjpudWxsLCJQYXJlbnRTdHlsZSI6bnVsbH0sIkRhdGVGb3JtYXQiOnsiJGlkIjoiMzYxIiwiRm9ybWF0U3RyaW5nIjoiTS9kL3l5eXkiLCJTZXBhcmF0b3IiOiIvIiwiVXNlSW50ZXJuYXRpb25hbERhdGVGb3JtYXQiOmZhbHNlLCJEYXRlSXNWaXNpYmxlIjp0cnVlLCJUaW1lSXNWaXNpYmxlIjpmYWxzZSwiSG91ckRpZ2l0cyI6MSwiQW1QbURlc2lnbmF0b3IiOjIsIlRyaW0wME1pbnV0ZXMiOmZhbHNlLCJMYXN0S25vd25WaXNpYmlsaXR5U3RhdGUiOnsiJGlkIjoiMzYyIiwiRGF0ZVBhcnRJc1Zpc2libGUiOmZhbHNlLCJUaW1lUGFydElzVmlzaWJsZSI6ZmFsc2V9fSwiV2Vla051bWJlcmluZyI6eyIkaWQiOiIzNjMiLCJGb3JtYXQiOjAsIklzVmlzaWJsZSI6ZmFsc2UsIkxhc3RLbm93blZpc2liaWxpdHlTdGF0ZSI6ZmFsc2V9LCJJc1Zpc2libGUiOnRydWUsIlBhcmVudFN0eWxlIjpudWxsLCJfZXhwbGljaXRseVNldCI6eyIkaWQiOiIzNjQiLCJTaGFwZVN0eWxlIjpmYWxzZSwiVGl0bGVTdHlsZSI6ZmFsc2UsIkRhdGVTdHlsZSI6ZmFsc2UsIkhvcml6b250YWxDb25uZWN0b3JTdHlsZSI6ZmFsc2UsIlZlcnRpY2FsQ29ubmVjdG9yU3R5bGUiOmZhbHNlLCJQZXJjZW50YWdlQ29tcGxldGVTaGFwZU9wYWNpdHkiOmZhbHNlLCJTaGFwZSI6ZmFsc2UsIlNoYXBlVGhpY2tuZXNzIjpmYWxzZSwiRHVyYXRpb25Gb3JtYXQiOmZhbHNlLCJJbmNsdWRlTm9uV29ya2luZ0RheXNJbkR1cmF0aW9uIjpmYWxzZSwiTWFyZ2luIjpmYWxzZSwiU3RhcnREYXRlUG9zaXRpb24iOmZhbHNlLCJFbmREYXRlUG9zaXRpb24iOmZhbHNlLCJUaXRsZVBvc2l0aW9uIjpmYWxzZSwiRHVyYXRpb25Qb3NpdGlvbiI6ZmFsc2UsIlBlcmNlbnRhZ2VDb21wbGV0ZWRQb3NpdGlvbiI6ZmFsc2UsIlNwYWNpbmciOmZhbHNlLCJJc0JlbG93VGltZWJhbmQiOmZhbHNlLCJEYXRlRm9ybWF0IjpmYWxzZSwiV2Vla051bWJlcmluZyI6ZmFsc2UsIklzVmlzaWJsZSI6ZmFsc2V9fSwiRGVmYXVsdFN3aW1sYW5lTW90U3R5bGUiOnsiJGlkIjoiMzY1IiwiU2hhcGUiOjIsIkNvbm5lY3Rvck1hcmdpbiI6eyIkaWQiOiIzNjYiLCJUb3AiOjAuMCwiTGVmdCI6Mi4wLCJSaWdodCI6Mi4wLCJCb3R0b20iOjAuMH0sIkNvbm5lY3RvclN0eWxlIjp7IiRpZCI6IjM2NyIsIkxpbmVDb2xvciI6eyIkaWQiOiIzNjgiLCIkdHlwZSI6Ik5MUkUuQ29tbW9uLkRvbS5Tb2xpZENvbG9yQnJ1c2gsIE5MUkUuQ29tbW9uIiwiQ29sb3IiOnsiJGlkIjoiMzY5IiwiQSI6MTI3LCJSIjozMSwiRyI6NzMsIkIiOjEyNn19LCJMaW5lV2VpZ2h0IjoxLjAsIkxpbmVUeXBlIjowLCJQYXJlbnRTdHlsZSI6bnVsbH0sIklzQmVsb3dUaW1lYmFuZCI6ZmFsc2UsIlBvc2l0aW9uT25UYXNrIjoxLCJIaWRlRGF0ZSI6ZmFsc2UsIlNoYXBlU2l6ZSI6MSwiU3BhY2luZyI6MS4wLCJQYWRkaW5nIjp7IiRpZCI6IjM3MCIsIlRvcCI6Ny4wLCJMZWZ0IjozLjAsIlJpZ2h0IjowLjAsIkJvdHRvbSI6Mi4wfSwiU2hhcGVTdHlsZSI6eyIkaWQiOiIzNzEiLCJNYXJnaW4iOnsiJGlkIjoiMzcyIiwiVG9wIjowLjAsIkxlZnQiOjAuMCwiUmlnaHQiOjAuMCwiQm90dG9tIjowLjB9LCJQYWRkaW5nIjp7IiRpZCI6IjM3MyIsIlRvcCI6MC4wLCJMZWZ0IjowLjAsIlJpZ2h0IjowLjAsIkJvdHRvbSI6MC4wfSwiQmFja2dyb3VuZCI6eyIkaWQiOiIzNzQiLCJDb2xvciI6eyIkaWQiOiIzNzUiLCJBIjoyNTUsIlIiOjkxLCJHIjoxNTUsIkIiOjIxM319LCJJc1Zpc2libGUiOnRydWUsIldpZHRoIjoxOC4wLCJIZWlnaHQiOjIwLjAsIkJvcmRlclN0eWxlIjp7IiRpZCI6IjM3NiIsIkxpbmVDb2xvciI6eyIkaWQiOiIzNzciLCIkdHlwZSI6Ik5MUkUuQ29tbW9uLkRvbS5Tb2xpZENvbG9yQnJ1c2gsIE5MUkUuQ29tbW9uIiwiQ29sb3IiOnsiJGlkIjoiMzc4IiwiQSI6MjU1LCJSIjoyNTUsIkciOjAsIkIiOjB9fSwiTGluZVdlaWdodCI6MC4wLCJMaW5lVHlwZSI6MCwiUGFyZW50U3R5bGUiOm51bGx9LCJQYXJlbnRTdHlsZSI6bnVsbH0sIlRpdGxlU3R5bGUiOnsiJGlkIjoiMzc5IiwiRm9udFNldHRpbmdzIjp7IiRpZCI6IjM4MCIsIkZvbnRTaXplIjoxMSwiRm9udE5hbWUiOiJDYWxpYnJpIiwiSXNCb2xkIjp0cnVlLCJJc0l0YWxpYyI6ZmFsc2UsIklzVW5kZXJsaW5lZCI6ZmFsc2UsIlBhcmVudFN0eWxlIjpudWxsfSwiQXV0b1NpemUiOjAsIkZvcmVncm91bmQiOnsiJGlkIjoiMzgxIiwiQ29sb3IiOnsiJGlkIjoiMzgyIiwiQSI6MjU1LCJSIjowLCJHIjowLCJCIjowfX0sIk1heFdpZHRoIjoyMDAuMCwiTWF4SGVpZ2h0IjoiSW5maW5pdHkiLCJTbWFydEZvcmVncm91bmRJc0FjdGl2ZSI6ZmFsc2UsIkhvcml6b250YWxBbGlnbm1lbnQiOjAsIlZlcnRpY2FsQWxpZ25tZW50IjowLCJTbWFydEZvcmVncm91bmQiOm51bGwsIkJhY2tncm91bmRGaWxsVHlwZSI6MCwiTWFyZ2luIjp7IiRpZCI6IjM4MyIsIlRvcCI6MC4wLCJMZWZ0IjowLjAsIlJpZ2h0IjowLjAsIkJvdHRvbSI6MC4wfSwiUGFkZGluZyI6eyIkaWQiOiIzODQiLCJUb3AiOjAuMCwiTGVmdCI6MC4wLCJSaWdodCI6MC4wLCJCb3R0b20iOjAuMH0sIkJhY2tncm91bmQiOnsiJGlkIjoiMzg1IiwiQ29sb3IiOnsiJGlkIjoiMzg2IiwiQSI6ODksIlIiOjAsIkciOjAsIkIiOjB9fSwiSXNWaXNpYmxlIjp0cnVlLCJXaWR0aCI6MC4wLCJIZWlnaHQiOjAuMCwiQm9yZGVyU3R5bGUiOm51bGwsIlBhcmVudFN0eWxlIjpudWxsfSwiRGF0ZVN0eWxlIjp7IiRpZCI6IjM4NyIsIkZvbnRTZXR0aW5ncyI6eyIkaWQiOiIzODgiLCJGb250U2l6ZSI6MTAsIkZvbnROYW1lIjoiQ2FsaWJyaSIsIklzQm9sZCI6ZmFsc2UsIklzSXRhbGljIjpmYWxzZSwiSXNVbmRlcmxpbmVkIjpmYWxzZSwiUGFyZW50U3R5bGUiOm51bGx9LCJBdXRvU2l6ZSI6MCwiRm9yZWdyb3VuZCI6eyIkaWQiOiIzODkiLCJDb2xvciI6eyIkaWQiOiIzOTAiLCJBIjoyNTUsIlIiOjY4LCJHIjo4NCwiQiI6MTA2fX0sIk1heFdpZHRoIjoyMDAuMCwiTWF4SGVpZ2h0IjoiSW5maW5pdHkiLCJTbWFydEZvcmVncm91bmRJc0FjdGl2ZSI6ZmFsc2UsIkhvcml6b250YWxBbGlnbm1lbnQiOjAsIlZlcnRpY2FsQWxpZ25tZW50IjowLCJTbWFydEZvcmVncm91bmQiOm51bGwsIkJhY2tncm91bmRGaWxsVHlwZSI6MCwiTWFyZ2luIjp7IiRpZCI6IjM5MSIsIlRvcCI6MC4wLCJMZWZ0IjowLjAsIlJpZ2h0IjowLjAsIkJvdHRvbSI6MC4wfSwiUGFkZGluZyI6eyIkaWQiOiIzOTIiLCJUb3AiOjAuMCwiTGVmdCI6MC4wLCJSaWdodCI6MC4wLCJCb3R0b20iOjAuMH0sIkJhY2tncm91bmQiOnsiJGlkIjoiMzkzIiwiQ29sb3IiOnsiJHJlZiI6IjM4NiJ9fSwiSXNWaXNpYmxlIjp0cnVlLCJXaWR0aCI6MC4wLCJIZWlnaHQiOjAuMCwiQm9yZGVyU3R5bGUiOm51bGwsIlBhcmVudFN0eWxlIjpudWxsfSwiRGF0ZUZvcm1hdCI6eyIkaWQiOiIzOTQiLCJGb3JtYXRTdHJpbmciOiJNL2QveXl5eSIsIlNlcGFyYXRvciI6Ii8iLCJVc2VJbnRlcm5hdGlvbmFsRGF0ZUZvcm1hdCI6ZmFsc2UsIkRhdGVJc1Zpc2libGUiOnRydWUsIlRpbWVJc1Zpc2libGUiOmZhbHNlLCJIb3VyRGlnaXRzIjoxLCJBbVBtRGVzaWduYXRvciI6MiwiVHJpbTAwTWludXRlcyI6ZmFsc2UsIkxhc3RLbm93blZpc2liaWxpdHlTdGF0ZSI6eyIkaWQiOiIzOTUiLCJEYXRlUGFydElzVmlzaWJsZSI6ZmFsc2UsIlRpbWVQYXJ0SXNWaXNpYmxlIjpmYWxzZX19LCJXZWVrTnVtYmVyaW5nIjp7IiRpZCI6IjM5NiIsIkZvcm1hdCI6MCwiSXNWaXNpYmxlIjpmYWxzZSwiTGFzdEtub3duVmlzaWJpbGl0eVN0YXRlIjpmYWxzZX0sIklzVmlzaWJsZSI6dHJ1ZSwiUGFyZW50U3R5bGUiOm51bGx9LCJEZWZhdWx0U3dpbWxhbmVNaWxlc3RvbmVTdHlsZSI6eyIkaWQiOiIzOTciLCJUaXRsZVBvc2l0aW9uIjoiUmlnaHQiLCJEYXRlUG9zaXRpb24iOiJMZWZ0IiwiU2hhcGVUeXBlIjoyLCJTaGFwZVNpemUiOjEsIlNwYWNpbmciOjUsIlNoYXBlU3R5bGUiOnsiJGlkIjoiMzk4IiwiTWFyZ2luIjp7IiRpZCI6IjM5OSIsIlRvcCI6MC4wLCJMZWZ0IjowLjAsIlJpZ2h0IjowLjAsIkJvdHRvbSI6MC4wfSwiUGFkZGluZyI6eyIkaWQiOiI0MDAiLCJUb3AiOjAuMCwiTGVmdCI6MC4wLCJSaWdodCI6MC4wLCJCb3R0b20iOjAuMH0sIkJhY2tncm91bmQiOnsiJGlkIjoiNDAxIiwiQ29sb3IiOnsiJGlkIjoiNDAyIiwiQSI6MjU1LCJSIjo5MSwiRyI6MTU1LCJCIjoyMTN9fSwiSXNWaXNpYmxlIjp0cnVlLCJXaWR0aCI6MTguMCwiSGVpZ2h0IjoyMC4wLCJCb3JkZXJTdHlsZSI6eyIkaWQiOiI0MDMiLCJMaW5lQ29sb3IiOnsiJGlkIjoiNDA0IiwiJHR5cGUiOiJOTFJFLkNvbW1vbi5Eb20uU29saWRDb2xvckJydXNoLCBOTFJFLkNvbW1vbiIsIkNvbG9yIjp7IiRpZCI6IjQwNSIsIkEiOjI1NSwiUiI6MjU1LCJHIjowLCJCIjowfX0sIkxpbmVXZWlnaHQiOjAuMCwiTGluZVR5cGUiOjAsIlBhcmVudFN0eWxlIjpudWxsfSwiUGFyZW50U3R5bGUiOm51bGx9LCJUaXRsZVN0eWxlIjp7IiRpZCI6IjQwNiIsIkZvbnRTZXR0aW5ncyI6eyIkaWQiOiI0MDciLCJGb250U2l6ZSI6MTEsIkZvbnROYW1lIjoiQ2FsaWJyaSIsIklzQm9sZCI6dHJ1ZSwiSXNJdGFsaWMiOmZhbHNlLCJJc1VuZGVybGluZWQiOmZhbHNlLCJQYXJlbnRTdHlsZSI6bnVsbH0sIkF1dG9TaXplIjowLCJGb3JlZ3JvdW5kIjp7IiRpZCI6IjQwOCIsIkNvbG9yIjp7IiRpZCI6IjQwOSIsIkEiOjI1NSwiUiI6MCwiRyI6MCwiQiI6MH19LCJNYXhXaWR0aCI6MjAwLjAsIk1heEhlaWdodCI6IkluZmluaXR5IiwiU21hcnRGb3JlZ3JvdW5kSXNBY3RpdmUiOmZhbHNlLCJIb3Jpem9udGFsQWxpZ25tZW50IjowLCJWZXJ0aWNhbEFsaWdubWVudCI6MCwiU21hcnRGb3JlZ3JvdW5kIjpudWxsLCJCYWNrZ3JvdW5kRmlsbFR5cGUiOjAsIk1hcmdpbiI6eyIkaWQiOiI0MTAiLCJUb3AiOjAuMCwiTGVmdCI6MC4wLCJSaWdodCI6MC4wLCJCb3R0b20iOjAuMH0sIlBhZGRpbmciOnsiJGlkIjoiNDExIiwiVG9wIjowLjAsIkxlZnQiOjAuMCwiUmlnaHQiOjAuMCwiQm90dG9tIjowLjB9LCJCYWNrZ3JvdW5kIjp7IiRpZCI6IjQxMiIsIkNvbG9yIjp7IiRpZCI6IjQxMyIsIkEiOjg5LCJSIjowLCJHIjowLCJCIjowfX0sIklzVmlzaWJsZSI6dHJ1ZSwiV2lkdGgiOjAuMCwiSGVpZ2h0IjowLjAsIkJvcmRlclN0eWxlIjpudWxsLCJQYXJlbnRTdHlsZSI6bnVsbH0sIkRhdGVTdHlsZSI6eyIkaWQiOiI0MTQiLCJGb250U2V0dGluZ3MiOnsiJGlkIjoiNDE1IiwiRm9udFNpemUiOjEwLCJGb250TmFtZSI6IkNhbGlicmkiLCJJc0JvbGQiOmZhbHNlLCJJc0l0YWxpYyI6ZmFsc2UsIklzVW5kZXJsaW5lZCI6ZmFsc2UsIlBhcmVudFN0eWxlIjpudWxsfSwiQXV0b1NpemUiOjAsIkZvcmVncm91bmQiOnsiJGlkIjoiNDE2IiwiQ29sb3IiOnsiJGlkIjoiNDE3IiwiQSI6MjU1LCJSIjo2OCwiRyI6ODQsIkIiOjEwNn19LCJNYXhXaWR0aCI6MjAwLjAsIk1heEhlaWdodCI6IkluZmluaXR5IiwiU21hcnRGb3JlZ3JvdW5kSXNBY3RpdmUiOmZhbHNlLCJIb3Jpem9udGFsQWxpZ25tZW50IjowLCJWZXJ0aWNhbEFsaWdubWVudCI6MCwiU21hcnRGb3JlZ3JvdW5kIjpudWxsLCJCYWNrZ3JvdW5kRmlsbFR5cGUiOjAsIk1hcmdpbiI6eyIkaWQiOiI0MTgiLCJUb3AiOjAuMCwiTGVmdCI6MC4wLCJSaWdodCI6MC4wLCJCb3R0b20iOjAuMH0sIlBhZGRpbmciOnsiJGlkIjoiNDE5IiwiVG9wIjowLjAsIkxlZnQiOjAuMCwiUmlnaHQiOjAuMCwiQm90dG9tIjowLjB9LCJCYWNrZ3JvdW5kIjp7IiRpZCI6IjQyMCIsIkNvbG9yIjp7IiRpZCI6IjQyMSIsIkEiOjg5LCJSIjowLCJHIjowLCJCIjowfX0sIklzVmlzaWJsZSI6dHJ1ZSwiV2lkdGgiOjAuMCwiSGVpZ2h0IjowLjAsIkJvcmRlclN0eWxlIjpudWxsLCJQYXJlbnRTdHlsZSI6bnVsbH0sIkRhdGVGb3JtYXQiOnsiJGlkIjoiNDIyIiwiRm9ybWF0U3RyaW5nIjoiTS9kL3l5eXkiLCJTZXBhcmF0b3IiOiIvIiwiVXNlSW50ZXJuYXRpb25hbERhdGVGb3JtYXQiOmZhbHNlLCJEYXRlSXNWaXNpYmxlIjp0cnVlLCJUaW1lSXNWaXNpYmxlIjpmYWxzZSwiSG91ckRpZ2l0cyI6MSwiQW1QbURlc2lnbmF0b3IiOjIsIlRyaW0wME1pbnV0ZXMiOmZhbHNlLCJMYXN0S25vd25WaXNpYmlsaXR5U3RhdGUiOnsiJGlkIjoiNDIzIiwiRGF0ZVBhcnRJc1Zpc2libGUiOmZhbHNlLCJUaW1lUGFydElzVmlzaWJsZSI6ZmFsc2V9fSwiV2Vla051bWJlcmluZyI6eyIkaWQiOiI0MjQiLCJGb3JtYXQiOjAsIklzVmlzaWJsZSI6ZmFsc2UsIkxhc3RLbm93blZpc2liaWxpdHlTdGF0ZSI6ZmFsc2V9LCJJc1Zpc2libGUiOnRydWUsIlBhcmVudFN0eWxlIjpudWxsfSwiRGVmYXVsdFN3aW1sYW5lQWN0aXZpdHlTdHlsZSI6eyIkaWQiOiI0MjUiLCJIZWFkZXJTdHlsZSI6eyIkaWQiOiI0MjYiLCJUZXh0U3R5bGUiOnsiJGlkIjoiNDI3IiwiRm9udFNldHRpbmdzIjp7IiRpZCI6IjQyOCIsIkZvbnRTaXplIjoxMSwiRm9udE5hbWUiOiJDYWxpYnJpIiwiSXNCb2xkIjpmYWxzZSwiSXNJdGFsaWMiOmZhbHNlLCJJc1VuZGVybGluZWQiOmZhbHNlLCJQYXJlbnRTdHlsZSI6bnVsbH0sIkF1dG9TaXplIjoyLCJGb3JlZ3JvdW5kIjp7IiRpZCI6IjQyOSIsIkNvbG9yIjp7IiRpZCI6IjQzMCIsIkEiOjI1NSwiUiI6MCwiRyI6MCwiQiI6MH19LCJNYXhXaWR0aCI6IkluZmluaXR5IiwiTWF4SGVpZ2h0IjoiSW5maW5pdHkiLCJTbWFydEZvcmVncm91bmRJc0FjdGl2ZSI6ZmFsc2UsIkhvcml6b250YWxBbGlnbm1lbnQiOjAsIlZlcnRpY2FsQWxpZ25tZW50IjowLCJTbWFydEZvcmVncm91bmQiOm51bGwsIkJhY2tncm91bmRGaWxsVHlwZSI6MCwiTWFyZ2luIjp7IiRpZCI6IjQzMSIsIlRvcCI6MC4wLCJMZWZ0IjowLjAsIlJpZ2h0IjowLjAsIkJvdHRvbSI6MC4wfSwiUGFkZGluZyI6eyIkaWQiOiI0MzIiLCJUb3AiOjAuMCwiTGVmdCI6MC4wLCJSaWdodCI6MC4wLCJCb3R0b20iOjAuMH0sIkJhY2tncm91bmQiOm51bGwsIklzVmlzaWJsZSI6dHJ1ZSwiV2lkdGgiOjAuMCwiSGVpZ2h0IjowLjAsIkJvcmRlclN0eWxlIjpudWxsLCJQYXJlbnRTdHlsZSI6bnVsbH0sIlJlY3RhbmdsZVN0eWxlIjp7IiRpZCI6IjQzMyIsIk1hcmdpbiI6eyIkaWQiOiI0MzQiLCJUb3AiOjAuMCwiTGVmdCI6MC4wLCJSaWdodCI6MC4wLCJCb3R0b20iOjAuMH0sIlBhZGRpbmciOnsiJGlkIjoiNDM1IiwiVG9wIjowLjAsIkxlZnQiOjAuMCwiUmlnaHQiOjAuMCwiQm90dG9tIjowLjB9LCJCYWNrZ3JvdW5kIjp7IiRpZCI6IjQzNiIsIkNvbG9yIjp7IiRpZCI6IjQzNyIsIkEiOjYzLCJSIjo5MSwiRyI6MTU1LCJCIjoyMTN9fSwiSXNWaXNpYmxlIjp0cnVlLCJXaWR0aCI6MC4wLCJIZWlnaHQiOjAuMCwiQm9yZGVyU3R5bGUiOnsiJGlkIjoiNDM4IiwiTGluZUNvbG9yIjp7IiRpZCI6IjQzOSIsIiR0eXBlIjoiTkxSRS5Db21tb24uRG9tLlNvbGlkQ29sb3JCcnVzaCwgTkxSRS5Db21tb24iLCJDb2xvciI6eyIkaWQiOiI0NDAiLCJBIjoyNTUsIlIiOjI1NSwiRyI6MCwiQiI6MH19LCJMaW5lV2VpZ2h0IjowLjAsIkxpbmVUeXBlIjowLCJQYXJlbnRTdHlsZSI6bnVsbH0sIlBhcmVudFN0eWxlIjpudWxsfSwiTWFyZ2luIjp7IiRpZCI6IjQ0MSIsIlRvcCI6MC4wLCJMZWZ0IjowLjAsIlJpZ2h0IjowLjAsIkJvdHRvbSI6MC4wfSwiUGFkZGluZyI6eyIkaWQiOiI0NDIiLCJUb3AiOjAuMCwiTGVmdCI6MC4wLCJSaWdodCI6MC4wLCJCb3R0b20iOjAuMH0sIkJhY2tncm91bmQiOm51bGwsIklzVmlzaWJsZSI6dHJ1ZSwiV2lkdGgiOjAuMCwiSGVpZ2h0IjowLjAsIkJvcmRlclN0eWxlIjpudWxsLCJQYXJlbnRTdHlsZSI6bnVsbH0sIkJhY2tncm91bmRTdHlsZSI6eyIkaWQiOiI0NDMiLCJNYXJnaW4iOnsiJGlkIjoiNDQ0IiwiVG9wIjowLjAsIkxlZnQiOjAuMCwiUmlnaHQiOjAuMCwiQm90dG9tIjowLjB9LCJQYWRkaW5nIjp7IiRpZCI6IjQ0NSIsIlRvcCI6MC4wLCJMZWZ0IjowLjAsIlJpZ2h0IjowLjAsIkJvdHRvbSI6MC4wfSwiQmFja2dyb3VuZCI6eyIkaWQiOiI0NDYiLCJDb2xvciI6eyIkaWQiOiI0NDciLCJBIjo1MSwiUiI6OTEsIkciOjE1NSwiQiI6MjEzfX0sIklzVmlzaWJsZSI6dHJ1ZSwiV2lkdGgiOjAuMCwiSGVpZ2h0IjowLjAsIkJvcmRlclN0eWxlIjp7IiRpZCI6IjQ0OCIsIkxpbmVDb2xvciI6eyIkaWQiOiI0NDkiLCIkdHlwZSI6Ik5MUkUuQ29tbW9uLkRvbS5Tb2xpZENvbG9yQnJ1c2gsIE5MUkUuQ29tbW9uIiwiQ29sb3IiOnsiJGlkIjoiNDUwIiwiQSI6MjU1LCJSIjoyNTUsIkciOjAsIkIiOjB9fSwiTGluZVdlaWdodCI6MC4wLCJMaW5lVHlwZSI6MCwiUGFyZW50U3R5bGUiOm51bGx9LCJQYXJlbnRTdHlsZSI6bnVsbH0sIk1hcmdpbiI6eyIkaWQiOiI0NTEiLCJUb3AiOjAuMCwiTGVmdCI6MC4wLCJSaWdodCI6MC4wLCJCb3R0b20iOjAuMH0sIlBhZGRpbmciOnsiJGlkIjoiNDUyIiwiVG9wIjowLjAsIkxlZnQiOjAuMCwiUmlnaHQiOjAuMCwiQm90dG9tIjowLjB9LCJJc1Zpc2libGUiOnRydWUsIldpZHRoIjowLjAsIkhlaWdodCI6MC4wLCJCb3JkZXJTdHlsZSI6bnVsbCwiUGFyZW50U3R5bGUiOm51bGx9LCJNYXJnaW4iOnsiJGlkIjoiNDUzIiwiVG9wIjowLjAsIkxlZnQiOjAuMCwiUmlnaHQiOjAuMCwiQm90dG9tIjowLjB9LCJQYWRkaW5nIjp7IiRpZCI6IjQ1NCIsIlRvcCI6MC4wLCJMZWZ0IjowLjAsIlJpZ2h0IjowLjAsIkJvdHRvbSI6MC4wfSwiSXNWaXNpYmxlIjp0cnVlLCJXaWR0aCI6MC4wLCJIZWlnaHQiOjAuMCwiQm9yZGVyU3R5bGUiOnsiJGlkIjoiNDU1IiwiTGluZUNvbG9yIjpudWxsLCJMaW5lV2VpZ2h0IjowLjAsIkxpbmVUeXBlIjowLCJQYXJlbnRTdHlsZSI6bnVsbH0sIlBhcmVudFN0eWxlIjpudWxsfSwiX2FkZGl0aW9uYWxTd2ltbGFuZVYyU3R5bGVzIjpbXSwiQ29uZGl0aW9uYWxGb3JtYXR0aW5nIjp7IiRpZCI6IjQ1NiIsIlB2QUZvcm1hdHRpbmciOnsiJGlkIjoiNDU3IiwiRGVsYXlUYXNrU3R5bGUiOnsiJGlkIjoiNDU4IiwiU3R5bGVPcHRpb25zIjo4LCJUaXRsZUZvcmVncm91bmQiOnsiJGlkIjoiNDU5IiwiQ29sb3IiOnsiJGlkIjoiNDYwIiwiQSI6MjU1LCJSIjoxNzUsIkciOjAsIkIiOjB9fSwiQWN0dWFsU2hhcGVzQmFja2dyb3VuZCI6eyIkaWQiOiI0NjEiLCJDb2xvciI6eyIkaWQiOiI0NjIiLCJBIjo2MiwiUiI6MjU1LCJHIjowLCJCIjowfX0sIkFjdHVhbFNoYXBlc0JvcmRlclN0eWxlIjp7IiRpZCI6IjQ2MyIsIkxpbmVDb2xvciI6eyIkaWQiOiI0NjQiLCIkdHlwZSI6Ik5MUkUuQ29tbW9uLkRvbS5Tb2xpZENvbG9yQnJ1c2gsIE5MUkUuQ29tbW9uIiwiQ29sb3IiOnsiJGlkIjoiNDY1IiwiQSI6MTYzLCJSIjoyNTUsIkciOjAsIkIiOjB9fSwiTGluZVdlaWdodCI6My4wLCJMaW5lVHlwZSI6MCwiUGFyZW50U3R5bGUiOm51bGx9LCJCYXNlbGluZVNoYXBlc0JhY2tncm91bmQiOnsiJGlkIjoiNDY2IiwiQ29sb3IiOnsiJGlkIjoiNDY3IiwiQSI6MTg0LCJSIjoyNTUsIkciOjAsIkIiOjB9fSwiSXNWaXNpYmxlIjp0cnVlfSwiRGVsYXlNaWxlc3RvbmVTdHlsZSI6eyIkaWQiOiI0NjgiLCJTdHlsZU9wdGlvbnMiOjIsIlRpdGxlRm9yZWdyb3VuZCI6eyIkaWQiOiI0NjkiLCJDb2xvciI6eyIkaWQiOiI0NzAiLCJBIjoyNTUsIlIiOjE3NSwiRyI6MCwiQiI6MH19LCJBY3R1YWxTaGFwZXNCYWNrZ3JvdW5kIjp7IiRpZCI6IjQ3MSIsIkNvbG9yIjp7IiRpZCI6IjQ3MiIsIkEiOjI1NSwiUiI6MjIyLCJHIjo4MCwiQiI6NTB9fSwiQWN0dWFsU2hhcGVzQm9yZGVyU3R5bGUiOnsiJGlkIjoiNDczIiwiTGluZUNvbG9yIjp7IiRpZCI6IjQ3NCIsIiR0eXBlIjoiTkxSRS5Db21tb24uRG9tLlNvbGlkQ29sb3JCcnVzaCwgTkxSRS5Db21tb24iLCJDb2xvciI6eyIkaWQiOiI0NzUiLCJBIjoxNjMsIlIiOjI1NSwiRyI6MCwiQiI6MH19LCJMaW5lV2VpZ2h0IjozLjAsIkxpbmVUeXBlIjowLCJQYXJlbnRTdHlsZSI6bnVsbH0sIkJhc2VsaW5lU2hhcGVzQmFja2dyb3VuZCI6eyIkaWQiOiI0NzYiLCJDb2xvciI6eyIkaWQiOiI0NzciLCJBIjoxODQsIlIiOjI1NSwiRyI6MCwiQiI6MH19LCJJc1Zpc2libGUiOnRydWV9LCJBZHZhbmNlVGFza1N0eWxlIjp7IiRpZCI6IjQ3OCIsIlN0eWxlT3B0aW9ucyI6OCwiVGl0bGVGb3JlZ3JvdW5kIjp7IiRpZCI6IjQ3OSIsIkNvbG9yIjp7IiRpZCI6IjQ4MCIsIkEiOjI1NSwiUiI6MCwiRyI6MTEwLCJCIjowfX0sIkFjdHVhbFNoYXBlc0JhY2tncm91bmQiOnsiJGlkIjoiNDgxIiwiQ29sb3IiOnsiJGlkIjoiNDgyIiwiQSI6NjEsIlIiOjAsIkciOjEyOCwiQiI6MH19LCJBY3R1YWxTaGFwZXNCb3JkZXJTdHlsZSI6eyIkaWQiOiI0ODMiLCJMaW5lQ29sb3IiOnsiJGlkIjoiNDg0IiwiJHR5cGUiOiJOTFJFLkNvbW1vbi5Eb20uU29saWRDb2xvckJydXNoLCBOTFJFLkNvbW1vbiIsIkNvbG9yIjp7IiRpZCI6IjQ4NSIsIkEiOjE2MywiUiI6MCwiRyI6MTI4LCJCIjowfX0sIkxpbmVXZWlnaHQiOjMuMCwiTGluZVR5cGUiOjAsIlBhcmVudFN0eWxlIjpudWxsfSwiQmFzZWxpbmVTaGFwZXNCYWNrZ3JvdW5kIjp7IiRpZCI6IjQ4NiIsIkNvbG9yIjp7IiRpZCI6IjQ4NyIsIkEiOjE4NCwiUiI6MCwiRyI6MTI4LCJCIjowfX0sIklzVmlzaWJsZSI6dHJ1ZX0sIkFkdmFuY2VNaWxlc3RvbmVTdHlsZSI6eyIkaWQiOiI0ODgiLCJTdHlsZU9wdGlvbnMiOjIsIlRpdGxlRm9yZWdyb3VuZCI6eyIkaWQiOiI0ODkiLCJDb2xvciI6eyIkaWQiOiI0OTAiLCJBIjoyNTUsIlIiOjAsIkciOjExMCwiQiI6MH19LCJBY3R1YWxTaGFwZXNCYWNrZ3JvdW5kIjp7IiRpZCI6IjQ5MSIsIkNvbG9yIjp7IiRpZCI6IjQ5MiIsIkEiOjI1NSwiUiI6MjAsIkciOjEwMCwiQiI6MH19LCJBY3R1YWxTaGFwZXNCb3JkZXJTdHlsZSI6eyIkaWQiOiI0OTMiLCJMaW5lQ29sb3IiOnsiJGlkIjoiNDk0IiwiJHR5cGUiOiJOTFJFLkNvbW1vbi5Eb20uU29saWRDb2xvckJydXNoLCBOTFJFLkNvbW1vbiIsIkNvbG9yIjp7IiRpZCI6IjQ5NSIsIkEiOjE2MywiUiI6MCwiRyI6MTI4LCJCIjowfX0sIkxpbmVXZWlnaHQiOjMuMCwiTGluZVR5cGUiOjAsIlBhcmVudFN0eWxlIjpudWxsfSwiQmFzZWxpbmVTaGFwZXNCYWNrZ3JvdW5kIjp7IiRpZCI6IjQ5NiIsIkNvbG9yIjp7IiRpZCI6IjQ5NyIsIkEiOjE4NCwiUiI6MCwiRyI6MTI4LCJCIjowfX0sIklzVmlzaWJsZSI6dHJ1ZX19fX0sIlNjYWxlIjp7IiRpZCI6IjQ5OCIsIlN0YXJ0RGF0ZSI6IjAwMDEtMDEtMDFUMDA6MDA6MDAiLCJFbmREYXRlIjoiMjAxOC0wNi0yOVQyMzo1OTowMCIsIkZvcm1hdCI6Ik1NTSIsIlR5cGUiOjIsIkF1dG9EYXRlUmFuZ2UiOnRydWUsIldvcmtpbmdEYXlzIjoxMjcsIkZpc2NhbFllYXIiOnsiJGlkIjoiNDk5IiwiU3RhcnRNb250aCI6MSwiVXNlU3RhcnRpbmdZZWFyRm9yTnVtYmVyaW5nIjp0cnVlLCJTaG93RmlzY2FsWWVhckxhYmVsIjp0cnVlfSwiVG9kYXlNYXJrZXJUZXh0IjoiSG95IiwiQXV0b1NjYWxlVHlwZSI6dHJ1ZX0sIlNjYWxlVjIiOnsiJGlkIjoiNTAwIiwiU3RhcnREYXRlIjoiMDAwMS0wMS0wMVQwMDowMDowMCIsIkVuZERhdGUiOiIyMDI1LTEyLTIwVDAwOjAwOjAwIiwiQXV0b0RhdGVSYW5nZSI6dHJ1ZSwiV29ya2luZ0RheXMiOjEyNywiRmlzY2FsWWVhciI6eyIkcmVmIjoiNDk5In0sIlRvZGF5TWFya2VyVGV4dCI6IkhveSIsIkF1dG9TY2FsZVR5cGUiOnRydWUsIlRpbWViYW5kU2NhbGVzIjp7IiRpZCI6IjUwMSIsIlRvcFNjYWxlTGF5ZXIiOnsiJGlkIjoiNTAyIiwiRm9ybWF0IjoidyIsIlR5cGUiOjEsIkdyb3VwaW5nSW50ZXJ2YWxzIjp7IiRpZCI6IjUwMyIsIklzU2V0IjpmYWxzZSwiR3JvdXBpbmdTdGVwQ291bnQiOjF9fSwiTWlkZGxlU2NhbGVMYXllciI6eyIkaWQiOiI1MDQiLCJGb3JtYXQiOm51bGwsIlR5cGUiOjAsIkdyb3VwaW5nSW50ZXJ2YWxzIjp7IiRpZCI6IjUwNSIsIklzU2V0IjpmYWxzZSwiR3JvdXBpbmdTdGVwQ291bnQiOjF9fSwiQm90dG9tU2NhbGVMYXllciI6eyIkaWQiOiI1MDYiLCJGb3JtYXQiOm51bGwsIlR5cGUiOjAsIkdyb3VwaW5nSW50ZXJ2YWxzIjp7IiRpZCI6IjUwNyIsIklzU2V0IjpmYWxzZSwiR3JvdXBpbmdTdGVwQ291bnQiOjF9fX19LCJNaWxlc3RvbmVzIjpbeyIkaWQiOiI1MDgiLCJEYXRlIjoiMjAyNS0wNy0xMVQwMDowMDowMFoiLCJTdHlsZSI6eyIkaWQiOiI1MDkiLCJTaGFwZSI6MiwiQ29ubmVjdG9yTWFyZ2luIjp7IiRpZCI6IjUxMCIsIlRvcCI6MC4wLCJMZWZ0IjoyLjAsIlJpZ2h0IjoyLjAsIkJvdHRvbSI6MC4wfSwiQ29ubmVjdG9yU3R5bGUiOnsiJGlkIjoiNTExIiwiTGluZUNvbG9yIjp7IiRpZCI6IjUxMiIsIiR0eXBlIjoiTkxSRS5Db21tb24uRG9tLlNvbGlkQ29sb3JCcnVzaCwgTkxSRS5Db21tb24iLCJDb2xvciI6eyIkaWQiOiI1MTMiLCJBIjoxMjcsIlIiOjMxLCJHIjo3MywiQiI6MTI2fX0sIkxpbmVXZWlnaHQiOjAuNjY2NjY2NywiTGluZVR5cGUiOjAsIlBhcmVudFN0eWxlIjpudWxsfSwiSXNCZWxvd1RpbWViYW5kIjpmYWxzZSwiUG9zaXRpb25PblRhc2siOjAsIkhpZGVEYXRlIjpmYWxzZSwiU2hhcGVTaXplIjoxLCJTcGFjaW5nIjoxLjAsIlBhZGRpbmciOnsiJGlkIjoiNTE0IiwiVG9wIjo3LjAsIkxlZnQiOjMuMCwiUmlnaHQiOjAuMCwiQm90dG9tIjoyLjB9LCJTaGFwZVN0eWxlIjp7IiRpZCI6IjUxNSIsIk1hcmdpbiI6eyIkaWQiOiI1MTYiLCJUb3AiOjAuMCwiTGVmdCI6MC4wLCJSaWdodCI6MC4wLCJCb3R0b20iOjAuMH0sIlBhZGRpbmciOnsiJGlkIjoiNTE3IiwiVG9wIjowLjAsIkxlZnQiOjAuMCwiUmlnaHQiOjAuMCwiQm90dG9tIjowLjB9LCJCYWNrZ3JvdW5kIjp7IiRpZCI6IjUxOCIsIkNvbG9yIjp7IiRpZCI6IjUxOSIsIkEiOjI1NSwiUiI6MjM0LCJHIjoyMiwiQiI6MzB9fSwiSXNWaXNpYmxlIjp0cnVlLCJXaWR0aCI6MTguMCwiSGVpZ2h0IjoyMC4wLCJCb3JkZXJTdHlsZSI6eyIkaWQiOiI1MjAiLCJMaW5lQ29sb3IiOnsiJGlkIjoiNTIxIiwiJHR5cGUiOiJOTFJFLkNvbW1vbi5Eb20uU29saWRDb2xvckJydXNoLCBOTFJFLkNvbW1vbiIsIkNvbG9yIjp7IiRpZCI6IjUyMiIsIkEiOjI1NSwiUiI6MjU1LCJHIjowLCJCIjowfX0sIkxpbmVXZWlnaHQiOjAuMCwiTGluZVR5cGUiOjAsIlBhcmVudFN0eWxlIjpudWxsfSwiUGFyZW50U3R5bGUiOm51bGx9LCJUaXRsZVN0eWxlIjp7IiRpZCI6IjUyMyIsIkZvbnRTZXR0aW5ncyI6eyIkaWQiOiI1MjQiLCJGb250U2l6ZSI6MTEsIkZvbnROYW1lIjoiQ2FsaWJyaSIsIklzQm9sZCI6dHJ1ZSwiSXNJdGFsaWMiOmZhbHNlLCJJc1VuZGVybGluZWQiOmZhbHNlLCJQYXJlbnRTdHlsZSI6bnVsbH0sIkF1dG9TaXplIjowLCJGb3JlZ3JvdW5kIjp7IiRpZCI6IjUyNSIsIkNvbG9yIjp7IiRpZCI6IjUyNiIsIkEiOjI1NSwiUiI6MCwiRyI6MCwiQiI6MH19LCJNYXhXaWR0aCI6MjAwLjAsIk1heEhlaWdodCI6IkluZmluaXR5IiwiU21hcnRGb3JlZ3JvdW5kSXNBY3RpdmUiOmZhbHNlLCJIb3Jpem9udGFsQWxpZ25tZW50IjowLCJWZXJ0aWNhbEFsaWdubWVudCI6MCwiU21hcnRGb3JlZ3JvdW5kIjpudWxsLCJCYWNrZ3JvdW5kRmlsbFR5cGUiOjAsIk1hcmdpbiI6eyIkaWQiOiI1MjciLCJUb3AiOjAuMCwiTGVmdCI6MC4wLCJSaWdodCI6MC4wLCJCb3R0b20iOjAuMH0sIlBhZGRpbmciOnsiJGlkIjoiNTI4IiwiVG9wIjowLjAsIkxlZnQiOjAuMCwiUmlnaHQiOjAuMCwiQm90dG9tIjowLjB9LCJCYWNrZ3JvdW5kIjp7IiRpZCI6IjUyOSIsIkNvbG9yIjp7IiRpZCI6IjUzMCIsIkEiOjg5LCJSIjowLCJHIjowLCJCIjowfX0sIklzVmlzaWJsZSI6dHJ1ZSwiV2lkdGgiOjAuMCwiSGVpZ2h0IjowLjAsIkJvcmRlclN0eWxlIjp7IiRpZCI6IjUzMSIsIkxpbmVDb2xvciI6bnVsbCwiTGluZVdlaWdodCI6MC4wLCJMaW5lVHlwZSI6MCwiUGFyZW50U3R5bGUiOm51bGx9LCJQYXJlbnRTdHlsZSI6bnVsbH0sIkRhdGVTdHlsZSI6eyIkaWQiOiI1MzIiLCJGb250U2V0dGluZ3MiOnsiJGlkIjoiNTMzIiwiRm9udFNpemUiOjEwLCJGb250TmFtZSI6IkNhbGlicmkiLCJJc0JvbGQiOmZhbHNlLCJJc0l0YWxpYyI6ZmFsc2UsIklzVW5kZXJsaW5lZCI6ZmFsc2UsIlBhcmVudFN0eWxlIjpudWxsfSwiQXV0b1NpemUiOjAsIkZvcmVncm91bmQiOnsiJGlkIjoiNTM0IiwiQ29sb3IiOnsiJGlkIjoiNTM1IiwiQSI6MjU1LCJSIjo2OCwiRyI6ODQsIkIiOjEwNn19LCJNYXhXaWR0aCI6MjAwLjAsIk1heEhlaWdodCI6IkluZmluaXR5IiwiU21hcnRGb3JlZ3JvdW5kSXNBY3RpdmUiOmZhbHNlLCJIb3Jpem9udGFsQWxpZ25tZW50IjowLCJWZXJ0aWNhbEFsaWdubWVudCI6MCwiU21hcnRGb3JlZ3JvdW5kIjpudWxsLCJCYWNrZ3JvdW5kRmlsbFR5cGUiOjAsIk1hcmdpbiI6eyIkaWQiOiI1MzYiLCJUb3AiOjAuMCwiTGVmdCI6MC4wLCJSaWdodCI6MC4wLCJCb3R0b20iOjAuMH0sIlBhZGRpbmciOnsiJGlkIjoiNTM3IiwiVG9wIjowLjAsIkxlZnQiOjAuMCwiUmlnaHQiOjAuMCwiQm90dG9tIjowLjB9LCJCYWNrZ3JvdW5kIjp7IiRpZCI6IjUzOCIsIkNvbG9yIjp7IiRyZWYiOiI1MzAifX0sIklzVmlzaWJsZSI6dHJ1ZSwiV2lkdGgiOjAuMCwiSGVpZ2h0IjowLjAsIkJvcmRlclN0eWxlIjp7IiRpZCI6IjUzOSIsIkxpbmVDb2xvciI6bnVsbCwiTGluZVdlaWdodCI6MC4wLCJMaW5lVHlwZSI6MCwiUGFyZW50U3R5bGUiOm51bGx9LCJQYXJlbnRTdHlsZSI6bnVsbH0sIkRhdGVGb3JtYXQiOnsiJGlkIjoiNTQwIiwiRm9ybWF0U3RyaW5nIjoiTS9kL3l5eXkiLCJTZXBhcmF0b3IiOiIvIiwiVXNlSW50ZXJuYXRpb25hbERhdGVGb3JtYXQiOmZhbHNlLCJEYXRlSXNWaXNpYmxlIjp0cnVlLCJUaW1lSXNWaXNpYmxlIjpmYWxzZSwiSG91ckRpZ2l0cyI6MSwiQW1QbURlc2lnbmF0b3IiOjIsIlRyaW0wME1pbnV0ZXMiOmZhbHNlLCJMYXN0S25vd25WaXNpYmlsaXR5U3RhdGUiOnsiJGlkIjoiNTQxIiwiRGF0ZVBhcnRJc1Zpc2libGUiOmZhbHNlLCJUaW1lUGFydElzVmlzaWJsZSI6ZmFsc2V9fSwiV2Vla051bWJlcmluZyI6eyIkaWQiOiI1NDIiLCJGb3JtYXQiOjAsIklzVmlzaWJsZSI6ZmFsc2UsIkxhc3RLbm93blZpc2liaWxpdHlTdGF0ZSI6ZmFsc2V9LCJJc1Zpc2libGUiOnRydWUsIlBhcmVudFN0eWxlIjpudWxsfSwiSW5kZXgiOjUsIlBlcmNlbnRhZ2VDb21wbGV0ZSI6bnVsbCwiUG9zaXRpb24iOnsiUmF0aW8iOjAuMCwiSXNDdXN0b20iOmZhbHNlfSwiRGF0ZUZvcm1hdCI6eyIkcmVmIjoiNTQwIn0sIldlZWtOdW1iZXJpbmciOnsiJGlkIjoiNTQzIiwiRm9ybWF0IjowLCJJc1Zpc2libGUiOmZhbHNlLCJMYXN0S25vd25WaXNpYmlsaXR5U3RhdGUiOmZhbHNlfSwiQmFzZWxpbmVEYXRhIjp7IiRpZCI6IjU0NCIsIkRhdGUiOiIyMDI1LTEyLTIwVDAwOjAwOjAwIn0sIlJlbGF0ZWRUYXNrSWQiOiIwMDAwMDAwMC0wMDAwLTAwMDAtMDAwMC0wMDAwMDAwMDAwMDAiLCJJZCI6IjZjODI4YTEwLWI1YzktNGVhYS04ZjhiLTI4MzU1M2ViZGI0NiIsIkltcG9ydElkIjpudWxsLCJUaXRsZSI6IlJlbGVhc2UgMS4wIiwiTm90ZSI6bnVsbCwiSHlwZXJsaW5rIjp7IiRpZCI6IjU0NSIsIkFkZHJlc3MiOiIiLCJTdWJBZGRyZXNzIjoiIn0sIklzQ2hhbmdlZCI6ZmFsc2UsIklzTmV3IjpmYWxzZX1dLCJUYXNrcyI6W3siJGlkIjoiNTQ2IiwiR3JvdXBOYW1lIjpudWxsLCJTdGFydERhdGUiOiIyMDI1LTA2LTEwVDAwOjAwOjAwWiIsIkVuZERhdGUiOiIyMDI1LTEwLTA5VDIzOjU5OjAwWiIsIlBlcmNlbnRhZ2VDb21wbGV0ZSI6bnVsbCwiU3R5bGUiOnsiJGlkIjoiNTQ3IiwiU2hhcGUiOjAsIlNoYXBlVGhpY2tuZXNzIjoxLCJEdXJhdGlvbkZvcm1hdCI6MCwiSW5jbHVkZU5vbldvcmtpbmdEYXlzSW5EdXJhdGlvbiI6ZmFsc2UsIlBlcmNlbnRhZ2VDb21wbGV0ZVN0eWxlIjp7IiRpZCI6IjU0OCIsIkZvbnRTZXR0aW5ncyI6eyIkaWQiOiI1NDkiLCJGb250U2l6ZSI6MTAsIkZvbnROYW1lIjoiQ2FsaWJyaSIsIklzQm9sZCI6ZmFsc2UsIklzSXRhbGljIjpmYWxzZSwiSXNVbmRlcmxpbmVkIjpmYWxzZSwiUGFyZW50U3R5bGUiOm51bGx9LCJBdXRvU2l6ZSI6MCwiRm9yZWdyb3VuZCI6eyIkaWQiOiI1NTAiLCJDb2xvciI6eyIkaWQiOiI1NTEiLCJBIjoyNTUsIlIiOjIzNywiRyI6MTI1LCJCIjo0OX19LCJNYXhXaWR0aCI6MjAwLjAsIk1heEhlaWdodCI6IkluZmluaXR5IiwiU21hcnRGb3JlZ3JvdW5kSXNBY3RpdmUiOmZhbHNlLCJIb3Jpem9udGFsQWxpZ25tZW50IjowLCJWZXJ0aWNhbEFsaWdubWVudCI6MCwiU21hcnRGb3JlZ3JvdW5kIjpudWxsLCJCYWNrZ3JvdW5kRmlsbFR5cGUiOjAsIk1hcmdpbiI6eyIkaWQiOiI1NTIiLCJUb3AiOjAuMCwiTGVmdCI6MC4wLCJSaWdodCI6MC4wLCJCb3R0b20iOjAuMH0sIlBhZGRpbmciOnsiJGlkIjoiNTUzIiwiVG9wIjowLjAsIkxlZnQiOjAuMCwiUmlnaHQiOjAuMCwiQm90dG9tIjowLjB9LCJCYWNrZ3JvdW5kIjp7IiRpZCI6IjU1NCIsIkNvbG9yIjp7IiRpZCI6IjU1NSIsIkEiOjg5LCJSIjowLCJHIjowLCJCIjowfX0sIklzVmlzaWJsZSI6dHJ1ZSwiV2lkdGgiOjAuMCwiSGVpZ2h0IjowLjAsIkJvcmRlclN0eWxlIjp7IiRpZCI6IjU1NiIsIkxpbmVDb2xvciI6bnVsbCwiTGluZVdlaWdodCI6MC4wLCJMaW5lVHlwZSI6MCwiUGFyZW50U3R5bGUiOm51bGx9LCJQYXJlbnRTdHlsZSI6bnVsbH0sIkR1cmF0aW9uU3R5bGUiOnsiJGlkIjoiNTU3IiwiRm9udFNldHRpbmdzIjp7IiRpZCI6IjU1OCIsIkZvbnRTaXplIjoxMCwiRm9udE5hbWUiOiJDYWxpYnJpIiwiSXNCb2xkIjpmYWxzZSwiSXNJdGFsaWMiOmZhbHNlLCJJc1VuZGVybGluZWQiOmZhbHNlLCJQYXJlbnRTdHlsZSI6bnVsbH0sIkF1dG9TaXplIjowLCJGb3JlZ3JvdW5kIjp7IiRpZCI6IjU1OSIsIkNvbG9yIjp7IiRpZCI6IjU2MCIsIkEiOjI1NSwiUiI6MjM3LCJHIjoxMjUsIkIiOjQ5fX0sIk1heFdpZHRoIjoyMDAuMCwiTWF4SGVpZ2h0IjoiSW5maW5pdHkiLCJTbWFydEZvcmVncm91bmRJc0FjdGl2ZSI6ZmFsc2UsIkhvcml6b250YWxBbGlnbm1lbnQiOjAsIlZlcnRpY2FsQWxpZ25tZW50IjowLCJTbWFydEZvcmVncm91bmQiOm51bGwsIkJhY2tncm91bmRGaWxsVHlwZSI6MCwiTWFyZ2luIjp7IiRpZCI6IjU2MSIsIlRvcCI6MC4wLCJMZWZ0IjowLjAsIlJpZ2h0IjowLjAsIkJvdHRvbSI6MC4wfSwiUGFkZGluZyI6eyIkaWQiOiI1NjIiLCJUb3AiOjAuMCwiTGVmdCI6MC4wLCJSaWdodCI6MC4wLCJCb3R0b20iOjAuMH0sIkJhY2tncm91bmQiOnsiJGlkIjoiNTYzIiwiQ29sb3IiOnsiJHJlZiI6IjU1NSJ9fSwiSXNWaXNpYmxlIjp0cnVlLCJXaWR0aCI6MC4wLCJIZWlnaHQiOjAuMCwiQm9yZGVyU3R5bGUiOnsiJGlkIjoiNTY0IiwiTGluZUNvbG9yIjpudWxsLCJMaW5lV2VpZ2h0IjowLjAsIkxpbmVUeXBlIjowLCJQYXJlbnRTdHlsZSI6bnVsbH0sIlBhcmVudFN0eWxlIjpudWxsfSwiSG9yaXpvbnRhbENvbm5lY3RvclN0eWxlIjp7IiRpZCI6IjU2NSIsIkxpbmVDb2xvciI6eyIkaWQiOiI1NjYiLCIkdHlwZSI6Ik5MUkUuQ29tbW9uLkRvbS5Tb2xpZENvbG9yQnJ1c2gsIE5MUkUuQ29tbW9uIiwiQ29sb3IiOnsiJGlkIjoiNTY3IiwiQSI6MjU1LCJSIjoyMDQsIkciOjIwNCwiQiI6MjA0fX0sIkxpbmVXZWlnaHQiOjAuNjY2NjY2NywiTGluZVR5cGUiOjAsIlBhcmVudFN0eWxlIjpudWxsfSwiVmVydGljYWxDb25uZWN0b3JTdHlsZSI6eyIkaWQiOiI1NjgiLCJMaW5lQ29sb3IiOnsiJGlkIjoiNTY5IiwiJHR5cGUiOiJOTFJFLkNvbW1vbi5Eb20uU29saWRDb2xvckJydXNoLCBOTFJFLkNvbW1vbiIsIkNvbG9yIjp7IiRpZCI6IjU3MCIsIkEiOjI1NSwiUiI6MjA0LCJHIjoyMDQsIkIiOjIwNH19LCJMaW5lV2VpZ2h0IjowLjAsIkxpbmVUeXBlIjowLCJQYXJlbnRTdHlsZSI6bnVsbH0sIk1hcmdpbiI6bnVsbCwiU3RhcnREYXRlUG9zaXRpb24iOjQsIkVuZERhdGVQb3NpdGlvbiI6NCwiRGF0ZUlzVmlzaWJsZSI6dHJ1ZSwiVGl0bGVQb3NpdGlvbiI6NSwiRHVyYXRpb25Qb3NpdGlvbiI6NiwiUGVyY2VudGFnZUNvbXBsZXRlZFBvc2l0aW9uIjo2LCJTcGFjaW5nIjo1LCJJc0JlbG93VGltZWJhbmQiOnRydWUsIlBlcmNlbnRhZ2VDb21wbGV0ZVNoYXBlT3BhY2l0eSI6MzUsIkJhc2VsaW5lU3R5bGUiOnsiJGlkIjoiNTcxIiwiU2hhcGVTdHlsZSI6eyIkaWQiOiI1NzIiLCJNYXJnaW4iOnsiJGlkIjoiNTczIiwiVG9wIjowLjAsIkxlZnQiOjAuMCwiUmlnaHQiOjAuMCwiQm90dG9tIjowLjB9LCJQYWRkaW5nIjp7IiRpZCI6IjU3NCIsIlRvcCI6MC4wLCJMZWZ0IjowLjAsIlJpZ2h0IjowLjAsIkJvdHRvbSI6MC4wfSwiQmFja2dyb3VuZCI6eyIkaWQiOiI1NzUiLCJDb2xvciI6eyIkaWQiOiI1NzYiLCJBIjoxNTMsIlIiOjAsIkciOjAsIkIiOjB9fSwiSXNWaXNpYmxlIjp0cnVlLCJXaWR0aCI6MC4wLCJIZWlnaHQiOjAuMCwiQm9yZGVyU3R5bGUiOm51bGwsIlBhcmVudFN0eWxlIjpudWxsfSwiTWFyZ2luIjp7IiRpZCI6IjU3NyIsIlRvcCI6MC4wLCJMZWZ0IjowLjAsIlJpZ2h0IjowLjAsIkJvdHRvbSI6MC4wfSwiUGFkZGluZyI6eyIkaWQiOiI1NzgiLCJUb3AiOjAuMCwiTGVmdCI6MC4wLCJSaWdodCI6MC4wLCJCb3R0b20iOjAuMH0sIkJhY2tncm91bmQiOm51bGwsIklzVmlzaWJsZSI6dHJ1ZSwiV2lkdGgiOjAuMCwiSGVpZ2h0IjowLjAsIkJvcmRlclN0eWxlIjpudWxsLCJQYXJlbnRTdHlsZSI6bnVsbH0sIlNoYXBlU3R5bGUiOnsiJGlkIjoiNTc5IiwiTWFyZ2luIjp7IiRpZCI6IjU4MCIsIlRvcCI6MC4wLCJMZWZ0Ijo0LjAsIlJpZ2h0Ijo0LjAsIkJvdHRvbSI6MC4wfSwiUGFkZGluZyI6eyIkaWQiOiI1ODEiLCJUb3AiOjAuMCwiTGVmdCI6MC4wLCJSaWdodCI6MC4wLCJCb3R0b20iOjAuMH0sIkJhY2tncm91bmQiOnsiJGlkIjoiNTgyIiwiQ29sb3IiOnsiJGlkIjoiNTgzIiwiQSI6MjU1LCJSIjo5MSwiRyI6MTU1LCJCIjoyMTN9fSwiSXNWaXNpYmxlIjp0cnVlLCJXaWR0aCI6OTMuMCwiSGVpZ2h0IjoxNi4wLCJCb3JkZXJTdHlsZSI6eyIkaWQiOiI1ODQiLCJMaW5lQ29sb3IiOnsiJGlkIjoiNTg1IiwiJHR5cGUiOiJOTFJFLkNvbW1vbi5Eb20uU29saWRDb2xvckJydXNoLCBOTFJFLkNvbW1vbiIsIkNvbG9yIjp7IiRpZCI6IjU4NiIsIkEiOjI1NSwiUiI6MjU1LCJHIjowLCJCIjowfX0sIkxpbmVXZWlnaHQiOjAuMCwiTGluZVR5cGUiOjAsIlBhcmVudFN0eWxlIjpudWxsfSwiUGFyZW50U3R5bGUiOm51bGx9LCJUaXRsZVN0eWxlIjp7IiRpZCI6IjU4NyIsIkZvbnRTZXR0aW5ncyI6eyIkaWQiOiI1ODgiLCJGb250U2l6ZSI6MTEsIkZvbnROYW1lIjoiQ2FsaWJyaSIsIklzQm9sZCI6dHJ1ZSwiSXNJdGFsaWMiOmZhbHNlLCJJc1VuZGVybGluZWQiOmZhbHNlLCJQYXJlbnRTdHlsZSI6bnVsbH0sIkF1dG9TaXplIjowLCJGb3JlZ3JvdW5kIjp7IiRpZCI6IjU4OSIsIkNvbG9yIjp7IiRpZCI6IjU5MCIsIkEiOjI1NSwiUiI6MCwiRyI6MCwiQiI6MH19LCJNYXhXaWR0aCI6OTYwLjAsIk1heEhlaWdodCI6IkluZmluaXR5IiwiU21hcnRGb3JlZ3JvdW5kSXNBY3RpdmUiOmZhbHNlLCJIb3Jpem9udGFsQWxpZ25tZW50IjowLCJWZXJ0aWNhbEFsaWdubWVudCI6MCwiU21hcnRGb3JlZ3JvdW5kIjpudWxsLCJCYWNrZ3JvdW5kRmlsbFR5cGUiOjAsIk1hcmdpbiI6eyIkaWQiOiI1OTEiLCJUb3AiOjAuMCwiTGVmdCI6MC4wLCJSaWdodCI6MC4wLCJCb3R0b20iOjAuMH0sIlBhZGRpbmciOnsiJGlkIjoiNTkyIiwiVG9wIjowLjAsIkxlZnQiOjAuMCwiUmlnaHQiOjAuMCwiQm90dG9tIjowLjB9LCJCYWNrZ3JvdW5kIjp7IiRpZCI6IjU5MyIsIkNvbG9yIjp7IiRyZWYiOiI1NTUifX0sIklzVmlzaWJsZSI6dHJ1ZSwiV2lkdGgiOjAuMCwiSGVpZ2h0IjowLjAsIkJvcmRlclN0eWxlIjp7IiRpZCI6IjU5NCIsIkxpbmVDb2xvciI6bnVsbCwiTGluZVdlaWdodCI6MC4wLCJMaW5lVHlwZSI6MCwiUGFyZW50U3R5bGUiOm51bGx9LCJQYXJlbnRTdHlsZSI6bnVsbH0sIkRhdGVTdHlsZSI6eyIkaWQiOiI1OTUiLCJGb250U2V0dGluZ3MiOnsiJGlkIjoiNTk2IiwiRm9udFNpemUiOjEwLCJGb250TmFtZSI6IkNhbGlicmkiLCJJc0JvbGQiOmZhbHNlLCJJc0l0YWxpYyI6ZmFsc2UsIklzVW5kZXJsaW5lZCI6ZmFsc2UsIlBhcmVudFN0eWxlIjpudWxsfSwiQXV0b1NpemUiOjAsIkZvcmVncm91bmQiOnsiJGlkIjoiNTk3IiwiQ29sb3IiOnsiJGlkIjoiNTk4IiwiQSI6MjU1LCJSIjo2OCwiRyI6ODQsIkIiOjEwNn19LCJNYXhXaWR0aCI6MjAwLjAsIk1heEhlaWdodCI6IkluZmluaXR5IiwiU21hcnRGb3JlZ3JvdW5kSXNBY3RpdmUiOmZhbHNlLCJIb3Jpem9udGFsQWxpZ25tZW50IjowLCJWZXJ0aWNhbEFsaWdubWVudCI6MCwiU21hcnRGb3JlZ3JvdW5kIjpudWxsLCJCYWNrZ3JvdW5kRmlsbFR5cGUiOjAsIk1hcmdpbiI6eyIkaWQiOiI1OTkiLCJUb3AiOjAuMCwiTGVmdCI6MC4wLCJSaWdodCI6MC4wLCJCb3R0b20iOjAuMH0sIlBhZGRpbmciOnsiJGlkIjoiNjAwIiwiVG9wIjowLjAsIkxlZnQiOjAuMCwiUmlnaHQiOjAuMCwiQm90dG9tIjowLjB9LCJCYWNrZ3JvdW5kIjp7IiRpZCI6IjYwMSIsIkNvbG9yIjp7IiRyZWYiOiI1NTUifX0sIklzVmlzaWJsZSI6dHJ1ZSwiV2lkdGgiOjAuMCwiSGVpZ2h0IjowLjAsIkJvcmRlclN0eWxlIjp7IiRpZCI6IjYwMiIsIkxpbmVDb2xvciI6bnVsbCwiTGluZVdlaWdodCI6MC4wLCJMaW5lVHlwZSI6MCwiUGFyZW50U3R5bGUiOm51bGx9LCJQYXJlbnRTdHlsZSI6bnVsbH0sIkRhdGVGb3JtYXQiOnsiJGlkIjoiNjAzIiwiRm9ybWF0U3RyaW5nIjoiTS9kL3l5eXkiLCJTZXBhcmF0b3IiOiIvIiwiVXNlSW50ZXJuYXRpb25hbERhdGVGb3JtYXQiOmZhbHNlLCJEYXRlSXNWaXNpYmxlIjp0cnVlLCJUaW1lSXNWaXNpYmxlIjpmYWxzZSwiSG91ckRpZ2l0cyI6MSwiQW1QbURlc2lnbmF0b3IiOjIsIlRyaW0wME1pbnV0ZXMiOmZhbHNlLCJMYXN0S25vd25WaXNpYmlsaXR5U3RhdGUiOnsiJGlkIjoiNjA0IiwiRGF0ZVBhcnRJc1Zpc2libGUiOmZhbHNlLCJUaW1lUGFydElzVmlzaWJsZSI6ZmFsc2V9fSwiV2Vla051bWJlcmluZyI6eyIkaWQiOiI2MDUiLCJGb3JtYXQiOjAsIklzVmlzaWJsZSI6ZmFsc2UsIkxhc3RLbm93blZpc2liaWxpdHlTdGF0ZSI6ZmFsc2V9LCJJc1Zpc2libGUiOnRydWUsIlBhcmVudFN0eWxlIjpudWxsfSwiSW5kZXgiOjAsIlNtYXJ0RHVyYXRpb25BY3RpdmF0ZWQiOmZhbHNlLCJEYXRlRm9ybWF0Ijp7IiRyZWYiOiI2MDMifSwiV2Vla051bWJlcmluZyI6eyIkaWQiOiI2MDYiLCJGb3JtYXQiOjAsIklzVmlzaWJsZSI6ZmFsc2UsIkxhc3RLbm93blZpc2liaWxpdHlTdGF0ZSI6ZmFsc2V9LCJCYXNlbGluZURhdGEiOnsiJGlkIjoiNjA3IiwiU3RhcnREYXRlIjoiMjAyNS0xMC0wN1QwMDowMDowMCIsIkVuZERhdGUiOiIyMDI1LTEwLTIwVDIzOjU5OjAwIn0sIklkIjoiOTkwNWQ5OTQtOGZkMi00OTE2LWE5ZWItMmFkNGIzNmQxODlhIiwiSW1wb3J0SWQiOm51bGwsIlRpdGxlIjoiU3ByaW50IDEiLCJOb3RlIjpudWxsLCJIeXBlcmxpbmsiOnsiJGlkIjoiNjA4IiwiQWRkcmVzcyI6bnVsbCwiU3ViQWRkcmVzcyI6bnVsbH0sIklzQ2hhbmdlZCI6ZmFsc2UsIklzTmV3IjpmYWxzZX0seyIkaWQiOiI2MDkiLCJHcm91cE5hbWUiOm51bGwsIlN0YXJ0RGF0ZSI6IjIwMjUtMDEtMTBUMDA6MDA6MDBaIiwiRW5kRGF0ZSI6IjIwMjUtMTAtMTZUMjM6NTk6MDBaIiwiUGVyY2VudGFnZUNvbXBsZXRlIjpudWxsLCJTdHlsZSI6eyIkaWQiOiI2MTAiLCJTaGFwZSI6MCwiU2hhcGVUaGlja25lc3MiOjEsIkR1cmF0aW9uRm9ybWF0IjowLCJJbmNsdWRlTm9uV29ya2luZ0RheXNJbkR1cmF0aW9uIjpmYWxzZSwiUGVyY2VudGFnZUNvbXBsZXRlU3R5bGUiOnsiJGlkIjoiNjExIiwiRm9udFNldHRpbmdzIjp7IiRpZCI6IjYxMiIsIkZvbnRTaXplIjoxMCwiRm9udE5hbWUiOiJDYWxpYnJpIiwiSXNCb2xkIjpmYWxzZSwiSXNJdGFsaWMiOmZhbHNlLCJJc1VuZGVybGluZWQiOmZhbHNlLCJQYXJlbnRTdHlsZSI6bnVsbH0sIkF1dG9TaXplIjowLCJGb3JlZ3JvdW5kIjp7IiRpZCI6IjYxMyIsIkNvbG9yIjp7IiRpZCI6IjYxNCIsIkEiOjI1NSwiUiI6MjM3LCJHIjoxMjUsIkIiOjQ5fX0sIk1heFdpZHRoIjoyMDAuMCwiTWF4SGVpZ2h0IjoiSW5maW5pdHkiLCJTbWFydEZvcmVncm91bmRJc0FjdGl2ZSI6ZmFsc2UsIkhvcml6b250YWxBbGlnbm1lbnQiOjAsIlZlcnRpY2FsQWxpZ25tZW50IjowLCJTbWFydEZvcmVncm91bmQiOm51bGwsIkJhY2tncm91bmRGaWxsVHlwZSI6MCwiTWFyZ2luIjp7IiRpZCI6IjYxNSIsIlRvcCI6MC4wLCJMZWZ0IjowLjAsIlJpZ2h0IjowLjAsIkJvdHRvbSI6MC4wfSwiUGFkZGluZyI6eyIkaWQiOiI2MTYiLCJUb3AiOjAuMCwiTGVmdCI6MC4wLCJSaWdodCI6MC4wLCJCb3R0b20iOjAuMH0sIkJhY2tncm91bmQiOnsiJGlkIjoiNjE3IiwiQ29sb3IiOnsiJGlkIjoiNjE4IiwiQSI6ODksIlIiOjAsIkciOjAsIkIiOjB9fSwiSXNWaXNpYmxlIjp0cnVlLCJXaWR0aCI6MC4wLCJIZWlnaHQiOjAuMCwiQm9yZGVyU3R5bGUiOnsiJGlkIjoiNjE5IiwiTGluZUNvbG9yIjpudWxsLCJMaW5lV2VpZ2h0IjowLjAsIkxpbmVUeXBlIjowLCJQYXJlbnRTdHlsZSI6bnVsbH0sIlBhcmVudFN0eWxlIjpudWxsfSwiRHVyYXRpb25TdHlsZSI6eyIkaWQiOiI2MjAiLCJGb250U2V0dGluZ3MiOnsiJGlkIjoiNjIxIiwiRm9udFNpemUiOjEwLCJGb250TmFtZSI6IkNhbGlicmkiLCJJc0JvbGQiOmZhbHNlLCJJc0l0YWxpYyI6ZmFsc2UsIklzVW5kZXJsaW5lZCI6ZmFsc2UsIlBhcmVudFN0eWxlIjpudWxsfSwiQXV0b1NpemUiOjAsIkZvcmVncm91bmQiOnsiJGlkIjoiNjIyIiwiQ29sb3IiOnsiJGlkIjoiNjIzIiwiQSI6MjU1LCJSIjoyMzcsIkciOjEyNSwiQiI6NDl9fSwiTWF4V2lkdGgiOjIwMC4wLCJNYXhIZWlnaHQiOiJJbmZpbml0eSIsIlNtYXJ0Rm9yZWdyb3VuZElzQWN0aXZlIjpmYWxzZSwiSG9yaXpvbnRhbEFsaWdubWVudCI6MCwiVmVydGljYWxBbGlnbm1lbnQiOjAsIlNtYXJ0Rm9yZWdyb3VuZCI6bnVsbCwiQmFja2dyb3VuZEZpbGxUeXBlIjowLCJNYXJnaW4iOnsiJGlkIjoiNjI0IiwiVG9wIjowLjAsIkxlZnQiOjAuMCwiUmlnaHQiOjAuMCwiQm90dG9tIjowLjB9LCJQYWRkaW5nIjp7IiRpZCI6IjYyNSIsIlRvcCI6MC4wLCJMZWZ0IjowLjAsIlJpZ2h0IjowLjAsIkJvdHRvbSI6MC4wfSwiQmFja2dyb3VuZCI6eyIkaWQiOiI2MjYiLCJDb2xvciI6eyIkcmVmIjoiNjE4In19LCJJc1Zpc2libGUiOnRydWUsIldpZHRoIjowLjAsIkhlaWdodCI6MC4wLCJCb3JkZXJTdHlsZSI6eyIkaWQiOiI2MjciLCJMaW5lQ29sb3IiOm51bGwsIkxpbmVXZWlnaHQiOjAuMCwiTGluZVR5cGUiOjAsIlBhcmVudFN0eWxlIjpudWxsfSwiUGFyZW50U3R5bGUiOm51bGx9LCJIb3Jpem9udGFsQ29ubmVjdG9yU3R5bGUiOnsiJGlkIjoiNjI4IiwiTGluZUNvbG9yIjp7IiRpZCI6IjYyOSIsIiR0eXBlIjoiTkxSRS5Db21tb24uRG9tLlNvbGlkQ29sb3JCcnVzaCwgTkxSRS5Db21tb24iLCJDb2xvciI6eyIkaWQiOiI2MzAiLCJBIjoyNTUsIlIiOjIwNCwiRyI6MjA0LCJCIjoyMDR9fSwiTGluZVdlaWdodCI6MC42NjY2NjY3LCJMaW5lVHlwZSI6MCwiUGFyZW50U3R5bGUiOm51bGx9LCJWZXJ0aWNhbENvbm5lY3RvclN0eWxlIjp7IiRpZCI6IjYzMSIsIkxpbmVDb2xvciI6eyIkaWQiOiI2MzIiLCIkdHlwZSI6Ik5MUkUuQ29tbW9uLkRvbS5Tb2xpZENvbG9yQnJ1c2gsIE5MUkUuQ29tbW9uIiwiQ29sb3IiOnsiJGlkIjoiNjMzIiwiQSI6MjU1LCJSIjoyMDQsIkciOjIwNCwiQiI6MjA0fX0sIkxpbmVXZWlnaHQiOjAuMCwiTGluZVR5cGUiOjAsIlBhcmVudFN0eWxlIjpudWxsfSwiTWFyZ2luIjpudWxsLCJTdGFydERhdGVQb3NpdGlvbiI6NCwiRW5kRGF0ZVBvc2l0aW9uIjo0LCJEYXRlSXNWaXNpYmxlIjp0cnVlLCJUaXRsZVBvc2l0aW9uIjo1LCJEdXJhdGlvblBvc2l0aW9uIjo2LCJQZXJjZW50YWdlQ29tcGxldGVkUG9zaXRpb24iOjYsIlNwYWNpbmciOjUsIklzQmVsb3dUaW1lYmFuZCI6dHJ1ZSwiUGVyY2VudGFnZUNvbXBsZXRlU2hhcGVPcGFjaXR5IjozNSwiQmFzZWxpbmVTdHlsZSI6eyIkaWQiOiI2MzQiLCJTaGFwZVN0eWxlIjp7IiRpZCI6IjYzNSIsIk1hcmdpbiI6eyIkaWQiOiI2MzYiLCJUb3AiOjAuMCwiTGVmdCI6MC4wLCJSaWdodCI6MC4wLCJCb3R0b20iOjAuMH0sIlBhZGRpbmciOnsiJGlkIjoiNjM3IiwiVG9wIjowLjAsIkxlZnQiOjAuMCwiUmlnaHQiOjAuMCwiQm90dG9tIjowLjB9LCJCYWNrZ3JvdW5kIjp7IiRpZCI6IjYzOCIsIkNvbG9yIjp7IiRpZCI6IjYzOSIsIkEiOjE1MywiUiI6MCwiRyI6MCwiQiI6MH19LCJJc1Zpc2libGUiOnRydWUsIldpZHRoIjowLjAsIkhlaWdodCI6MC4wLCJCb3JkZXJTdHlsZSI6bnVsbCwiUGFyZW50U3R5bGUiOm51bGx9LCJNYXJnaW4iOnsiJGlkIjoiNjQwIiwiVG9wIjowLjAsIkxlZnQiOjAuMCwiUmlnaHQiOjAuMCwiQm90dG9tIjowLjB9LCJQYWRkaW5nIjp7IiRpZCI6IjY0MSIsIlRvcCI6MC4wLCJMZWZ0IjowLjAsIlJpZ2h0IjowLjAsIkJvdHRvbSI6MC4wfSwiQmFja2dyb3VuZCI6bnVsbCwiSXNWaXNpYmxlIjp0cnVlLCJXaWR0aCI6MC4wLCJIZWlnaHQiOjAuMCwiQm9yZGVyU3R5bGUiOm51bGwsIlBhcmVudFN0eWxlIjpudWxsfSwiU2hhcGVTdHlsZSI6eyIkaWQiOiI2NDIiLCJNYXJnaW4iOnsiJGlkIjoiNjQzIiwiVG9wIjowLjAsIkxlZnQiOjQuMCwiUmlnaHQiOjQuMCwiQm90dG9tIjowLjB9LCJQYWRkaW5nIjp7IiRpZCI6IjY0NCIsIlRvcCI6MC4wLCJMZWZ0IjowLjAsIlJpZ2h0IjowLjAsIkJvdHRvbSI6MC4wfSwiQmFja2dyb3VuZCI6eyIkaWQiOiI2NDUiLCJDb2xvciI6eyIkaWQiOiI2NDYiLCJBIjoyNTUsIlIiOjIzNywiRyI6MTI1LCJCIjo0OX19LCJJc1Zpc2libGUiOnRydWUsIldpZHRoIjoxNDUuNjExODkyNzAwMTk1MzEsIkhlaWdodCI6MTYuMCwiQm9yZGVyU3R5bGUiOnsiJGlkIjoiNjQ3IiwiTGluZUNvbG9yIjp7IiRpZCI6IjY0OCIsIiR0eXBlIjoiTkxSRS5Db21tb24uRG9tLlNvbGlkQ29sb3JCcnVzaCwgTkxSRS5Db21tb24iLCJDb2xvciI6eyIkaWQiOiI2NDkiLCJBIjoyNTUsIlIiOjI1NSwiRyI6MCwiQiI6MH19LCJMaW5lV2VpZ2h0IjowLjAsIkxpbmVUeXBlIjowLCJQYXJlbnRTdHlsZSI6bnVsbH0sIlBhcmVudFN0eWxlIjpudWxsfSwiVGl0bGVTdHlsZSI6eyIkaWQiOiI2NTAiLCJGb250U2V0dGluZ3MiOnsiJGlkIjoiNjUxIiwiRm9udFNpemUiOjExLCJGb250TmFtZSI6IkNhbGlicmkiLCJJc0JvbGQiOnRydWUsIklzSXRhbGljIjpmYWxzZSwiSXNVbmRlcmxpbmVkIjpmYWxzZSwiUGFyZW50U3R5bGUiOm51bGx9LCJBdXRvU2l6ZSI6MCwiRm9yZWdyb3VuZCI6eyIkaWQiOiI2NTIiLCJDb2xvciI6eyIkaWQiOiI2NTMiLCJBIjoyNTUsIlIiOjAsIkciOjAsIkIiOjB9fSwiTWF4V2lkdGgiOjk2MC4wLCJNYXhIZWlnaHQiOiJJbmZpbml0eSIsIlNtYXJ0Rm9yZWdyb3VuZElzQWN0aXZlIjpmYWxzZSwiSG9yaXpvbnRhbEFsaWdubWVudCI6MCwiVmVydGljYWxBbGlnbm1lbnQiOjAsIlNtYXJ0Rm9yZWdyb3VuZCI6bnVsbCwiQmFja2dyb3VuZEZpbGxUeXBlIjowLCJNYXJnaW4iOnsiJGlkIjoiNjU0IiwiVG9wIjowLjAsIkxlZnQiOjAuMCwiUmlnaHQiOjAuMCwiQm90dG9tIjowLjB9LCJQYWRkaW5nIjp7IiRpZCI6IjY1NSIsIlRvcCI6MC4wLCJMZWZ0IjowLjAsIlJpZ2h0IjowLjAsIkJvdHRvbSI6MC4wfSwiQmFja2dyb3VuZCI6eyIkaWQiOiI2NTYiLCJDb2xvciI6eyIkcmVmIjoiNjE4In19LCJJc1Zpc2libGUiOnRydWUsIldpZHRoIjowLjAsIkhlaWdodCI6MC4wLCJCb3JkZXJTdHlsZSI6eyIkaWQiOiI2NTciLCJMaW5lQ29sb3IiOm51bGwsIkxpbmVXZWlnaHQiOjAuMCwiTGluZVR5cGUiOjAsIlBhcmVudFN0eWxlIjpudWxsfSwiUGFyZW50U3R5bGUiOm51bGx9LCJEYXRlU3R5bGUiOnsiJGlkIjoiNjU4IiwiRm9udFNldHRpbmdzIjp7IiRpZCI6IjY1OSIsIkZvbnRTaXplIjoxMCwiRm9udE5hbWUiOiJDYWxpYnJpIiwiSXNCb2xkIjpmYWxzZSwiSXNJdGFsaWMiOmZhbHNlLCJJc1VuZGVybGluZWQiOmZhbHNlLCJQYXJlbnRTdHlsZSI6bnVsbH0sIkF1dG9TaXplIjowLCJGb3JlZ3JvdW5kIjp7IiRpZCI6IjY2MCIsIkNvbG9yIjp7IiRpZCI6IjY2MSIsIkEiOjI1NSwiUiI6NjgsIkciOjg0LCJCIjoxMDZ9fSwiTWF4V2lkdGgiOjIwMC4wLCJNYXhIZWlnaHQiOiJJbmZpbml0eSIsIlNtYXJ0Rm9yZWdyb3VuZElzQWN0aXZlIjpmYWxzZSwiSG9yaXpvbnRhbEFsaWdubWVudCI6MCwiVmVydGljYWxBbGlnbm1lbnQiOjAsIlNtYXJ0Rm9yZWdyb3VuZCI6bnVsbCwiQmFja2dyb3VuZEZpbGxUeXBlIjowLCJNYXJnaW4iOnsiJGlkIjoiNjYyIiwiVG9wIjowLjAsIkxlZnQiOjAuMCwiUmlnaHQiOjAuMCwiQm90dG9tIjowLjB9LCJQYWRkaW5nIjp7IiRpZCI6IjY2MyIsIlRvcCI6MC4wLCJMZWZ0IjowLjAsIlJpZ2h0IjowLjAsIkJvdHRvbSI6MC4wfSwiQmFja2dyb3VuZCI6eyIkaWQiOiI2NjQiLCJDb2xvciI6eyIkcmVmIjoiNjE4In19LCJJc1Zpc2libGUiOnRydWUsIldpZHRoIjowLjAsIkhlaWdodCI6MC4wLCJCb3JkZXJTdHlsZSI6eyIkaWQiOiI2NjUiLCJMaW5lQ29sb3IiOm51bGwsIkxpbmVXZWlnaHQiOjAuMCwiTGluZVR5cGUiOjAsIlBhcmVudFN0eWxlIjpudWxsfSwiUGFyZW50U3R5bGUiOm51bGx9LCJEYXRlRm9ybWF0Ijp7IiRpZCI6IjY2NiIsIkZvcm1hdFN0cmluZyI6Ik0vZC95eXl5IiwiU2VwYXJhdG9yIjoiLyIsIlVzZUludGVybmF0aW9uYWxEYXRlRm9ybWF0IjpmYWxzZSwiRGF0ZUlzVmlzaWJsZSI6dHJ1ZSwiVGltZUlzVmlzaWJsZSI6ZmFsc2UsIkhvdXJEaWdpdHMiOjEsIkFtUG1EZXNpZ25hdG9yIjoyLCJUcmltMDBNaW51dGVzIjpmYWxzZSwiTGFzdEtub3duVmlzaWJpbGl0eVN0YXRlIjp7IiRpZCI6IjY2NyIsIkRhdGVQYXJ0SXNWaXNpYmxlIjpmYWxzZSwiVGltZVBhcnRJc1Zpc2libGUiOmZhbHNlfX0sIldlZWtOdW1iZXJpbmciOnsiJGlkIjoiNjY4IiwiRm9ybWF0IjowLCJJc1Zpc2libGUiOmZhbHNlLCJMYXN0S25vd25WaXNpYmlsaXR5U3RhdGUiOmZhbHNlfSwiSXNWaXNpYmxlIjp0cnVlLCJQYXJlbnRTdHlsZSI6bnVsbH0sIkluZGV4IjoxLCJTbWFydER1cmF0aW9uQWN0aXZhdGVkIjpmYWxzZSwiRGF0ZUZvcm1hdCI6eyIkcmVmIjoiNjY2In0sIldlZWtOdW1iZXJpbmciOnsiJGlkIjoiNjY5IiwiRm9ybWF0IjowLCJJc1Zpc2libGUiOmZhbHNlLCJMYXN0S25vd25WaXNpYmlsaXR5U3RhdGUiOmZhbHNlfSwiQmFzZWxpbmVEYXRhIjp7IiRpZCI6IjY3MCIsIlN0YXJ0RGF0ZSI6IjIwMjUtMTAtMjFUMDA6MDA6MDAiLCJFbmREYXRlIjoiMjAyNS0xMS0wM1QyMzo1OTowMCJ9LCJJZCI6ImYzOTA0Mjc4LTE2ZTktNDk4NC1iZWRkLWI1NjBkM2M3NmI1NSIsIkltcG9ydElkIjpudWxsLCJUaXRsZSI6IlNwcmludCAyIiwiTm90ZSI6bnVsbCwiSHlwZXJsaW5rIjp7IiRpZCI6IjY3MSIsIkFkZHJlc3MiOm51bGwsIlN1YkFkZHJlc3MiOm51bGx9LCJJc0NoYW5nZWQiOmZhbHNlLCJJc05ldyI6ZmFsc2V9LHsiJGlkIjoiNjcyIiwiR3JvdXBOYW1lIjpudWxsLCJTdGFydERhdGUiOiIyMDI1LTEwLTE3VDAwOjAwOjAwWiIsIkVuZERhdGUiOiIyMDI1LTEwLTIzVDIzOjU5OjAwWiIsIlBlcmNlbnRhZ2VDb21wbGV0ZSI6bnVsbCwiU3R5bGUiOnsiJGlkIjoiNjczIiwiU2hhcGUiOjAsIlNoYXBlVGhpY2tuZXNzIjoxLCJEdXJhdGlvbkZvcm1hdCI6MCwiSW5jbHVkZU5vbldvcmtpbmdEYXlzSW5EdXJhdGlvbiI6ZmFsc2UsIlBlcmNlbnRhZ2VDb21wbGV0ZVN0eWxlIjp7IiRpZCI6IjY3NCIsIkZvbnRTZXR0aW5ncyI6eyIkaWQiOiI2NzUiLCJGb250U2l6ZSI6MTAsIkZvbnROYW1lIjoiQ2FsaWJyaSIsIklzQm9sZCI6ZmFsc2UsIklzSXRhbGljIjpmYWxzZSwiSXNVbmRlcmxpbmVkIjpmYWxzZSwiUGFyZW50U3R5bGUiOm51bGx9LCJBdXRvU2l6ZSI6MCwiRm9yZWdyb3VuZCI6eyIkaWQiOiI2NzYiLCJDb2xvciI6eyIkaWQiOiI2NzciLCJBIjoyNTUsIlIiOjIzNywiRyI6MTI1LCJCIjo0OX19LCJNYXhXaWR0aCI6MjAwLjAsIk1heEhlaWdodCI6IkluZmluaXR5IiwiU21hcnRGb3JlZ3JvdW5kSXNBY3RpdmUiOmZhbHNlLCJIb3Jpem9udGFsQWxpZ25tZW50IjowLCJWZXJ0aWNhbEFsaWdubWVudCI6MCwiU21hcnRGb3JlZ3JvdW5kIjpudWxsLCJCYWNrZ3JvdW5kRmlsbFR5cGUiOjAsIk1hcmdpbiI6eyIkaWQiOiI2NzgiLCJUb3AiOjAuMCwiTGVmdCI6MC4wLCJSaWdodCI6MC4wLCJCb3R0b20iOjAuMH0sIlBhZGRpbmciOnsiJGlkIjoiNjc5IiwiVG9wIjowLjAsIkxlZnQiOjAuMCwiUmlnaHQiOjAuMCwiQm90dG9tIjowLjB9LCJCYWNrZ3JvdW5kIjp7IiRpZCI6IjY4MCIsIkNvbG9yIjp7IiRpZCI6IjY4MSIsIkEiOjg5LCJSIjowLCJHIjowLCJCIjowfX0sIklzVmlzaWJsZSI6dHJ1ZSwiV2lkdGgiOjAuMCwiSGVpZ2h0IjowLjAsIkJvcmRlclN0eWxlIjp7IiRpZCI6IjY4MiIsIkxpbmVDb2xvciI6bnVsbCwiTGluZVdlaWdodCI6MC4wLCJMaW5lVHlwZSI6MCwiUGFyZW50U3R5bGUiOm51bGx9LCJQYXJlbnRTdHlsZSI6bnVsbH0sIkR1cmF0aW9uU3R5bGUiOnsiJGlkIjoiNjgzIiwiRm9udFNldHRpbmdzIjp7IiRpZCI6IjY4NCIsIkZvbnRTaXplIjoxMCwiRm9udE5hbWUiOiJDYWxpYnJpIiwiSXNCb2xkIjpmYWxzZSwiSXNJdGFsaWMiOmZhbHNlLCJJc1VuZGVybGluZWQiOmZhbHNlLCJQYXJlbnRTdHlsZSI6bnVsbH0sIkF1dG9TaXplIjowLCJGb3JlZ3JvdW5kIjp7IiRpZCI6IjY4NSIsIkNvbG9yIjp7IiRpZCI6IjY4NiIsIkEiOjI1NSwiUiI6MjM3LCJHIjoxMjUsIkIiOjQ5fX0sIk1heFdpZHRoIjoyMDAuMCwiTWF4SGVpZ2h0IjoiSW5maW5pdHkiLCJTbWFydEZvcmVncm91bmRJc0FjdGl2ZSI6ZmFsc2UsIkhvcml6b250YWxBbGlnbm1lbnQiOjAsIlZlcnRpY2FsQWxpZ25tZW50IjowLCJTbWFydEZvcmVncm91bmQiOm51bGwsIkJhY2tncm91bmRGaWxsVHlwZSI6MCwiTWFyZ2luIjp7IiRpZCI6IjY4NyIsIlRvcCI6MC4wLCJMZWZ0IjowLjAsIlJpZ2h0IjowLjAsIkJvdHRvbSI6MC4wfSwiUGFkZGluZyI6eyIkaWQiOiI2ODgiLCJUb3AiOjAuMCwiTGVmdCI6MC4wLCJSaWdodCI6MC4wLCJCb3R0b20iOjAuMH0sIkJhY2tncm91bmQiOnsiJGlkIjoiNjg5IiwiQ29sb3IiOnsiJHJlZiI6IjY4MSJ9fSwiSXNWaXNpYmxlIjp0cnVlLCJXaWR0aCI6MC4wLCJIZWlnaHQiOjAuMCwiQm9yZGVyU3R5bGUiOnsiJGlkIjoiNjkwIiwiTGluZUNvbG9yIjpudWxsLCJMaW5lV2VpZ2h0IjowLjAsIkxpbmVUeXBlIjowLCJQYXJlbnRTdHlsZSI6bnVsbH0sIlBhcmVudFN0eWxlIjpudWxsfSwiSG9yaXpvbnRhbENvbm5lY3RvclN0eWxlIjp7IiRpZCI6IjY5MSIsIkxpbmVDb2xvciI6eyIkaWQiOiI2OTIiLCIkdHlwZSI6Ik5MUkUuQ29tbW9uLkRvbS5Tb2xpZENvbG9yQnJ1c2gsIE5MUkUuQ29tbW9uIiwiQ29sb3IiOnsiJGlkIjoiNjkzIiwiQSI6MjU1LCJSIjoyMDQsIkciOjIwNCwiQiI6MjA0fX0sIkxpbmVXZWlnaHQiOjAuNjY2NjY2NywiTGluZVR5cGUiOjAsIlBhcmVudFN0eWxlIjpudWxsfSwiVmVydGljYWxDb25uZWN0b3JTdHlsZSI6eyIkaWQiOiI2OTQiLCJMaW5lQ29sb3IiOnsiJGlkIjoiNjk1IiwiJHR5cGUiOiJOTFJFLkNvbW1vbi5Eb20uU29saWRDb2xvckJydXNoLCBOTFJFLkNvbW1vbiIsIkNvbG9yIjp7IiRpZCI6IjY5NiIsIkEiOjI1NSwiUiI6MjA0LCJHIjoyMDQsIkIiOjIwNH19LCJMaW5lV2VpZ2h0IjowLjAsIkxpbmVUeXBlIjowLCJQYXJlbnRTdHlsZSI6bnVsbH0sIk1hcmdpbiI6bnVsbCwiU3RhcnREYXRlUG9zaXRpb24iOjQsIkVuZERhdGVQb3NpdGlvbiI6NCwiRGF0ZUlzVmlzaWJsZSI6dHJ1ZSwiVGl0bGVQb3NpdGlvbiI6NSwiRHVyYXRpb25Qb3NpdGlvbiI6NiwiUGVyY2VudGFnZUNvbXBsZXRlZFBvc2l0aW9uIjo2LCJTcGFjaW5nIjo1LCJJc0JlbG93VGltZWJhbmQiOnRydWUsIlBlcmNlbnRhZ2VDb21wbGV0ZVNoYXBlT3BhY2l0eSI6MzUsIkJhc2VsaW5lU3R5bGUiOnsiJGlkIjoiNjk3IiwiU2hhcGVTdHlsZSI6eyIkaWQiOiI2OTgiLCJNYXJnaW4iOnsiJGlkIjoiNjk5IiwiVG9wIjowLjAsIkxlZnQiOjAuMCwiUmlnaHQiOjAuMCwiQm90dG9tIjowLjB9LCJQYWRkaW5nIjp7IiRpZCI6IjcwMCIsIlRvcCI6MC4wLCJMZWZ0IjowLjAsIlJpZ2h0IjowLjAsIkJvdHRvbSI6MC4wfSwiQmFja2dyb3VuZCI6eyIkaWQiOiI3MDEiLCJDb2xvciI6eyIkaWQiOiI3MDIiLCJBIjoxNTMsIlIiOjAsIkciOjAsIkIiOjB9fSwiSXNWaXNpYmxlIjp0cnVlLCJXaWR0aCI6MC4wLCJIZWlnaHQiOjAuMCwiQm9yZGVyU3R5bGUiOm51bGwsIlBhcmVudFN0eWxlIjpudWxsfSwiTWFyZ2luIjp7IiRpZCI6IjcwMyIsIlRvcCI6MC4wLCJMZWZ0IjowLjAsIlJpZ2h0IjowLjAsIkJvdHRvbSI6MC4wfSwiUGFkZGluZyI6eyIkaWQiOiI3MDQiLCJUb3AiOjAuMCwiTGVmdCI6MC4wLCJSaWdodCI6MC4wLCJCb3R0b20iOjAuMH0sIkJhY2tncm91bmQiOm51bGwsIklzVmlzaWJsZSI6dHJ1ZSwiV2lkdGgiOjAuMCwiSGVpZ2h0IjowLjAsIkJvcmRlclN0eWxlIjpudWxsLCJQYXJlbnRTdHlsZSI6bnVsbH0sIlNoYXBlU3R5bGUiOnsiJGlkIjoiNzA1IiwiTWFyZ2luIjp7IiRpZCI6IjcwNiIsIlRvcCI6MC4wLCJMZWZ0Ijo0LjAsIlJpZ2h0Ijo0LjAsIkJvdHRvbSI6MC4wfSwiUGFkZGluZyI6eyIkaWQiOiI3MDciLCJUb3AiOjAuMCwiTGVmdCI6MC4wLCJSaWdodCI6MC4wLCJCb3R0b20iOjAuMH0sIkJhY2tncm91bmQiOnsiJGlkIjoiNzA4IiwiQ29sb3IiOnsiJGlkIjoiNzA5IiwiQSI6MjU1LCJSIjoyNTUsIkciOjE5MiwiQiI6MH19LCJJc1Zpc2libGUiOnRydWUsIldpZHRoIjoxNjMuMCwiSGVpZ2h0IjoxNi4wLCJCb3JkZXJTdHlsZSI6eyIkaWQiOiI3MTAiLCJMaW5lQ29sb3IiOnsiJGlkIjoiNzExIiwiJHR5cGUiOiJOTFJFLkNvbW1vbi5Eb20uU29saWRDb2xvckJydXNoLCBOTFJFLkNvbW1vbiIsIkNvbG9yIjp7IiRpZCI6IjcxMiIsIkEiOjI1NSwiUiI6MjU1LCJHIjowLCJCIjowfX0sIkxpbmVXZWlnaHQiOjAuMCwiTGluZVR5cGUiOjAsIlBhcmVudFN0eWxlIjpudWxsfSwiUGFyZW50U3R5bGUiOm51bGx9LCJUaXRsZVN0eWxlIjp7IiRpZCI6IjcxMyIsIkZvbnRTZXR0aW5ncyI6eyIkaWQiOiI3MTQiLCJGb250U2l6ZSI6MTEsIkZvbnROYW1lIjoiQ2FsaWJyaSIsIklzQm9sZCI6dHJ1ZSwiSXNJdGFsaWMiOmZhbHNlLCJJc1VuZGVybGluZWQiOmZhbHNlLCJQYXJlbnRTdHlsZSI6bnVsbH0sIkF1dG9TaXplIjowLCJGb3JlZ3JvdW5kIjp7IiRpZCI6IjcxNSIsIkNvbG9yIjp7IiRpZCI6IjcxNiIsIkEiOjI1NSwiUiI6MCwiRyI6MCwiQiI6MH19LCJNYXhXaWR0aCI6OTYwLjAsIk1heEhlaWdodCI6IkluZmluaXR5IiwiU21hcnRGb3JlZ3JvdW5kSXNBY3RpdmUiOmZhbHNlLCJIb3Jpem9udGFsQWxpZ25tZW50IjowLCJWZXJ0aWNhbEFsaWdubWVudCI6MCwiU21hcnRGb3JlZ3JvdW5kIjpudWxsLCJCYWNrZ3JvdW5kRmlsbFR5cGUiOjAsIk1hcmdpbiI6eyIkaWQiOiI3MTciLCJUb3AiOjAuMCwiTGVmdCI6MC4wLCJSaWdodCI6MC4wLCJCb3R0b20iOjAuMH0sIlBhZGRpbmciOnsiJGlkIjoiNzE4IiwiVG9wIjowLjAsIkxlZnQiOjAuMCwiUmlnaHQiOjAuMCwiQm90dG9tIjowLjB9LCJCYWNrZ3JvdW5kIjp7IiRpZCI6IjcxOSIsIkNvbG9yIjp7IiRyZWYiOiI2ODEifX0sIklzVmlzaWJsZSI6dHJ1ZSwiV2lkdGgiOjAuMCwiSGVpZ2h0IjowLjAsIkJvcmRlclN0eWxlIjp7IiRpZCI6IjcyMCIsIkxpbmVDb2xvciI6bnVsbCwiTGluZVdlaWdodCI6MC4wLCJMaW5lVHlwZSI6MCwiUGFyZW50U3R5bGUiOm51bGx9LCJQYXJlbnRTdHlsZSI6bnVsbH0sIkRhdGVTdHlsZSI6eyIkaWQiOiI3MjEiLCJGb250U2V0dGluZ3MiOnsiJGlkIjoiNzIyIiwiRm9udFNpemUiOjEwLCJGb250TmFtZSI6IkNhbGlicmkiLCJJc0JvbGQiOmZhbHNlLCJJc0l0YWxpYyI6ZmFsc2UsIklzVW5kZXJsaW5lZCI6ZmFsc2UsIlBhcmVudFN0eWxlIjpudWxsfSwiQXV0b1NpemUiOjIsIkZvcmVncm91bmQiOnsiJGlkIjoiNzIzIiwiQ29sb3IiOnsiJGlkIjoiNzI0IiwiQSI6MjU1LCJSIjo2OCwiRyI6ODQsIkIiOjEwNn19LCJNYXhXaWR0aCI6MTIyLjIwNDgwMzQ2Njc5Njg4LCJNYXhIZWlnaHQiOiJJbmZpbml0eSIsIlNtYXJ0Rm9yZWdyb3VuZElzQWN0aXZlIjpmYWxzZSwiSG9yaXpvbnRhbEFsaWdubWVudCI6MCwiVmVydGljYWxBbGlnbm1lbnQiOjAsIlNtYXJ0Rm9yZWdyb3VuZCI6bnVsbCwiQmFja2dyb3VuZEZpbGxUeXBlIjowLCJNYXJnaW4iOnsiJGlkIjoiNzI1IiwiVG9wIjowLjAsIkxlZnQiOjAuMCwiUmlnaHQiOjAuMCwiQm90dG9tIjowLjB9LCJQYWRkaW5nIjp7IiRpZCI6IjcyNiIsIlRvcCI6MC4wLCJMZWZ0IjowLjAsIlJpZ2h0IjowLjAsIkJvdHRvbSI6MC4wfSwiQmFja2dyb3VuZCI6eyIkaWQiOiI3MjciLCJDb2xvciI6eyIkcmVmIjoiNjgxIn19LCJJc1Zpc2libGUiOnRydWUsIldpZHRoIjowLjAsIkhlaWdodCI6MC4wLCJCb3JkZXJTdHlsZSI6eyIkaWQiOiI3MjgiLCJMaW5lQ29sb3IiOm51bGwsIkxpbmVXZWlnaHQiOjAuMCwiTGluZVR5cGUiOjAsIlBhcmVudFN0eWxlIjpudWxsfSwiUGFyZW50U3R5bGUiOm51bGx9LCJEYXRlRm9ybWF0Ijp7IiRpZCI6IjcyOSIsIkZvcm1hdFN0cmluZyI6Ik0vZC95eXl5IiwiU2VwYXJhdG9yIjoiLyIsIlVzZUludGVybmF0aW9uYWxEYXRlRm9ybWF0IjpmYWxzZSwiRGF0ZUlzVmlzaWJsZSI6dHJ1ZSwiVGltZUlzVmlzaWJsZSI6ZmFsc2UsIkhvdXJEaWdpdHMiOjEsIkFtUG1EZXNpZ25hdG9yIjoyLCJUcmltMDBNaW51dGVzIjpmYWxzZSwiTGFzdEtub3duVmlzaWJpbGl0eVN0YXRlIjp7IiRpZCI6IjczMCIsIkRhdGVQYXJ0SXNWaXNpYmxlIjpmYWxzZSwiVGltZVBhcnRJc1Zpc2libGUiOmZhbHNlfX0sIldlZWtOdW1iZXJpbmciOnsiJGlkIjoiNzMxIiwiRm9ybWF0IjowLCJJc1Zpc2libGUiOmZhbHNlLCJMYXN0S25vd25WaXNpYmlsaXR5U3RhdGUiOmZhbHNlfSwiSXNWaXNpYmxlIjp0cnVlLCJQYXJlbnRTdHlsZSI6bnVsbH0sIkluZGV4IjoyLCJTbWFydER1cmF0aW9uQWN0aXZhdGVkIjpmYWxzZSwiRGF0ZUZvcm1hdCI6eyIkcmVmIjoiNzI5In0sIldlZWtOdW1iZXJpbmciOnsiJGlkIjoiNzMyIiwiRm9ybWF0IjowLCJJc1Zpc2libGUiOmZhbHNlLCJMYXN0S25vd25WaXNpYmlsaXR5U3RhdGUiOmZhbHNlfSwiQmFzZWxpbmVEYXRhIjp7IiRpZCI6IjczMyIsIlN0YXJ0RGF0ZSI6IjIwMjUtMTEtMDRUMDA6MDA6MDAiLCJFbmREYXRlIjoiMjAyNS0xMS0xN1QyMzo1OTowMCJ9LCJJZCI6IjRjNTIzNDg2LTc4MDktNDYzMC1hOWQyLTBlYzgwMTAxMmI1NyIsIkltcG9ydElkIjpudWxsLCJUaXRsZSI6IlNwcmludCAzIiwiTm90ZSI6bnVsbCwiSHlwZXJsaW5rIjp7IiRpZCI6IjczNCIsIkFkZHJlc3MiOm51bGwsIlN1YkFkZHJlc3MiOm51bGx9LCJJc0NoYW5nZWQiOmZhbHNlLCJJc05ldyI6ZmFsc2V9LHsiJGlkIjoiNzM1IiwiR3JvdXBOYW1lIjpudWxsLCJTdGFydERhdGUiOiIyMDI1LTEwLTI0VDAwOjAwOjAwWiIsIkVuZERhdGUiOiIyMDI2LTAzLTExVDIzOjU5OjAwWiIsIlBlcmNlbnRhZ2VDb21wbGV0ZSI6bnVsbCwiU3R5bGUiOnsiJGlkIjoiNzM2IiwiU2hhcGUiOjAsIlNoYXBlVGhpY2tuZXNzIjoxLCJEdXJhdGlvbkZvcm1hdCI6MCwiSW5jbHVkZU5vbldvcmtpbmdEYXlzSW5EdXJhdGlvbiI6ZmFsc2UsIlBlcmNlbnRhZ2VDb21wbGV0ZVN0eWxlIjp7IiRpZCI6IjczNyIsIkZvbnRTZXR0aW5ncyI6eyIkaWQiOiI3MzgiLCJGb250U2l6ZSI6MTAsIkZvbnROYW1lIjoiQ2FsaWJyaSIsIklzQm9sZCI6ZmFsc2UsIklzSXRhbGljIjpmYWxzZSwiSXNVbmRlcmxpbmVkIjpmYWxzZSwiUGFyZW50U3R5bGUiOm51bGx9LCJBdXRvU2l6ZSI6MCwiRm9yZWdyb3VuZCI6eyIkaWQiOiI3MzkiLCJDb2xvciI6eyIkaWQiOiI3NDAiLCJBIjoyNTUsIlIiOjIzNywiRyI6MTI1LCJCIjo0OX19LCJNYXhXaWR0aCI6MjAwLjAsIk1heEhlaWdodCI6IkluZmluaXR5IiwiU21hcnRGb3JlZ3JvdW5kSXNBY3RpdmUiOmZhbHNlLCJIb3Jpem9udGFsQWxpZ25tZW50IjowLCJWZXJ0aWNhbEFsaWdubWVudCI6MCwiU21hcnRGb3JlZ3JvdW5kIjpudWxsLCJCYWNrZ3JvdW5kRmlsbFR5cGUiOjAsIk1hcmdpbiI6eyIkaWQiOiI3NDEiLCJUb3AiOjAuMCwiTGVmdCI6MC4wLCJSaWdodCI6MC4wLCJCb3R0b20iOjAuMH0sIlBhZGRpbmciOnsiJGlkIjoiNzQyIiwiVG9wIjowLjAsIkxlZnQiOjAuMCwiUmlnaHQiOjAuMCwiQm90dG9tIjowLjB9LCJCYWNrZ3JvdW5kIjp7IiRpZCI6Ijc0MyIsIkNvbG9yIjp7IiRpZCI6Ijc0NCIsIkEiOjg5LCJSIjowLCJHIjowLCJCIjowfX0sIklzVmlzaWJsZSI6dHJ1ZSwiV2lkdGgiOjAuMCwiSGVpZ2h0IjowLjAsIkJvcmRlclN0eWxlIjp7IiRpZCI6Ijc0NSIsIkxpbmVDb2xvciI6bnVsbCwiTGluZVdlaWdodCI6MC4wLCJMaW5lVHlwZSI6MCwiUGFyZW50U3R5bGUiOm51bGx9LCJQYXJlbnRTdHlsZSI6bnVsbH0sIkR1cmF0aW9uU3R5bGUiOnsiJGlkIjoiNzQ2IiwiRm9udFNldHRpbmdzIjp7IiRpZCI6Ijc0NyIsIkZvbnRTaXplIjoxMCwiRm9udE5hbWUiOiJDYWxpYnJpIiwiSXNCb2xkIjpmYWxzZSwiSXNJdGFsaWMiOmZhbHNlLCJJc1VuZGVybGluZWQiOmZhbHNlLCJQYXJlbnRTdHlsZSI6bnVsbH0sIkF1dG9TaXplIjowLCJGb3JlZ3JvdW5kIjp7IiRpZCI6Ijc0OCIsIkNvbG9yIjp7IiRpZCI6Ijc0OSIsIkEiOjI1NSwiUiI6MjM3LCJHIjoxMjUsIkIiOjQ5fX0sIk1heFdpZHRoIjoyMDAuMCwiTWF4SGVpZ2h0IjoiSW5maW5pdHkiLCJTbWFydEZvcmVncm91bmRJc0FjdGl2ZSI6ZmFsc2UsIkhvcml6b250YWxBbGlnbm1lbnQiOjAsIlZlcnRpY2FsQWxpZ25tZW50IjowLCJTbWFydEZvcmVncm91bmQiOm51bGwsIkJhY2tncm91bmRGaWxsVHlwZSI6MCwiTWFyZ2luIjp7IiRpZCI6Ijc1MCIsIlRvcCI6MC4wLCJMZWZ0IjowLjAsIlJpZ2h0IjowLjAsIkJvdHRvbSI6MC4wfSwiUGFkZGluZyI6eyIkaWQiOiI3NTEiLCJUb3AiOjAuMCwiTGVmdCI6MC4wLCJSaWdodCI6MC4wLCJCb3R0b20iOjAuMH0sIkJhY2tncm91bmQiOnsiJGlkIjoiNzUyIiwiQ29sb3IiOnsiJHJlZiI6Ijc0NCJ9fSwiSXNWaXNpYmxlIjp0cnVlLCJXaWR0aCI6MC4wLCJIZWlnaHQiOjAuMCwiQm9yZGVyU3R5bGUiOnsiJGlkIjoiNzUzIiwiTGluZUNvbG9yIjpudWxsLCJMaW5lV2VpZ2h0IjowLjAsIkxpbmVUeXBlIjowLCJQYXJlbnRTdHlsZSI6bnVsbH0sIlBhcmVudFN0eWxlIjpudWxsfSwiSG9yaXpvbnRhbENvbm5lY3RvclN0eWxlIjp7IiRpZCI6Ijc1NCIsIkxpbmVDb2xvciI6eyIkaWQiOiI3NTUiLCIkdHlwZSI6Ik5MUkUuQ29tbW9uLkRvbS5Tb2xpZENvbG9yQnJ1c2gsIE5MUkUuQ29tbW9uIiwiQ29sb3IiOnsiJGlkIjoiNzU2IiwiQSI6MjU1LCJSIjoyMDQsIkciOjIwNCwiQiI6MjA0fX0sIkxpbmVXZWlnaHQiOjAuNjY2NjY2NywiTGluZVR5cGUiOjAsIlBhcmVudFN0eWxlIjpudWxsfSwiVmVydGljYWxDb25uZWN0b3JTdHlsZSI6eyIkaWQiOiI3NTciLCJMaW5lQ29sb3IiOnsiJGlkIjoiNzU4IiwiJHR5cGUiOiJOTFJFLkNvbW1vbi5Eb20uU29saWRDb2xvckJydXNoLCBOTFJFLkNvbW1vbiIsIkNvbG9yIjp7IiRpZCI6Ijc1OSIsIkEiOjI1NSwiUiI6MjA0LCJHIjoyMDQsIkIiOjIwNH19LCJMaW5lV2VpZ2h0IjowLjAsIkxpbmVUeXBlIjowLCJQYXJlbnRTdHlsZSI6bnVsbH0sIk1hcmdpbiI6bnVsbCwiU3RhcnREYXRlUG9zaXRpb24iOjQsIkVuZERhdGVQb3NpdGlvbiI6NCwiRGF0ZUlzVmlzaWJsZSI6dHJ1ZSwiVGl0bGVQb3NpdGlvbiI6NSwiRHVyYXRpb25Qb3NpdGlvbiI6NiwiUGVyY2VudGFnZUNvbXBsZXRlZFBvc2l0aW9uIjo2LCJTcGFjaW5nIjo1LCJJc0JlbG93VGltZWJhbmQiOnRydWUsIlBlcmNlbnRhZ2VDb21wbGV0ZVNoYXBlT3BhY2l0eSI6MzUsIkJhc2VsaW5lU3R5bGUiOnsiJGlkIjoiNzYwIiwiU2hhcGVTdHlsZSI6eyIkaWQiOiI3NjEiLCJNYXJnaW4iOnsiJGlkIjoiNzYyIiwiVG9wIjowLjAsIkxlZnQiOjAuMCwiUmlnaHQiOjAuMCwiQm90dG9tIjowLjB9LCJQYWRkaW5nIjp7IiRpZCI6Ijc2MyIsIlRvcCI6MC4wLCJMZWZ0IjowLjAsIlJpZ2h0IjowLjAsIkJvdHRvbSI6MC4wfSwiQmFja2dyb3VuZCI6eyIkaWQiOiI3NjQiLCJDb2xvciI6eyIkaWQiOiI3NjUiLCJBIjoxNTMsIlIiOjAsIkciOjAsIkIiOjB9fSwiSXNWaXNpYmxlIjp0cnVlLCJXaWR0aCI6MC4wLCJIZWlnaHQiOjAuMCwiQm9yZGVyU3R5bGUiOm51bGwsIlBhcmVudFN0eWxlIjpudWxsfSwiTWFyZ2luIjp7IiRpZCI6Ijc2NiIsIlRvcCI6MC4wLCJMZWZ0IjowLjAsIlJpZ2h0IjowLjAsIkJvdHRvbSI6MC4wfSwiUGFkZGluZyI6eyIkaWQiOiI3NjciLCJUb3AiOjAuMCwiTGVmdCI6MC4wLCJSaWdodCI6MC4wLCJCb3R0b20iOjAuMH0sIkJhY2tncm91bmQiOm51bGwsIklzVmlzaWJsZSI6dHJ1ZSwiV2lkdGgiOjAuMCwiSGVpZ2h0IjowLjAsIkJvcmRlclN0eWxlIjpudWxsLCJQYXJlbnRTdHlsZSI6bnVsbH0sIlNoYXBlU3R5bGUiOnsiJGlkIjoiNzY4IiwiTWFyZ2luIjp7IiRpZCI6Ijc2OSIsIlRvcCI6MC4wLCJMZWZ0Ijo0LjAsIlJpZ2h0Ijo0LjAsIkJvdHRvbSI6MC4wfSwiUGFkZGluZyI6eyIkaWQiOiI3NzAiLCJUb3AiOjAuMCwiTGVmdCI6MC4wLCJSaWdodCI6MC4wLCJCb3R0b20iOjAuMH0sIkJhY2tncm91bmQiOnsiJGlkIjoiNzcxIiwiQ29sb3IiOnsiJGlkIjoiNzcyIiwiQSI6MjU1LCJSIjoxMTIsIkciOjE3MywiQiI6NzF9fSwiSXNWaXNpYmxlIjp0cnVlLCJXaWR0aCI6MTYzLjAsIkhlaWdodCI6MTYuMCwiQm9yZGVyU3R5bGUiOnsiJGlkIjoiNzczIiwiTGluZUNvbG9yIjp7IiRpZCI6Ijc3NCIsIiR0eXBlIjoiTkxSRS5Db21tb24uRG9tLlNvbGlkQ29sb3JCcnVzaCwgTkxSRS5Db21tb24iLCJDb2xvciI6eyIkaWQiOiI3NzUiLCJBIjoyNTUsIlIiOjI1NSwiRyI6MCwiQiI6MH19LCJMaW5lV2VpZ2h0IjowLjAsIkxpbmVUeXBlIjowLCJQYXJlbnRTdHlsZSI6bnVsbH0sIlBhcmVudFN0eWxlIjpudWxsfSwiVGl0bGVTdHlsZSI6eyIkaWQiOiI3NzYiLCJGb250U2V0dGluZ3MiOnsiJGlkIjoiNzc3IiwiRm9udFNpemUiOjExLCJGb250TmFtZSI6IkNhbGlicmkiLCJJc0JvbGQiOnRydWUsIklzSXRhbGljIjpmYWxzZSwiSXNVbmRlcmxpbmVkIjpmYWxzZSwiUGFyZW50U3R5bGUiOm51bGx9LCJBdXRvU2l6ZSI6MCwiRm9yZWdyb3VuZCI6eyIkaWQiOiI3NzgiLCJDb2xvciI6eyIkaWQiOiI3NzkiLCJBIjoyNTUsIlIiOjAsIkciOjAsIkIiOjB9fSwiTWF4V2lkdGgiOjk2MC4wLCJNYXhIZWlnaHQiOiJJbmZpbml0eSIsIlNtYXJ0Rm9yZWdyb3VuZElzQWN0aXZlIjpmYWxzZSwiSG9yaXpvbnRhbEFsaWdubWVudCI6MCwiVmVydGljYWxBbGlnbm1lbnQiOjAsIlNtYXJ0Rm9yZWdyb3VuZCI6bnVsbCwiQmFja2dyb3VuZEZpbGxUeXBlIjowLCJNYXJnaW4iOnsiJGlkIjoiNzgwIiwiVG9wIjowLjAsIkxlZnQiOjAuMCwiUmlnaHQiOjAuMCwiQm90dG9tIjowLjB9LCJQYWRkaW5nIjp7IiRpZCI6Ijc4MSIsIlRvcCI6MC4wLCJMZWZ0IjowLjAsIlJpZ2h0IjowLjAsIkJvdHRvbSI6MC4wfSwiQmFja2dyb3VuZCI6eyIkaWQiOiI3ODIiLCJDb2xvciI6eyIkcmVmIjoiNzQ0In19LCJJc1Zpc2libGUiOnRydWUsIldpZHRoIjowLjAsIkhlaWdodCI6MC4wLCJCb3JkZXJTdHlsZSI6eyIkaWQiOiI3ODMiLCJMaW5lQ29sb3IiOm51bGwsIkxpbmVXZWlnaHQiOjAuMCwiTGluZVR5cGUiOjAsIlBhcmVudFN0eWxlIjpudWxsfSwiUGFyZW50U3R5bGUiOm51bGx9LCJEYXRlU3R5bGUiOnsiJGlkIjoiNzg0IiwiRm9udFNldHRpbmdzIjp7IiRpZCI6Ijc4NSIsIkZvbnRTaXplIjoxMCwiRm9udE5hbWUiOiJDYWxpYnJpIiwiSXNCb2xkIjpmYWxzZSwiSXNJdGFsaWMiOmZhbHNlLCJJc1VuZGVybGluZWQiOmZhbHNlLCJQYXJlbnRTdHlsZSI6bnVsbH0sIkF1dG9TaXplIjoyLCJGb3JlZ3JvdW5kIjp7IiRpZCI6Ijc4NiIsIkNvbG9yIjp7IiRpZCI6Ijc4NyIsIkEiOjI1NSwiUiI6NjgsIkciOjg0LCJCIjoxMDZ9fSwiTWF4V2lkdGgiOjExNC40NDA3ODgyNjkwNDI5NywiTWF4SGVpZ2h0IjoiSW5maW5pdHkiLCJTbWFydEZvcmVncm91bmRJc0FjdGl2ZSI6ZmFsc2UsIkhvcml6b250YWxBbGlnbm1lbnQiOjAsIlZlcnRpY2FsQWxpZ25tZW50IjowLCJTbWFydEZvcmVncm91bmQiOm51bGwsIkJhY2tncm91bmRGaWxsVHlwZSI6MCwiTWFyZ2luIjp7IiRpZCI6Ijc4OCIsIlRvcCI6MC4wLCJMZWZ0IjowLjAsIlJpZ2h0IjowLjAsIkJvdHRvbSI6MC4wfSwiUGFkZGluZyI6eyIkaWQiOiI3ODkiLCJUb3AiOjAuMCwiTGVmdCI6MC4wLCJSaWdodCI6MC4wLCJCb3R0b20iOjAuMH0sIkJhY2tncm91bmQiOnsiJGlkIjoiNzkwIiwiQ29sb3IiOnsiJHJlZiI6Ijc0NCJ9fSwiSXNWaXNpYmxlIjp0cnVlLCJXaWR0aCI6MC4wLCJIZWlnaHQiOjAuMCwiQm9yZGVyU3R5bGUiOnsiJGlkIjoiNzkxIiwiTGluZUNvbG9yIjpudWxsLCJMaW5lV2VpZ2h0IjowLjAsIkxpbmVUeXBlIjowLCJQYXJlbnRTdHlsZSI6bnVsbH0sIlBhcmVudFN0eWxlIjpudWxsfSwiRGF0ZUZvcm1hdCI6eyIkaWQiOiI3OTIiLCJGb3JtYXRTdHJpbmciOiJNL2QveXl5eSIsIlNlcGFyYXRvciI6Ii8iLCJVc2VJbnRlcm5hdGlvbmFsRGF0ZUZvcm1hdCI6ZmFsc2UsIkRhdGVJc1Zpc2libGUiOnRydWUsIlRpbWVJc1Zpc2libGUiOmZhbHNlLCJIb3VyRGlnaXRzIjoxLCJBbVBtRGVzaWduYXRvciI6MiwiVHJpbTAwTWludXRlcyI6ZmFsc2UsIkxhc3RLbm93blZpc2liaWxpdHlTdGF0ZSI6eyIkaWQiOiI3OTMiLCJEYXRlUGFydElzVmlzaWJsZSI6ZmFsc2UsIlRpbWVQYXJ0SXNWaXNpYmxlIjpmYWxzZX19LCJXZWVrTnVtYmVyaW5nIjp7IiRpZCI6Ijc5NCIsIkZvcm1hdCI6MCwiSXNWaXNpYmxlIjpmYWxzZSwiTGFzdEtub3duVmlzaWJpbGl0eVN0YXRlIjpmYWxzZX0sIklzVmlzaWJsZSI6dHJ1ZSwiUGFyZW50U3R5bGUiOm51bGx9LCJJbmRleCI6MywiU21hcnREdXJhdGlvbkFjdGl2YXRlZCI6ZmFsc2UsIkRhdGVGb3JtYXQiOnsiJHJlZiI6Ijc5MiJ9LCJXZWVrTnVtYmVyaW5nIjp7IiRpZCI6Ijc5NSIsIkZvcm1hdCI6MCwiSXNWaXNpYmxlIjpmYWxzZSwiTGFzdEtub3duVmlzaWJpbGl0eVN0YXRlIjpmYWxzZX0sIkJhc2VsaW5lRGF0YSI6eyIkaWQiOiI3OTYiLCJTdGFydERhdGUiOiIyMDI1LTExLTE4VDAwOjAwOjAwIiwiRW5kRGF0ZSI6IjIwMjUtMTItMDFUMjM6NTk6MDAifSwiSWQiOiJiODMzZWY1Ni1jODM0LTQxYjgtYWFlOS1mOGFhMDAwZjA1YzciLCJJbXBvcnRJZCI6bnVsbCwiVGl0bGUiOiJTcHJpbnQgNCIsIk5vdGUiOm51bGwsIkh5cGVybGluayI6eyIkaWQiOiI3OTciLCJBZGRyZXNzIjpudWxsLCJTdWJBZGRyZXNzIjpudWxsfSwiSXNDaGFuZ2VkIjpmYWxzZSwiSXNOZXciOmZhbHNlfSx7IiRpZCI6Ijc5OCIsIkdyb3VwTmFtZSI6bnVsbCwiU3RhcnREYXRlIjoiMjAyNS0wNC0xMVQwMDowMDowMFoiLCJFbmREYXRlIjoiMjAyNS0wNy0xMVQyMzo1OTowMFoiLCJQZXJjZW50YWdlQ29tcGxldGUiOm51bGwsIlN0eWxlIjp7IiRpZCI6Ijc5OSIsIlNoYXBlIjowLCJTaGFwZVRoaWNrbmVzcyI6MSwiRHVyYXRpb25Gb3JtYXQiOjAsIkluY2x1ZGVOb25Xb3JraW5nRGF5c0luRHVyYXRpb24iOmZhbHNlLCJQZXJjZW50YWdlQ29tcGxldGVTdHlsZSI6eyIkaWQiOiI4MDAiLCJGb250U2V0dGluZ3MiOnsiJGlkIjoiODAxIiwiRm9udFNpemUiOjEwLCJGb250TmFtZSI6IkNhbGlicmkiLCJJc0JvbGQiOmZhbHNlLCJJc0l0YWxpYyI6ZmFsc2UsIklzVW5kZXJsaW5lZCI6ZmFsc2UsIlBhcmVudFN0eWxlIjpudWxsfSwiQXV0b1NpemUiOjAsIkZvcmVncm91bmQiOnsiJGlkIjoiODAyIiwiQ29sb3IiOnsiJGlkIjoiODAzIiwiQSI6MjU1LCJSIjoyMzcsIkciOjEyNSwiQiI6NDl9fSwiTWF4V2lkdGgiOjIwMC4wLCJNYXhIZWlnaHQiOiJJbmZpbml0eSIsIlNtYXJ0Rm9yZWdyb3VuZElzQWN0aXZlIjpmYWxzZSwiSG9yaXpvbnRhbEFsaWdubWVudCI6MCwiVmVydGljYWxBbGlnbm1lbnQiOjAsIlNtYXJ0Rm9yZWdyb3VuZCI6bnVsbCwiQmFja2dyb3VuZEZpbGxUeXBlIjowLCJNYXJnaW4iOnsiJGlkIjoiODA0IiwiVG9wIjowLjAsIkxlZnQiOjAuMCwiUmlnaHQiOjAuMCwiQm90dG9tIjowLjB9LCJQYWRkaW5nIjp7IiRpZCI6IjgwNSIsIlRvcCI6MC4wLCJMZWZ0IjowLjAsIlJpZ2h0IjowLjAsIkJvdHRvbSI6MC4wfSwiQmFja2dyb3VuZCI6eyIkaWQiOiI4MDYiLCJDb2xvciI6eyIkaWQiOiI4MDciLCJBIjo4OSwiUiI6MCwiRyI6MCwiQiI6MH19LCJJc1Zpc2libGUiOnRydWUsIldpZHRoIjowLjAsIkhlaWdodCI6MC4wLCJCb3JkZXJTdHlsZSI6eyIkaWQiOiI4MDgiLCJMaW5lQ29sb3IiOm51bGwsIkxpbmVXZWlnaHQiOjAuMCwiTGluZVR5cGUiOjAsIlBhcmVudFN0eWxlIjpudWxsfSwiUGFyZW50U3R5bGUiOm51bGx9LCJEdXJhdGlvblN0eWxlIjp7IiRpZCI6IjgwOSIsIkZvbnRTZXR0aW5ncyI6eyIkaWQiOiI4MTAiLCJGb250U2l6ZSI6MTAsIkZvbnROYW1lIjoiQ2FsaWJyaSIsIklzQm9sZCI6ZmFsc2UsIklzSXRhbGljIjpmYWxzZSwiSXNVbmRlcmxpbmVkIjpmYWxzZSwiUGFyZW50U3R5bGUiOm51bGx9LCJBdXRvU2l6ZSI6MCwiRm9yZWdyb3VuZCI6eyIkaWQiOiI4MTEiLCJDb2xvciI6eyIkaWQiOiI4MTIiLCJBIjoyNTUsIlIiOjIzNywiRyI6MTI1LCJCIjo0OX19LCJNYXhXaWR0aCI6MjAwLjAsIk1heEhlaWdodCI6IkluZmluaXR5IiwiU21hcnRGb3JlZ3JvdW5kSXNBY3RpdmUiOmZhbHNlLCJIb3Jpem9udGFsQWxpZ25tZW50IjowLCJWZXJ0aWNhbEFsaWdubWVudCI6MCwiU21hcnRGb3JlZ3JvdW5kIjpudWxsLCJCYWNrZ3JvdW5kRmlsbFR5cGUiOjAsIk1hcmdpbiI6eyIkaWQiOiI4MTMiLCJUb3AiOjAuMCwiTGVmdCI6MC4wLCJSaWdodCI6MC4wLCJCb3R0b20iOjAuMH0sIlBhZGRpbmciOnsiJGlkIjoiODE0IiwiVG9wIjowLjAsIkxlZnQiOjAuMCwiUmlnaHQiOjAuMCwiQm90dG9tIjowLjB9LCJCYWNrZ3JvdW5kIjp7IiRpZCI6IjgxNSIsIkNvbG9yIjp7IiRyZWYiOiI4MDcifX0sIklzVmlzaWJsZSI6dHJ1ZSwiV2lkdGgiOjAuMCwiSGVpZ2h0IjowLjAsIkJvcmRlclN0eWxlIjp7IiRpZCI6IjgxNiIsIkxpbmVDb2xvciI6bnVsbCwiTGluZVdlaWdodCI6MC4wLCJMaW5lVHlwZSI6MCwiUGFyZW50U3R5bGUiOm51bGx9LCJQYXJlbnRTdHlsZSI6bnVsbH0sIkhvcml6b250YWxDb25uZWN0b3JTdHlsZSI6eyIkaWQiOiI4MTciLCJMaW5lQ29sb3IiOnsiJGlkIjoiODE4IiwiJHR5cGUiOiJOTFJFLkNvbW1vbi5Eb20uU29saWRDb2xvckJydXNoLCBOTFJFLkNvbW1vbiIsIkNvbG9yIjp7IiRpZCI6IjgxOSIsIkEiOjI1NSwiUiI6MjA0LCJHIjoyMDQsIkIiOjIwNH19LCJMaW5lV2VpZ2h0IjowLjY2NjY2NjcsIkxpbmVUeXBlIjowLCJQYXJlbnRTdHlsZSI6bnVsbH0sIlZlcnRpY2FsQ29ubmVjdG9yU3R5bGUiOnsiJGlkIjoiODIwIiwiTGluZUNvbG9yIjp7IiRpZCI6IjgyMSIsIiR0eXBlIjoiTkxSRS5Db21tb24uRG9tLlNvbGlkQ29sb3JCcnVzaCwgTkxSRS5Db21tb24iLCJDb2xvciI6eyIkaWQiOiI4MjIiLCJBIjoyNTUsIlIiOjIwNCwiRyI6MjA0LCJCIjoyMDR9fSwiTGluZVdlaWdodCI6MC4wLCJMaW5lVHlwZSI6MCwiUGFyZW50U3R5bGUiOm51bGx9LCJNYXJnaW4iOm51bGwsIlN0YXJ0RGF0ZVBvc2l0aW9uIjo0LCJFbmREYXRlUG9zaXRpb24iOjQsIkRhdGVJc1Zpc2libGUiOnRydWUsIlRpdGxlUG9zaXRpb24iOjUsIkR1cmF0aW9uUG9zaXRpb24iOjYsIlBlcmNlbnRhZ2VDb21wbGV0ZWRQb3NpdGlvbiI6NiwiU3BhY2luZyI6NSwiSXNCZWxvd1RpbWViYW5kIjp0cnVlLCJQZXJjZW50YWdlQ29tcGxldGVTaGFwZU9wYWNpdHkiOjM1LCJCYXNlbGluZVN0eWxlIjp7IiRpZCI6IjgyMyIsIlNoYXBlU3R5bGUiOnsiJGlkIjoiODI0IiwiTWFyZ2luIjp7IiRpZCI6IjgyNSIsIlRvcCI6MC4wLCJMZWZ0IjowLjAsIlJpZ2h0IjowLjAsIkJvdHRvbSI6MC4wfSwiUGFkZGluZyI6eyIkaWQiOiI4MjYiLCJUb3AiOjAuMCwiTGVmdCI6MC4wLCJSaWdodCI6MC4wLCJCb3R0b20iOjAuMH0sIkJhY2tncm91bmQiOnsiJGlkIjoiODI3IiwiQ29sb3IiOnsiJGlkIjoiODI4IiwiQSI6MTUzLCJSIjowLCJHIjowLCJCIjowfX0sIklzVmlzaWJsZSI6dHJ1ZSwiV2lkdGgiOjAuMCwiSGVpZ2h0IjowLjAsIkJvcmRlclN0eWxlIjpudWxsLCJQYXJlbnRTdHlsZSI6bnVsbH0sIk1hcmdpbiI6eyIkaWQiOiI4MjkiLCJUb3AiOjAuMCwiTGVmdCI6MC4wLCJSaWdodCI6MC4wLCJCb3R0b20iOjAuMH0sIlBhZGRpbmciOnsiJGlkIjoiODMwIiwiVG9wIjowLjAsIkxlZnQiOjAuMCwiUmlnaHQiOjAuMCwiQm90dG9tIjowLjB9LCJCYWNrZ3JvdW5kIjpudWxsLCJJc1Zpc2libGUiOnRydWUsIldpZHRoIjowLjAsIkhlaWdodCI6MC4wLCJCb3JkZXJTdHlsZSI6bnVsbCwiUGFyZW50U3R5bGUiOm51bGx9LCJTaGFwZVN0eWxlIjp7IiRpZCI6IjgzMSIsIk1hcmdpbiI6eyIkaWQiOiI4MzIiLCJUb3AiOjAuMCwiTGVmdCI6NC4wLCJSaWdodCI6NC4wLCJCb3R0b20iOjAuMH0sIlBhZGRpbmciOnsiJGlkIjoiODMzIiwiVG9wIjowLjAsIkxlZnQiOjAuMCwiUmlnaHQiOjAuMCwiQm90dG9tIjowLjB9LCJCYWNrZ3JvdW5kIjp7IiRpZCI6IjgzNCIsIkNvbG9yIjp7IiRpZCI6IjgzNSIsIkEiOjI1NSwiUiI6MTExLCJHIjo0OSwiQiI6MTUyfX0sIklzVmlzaWJsZSI6dHJ1ZSwiV2lkdGgiOjE1Ni41NTM2OTU2Nzg3MTA5NCwiSGVpZ2h0IjoxNi4wLCJCb3JkZXJTdHlsZSI6eyIkaWQiOiI4MzYiLCJMaW5lQ29sb3IiOnsiJGlkIjoiODM3IiwiJHR5cGUiOiJOTFJFLkNvbW1vbi5Eb20uU29saWRDb2xvckJydXNoLCBOTFJFLkNvbW1vbiIsIkNvbG9yIjp7IiRpZCI6IjgzOCIsIkEiOjI1NSwiUiI6MjU1LCJHIjowLCJCIjowfX0sIkxpbmVXZWlnaHQiOjAuMCwiTGluZVR5cGUiOjAsIlBhcmVudFN0eWxlIjpudWxsfSwiUGFyZW50U3R5bGUiOm51bGx9LCJUaXRsZVN0eWxlIjp7IiRpZCI6IjgzOSIsIkZvbnRTZXR0aW5ncyI6eyIkaWQiOiI4NDAiLCJGb250U2l6ZSI6MTEsIkZvbnROYW1lIjoiQ2FsaWJyaSIsIklzQm9sZCI6dHJ1ZSwiSXNJdGFsaWMiOmZhbHNlLCJJc1VuZGVybGluZWQiOmZhbHNlLCJQYXJlbnRTdHlsZSI6bnVsbH0sIkF1dG9TaXplIjowLCJGb3JlZ3JvdW5kIjp7IiRpZCI6Ijg0MSIsIkNvbG9yIjp7IiRpZCI6Ijg0MiIsIkEiOjI1NSwiUiI6MCwiRyI6MCwiQiI6MH19LCJNYXhXaWR0aCI6OTYwLjAsIk1heEhlaWdodCI6IkluZmluaXR5IiwiU21hcnRGb3JlZ3JvdW5kSXNBY3RpdmUiOmZhbHNlLCJIb3Jpem9udGFsQWxpZ25tZW50IjowLCJWZXJ0aWNhbEFsaWdubWVudCI6MCwiU21hcnRGb3JlZ3JvdW5kIjpudWxsLCJCYWNrZ3JvdW5kRmlsbFR5cGUiOjAsIk1hcmdpbiI6eyIkaWQiOiI4NDMiLCJUb3AiOjAuMCwiTGVmdCI6MC4wLCJSaWdodCI6MC4wLCJCb3R0b20iOjAuMH0sIlBhZGRpbmciOnsiJGlkIjoiODQ0IiwiVG9wIjowLjAsIkxlZnQiOjAuMCwiUmlnaHQiOjAuMCwiQm90dG9tIjowLjB9LCJCYWNrZ3JvdW5kIjp7IiRpZCI6Ijg0NSIsIkNvbG9yIjp7IiRyZWYiOiI4MDcifX0sIklzVmlzaWJsZSI6dHJ1ZSwiV2lkdGgiOjAuMCwiSGVpZ2h0IjowLjAsIkJvcmRlclN0eWxlIjp7IiRpZCI6Ijg0NiIsIkxpbmVDb2xvciI6bnVsbCwiTGluZVdlaWdodCI6MC4wLCJMaW5lVHlwZSI6MCwiUGFyZW50U3R5bGUiOm51bGx9LCJQYXJlbnRTdHlsZSI6bnVsbH0sIkRhdGVTdHlsZSI6eyIkaWQiOiI4NDciLCJGb250U2V0dGluZ3MiOnsiJGlkIjoiODQ4IiwiRm9udFNpemUiOjEwLCJGb250TmFtZSI6IkNhbGlicmkiLCJJc0JvbGQiOmZhbHNlLCJJc0l0YWxpYyI6ZmFsc2UsIklzVW5kZXJsaW5lZCI6ZmFsc2UsIlBhcmVudFN0eWxlIjpudWxsfSwiQXV0b1NpemUiOjAsIkZvcmVncm91bmQiOnsiJGlkIjoiODQ5IiwiQ29sb3IiOnsiJGlkIjoiODUwIiwiQSI6MjU1LCJSIjo2OCwiRyI6ODQsIkIiOjEwNn19LCJNYXhXaWR0aCI6MjAwLjAsIk1heEhlaWdodCI6IkluZmluaXR5IiwiU21hcnRGb3JlZ3JvdW5kSXNBY3RpdmUiOmZhbHNlLCJIb3Jpem9udGFsQWxpZ25tZW50IjowLCJWZXJ0aWNhbEFsaWdubWVudCI6MCwiU21hcnRGb3JlZ3JvdW5kIjpudWxsLCJCYWNrZ3JvdW5kRmlsbFR5cGUiOjAsIk1hcmdpbiI6eyIkaWQiOiI4NTEiLCJUb3AiOjAuMCwiTGVmdCI6MC4wLCJSaWdodCI6MC4wLCJCb3R0b20iOjAuMH0sIlBhZGRpbmciOnsiJGlkIjoiODUyIiwiVG9wIjowLjAsIkxlZnQiOjAuMCwiUmlnaHQiOjAuMCwiQm90dG9tIjowLjB9LCJCYWNrZ3JvdW5kIjp7IiRpZCI6Ijg1MyIsIkNvbG9yIjp7IiRyZWYiOiI4MDcifX0sIklzVmlzaWJsZSI6dHJ1ZSwiV2lkdGgiOjAuMCwiSGVpZ2h0IjowLjAsIkJvcmRlclN0eWxlIjp7IiRpZCI6Ijg1NCIsIkxpbmVDb2xvciI6bnVsbCwiTGluZVdlaWdodCI6MC4wLCJMaW5lVHlwZSI6MCwiUGFyZW50U3R5bGUiOm51bGx9LCJQYXJlbnRTdHlsZSI6bnVsbH0sIkRhdGVGb3JtYXQiOnsiJGlkIjoiODU1IiwiRm9ybWF0U3RyaW5nIjoiTS9kL3l5eXkiLCJTZXBhcmF0b3IiOiIvIiwiVXNlSW50ZXJuYXRpb25hbERhdGVGb3JtYXQiOmZhbHNlLCJEYXRlSXNWaXNpYmxlIjp0cnVlLCJUaW1lSXNWaXNpYmxlIjpmYWxzZSwiSG91ckRpZ2l0cyI6MSwiQW1QbURlc2lnbmF0b3IiOjIsIlRyaW0wME1pbnV0ZXMiOmZhbHNlLCJMYXN0S25vd25WaXNpYmlsaXR5U3RhdGUiOnsiJGlkIjoiODU2IiwiRGF0ZVBhcnRJc1Zpc2libGUiOmZhbHNlLCJUaW1lUGFydElzVmlzaWJsZSI6ZmFsc2V9fSwiV2Vla051bWJlcmluZyI6eyIkaWQiOiI4NTciLCJGb3JtYXQiOjAsIklzVmlzaWJsZSI6ZmFsc2UsIkxhc3RLbm93blZpc2liaWxpdHlTdGF0ZSI6ZmFsc2V9LCJJc1Zpc2libGUiOnRydWUsIlBhcmVudFN0eWxlIjpudWxsfSwiSW5kZXgiOjQsIlNtYXJ0RHVyYXRpb25BY3RpdmF0ZWQiOmZhbHNlLCJEYXRlRm9ybWF0Ijp7IiRyZWYiOiI4NTUifSwiV2Vla051bWJlcmluZyI6eyIkaWQiOiI4NTgiLCJGb3JtYXQiOjAsIklzVmlzaWJsZSI6ZmFsc2UsIkxhc3RLbm93blZpc2liaWxpdHlTdGF0ZSI6ZmFsc2V9LCJCYXNlbGluZURhdGEiOnsiJGlkIjoiODU5IiwiU3RhcnREYXRlIjoiMjAyNS0xMi0wMlQwMDowMDowMCIsIkVuZERhdGUiOiIyMDI1LTEyLTE1VDIzOjU5OjAwIn0sIklkIjoiNWMyMjMzYWEtNGNkZi00NzFjLWEzZGEtYWI5Mjc2ZjY1MWYyIiwiSW1wb3J0SWQiOm51bGwsIlRpdGxlIjoiU3ByaW50IDUiLCJOb3RlIjpudWxsLCJIeXBlcmxpbmsiOnsiJGlkIjoiODYwIiwiQWRkcmVzcyI6bnVsbCwiU3ViQWRkcmVzcyI6bnVsbH0sIklzQ2hhbmdlZCI6ZmFsc2UsIklzTmV3IjpmYWxzZX1dLCJTd2ltbGFuZXMiOltdLCJNc1Byb2plY3RJdGVtc1RyZWUiOm51bGwsIk1ldGFkYXRhIjp7IiRpZCI6Ijg2MSIsIlJlY2VudENvbG9yc0NvbGxlY3Rpb24iOiJbXCIjRkZCMjBFMTJcIixcIiNGRjZGMzE5OFwiLFwiI0ZGNzBBRDQ3XCIsXCIjRkZFQTE2MUVcIixcIiNGRkZGQzAwMFwiLFwiI0ZGRUQ3RDMxXCJdIiwiTXNwTGF0ZXN0SW1wb3J0SXRlbXMiOiJ7XCIkaWRcIjpcIjFcIixcIlJvb3RcIjp7XCJJbXBvcnRJZFwiOm51bGwsXCJJc0ltcG9ydGVkXCI6ZmFsc2UsXCJDaGlsZHJlblwiOltdfX0iLCJNc3BTeW5jQnlVaWQiOiJGYWxzZSIsIk1zcENvbHVtbnNNYXBwaW5nIjoiW3tcIiRpZFwiOlwiMVwiLFwiU2VsZWN0ZWRNYXBwaW5nXCI6MSxcIkNvbHVtbkhlYWRlclwiOlwiU3dpbWxhbmVcIixcIkNvbHVtbkZyaWVuZGx5TmFtZVwiOm51bGx9LHtcIiRpZFwiOlwiMlwiLFwiU2VsZWN0ZWRNYXBwaW5nXCI6MixcIkNvbHVtbkhlYWRlclwiOlwiTmFtZVwiLFwiQ29sdW1uRnJpZW5kbHlOYW1lXCI6bnVsbH0se1wiJGlkXCI6XCIzXCIsXCJTZWxlY3RlZE1hcHBpbmdcIjozLFwiQ29sdW1uSGVhZGVyXCI6XCJTdGFydFwiLFwiQ29sdW1uRnJpZW5kbHlOYW1lXCI6bnVsbH0se1wiJGlkXCI6XCI0XCIsXCJTZWxlY3RlZE1hcHBpbmdcIjo0LFwiQ29sdW1uSGVhZGVyXCI6XCJGaW5pc2hcIixcIkNvbHVtbkZyaWVuZGx5TmFtZVwiOm51bGx9LHtcIiRpZFwiOlwiNVwiLFwiU2VsZWN0ZWRNYXBwaW5nXCI6NSxcIkNvbHVtbkhlYWRlclwiOlwiUGVyY2VudENvbXBsZXRlXCIsXCJDb2x1bW5GcmllbmRseU5hbWVcIjpudWxsfV0iLCJTb3VyY2VUaGVtZSI6IntcIiRpZFwiOlwiMVwiLFwiSWRcIjpcIjhlMzVlM2MzLWU2ZTktNGU3Ny1hMTE4LWQ1ZGEyYWJkNGNiOVwiLFwiQ2F0ZWdvcnlcIjoyLFwiQ3VsdHVyZUluZm9OYW1lXCI6XCJlcy1QQVwiLFwiVmVyc2lvblwiOntcIiRpZFwiOlwiMlwiLFwiVGhlbWVEb21WZXJzaW9uXCI6XCIyLjAuMFwifSxcIlN0eWxlXCI6e1wiJGlkXCI6XCIzXCIsXCJUaW1lYmFuZFN0eWxlXCI6e1wiJGlkXCI6XCI0XCIsXCJSaWdodEVuZENhcHNTdHlsZVwiOntcIiRpZFwiOlwiNVwiLFwiRm9udFNldHRpbmdzXCI6e1wiJGlkXCI6XCI2XCIsXCJGb250U2l6ZVwiOjE4LFwiRm9udE5hbWVcIjpcIkNhbGlicmlcIixcIklzQm9sZFwiOnRydWUsXCJJc0l0YWxpY1wiOmZhbHNlLFwiSXNVbmRlcmxpbmVkXCI6ZmFsc2V9LFwiRm9yZWdyb3VuZFwiOntcIiRpZFwiOlwiN1wiLFwiQ29sb3JcIjp7XCIkaWRcIjpcIjhcIixcIkFcIjoyNTUsXCJSXCI6MjM3LFwiR1wiOjEyNSxcIkJcIjo0OX19LFwiSG9yaXpvbnRhbEFsaWdubWVudFwiOjAsXCJJc1Zpc2libGVcIjp0cnVlfSxcIkxlZnRFbmRDYXBzU3R5bGVcIjp7XCIkaWRcIjpcIjlcIixcIkZvbnRTZXR0aW5nc1wiOntcIiRpZFwiOlwiMTBcIixcIkZvbnRTaXplXCI6MTgsXCJGb250TmFtZVwiOlwiQ2FsaWJyaVwiLFwiSXNCb2xkXCI6dHJ1ZSxcIklzSXRhbGljXCI6ZmFsc2UsXCJJc1VuZGVybGluZWRcIjpmYWxzZX0sXCJGb3JlZ3JvdW5kXCI6e1wiJGlkXCI6XCIxMVwiLFwiQ29sb3JcIjp7XCIkaWRcIjpcIjEyXCIsXCJBXCI6MjU1LFwiUlwiOjIzNyxcIkdcIjoxMjUsXCJCXCI6NDl9fSxcIkhvcml6b250YWxBbGlnbm1lbnRcIjowLFwiSXNWaXNpYmxlXCI6dHJ1ZX0sXCJUb2RheU1hcmtlclN0eWxlXCI6e1wiJGlkXCI6XCIxM1wiLFwiVG9kYXlUZXh0U3R5bGVcIjp7XCIkaWRcIjpcIjE0XCIsXCJGb250U2V0dGluZ3NcIjp7XCIkaWRcIjpcIjE1XCIsXCJGb250U2l6ZVwiOjEyLFwiRm9udE5hbWVcIjpcIkNhbGlicmlcIixcIklzQm9sZFwiOmZhbHNlLFwiSXNJdGFsaWNcIjpmYWxzZSxcIklzVW5kZXJsaW5lZFwiOmZhbHNlfSxcIkZvcmVncm91bmRcIjp7XCIkaWRcIjpcIjE2XCIsXCJDb2xvclwiOntcIiRpZFwiOlwiMTdcIixcIkFcIjoyNTUsXCJSXCI6MCxcIkdcIjowLFwiQlwiOjB9fSxcIkhvcml6b250YWxBbGlnbm1lbnRcIjowLFwiSXNWaXNpYmxlXCI6dHJ1ZX0sXCJUb2RheU1hcmtlclNoYXBlU3R5bGVcIjp7XCIkaWRcIjpcIjE4XCIsXCJNYXJnaW5cIjp7XCIkaWRcIjpcIjE5XCIsXCJUb3BcIjowLjAsXCJMZWZ0XCI6MC4wLFwiUmlnaHRcIjowLjAsXCJCb3R0b21cIjowLjB9LFwiUGFkZGluZ1wiOntcIiRpZFwiOlwiMjBcIixcIlRvcFwiOjAuMCxcIkxlZnRcIjowLjAsXCJSaWdodFwiOjAuMCxcIkJvdHRvbVwiOjAuMH0sXCJCYWNrZ3JvdW5kXCI6e1wiJGlkXCI6XCIyMVwiLFwiQ29sb3JcIjp7XCIkaWRcIjpcIjIyXCIsXCJBXCI6MjU1LFwiUlwiOjI1NSxcIkdcIjowLFwiQlwiOjB9fSxcIklzVmlzaWJsZVwiOnRydWUsXCJXaWR0aFwiOjAuMCxcIkhlaWdodFwiOjAuMCxcIkJvcmRlclN0eWxlXCI6bnVsbH0sXCJUb2RheU1hcmtlclBvc2l0aW9uXCI6MyxcIklzVmlzaWJsZVwiOnRydWV9LFwiU2NhbGVTdHlsZVwiOntcIiRpZFwiOlwiMjNcIixcIlNob3dTZWdtZW50U2VwYXJhdG9yc1wiOnRydWUsXCJTZWdtZW50U2VwYXJhdG9yT3BhY2l0eVwiOjMwLFwiU2hhcGVcIjowLFwiU2VnbWVudFRleHRTdHlsZVwiOntcIiRpZFwiOlwiMjRcIixcIkZvbnRTZXR0aW5nc1wiOntcIiRpZFwiOlwiMjVcIixcIkZvbnRTaXplXCI6MTIsXCJGb250TmFtZVwiOlwiQ2FsaWJyaVwiLFwiSXNCb2xkXCI6ZmFsc2UsXCJJc0l0YWxpY1wiOmZhbHNlLFwiSXNVbmRlcmxpbmVkXCI6ZmFsc2V9LFwiRm9yZWdyb3VuZFwiOntcIiRpZFwiOlwiMjZcIixcIkNvbG9yXCI6e1wiJGlkXCI6XCIyN1wiLFwiQVwiOjI1NSxcIlJcIjoyNTUsXCJHXCI6MjU1LFwiQlwiOjI1NX19LFwiSG9yaXpvbnRhbEFsaWdubWVudFwiOjAsXCJJc1Zpc2libGVcIjp0cnVlfSxcIlNoYXBlU3R5bGVcIjp7XCIkaWRcIjpcIjI4XCIsXCJNYXJnaW5cIjp7XCIkaWRcIjpcIjI5XCIsXCJUb3BcIjowLjAsXCJMZWZ0XCI6MTIuMCxcIlJpZ2h0XCI6MTIuMCxcIkJvdHRvbVwiOjAuMH0sXCJQYWRkaW5nXCI6e1wiJGlkXCI6XCIzMFwiLFwiVG9wXCI6Ny4wLFwiTGVmdFwiOjAuMCxcIlJpZ2h0XCI6MC4wLFwiQm90dG9tXCI6Ny4wfSxcIkJhY2tncm91bmRcIjp7XCIkaWRcIjpcIjMxXCIsXCJDb2xvclwiOntcIiRpZFwiOlwiMzJcIixcIkFcIjoyNTUsXCJSXCI6NjgsXCJHXCI6ODQsXCJCXCI6MTA2fX0sXCJJc1Zpc2libGVcIjp0cnVlLFwiV2lkdGhcIjo4NTguMCxcIkhlaWdodFwiOjMwLjAsXCJCb3JkZXJTdHlsZVwiOntcIiRpZFwiOlwiMzNcIixcIkxpbmVTdHlsZVwiOntcIiRpZFwiOlwiMzRcIixcIkxpbmVDb2xvclwiOntcIiRpZFwiOlwiMzVcIixcIkNvbG9yXCI6e1wiJGlkXCI6XCIzNlwiLFwiQVwiOjI1NSxcIlJcIjoyNTUsXCJHXCI6MCxcIkJcIjowfX0sXCJMaW5lV2VpZ2h0XCI6MC4wLFwiTGluZVR5cGVcIjowfSxcIklzVmlzaWJsZVwiOmZhbHNlfX19LFwiRWxhcHNlZFRpbWVTdHlsZVwiOntcIiRpZFwiOlwiMzdcIixcIkVsYXBzZWRUaW1lQmFja2dyb3VuZFwiOntcIiRpZFwiOlwiMzhcIixcIkNvbG9yXCI6e1wiJGlkXCI6XCIzOVwiLFwiQVwiOjE5MSxcIlJcIjoyNTUsXCJHXCI6MCxcIkJcIjowfX0sXCJFbGFwc2VkVGltZUZvcm1hdFwiOjEsXCJJc1Zpc2libGVcIjp0cnVlfSxcIk1hcmdpblwiOntcIiRpZFwiOlwiNDBcIixcIlRvcFwiOjAuMCxcIkxlZnRcIjoxMC4wLFwiUmlnaHRcIjoxMC4wLFwiQm90dG9tXCI6MC4wfSxcIlBhZGRpbmdcIjp7XCIkaWRcIjpcIjQxXCIsXCJUb3BcIjowLjAsXCJMZWZ0XCI6MC4wLFwiUmlnaHRcIjowLjAsXCJCb3R0b21cIjowLjB9LFwiQmFja2dyb3VuZFwiOntcIiRpZFwiOlwiNDJcIixcIkNvbG9yXCI6e1wiJGlkXCI6XCI0M1wiLFwiQVwiOjI1NSxcIlJcIjozMSxcIkdcIjo3MyxcIkJcIjoxMjV9fSxcIklzVmlzaWJsZVwiOmZhbHNlLFwiV2lkdGhcIjowLjAsXCJIZWlnaHRcIjowLjAsXCJCb3JkZXJTdHlsZVwiOm51bGx9LFwiVGFza1N0eWxlXCI6e1wiJGlkXCI6XCI0NFwiLFwiU2hhcGVcIjowLFwiU2hhcGVUaGlja25lc3NcIjoxLFwiRHVyYXRpb25Gb3JtYXRcIjowLFwiUGVyY2VudGFnZUNvbXBsZXRlVGV4dFN0eWxlXCI6e1wiJGlkXCI6XCI0NVwiLFwiRm9udFNldHRpbmdzXCI6e1wiJGlkXCI6XCI0NlwiLFwiRm9udFNpemVcIjoxMCxcIkZvbnROYW1lXCI6XCJDYWxpYnJpXCIsXCJJc0JvbGRcIjpmYWxzZSxcIklzSXRhbGljXCI6ZmFsc2UsXCJJc1VuZGVybGluZWRcIjpmYWxzZX0sXCJGb3JlZ3JvdW5kXCI6e1wiJGlkXCI6XCI0N1wiLFwiQ29sb3JcIjp7XCIkaWRcIjpcIjQ4XCIsXCJBXCI6MjU1LFwiUlwiOjIzNyxcIkdcIjoxMjUsXCJCXCI6NDl9fSxcIkhvcml6b250YWxBbGlnbm1lbnRcIjowLFwiSXNWaXNpYmxlXCI6ZmFsc2V9LFwiUGVyY2VudGFnZUNvbXBsZXRlSGlnaGxpZ2h0U3R5bGVcIjp7XCIkaWRcIjpcIjQ5XCIsXCJCYWNrZ3JvdW5kXCI6e1wiJGlkXCI6XCI1MFwiLFwiQ29sb3JcIjp7XCIkaWRcIjpcIjUxXCIsXCJBXCI6ODksXCJSXCI6MCxcIkdcIjowLFwiQlwiOjB9fX0sXCJEdXJhdGlvblN0eWxlXCI6e1wiJGlkXCI6XCI1MlwiLFwiRm9udFNldHRpbmdzXCI6e1wiJGlkXCI6XCI1M1wiLFwiRm9udFNpemVcIjoxMCxcIkZvbnROYW1lXCI6XCJDYWxpYnJpXCIsXCJJc0JvbGRcIjpmYWxzZSxcIklzSXRhbGljXCI6ZmFsc2UsXCJJc1VuZGVybGluZWRcIjpmYWxzZX0sXCJGb3JlZ3JvdW5kXCI6e1wiJGlkXCI6XCI1NFwiLFwiQ29sb3JcIjp7XCIkaWRcIjpcIjU1XCIsXCJBXCI6MjU1LFwiUlwiOjIzNyxcIkdcIjoxMjUsXCJCXCI6NDl9fSxcIkhvcml6b250YWxBbGlnbm1lbnRcIjowLFwiSXNWaXNpYmxlXCI6ZmFsc2V9LFwiSG9yaXpvbnRhbENvbm5lY3RvclN0eWxlXCI6e1wiJGlkXCI6XCI1NlwiLFwiTGluZVN0eWxlXCI6e1wiJGlkXCI6XCI1N1wiLFwiTGluZUNvbG9yXCI6e1wiJGlkXCI6XCI1OFwiLFwiQ29sb3JcIjp7XCIkaWRcIjpcIjU5XCIsXCJBXCI6MjU1LFwiUlwiOjIwNCxcIkdcIjoyMDQsXCJCXCI6MjA0fX0sXCJMaW5lV2VpZ2h0XCI6MS4wLFwiTGluZVR5cGVcIjowfSxcIklzVmlzaWJsZVwiOnRydWV9LFwiVmVydGljYWxDb25uZWN0b3JTdHlsZVwiOntcIiRpZFwiOlwiNjBcIixcIkxpbmVTdHlsZVwiOntcIiRpZFwiOlwiNjFcIixcIkxpbmVDb2xvclwiOntcIiRpZFwiOlwiNjJcIixcIkNvbG9yXCI6e1wiJGlkXCI6XCI2M1wiLFwiQVwiOjI1NSxcIlJcIjoyMDQsXCJHXCI6MjA0LFwiQlwiOjIwNH19LFwiTGluZVdlaWdodFwiOjAuMCxcIkxpbmVUeXBlXCI6MH0sXCJJc1Zpc2libGVcIjpmYWxzZX0sXCJNYXJnaW5cIjp7XCIkaWRcIjpcIjY0XCIsXCJUb3BcIjowLjAsXCJMZWZ0XCI6MC4wLFwiUmlnaHRcIjowLjAsXCJCb3R0b21cIjowLjB9LFwiU3RhcnREYXRlUG9zaXRpb25cIjo0LFwiRW5kRGF0ZVBvc2l0aW9uXCI6NCxcIlRpdGxlUG9zaXRpb25cIjo1LFwiRHVyYXRpb25Qb3NpdGlvblwiOjAsXCJQZXJjZW50YWdlQ29tcGxldGVkUG9zaXRpb25cIjowLFwiU3BhY2luZ1wiOjUsXCJJc0JlbG93VGltZWJhbmRcIjp0cnVlLFwiQmFzZWxpbmVTdHlsZVwiOntcIiRpZFwiOlwiNjVcIixcIkJhc2VsaW5lU2hhcGVTdHlsZVwiOntcIiRpZFwiOlwiNjZcIixcIk1hcmdpblwiOntcIiRpZFwiOlwiNjdcIixcIlRvcFwiOjAuMCxcIkxlZnRcIjowLjAsXCJSaWdodFwiOjAuMCxcIkJvdHRvbVwiOjAuMH0sXCJQYWRkaW5nXCI6e1wiJGlkXCI6XCI2OFwiLFwiVG9wXCI6MC4wLFwiTGVmdFwiOjAuMCxcIlJpZ2h0XCI6MC4wLFwiQm90dG9tXCI6MC4wfSxcIkJhY2tncm91bmRcIjp7XCIkaWRcIjpcIjY5XCIsXCJDb2xvclwiOntcIiRpZFwiOlwiNzBcIixcIkFcIjoxNTMsXCJSXCI6MCxcIkdcIjowLFwiQlwiOjB9fSxcIklzVmlzaWJsZVwiOmZhbHNlLFwiV2lkdGhcIjowLjAsXCJIZWlnaHRcIjowLjAsXCJCb3JkZXJTdHlsZVwiOntcIiRpZFwiOlwiNzFcIixcIkxpbmVTdHlsZVwiOntcIiRpZFwiOlwiNzJcIixcIkxpbmVDb2xvclwiOntcIiRpZFwiOlwiNzNcIixcIkNvbG9yXCI6e1wiJGlkXCI6XCI3NFwiLFwiQVwiOjI1NSxcIlJcIjoyNTUsXCJHXCI6MCxcIkJcIjowfX0sXCJMaW5lV2VpZ2h0XCI6Mi4wLFwiTGluZVR5cGVcIjowfSxcIklzVmlzaWJsZVwiOmZhbHNlfX19LFwiU2hhcGVTdHlsZVwiOntcIiRpZFwiOlwiNzVcIixcIk1hcmdpblwiOntcIiRpZFwiOlwiNzZcIixcIlRvcFwiOjAuMCxcIkxlZnRcIjo0LjAsXCJSaWdodFwiOjQuMCxcIkJvdHRvbVwiOjAuMH0sXCJQYWRkaW5nXCI6e1wiJGlkXCI6XCI3N1wiLFwiVG9wXCI6MC4wLFwiTGVmdFwiOjAuMCxcIlJpZ2h0XCI6MC4wLFwiQm90dG9tXCI6MC4wfSxcIkJhY2tncm91bmRcIjp7XCIkaWRcIjpcIjc4XCIsXCJDb2xvclwiOntcIiRpZFwiOlwiNzlcIixcIkFcIjoyNTUsXCJSXCI6OTEsXCJHXCI6MTU1LFwiQlwiOjIxM319LFwiSXNWaXNpYmxlXCI6dHJ1ZSxcIldpZHRoXCI6MC4wLFwiSGVpZ2h0XCI6MTYuMCxcIkJvcmRlclN0eWxlXCI6e1wiJGlkXCI6XCI4MFwiLFwiTGluZVN0eWxlXCI6e1wiJGlkXCI6XCI4MVwiLFwiTGluZUNvbG9yXCI6e1wiJGlkXCI6XCI4MlwiLFwiQ29sb3JcIjp7XCIkaWRcIjpcIjgzXCIsXCJBXCI6MjU1LFwiUlwiOjIzNCxcIkdcIjoyMixcIkJcIjozMH19LFwiTGluZVdlaWdodFwiOjIuMCxcIkxpbmVUeXBlXCI6MH0sXCJJc1Zpc2libGVcIjpmYWxzZX19LFwiVGl0bGVTdHlsZVwiOntcIiRpZFwiOlwiODRcIixcIkZvbnRTZXR0aW5nc1wiOntcIiRpZFwiOlwiODVcIixcIkZvbnRTaXplXCI6MTEsXCJGb250TmFtZVwiOlwiQ2FsaWJyaVwiLFwiSXNCb2xkXCI6dHJ1ZSxcIklzSXRhbGljXCI6ZmFsc2UsXCJJc1VuZGVybGluZWRcIjpmYWxzZX0sXCJGb3JlZ3JvdW5kXCI6e1wiJGlkXCI6XCI4NlwiLFwiQ29sb3JcIjp7XCIkaWRcIjpcIjg3XCIsXCJBXCI6MjU1LFwiUlwiOjAsXCJHXCI6MCxcIkJcIjowfX0sXCJIb3Jpem9udGFsQWxpZ25tZW50XCI6MCxcIklzVmlzaWJsZVwiOnRydWV9LFwiRGF0ZVN0eWxlXCI6e1wiJGlkXCI6XCI4OFwiLFwiRm9udFNldHRpbmdzXCI6e1wiJGlkXCI6XCI4OVwiLFwiRm9udFNpemVcIjoxMCxcIkZvbnROYW1lXCI6XCJDYWxpYnJpXCIsXCJJc0JvbGRcIjpmYWxzZSxcIklzSXRhbGljXCI6ZmFsc2UsXCJJc1VuZGVybGluZWRcIjpmYWxzZX0sXCJGb3JlZ3JvdW5kXCI6e1wiJGlkXCI6XCI5MFwiLFwiQ29sb3JcIjp7XCIkaWRcIjpcIjkxXCIsXCJBXCI6MjU1LFwiUlwiOjY4LFwiR1wiOjg0LFwiQlwiOjEwNn19LFwiSG9yaXpvbnRhbEFsaWdubWVudFwiOjAsXCJJc1Zpc2libGVcIjp0cnVlfSxcIkRhdGVGb3JtYXRcIjp7XCIkaWRcIjpcIjkyXCIsXCJGb3JtYXRTdHJpbmdcIjpcIk0vZC95eXl5XCIsXCJTZXBhcmF0b3JcIjpcIi9cIixcIlVzZUludGVybmF0aW9uYWxEYXRlRm9ybWF0XCI6ZmFsc2UsXCJEYXRlSXNWaXNpYmxlXCI6dHJ1ZSxcIlRpbWVJc1Zpc2libGVcIjpmYWxzZSxcIkhvdXJEaWdpdHNcIjoxLFwiQW1QbURlc2lnbmF0b3JcIjoyLFwiVHJpbTAwTWludXRlc1wiOmZhbHNlfSxcIldlZWtOdW1iZXJpbmdcIjp7XCIkaWRcIjpcIjkzXCIsXCJGb3JtYXRcIjowLFwiSXNWaXNpYmxlXCI6ZmFsc2UsXCJMYXN0S25vd25WaXNpYmlsaXR5U3RhdGVcIjpmYWxzZX19LFwiTWlsZXN0b25lU3R5bGVcIjp7XCIkaWRcIjpcIjk0XCIsXCJTaGFwZVwiOjIsXCJJc0JlbG93VGltZWJhbmRcIjpmYWxzZSxcIlNoYXBlU2l6ZVwiOjEsXCJQYWRkaW5nXCI6e1wiJGlkXCI6XCI5NVwiLFwiVG9wXCI6Ny4wLFwiTGVmdFwiOjMuMCxcIlJpZ2h0XCI6MC4wLFwiQm90dG9tXCI6Mi4wfSxcIlNoYXBlU3R5bGVcIjp7XCIkaWRcIjpcIjk2XCIsXCJNYXJnaW5cIjp7XCIkaWRcIjpcIjk3XCIsXCJUb3BcIjowLjAsXCJMZWZ0XCI6MC4wLFwiUmlnaHRcIjowLjAsXCJCb3R0b21cIjowLjB9LFwiUGFkZGluZ1wiOntcIiRpZFwiOlwiOThcIixcIlRvcFwiOjAuMCxcIkxlZnRcIjowLjAsXCJSaWdodFwiOjAuMCxcIkJvdHRvbVwiOjAuMH0sXCJCYWNrZ3JvdW5kXCI6e1wiJGlkXCI6XCI5OVwiLFwiQ29sb3JcIjp7XCIkaWRcIjpcIjEwMFwiLFwiQVwiOjI1NSxcIlJcIjoyMzQsXCJHXCI6MjIsXCJCXCI6MzB9fSxcIklzVmlzaWJsZVwiOnRydWUsXCJXaWR0aFwiOjE4LjAsXCJIZWlnaHRcIjoyMC4wLFwiQm9yZGVyU3R5bGVcIjp7XCIkaWRcIjpcIjEwMVwiLFwiTGluZVN0eWxlXCI6e1wiJGlkXCI6XCIxMDJcIixcIkxpbmVDb2xvclwiOntcIiRpZFwiOlwiMTAzXCIsXCJDb2xvclwiOntcIiRpZFwiOlwiMTA0XCIsXCJBXCI6MjU1LFwiUlwiOjIzNCxcIkdcIjoyMixcIkJcIjozMH19LFwiTGluZVdlaWdodFwiOjIuMCxcIkxpbmVUeXBlXCI6MH0sXCJJc1Zpc2libGVcIjpmYWxzZX19LFwiVGl0bGVTdHlsZVwiOntcIiRpZFwiOlwiMTA1XCIsXCJGb250U2V0dGluZ3NcIjp7XCIkaWRcIjpcIjEwNlwiLFwiRm9udFNpemVcIjoxMSxcIkZvbnROYW1lXCI6XCJDYWxpYnJpXCIsXCJJc0JvbGRcIjp0cnVlLFwiSXNJdGFsaWNcIjpmYWxzZSxcIklzVW5kZXJsaW5lZFwiOmZhbHNlfSxcIkZvcmVncm91bmRcIjp7XCIkaWRcIjpcIjEwN1wiLFwiQ29sb3JcIjp7XCIkaWRcIjpcIjEwOFwiLFwiQVwiOjI1NSxcIlJcIjowLFwiR1wiOjAsXCJCXCI6MH19LFwiSG9yaXpvbnRhbEFsaWdubWVudFwiOjAsXCJJc1Zpc2libGVcIjp0cnVlfSxcIkRhdGVTdHlsZVwiOntcIiRpZFwiOlwiMTA5XCIsXCJGb250U2V0dGluZ3NcIjp7XCIkaWRcIjpcIjExMFwiLFwiRm9udFNpemVcIjoxMCxcIkZvbnROYW1lXCI6XCJDYWxpYnJpXCIsXCJJc0JvbGRcIjpmYWxzZSxcIklzSXRhbGljXCI6ZmFsc2UsXCJJc1VuZGVybGluZWRcIjpmYWxzZX0sXCJGb3JlZ3JvdW5kXCI6e1wiJGlkXCI6XCIxMTFcIixcIkNvbG9yXCI6e1wiJGlkXCI6XCIxMTJcIixcIkFcIjoyNTUsXCJSXCI6NjgsXCJHXCI6ODQsXCJCXCI6MTA2fX0sXCJIb3Jpem9udGFsQWxpZ25tZW50XCI6MCxcIklzVmlzaWJsZVwiOnRydWV9LFwiRGF0ZUZvcm1hdFwiOntcIiRpZFwiOlwiMTEzXCIsXCJGb3JtYXRTdHJpbmdcIjpcIk0vZC95eXl5XCIsXCJTZXBhcmF0b3JcIjpcIi9cIixcIlVzZUludGVybmF0aW9uYWxEYXRlRm9ybWF0XCI6ZmFsc2UsXCJEYXRlSXNWaXNpYmxlXCI6dHJ1ZSxcIlRpbWVJc1Zpc2libGVcIjpmYWxzZSxcIkhvdXJEaWdpdHNcIjoxLFwiQW1QbURlc2lnbmF0b3JcIjoyLFwiVHJpbTAwTWludXRlc1wiOmZhbHNlfSxcIldlZWtOdW1iZXJpbmdcIjp7XCIkaWRcIjpcIjExNFwiLFwiRm9ybWF0XCI6MCxcIklzVmlzaWJsZVwiOmZhbHNlLFwiTGFzdEtub3duVmlzaWJpbGl0eVN0YXRlXCI6ZmFsc2V9fSxcIk1vdFN0eWxlXCI6e1wiJGlkXCI6XCIxMTVcIixcIlNoYXBlXCI6MixcIlNoYXBlU2l6ZVwiOjEsXCJEZXRhaWxzU3BhY2luZ1wiOjEuMCxcIlBhZGRpbmdcIjp7XCIkaWRcIjpcIjExNlwiLFwiVG9wXCI6Ny4wLFwiTGVmdFwiOjMuMCxcIlJpZ2h0XCI6MC4wLFwiQm90dG9tXCI6Mi4wfSxcIlBvc2l0aW9uT25UYXNrXCI6MSxcIlNoYXBlU3R5bGVcIjp7XCIkaWRcIjpcIjExN1wiLFwiTWFyZ2luXCI6e1wiJGlkXCI6XCIxMThcIixcIlRvcFwiOjAuMCxcIkxlZnRcIjowLjAsXCJSaWdodFwiOjAuMCxcIkJvdHRvbVwiOjAuMH0sXCJQYWRkaW5nXCI6e1wiJGlkXCI6XCIxMTlcIixcIlRvcFwiOjAuMCxcIkxlZnRcIjowLjAsXCJSaWdodFwiOjAuMCxcIkJvdHRvbVwiOjAuMH0sXCJCYWNrZ3JvdW5kXCI6e1wiJGlkXCI6XCIxMjBcIixcIkNvbG9yXCI6e1wiJGlkXCI6XCIxMjFcIixcIkFcIjoyNTUsXCJSXCI6MjM0LFwiR1wiOjIyLFwiQlwiOjMwfX0sXCJJc1Zpc2libGVcIjp0cnVlLFwiV2lkdGhcIjoxOC4wLFwiSGVpZ2h0XCI6MjAuMCxcIkJvcmRlclN0eWxlXCI6e1wiJGlkXCI6XCIxMjJcIixcIkxpbmVTdHlsZVwiOntcIiRpZFwiOlwiMTIzXCIsXCJMaW5lQ29sb3JcIjp7XCIkaWRcIjpcIjEyNFwiLFwiQ29sb3JcIjp7XCIkaWRcIjpcIjEyNVwiLFwiQVwiOjI1NSxcIlJcIjoyMzQsXCJHXCI6MjIsXCJCXCI6MzB9fSxcIkxpbmVXZWlnaHRcIjowLjAsXCJMaW5lVHlwZVwiOjB9LFwiSXNWaXNpYmxlXCI6ZmFsc2V9fSxcIlRpdGxlU3R5bGVcIjp7XCIkaWRcIjpcIjEyNlwiLFwiRm9udFNldHRpbmdzXCI6e1wiJGlkXCI6XCIxMjdcIixcIkZvbnRTaXplXCI6MTEsXCJGb250TmFtZVwiOlwiQ2FsaWJyaVwiLFwiSXNCb2xkXCI6dHJ1ZSxcIklzSXRhbGljXCI6ZmFsc2UsXCJJc1VuZGVybGluZWRcIjpmYWxzZX0sXCJGb3JlZ3JvdW5kXCI6e1wiJGlkXCI6XCIxMjhcIixcIkNvbG9yXCI6e1wiJGlkXCI6XCIxMjlcIixcIkFcIjoyNTUsXCJSXCI6MCxcIkdcIjowLFwiQlwiOjB9fSxcIkhvcml6b250YWxBbGlnbm1lbnRcIjowLFwiSXNWaXNpYmxlXCI6dHJ1ZX0sXCJEYXRlU3R5bGVcIjp7XCIkaWRcIjpcIjEzMFwiLFwiRm9udFNldHRpbmdzXCI6e1wiJGlkXCI6XCIxMzFcIixcIkZvbnRTaXplXCI6MTAsXCJGb250TmFtZVwiOlwiQ2FsaWJyaVwiLFwiSXNCb2xkXCI6ZmFsc2UsXCJJc0l0YWxpY1wiOmZhbHNlLFwiSXNVbmRlcmxpbmVkXCI6ZmFsc2V9LFwiRm9yZWdyb3VuZFwiOntcIiRpZFwiOlwiMTMyXCIsXCJDb2xvclwiOntcIiRpZFwiOlwiMTMzXCIsXCJBXCI6MjU1LFwiUlwiOjY4LFwiR1wiOjg0LFwiQlwiOjEwNn19LFwiSG9yaXpvbnRhbEFsaWdubWVudFwiOjAsXCJJc1Zpc2libGVcIjp0cnVlfSxcIkRhdGVGb3JtYXRcIjp7XCIkaWRcIjpcIjEzNFwiLFwiRm9ybWF0U3RyaW5nXCI6XCJNL2QveXl5eVwiLFwiU2VwYXJhdG9yXCI6XCIvXCIsXCJVc2VJbnRlcm5hdGlvbmFsRGF0ZUZvcm1hdFwiOmZhbHNlLFwiRGF0ZUlzVmlzaWJsZVwiOnRydWUsXCJUaW1lSXNWaXNpYmxlXCI6ZmFsc2UsXCJIb3VyRGlnaXRzXCI6MSxcIkFtUG1EZXNpZ25hdG9yXCI6MixcIlRyaW0wME1pbnV0ZXNcIjpmYWxzZX0sXCJXZWVrTnVtYmVyaW5nXCI6e1wiJGlkXCI6XCIxMzVcIixcIkZvcm1hdFwiOjAsXCJJc1Zpc2libGVcIjpmYWxzZSxcIkxhc3RLbm93blZpc2liaWxpdHlTdGF0ZVwiOmZhbHNlfX0sXCJTd2ltbGFuZVYyU3R5bGVcIjp7XCIkaWRcIjpcIjEzNlwiLFwiU3R5bGVJZFwiOlwiNDE0NmZkMGEtYjNjMy00MzcwLWI3NjEtMzlhMTI1MmI5OWZjXCIsXCJOYW1lXCI6XCJTd2ltbGFuZSBTdHlsZSAxXCIsXCJIZWFkZXJTdHlsZVwiOntcIiRpZFwiOlwiMTM3XCIsXCJUZXh0U3R5bGVcIjp7XCIkaWRcIjpcIjEzOFwiLFwiRm9udFNldHRpbmdzXCI6e1wiJGlkXCI6XCIxMzlcIixcIkZvbnRTaXplXCI6MTIsXCJGb250TmFtZVwiOlwiQ2FsaWJyaVwiLFwiSXNCb2xkXCI6ZmFsc2UsXCJJc0l0YWxpY1wiOmZhbHNlLFwiSXNVbmRlcmxpbmVkXCI6ZmFsc2V9LFwiRm9yZWdyb3VuZFwiOntcIiRpZFwiOlwiMTQwXCIsXCJDb2xvclwiOntcIiRpZFwiOlwiMTQxXCIsXCJBXCI6MjU1LFwiUlwiOjI1NSxcIkdcIjoyNTUsXCJCXCI6MjU1fX0sXCJIb3Jpem9udGFsQWxpZ25tZW50XCI6MCxcIklzVmlzaWJsZVwiOnRydWV9LFwiUmVjdGFuZ2xlU3R5bGVcIjp7XCIkaWRcIjpcIjE0MlwiLFwiTWFyZ2luXCI6e1wiJGlkXCI6XCIxNDNcIixcIlRvcFwiOjAuMCxcIkxlZnRcIjowLjAsXCJSaWdodFwiOjAuMCxcIkJvdHRvbVwiOjAuMH0sXCJQYWRkaW5nXCI6e1wiJGlkXCI6XCIxNDRcIixcIlRvcFwiOjAuMCxcIkxlZnRcIjowLjAsXCJSaWdodFwiOjAuMCxcIkJvdHRvbVwiOjAuMH0sXCJCYWNrZ3JvdW5kXCI6e1wiJGlkXCI6XCIxNDVcIixcIkNvbG9yXCI6e1wiJGlkXCI6XCIxNDZcIixcIkFcIjoyNTUsXCJSXCI6OTEsXCJHXCI6MTU1LFwiQlwiOjIxM319LFwiSXNWaXNpYmxlXCI6dHJ1ZSxcIldpZHRoXCI6MC4wLFwiSGVpZ2h0XCI6MC4wLFwiQm9yZGVyU3R5bGVcIjp7XCIkaWRcIjpcIjE0N1wiLFwiTGluZVN0eWxlXCI6e1wiJGlkXCI6XCIxNDhcIixcIkxpbmVDb2xvclwiOntcIiRpZFwiOlwiMTQ5XCIsXCJDb2xvclwiOntcIiRpZFwiOlwiMTUwXCIsXCJBXCI6MjU1LFwiUlwiOjI1NSxcIkdcIjowLFwiQlwiOjB9fSxcIkxpbmVXZWlnaHRcIjowLjAsXCJMaW5lVHlwZVwiOjB9LFwiSXNWaXNpYmxlXCI6ZmFsc2V9fX0sXCJCYWNrZ3JvdW5kU3R5bGVcIjp7XCIkaWRcIjpcIjE1MVwiLFwiTWFyZ2luXCI6e1wiJGlkXCI6XCIxNTJcIixcIlRvcFwiOjAuMCxcIkxlZnRcIjowLjAsXCJSaWdodFwiOjAuMCxcIkJvdHRvbVwiOjAuMH0sXCJQYWRkaW5nXCI6e1wiJGlkXCI6XCIxNTNcIixcIlRvcFwiOjAuMCxcIkxlZnRcIjowLjAsXCJSaWdodFwiOjAuMCxcIkJvdHRvbVwiOjAuMH0sXCJCYWNrZ3JvdW5kXCI6e1wiJGlkXCI6XCIxNTRcIixcIkNvbG9yXCI6e1wiJGlkXCI6XCIxNTVcIixcIkFcIjo1MSxcIlJcIjo5MSxcIkdcIjoxNTUsXCJCXCI6MjEzfX0sXCJJc1Zpc2libGVcIjp0cnVlLFwiV2lkdGhcIjowLjAsXCJIZWlnaHRcIjowLjAsXCJCb3JkZXJTdHlsZVwiOntcIiRpZFwiOlwiMTU2XCIsXCJMaW5lU3R5bGVcIjp7XCIkaWRcIjpcIjE1N1wiLFwiTGluZUNvbG9yXCI6e1wiJGlkXCI6XCIxNThcIixcIkNvbG9yXCI6e1wiJGlkXCI6XCIxNTlcIixcIkFcIjoyNTUsXCJSXCI6MjM0LFwiR1wiOjIyLFwiQlwiOjMwfX0sXCJMaW5lV2VpZ2h0XCI6MC4wLFwiTGluZVR5cGVcIjowfSxcIklzVmlzaWJsZVwiOmZhbHNlfX0sXCJJc0Fib3ZlVGltZWJhbmRcIjpmYWxzZSxcIlNwYWNpbmdcIjo1LFwiRGVmYXVsdFN3aW1sYW5lQWN0aXZpdHlTdHlsZVwiOntcIiRpZFwiOlwiMTYwXCIsXCJIZWFkZXJTdHlsZVwiOntcIiRpZFwiOlwiMTYxXCIsXCJUZXh0U3R5bGVcIjp7XCIkaWRcIjpcIjE2MlwiLFwiRm9udFNldHRpbmdzXCI6e1wiJGlkXCI6XCIxNjNcIixcIkZvbnRTaXplXCI6MTEsXCJGb250TmFtZVwiOlwiQ2FsaWJyaVwiLFwiSXNCb2xkXCI6ZmFsc2UsXCJJc0l0YWxpY1wiOmZhbHNlLFwiSXNVbmRlcmxpbmVkXCI6ZmFsc2V9LFwiRm9yZWdyb3VuZFwiOntcIiRpZFwiOlwiMTY0XCIsXCJDb2xvclwiOntcIiRpZFwiOlwiMTY1XCIsXCJBXCI6MjU1LFwiUlwiOjAsXCJHXCI6MCxcIkJcIjowfX0sXCJIb3Jpem9udGFsQWxpZ25tZW50XCI6MCxcIklzVmlzaWJsZVwiOnRydWV9LFwiUmVjdGFuZ2xlU3R5bGVcIjp7XCIkaWRcIjpcIjE2NlwiLFwiTWFyZ2luXCI6e1wiJGlkXCI6XCIxNjdcIixcIlRvcFwiOjAuMCxcIkxlZnRcIjowLjAsXCJSaWdodFwiOjAuMCxcIkJvdHRvbVwiOjAuMH0sXCJQYWRkaW5nXCI6e1wiJGlkXCI6XCIxNjhcIixcIlRvcFwiOjAuMCxcIkxlZnRcIjowLjAsXCJSaWdodFwiOjAuMCxcIkJvdHRvbVwiOjAuMH0sXCJCYWNrZ3JvdW5kXCI6e1wiJGlkXCI6XCIxNjlcIixcIkNvbG9yXCI6e1wiJGlkXCI6XCIxNzBcIixcIkFcIjo2MyxcIlJcIjo5MSxcIkdcIjoxNTUsXCJCXCI6MjEzfX0sXCJJc1Zpc2libGVcIjp0cnVlLFwiV2lkdGhcIjowLjAsXCJIZWlnaHRcIjowLjAsXCJCb3JkZXJTdHlsZVwiOntcIiRpZFwiOlwiMTcxXCIsXCJMaW5lU3R5bGVcIjp7XCIkaWRcIjpcIjE3MlwiLFwiTGluZUNvbG9yXCI6e1wiJGlkXCI6XCIxNzNcIixcIkNvbG9yXCI6e1wiJGlkXCI6XCIxNzRcIixcIkFcIjoyNTUsXCJSXCI6MjU1LFwiR1wiOjAsXCJCXCI6MH19LFwiTGluZVdlaWdodFwiOjAuMCxcIkxpbmVUeXBlXCI6MH0sXCJJc1Zpc2libGVcIjpmYWxzZX19fSxcIkJhY2tncm91bmRTdHlsZVwiOntcIiRpZFwiOlwiMTc1XCIsXCJNYXJnaW5cIjp7XCIkaWRcIjpcIjE3NlwiLFwiVG9wXCI6MC4wLFwiTGVmdFwiOjAuMCxcIlJpZ2h0XCI6MC4wLFwiQm90dG9tXCI6MC4wfSxcIlBhZGRpbmdcIjp7XCIkaWRcIjpcIjE3N1wiLFwiVG9wXCI6MC4wLFwiTGVmdFwiOjAuMCxcIlJpZ2h0XCI6MC4wLFwiQm90dG9tXCI6MC4wfSxcIkJhY2tncm91bmRcIjp7XCIkaWRcIjpcIjE3OFwiLFwiQ29sb3JcIjp7XCIkaWRcIjpcIjE3OVwiLFwiQVwiOjUxLFwiUlwiOjkxLFwiR1wiOjE1NSxcIkJcIjoyMTN9fSxcIklzVmlzaWJsZVwiOnRydWUsXCJXaWR0aFwiOjAuMCxcIkhlaWdodFwiOjAuMCxcIkJvcmRlclN0eWxlXCI6e1wiJGlkXCI6XCIxODBcIixcIkxpbmVTdHlsZVwiOntcIiRpZFwiOlwiMTgxXCIsXCJMaW5lQ29sb3JcIjp7XCIkaWRcIjpcIjE4MlwiLFwiQ29sb3JcIjp7XCIkaWRcIjpcIjE4M1wiLFwiQVwiOjI1NSxcIlJcIjoyNTUsXCJHXCI6MCxcIkJcIjowfX0sXCJMaW5lV2VpZ2h0XCI6MC4wLFwiTGluZVR5cGVcIjowfSxcIklzVmlzaWJsZVwiOmZhbHNlfX19LFwiRGVmYXVsdFN3aW1sYW5lTWlsZXN0b25lU3R5bGVcIjp7XCIkaWRcIjpcIjE4NFwiLFwiVGl0bGVQb3NpdGlvblwiOjIsXCJEYXRlUG9zaXRpb25cIjowLFwiU2hhcGVUeXBlXCI6MixcIlNoYXBlU2l6ZVwiOjEsXCJTcGFjaW5nXCI6NSxcIlNoYXBlU3R5bGVcIjp7XCIkaWRcIjpcIjE4NVwiLFwiTWFyZ2luXCI6e1wiJGlkXCI6XCIxODZcIixcIlRvcFwiOjAuMCxcIkxlZnRcIjowLjAsXCJSaWdodFwiOjAuMCxcIkJvdHRvbVwiOjAuMH0sXCJQYWRkaW5nXCI6e1wiJGlkXCI6XCIxODdcIixcIlRvcFwiOjAuMCxcIkxlZnRcIjowLjAsXCJSaWdodFwiOjAuMCxcIkJvdHRvbVwiOjAuMH0sXCJCYWNrZ3JvdW5kXCI6e1wiJGlkXCI6XCIxODhcIixcIkNvbG9yXCI6e1wiJGlkXCI6XCIxODlcIixcIkFcIjoyNTUsXCJSXCI6OTEsXCJHXCI6MTU1LFwiQlwiOjIxM319LFwiSXNWaXNpYmxlXCI6dHJ1ZSxcIldpZHRoXCI6MTguMCxcIkhlaWdodFwiOjIwLjAsXCJCb3JkZXJTdHlsZVwiOntcIiRpZFwiOlwiMTkwXCIsXCJMaW5lU3R5bGVcIjp7XCIkaWRcIjpcIjE5MVwiLFwiTGluZUNvbG9yXCI6e1wiJGlkXCI6XCIxOTJcIixcIkNvbG9yXCI6e1wiJGlkXCI6XCIxOTNcIixcIkFcIjoyNTUsXCJSXCI6MjU1LFwiR1wiOjAsXCJCXCI6MH19LFwiTGluZVdlaWdodFwiOjIuMCxcIkxpbmVUeXBlXCI6MH0sXCJJc1Zpc2libGVcIjpmYWxzZX19LFwiVGl0bGVTdHlsZVwiOntcIiRpZFwiOlwiMTk0XCIsXCJGb250U2V0dGluZ3NcIjp7XCIkaWRcIjpcIjE5NVwiLFwiRm9udFNpemVcIjoxMSxcIkZvbnROYW1lXCI6XCJDYWxpYnJpXCIsXCJJc0JvbGRcIjp0cnVlLFwiSXNJdGFsaWNcIjpmYWxzZSxcIklzVW5kZXJsaW5lZFwiOmZhbHNlfSxcIkZvcmVncm91bmRcIjp7XCIkaWRcIjpcIjE5NlwiLFwiQ29sb3JcIjp7XCIkaWRcIjpcIjE5N1wiLFwiQVwiOjI1NSxcIlJcIjowLFwiR1wiOjAsXCJCXCI6MH19LFwiSG9yaXpvbnRhbEFsaWdubWVudFwiOjAsXCJJc1Zpc2libGVcIjp0cnVlfSxcIkRhdGVTdHlsZVwiOntcIiRpZFwiOlwiMTk4XCIsXCJGb250U2V0dGluZ3NcIjp7XCIkaWRcIjpcIjE5OVwiLFwiRm9udFNpemVcIjoxMCxcIkZvbnROYW1lXCI6XCJDYWxpYnJpXCIsXCJJc0JvbGRcIjpmYWxzZSxcIklzSXRhbGljXCI6ZmFsc2UsXCJJc1VuZGVybGluZWRcIjpmYWxzZX0sXCJGb3JlZ3JvdW5kXCI6e1wiJGlkXCI6XCIyMDBcIixcIkNvbG9yXCI6e1wiJGlkXCI6XCIyMDFcIixcIkFcIjoyNTUsXCJSXCI6NjgsXCJHXCI6ODQsXCJCXCI6MTA2fX0sXCJIb3Jpem9udGFsQWxpZ25tZW50XCI6MCxcIklzVmlzaWJsZVwiOnRydWV9LFwiRGF0ZUZvcm1hdFwiOntcIiRpZFwiOlwiMjAyXCIsXCJGb3JtYXRTdHJpbmdcIjpcIk0vZC95eXl5XCIsXCJTZXBhcmF0b3JcIjpcIi9cIixcIlVzZUludGVybmF0aW9uYWxEYXRlRm9ybWF0XCI6ZmFsc2UsXCJEYXRlSXNWaXNpYmxlXCI6dHJ1ZSxcIlRpbWVJc1Zpc2libGVcIjpmYWxzZSxcIkhvdXJEaWdpdHNcIjoxLFwiQW1QbURlc2lnbmF0b3JcIjoyLFwiVHJpbTAwTWludXRlc1wiOmZhbHNlfSxcIldlZWtOdW1iZXJpbmdcIjp7XCIkaWRcIjpcIjIwM1wiLFwiRm9ybWF0XCI6MCxcIklzVmlzaWJsZVwiOmZhbHNlLFwiTGFzdEtub3duVmlzaWJpbGl0eVN0YXRlXCI6ZmFsc2V9fSxcIkRlZmF1bHRTd2ltbGFuZVRhc2tTdHlsZVwiOntcIiRpZFwiOlwiMjA0XCIsXCJTaGFwZVwiOjAsXCJTaGFwZVRoaWNrbmVzc1wiOjEsXCJEdXJhdGlvbkZvcm1hdFwiOjAsXCJQZXJjZW50YWdlQ29tcGxldGVUZXh0U3R5bGVcIjp7XCIkaWRcIjpcIjIwNVwiLFwiRm9udFNldHRpbmdzXCI6e1wiJGlkXCI6XCIyMDZcIixcIkZvbnRTaXplXCI6MTAsXCJGb250TmFtZVwiOlwiQ2FsaWJyaVwiLFwiSXNCb2xkXCI6ZmFsc2UsXCJJc0l0YWxpY1wiOmZhbHNlLFwiSXNVbmRlcmxpbmVkXCI6ZmFsc2V9LFwiRm9yZWdyb3VuZFwiOntcIiRpZFwiOlwiMjA3XCIsXCJDb2xvclwiOntcIiRpZFwiOlwiMjA4XCIsXCJBXCI6MjU1LFwiUlwiOjIzNyxcIkdcIjoxMjUsXCJCXCI6NDl9fSxcIkhvcml6b250YWxBbGlnbm1lbnRcIjowLFwiSXNWaXNpYmxlXCI6ZmFsc2V9LFwiUGVyY2VudGFnZUNvbXBsZXRlSGlnaGxpZ2h0U3R5bGVcIjp7XCIkaWRcIjpcIjIwOVwiLFwiQmFja2dyb3VuZFwiOntcIiRpZFwiOlwiMjEwXCIsXCJDb2xvclwiOntcIiRpZFwiOlwiMjExXCIsXCJBXCI6ODksXCJSXCI6MCxcIkdcIjowLFwiQlwiOjB9fX0sXCJEdXJhdGlvblN0eWxlXCI6e1wiJGlkXCI6XCIyMTJcIixcIkZvbnRTZXR0aW5nc1wiOntcIiRpZFwiOlwiMjEzXCIsXCJGb250U2l6ZVwiOjEwLFwiRm9udE5hbWVcIjpcIkNhbGlicmlcIixcIklzQm9sZFwiOmZhbHNlLFwiSXNJdGFsaWNcIjpmYWxzZSxcIklzVW5kZXJsaW5lZFwiOmZhbHNlfSxcIkZvcmVncm91bmRcIjp7XCIkaWRcIjpcIjIxNFwiLFwiQ29sb3JcIjp7XCIkaWRcIjpcIjIxNVwiLFwiQVwiOjI1NSxcIlJcIjoyMzcsXCJHXCI6MTI1LFwiQlwiOjQ5fX0sXCJIb3Jpem9udGFsQWxpZ25tZW50XCI6MCxcIklzVmlzaWJsZVwiOmZhbHNlfSxcIk1hcmdpblwiOntcIiRpZFwiOlwiMjE2XCIsXCJUb3BcIjowLjAsXCJMZWZ0XCI6MC4wLFwiUmlnaHRcIjowLjAsXCJCb3R0b21cIjowLjB9LFwiU3RhcnREYXRlUG9zaXRpb25cIjo0LFwiRW5kRGF0ZVBvc2l0aW9uXCI6NCxcIlRpdGxlUG9zaXRpb25cIjozLFwiRHVyYXRpb25Qb3NpdGlvblwiOjAsXCJQZXJjZW50YWdlQ29tcGxldGVkUG9zaXRpb25cIjowLFwiU3BhY2luZ1wiOjUsXCJCYXNlbGluZVN0eWxlXCI6e1wiJGlkXCI6XCIyMTdcIixcIkJhc2VsaW5lU2hhcGVTdHlsZVwiOntcIiRpZFwiOlwiMjE4XCIsXCJNYXJnaW5cIjp7XCIkaWRcIjpcIjIxOVwiLFwiVG9wXCI6MC4wLFwiTGVmdFwiOjAuMCxcIlJpZ2h0XCI6MC4wLFwiQm90dG9tXCI6MC4wfSxcIlBhZGRpbmdcIjp7XCIkaWRcIjpcIjIyMFwiLFwiVG9wXCI6MC4wLFwiTGVmdFwiOjAuMCxcIlJpZ2h0XCI6MC4wLFwiQm90dG9tXCI6MC4wfSxcIkJhY2tncm91bmRcIjp7XCIkaWRcIjpcIjIyMVwiLFwiQ29sb3JcIjp7XCIkaWRcIjpcIjIyMlwiLFwiQVwiOjE1MyxcIlJcIjowLFwiR1wiOjAsXCJCXCI6MH19LFwiSXNWaXNpYmxlXCI6ZmFsc2UsXCJXaWR0aFwiOjAuMCxcIkhlaWdodFwiOjAuMCxcIkJvcmRlclN0eWxlXCI6e1wiJGlkXCI6XCIyMjNcIixcIkxpbmVTdHlsZVwiOntcIiRpZFwiOlwiMjI0XCIsXCJMaW5lQ29sb3JcIjp7XCIkaWRcIjpcIjIyNVwiLFwiQ29sb3JcIjp7XCIkaWRcIjpcIjIyNlwiLFwiQVwiOjI1NSxcIlJcIjoyNTUsXCJHXCI6MCxcIkJcIjowfX0sXCJMaW5lV2VpZ2h0XCI6Mi4wLFwiTGluZVR5cGVcIjowfSxcIklzVmlzaWJsZVwiOmZhbHNlfX19LFwiU2hhcGVTdHlsZVwiOntcIiRpZFwiOlwiMjI3XCIsXCJNYXJnaW5cIjp7XCIkaWRcIjpcIjIyOFwiLFwiVG9wXCI6MC4wLFwiTGVmdFwiOjQuMCxcIlJpZ2h0XCI6NC4wLFwiQm90dG9tXCI6MC4wfSxcIlBhZGRpbmdcIjp7XCIkaWRcIjpcIjIyOVwiLFwiVG9wXCI6MC4wLFwiTGVmdFwiOjAuMCxcIlJpZ2h0XCI6MC4wLFwiQm90dG9tXCI6MC4wfSxcIkJhY2tncm91bmRcIjp7XCIkaWRcIjpcIjIzMFwiLFwiQ29sb3JcIjp7XCIkaWRcIjpcIjIzMVwiLFwiQVwiOjI1NSxcIlJcIjo5MSxcIkdcIjoxNTUsXCJCXCI6MjEzfX0sXCJJc1Zpc2libGVcIjp0cnVlLFwiV2lkdGhcIjowLjAsXCJIZWlnaHRcIjoxNi4wLFwiQm9yZGVyU3R5bGVcIjp7XCIkaWRcIjpcIjIzMlwiLFwiTGluZVN0eWxlXCI6e1wiJGlkXCI6XCIyMzNcIixcIkxpbmVDb2xvclwiOntcIiRpZFwiOlwiMjM0XCIsXCJDb2xvclwiOntcIiRpZFwiOlwiMjM1XCIsXCJBXCI6MjU1LFwiUlwiOjI1NSxcIkdcIjowLFwiQlwiOjB9fSxcIkxpbmVXZWlnaHRcIjoyLjAsXCJMaW5lVHlwZVwiOjB9LFwiSXNWaXNpYmxlXCI6ZmFsc2V9fSxcIlRpdGxlU3R5bGVcIjp7XCIkaWRcIjpcIjIzNlwiLFwiRm9udFNldHRpbmdzXCI6e1wiJGlkXCI6XCIyMzdcIixcIkZvbnRTaXplXCI6MTEsXCJGb250TmFtZVwiOlwiQ2FsaWJyaVwiLFwiSXNCb2xkXCI6dHJ1ZSxcIklzSXRhbGljXCI6ZmFsc2UsXCJJc1VuZGVybGluZWRcIjpmYWxzZX0sXCJGb3JlZ3JvdW5kXCI6e1wiJGlkXCI6XCIyMzhcIixcIkNvbG9yXCI6e1wiJGlkXCI6XCIyMzlcIixcIkFcIjoyNTUsXCJSXCI6MCxcIkdcIjowLFwiQlwiOjB9fSxcIkhvcml6b250YWxBbGlnbm1lbnRcIjoyLFwiSXNWaXNpYmxlXCI6dHJ1ZX0sXCJEYXRlU3R5bGVcIjp7XCIkaWRcIjpcIjI0MFwiLFwiRm9udFNldHRpbmdzXCI6e1wiJGlkXCI6XCIyNDFcIixcIkZvbnRTaXplXCI6MTAsXCJGb250TmFtZVwiOlwiQ2FsaWJyaVwiLFwiSXNCb2xkXCI6ZmFsc2UsXCJJc0l0YWxpY1wiOmZhbHNlLFwiSXNVbmRlcmxpbmVkXCI6ZmFsc2V9LFwiRm9yZWdyb3VuZFwiOntcIiRpZFwiOlwiMjQyXCIsXCJDb2xvclwiOntcIiRpZFwiOlwiMjQzXCIsXCJBXCI6MjU1LFwiUlwiOjY4LFwiR1wiOjg0LFwiQlwiOjEwNn19LFwiSG9yaXpvbnRhbEFsaWdubWVudFwiOjAsXCJJc1Zpc2libGVcIjp0cnVlfSxcIkRhdGVGb3JtYXRcIjp7XCIkaWRcIjpcIjI0NFwiLFwiRm9ybWF0U3RyaW5nXCI6XCJNL2QveXl5eVwiLFwiU2VwYXJhdG9yXCI6XCIvXCIsXCJVc2VJbnRlcm5hdGlvbmFsRGF0ZUZvcm1hdFwiOmZhbHNlLFwiRGF0ZUlzVmlzaWJsZVwiOnRydWUsXCJUaW1lSXNWaXNpYmxlXCI6ZmFsc2UsXCJIb3VyRGlnaXRzXCI6MSxcIkFtUG1EZXNpZ25hdG9yXCI6MixcIlRyaW0wME1pbnV0ZXNcIjpmYWxzZX0sXCJXZWVrTnVtYmVyaW5nXCI6e1wiJGlkXCI6XCIyNDVcIixcIkZvcm1hdFwiOjAsXCJJc1Zpc2libGVcIjpmYWxzZSxcIkxhc3RLbm93blZpc2liaWxpdHlTdGF0ZVwiOmZhbHNlfX0sXCJEZWZhdWx0U3dpbWxhbmVNb3RTdHlsZVwiOntcIiRpZFwiOlwiMjQ2XCIsXCJTaGFwZVwiOjIsXCJTaGFwZVNpemVcIjoxLFwiRGV0YWlsc1NwYWNpbmdcIjoxLjAsXCJQYWRkaW5nXCI6e1wiJGlkXCI6XCIyNDdcIixcIlRvcFwiOjcuMCxcIkxlZnRcIjozLjAsXCJSaWdodFwiOjAuMCxcIkJvdHRvbVwiOjIuMH0sXCJQb3NpdGlvbk9uVGFza1wiOjEsXCJTaGFwZVN0eWxlXCI6e1wiJGlkXCI6XCIyNDhcIixcIk1hcmdpblwiOntcIiRpZFwiOlwiMjQ5XCIsXCJUb3BcIjowLjAsXCJMZWZ0XCI6MC4wLFwiUmlnaHRcIjowLjAsXCJCb3R0b21cIjowLjB9LFwiUGFkZGluZ1wiOntcIiRpZFwiOlwiMjUwXCIsXCJUb3BcIjowLjAsXCJMZWZ0XCI6MC4wLFwiUmlnaHRcIjowLjAsXCJCb3R0b21cIjowLjB9LFwiQmFja2dyb3VuZFwiOntcIiRpZFwiOlwiMjUxXCIsXCJDb2xvclwiOntcIiRpZFwiOlwiMjUyXCIsXCJBXCI6MjU1LFwiUlwiOjkxLFwiR1wiOjE1NSxcIkJcIjoyMTN9fSxcIklzVmlzaWJsZVwiOnRydWUsXCJXaWR0aFwiOjE4LjAsXCJIZWlnaHRcIjoyMC4wLFwiQm9yZGVyU3R5bGVcIjp7XCIkaWRcIjpcIjI1M1wiLFwiTGluZVN0eWxlXCI6e1wiJGlkXCI6XCIyNTRcIixcIkxpbmVDb2xvclwiOntcIiRpZFwiOlwiMjU1XCIsXCJDb2xvclwiOntcIiRpZFwiOlwiMjU2XCIsXCJBXCI6MjU1LFwiUlwiOjI1NSxcIkdcIjowLFwiQlwiOjB9fSxcIkxpbmVXZWlnaHRcIjowLjAsXCJMaW5lVHlwZVwiOjB9LFwiSXNWaXNpYmxlXCI6ZmFsc2V9fSxcIlRpdGxlU3R5bGVcIjp7XCIkaWRcIjpcIjI1N1wiLFwiRm9udFNldHRpbmdzXCI6e1wiJGlkXCI6XCIyNThcIixcIkZvbnRTaXplXCI6MTEsXCJGb250TmFtZVwiOlwiQ2FsaWJyaVwiLFwiSXNCb2xkXCI6dHJ1ZSxcIklzSXRhbGljXCI6ZmFsc2UsXCJJc1VuZGVybGluZWRcIjpmYWxzZX0sXCJGb3JlZ3JvdW5kXCI6e1wiJGlkXCI6XCIyNTlcIixcIkNvbG9yXCI6e1wiJGlkXCI6XCIyNjBcIixcIkFcIjoyNTUsXCJSXCI6MCxcIkdcIjowLFwiQlwiOjB9fSxcIkhvcml6b250YWxBbGlnbm1lbnRcIjowLFwiSXNWaXNpYmxlXCI6dHJ1ZX0sXCJEYXRlU3R5bGVcIjp7XCIkaWRcIjpcIjI2MVwiLFwiRm9udFNldHRpbmdzXCI6e1wiJGlkXCI6XCIyNjJcIixcIkZvbnRTaXplXCI6MTAsXCJGb250TmFtZVwiOlwiQ2FsaWJyaVwiLFwiSXNCb2xkXCI6ZmFsc2UsXCJJc0l0YWxpY1wiOmZhbHNlLFwiSXNVbmRlcmxpbmVkXCI6ZmFsc2V9LFwiRm9yZWdyb3VuZFwiOntcIiRpZFwiOlwiMjYzXCIsXCJDb2xvclwiOntcIiRpZFwiOlwiMjY0XCIsXCJBXCI6MjU1LFwiUlwiOjY4LFwiR1wiOjg0LFwiQlwiOjEwNn19LFwiSG9yaXpvbnRhbEFsaWdubWVudFwiOjAsXCJJc1Zpc2libGVcIjp0cnVlfSxcIkRhdGVGb3JtYXRcIjp7XCIkaWRcIjpcIjI2NVwiLFwiRm9ybWF0U3RyaW5nXCI6XCJNL2QveXl5eVwiLFwiU2VwYXJhdG9yXCI6XCIvXCIsXCJVc2VJbnRlcm5hdGlvbmFsRGF0ZUZvcm1hdFwiOmZhbHNlLFwiRGF0ZUlzVmlzaWJsZVwiOnRydWUsXCJUaW1lSXNWaXNpYmxlXCI6ZmFsc2UsXCJIb3VyRGlnaXRzXCI6MSxcIkFtUG1EZXNpZ25hdG9yXCI6MixcIlRyaW0wME1pbnV0ZXNcIjpmYWxzZX0sXCJXZWVrTnVtYmVyaW5nXCI6e1wiJGlkXCI6XCIyNjZcIixcIkZvcm1hdFwiOjAsXCJJc1Zpc2libGVcIjpmYWxzZSxcIkxhc3RLbm93blZpc2liaWxpdHlTdGF0ZVwiOmZhbHNlfX19LFwiX2FkZGl0aW9uYWxTd2ltbGFuZVYyU3R5bGVzXCI6W10sXCJHcmlkbGluZVBhbmVsU3R5bGVcIjp7XCIkaWRcIjpcIjI2N1wiLFwiR3JpZGxpbmVTdHlsZVwiOntcIiRpZFwiOlwiMjY4XCIsXCJMaW5lQ29sb3JcIjp7XCIkaWRcIjpcIjI2OVwiLFwiQ29sb3JcIjp7XCIkaWRcIjpcIjI3MFwiLFwiQVwiOjM4LFwiUlwiOjc5LFwiR1wiOjEyOSxcIkJcIjoxODl9fSxcIkxpbmVXZWlnaHRcIjoxLjAsXCJMaW5lVHlwZVwiOjB9LFwiSXNWaXNpYmxlXCI6dHJ1ZX0sXCJBY3Rpdml0eUxpbmVQYW5lbFN0eWxlXCI6e1wiJGlkXCI6XCIyNzFcIixcIkFjdGl2aXR5TGluZVN0eWxlXCI6e1wiJGlkXCI6XCIyNzJcIixcIkxpbmVDb2xvclwiOntcIiRpZFwiOlwiMjczXCIsXCJDb2xvclwiOntcIiRpZFwiOlwiMjc0XCIsXCJBXCI6MzgsXCJSXCI6NzksXCJHXCI6MTI5LFwiQlwiOjE4OX19LFwiTGluZVdlaWdodFwiOjEuMCxcIkxpbmVUeXBlXCI6MH0sXCJJc1Zpc2libGVcIjp0cnVlfSxcIkRlZmF1bHREZXBlbmRlbmN5U3R5bGVcIjp7XCIkaWRcIjpcIjI3NVwiLFwiTGluZVN0eWxlXCI6e1wiJGlkXCI6XCIyNzZcIixcIkxpbmVDb2xvclwiOntcIiRpZFwiOlwiMjc3XCIsXCJDb2xvclwiOntcIiRpZFwiOlwiMjc4XCIsXCJBXCI6MjU1LFwiUlwiOjAsXCJHXCI6MCxcIkJcIjowfX0sXCJMaW5lV2VpZ2h0XCI6MS4wLFwiTGluZVR5cGVcIjowfSxcIkVuZEFycm93aGVhZExpbmVTdHlsZVwiOntcIiRpZFwiOlwiMjc5XCIsXCJLaW5kXCI6MSxcIldpZHRoXCI6MSxcIkxlbmd0aFwiOjB9LFwiQnJpbmdUb0Zyb250XCI6dHJ1ZSxcIlJhZGl1c1wiOjAuMH0sXCJDcml0aWNhbFBhdGhTdHlsZVwiOntcIiRpZFwiOlwiMjgwXCIsXCJDcml0aWNhbFBhdGhTdHlsZU9wdGlvbnNcIjoxNCxcIkxpbmVTdHlsZVwiOntcIiRpZFwiOlwiMjgxXCIsXCJMaW5lQ29sb3JcIjp7XCIkaWRcIjpcIjI4MlwiLFwiQ29sb3JcIjp7XCIkaWRcIjpcIjI4M1wiLFwiQVwiOjI1NSxcIlJcIjoyMjIsXCJHXCI6NTAsXCJCXCI6NTB9fSxcIkxpbmVXZWlnaHRcIjoxLjAsXCJMaW5lVHlwZVwiOjB9LFwiVGl0bGVGb3JlZ3JvdW5kXCI6e1wiJGlkXCI6XCIyODRcIixcIkNvbG9yXCI6e1wiJGlkXCI6XCIyODVcIixcIkFcIjoyNTUsXCJSXCI6MTc2LFwiR1wiOjE5LFwiQlwiOjI1fX0sXCJTaGFwZXNCYWNrZ3JvdW5kXCI6e1wiJGlkXCI6XCIyODZcIixcIkNvbG9yXCI6e1wiJGlkXCI6XCIyODdcIixcIkFcIjoyNTUsXCJSXCI6MjUzLFwiR1wiOjIwMyxcIkJcIjoyMDh9fSxcIlNoYXBlc0JvcmRlclN0eWxlXCI6e1wiJGlkXCI6XCIyODhcIixcIkxpbmVDb2xvclwiOntcIiRpZFwiOlwiMjg5XCIsXCJDb2xvclwiOntcIiRpZFwiOlwiMjkwXCIsXCJBXCI6MjU1LFwiUlwiOjIyMixcIkdcIjo1MCxcIkJcIjo1MH19LFwiTGluZVdlaWdodFwiOjIuMCxcIkxpbmVUeXBlXCI6MH19LFwiUGFuZWxzU3BhY2luZ0RlZmluaXRpb25cIjp7XCIkaWRcIjpcIjI5MVwiLFwiU3BhY2luZ0Fib3ZlVGltZWJhbmRcIjoxNixcIlNwYWNpbmdCZWxvd1RpbWViYW5kXCI6MTYsXCJTcGFjaW5nQWJvdmVCZXR3ZWVuU3dpbWxhbmVzQW5kVGFza3NcIjoxNixcIlNwYWNpbmdCZWxvd0JldHdlZW5Td2ltbGFuZXNBbmRUYXNrc1wiOjE2fSxcIkNvbmRpdGlvbmFsRm9ybWF0dGluZ1wiOntcIiRpZFwiOlwiMjkyXCIsXCJQdkFGb3JtYXR0aW5nXCI6e1wiJGlkXCI6XCIyOTNcIixcIkRlbGF5VGFza1N0eWxlXCI6e1wiJGlkXCI6XCIyOTRcIixcIlN0eWxlT3B0aW9uc1wiOjgsXCJUaXRsZUZvcmVncm91bmRcIjp7XCIkaWRcIjpcIjI5NVwiLFwiQ29sb3JcIjp7XCIkaWRcIjpcIjI5NlwiLFwiQVwiOjI1NSxcIlJcIjoxNzUsXCJHXCI6MCxcIkJcIjowfX0sXCJBY3R1YWxTaGFwZXNCYWNrZ3JvdW5kXCI6e1wiJGlkXCI6XCIyOTdcIixcIkNvbG9yXCI6e1wiJGlkXCI6XCIyOThcIixcIkFcIjo2MixcIlJcIjoyNTUsXCJHXCI6MCxcIkJcIjowfX0sXCJBY3R1YWxTaGFwZXNCb3JkZXJTdHlsZVwiOntcIiRpZFwiOlwiMjk5XCIsXCJMaW5lQ29sb3JcIjp7XCIkaWRcIjpcIjMwMFwiLFwiQ29sb3JcIjp7XCIkaWRcIjpcIjMwMVwiLFwiQVwiOjE2MyxcIlJcIjoyNTUsXCJHXCI6MCxcIkJcIjowfX0sXCJMaW5lV2VpZ2h0XCI6My4wLFwiTGluZVR5cGVcIjowfSxcIkJhc2VsaW5lU2hhcGVzQmFja2dyb3VuZFwiOntcIiRpZFwiOlwiMzAyXCIsXCJDb2xvclwiOntcIiRpZFwiOlwiMzAzXCIsXCJBXCI6MTg0LFwiUlwiOjI1NSxcIkdcIjowLFwiQlwiOjB9fX0sXCJEZWxheU1pbGVzdG9uZVN0eWxlXCI6e1wiJGlkXCI6XCIzMDRcIixcIlN0eWxlT3B0aW9uc1wiOjIsXCJUaXRsZUZvcmVncm91bmRcIjp7XCIkaWRcIjpcIjMwNVwiLFwiQ29sb3JcIjp7XCIkaWRcIjpcIjMwNlwiLFwiQVwiOjI1NSxcIlJcIjoxNzUsXCJHXCI6MCxcIkJcIjowfX0sXCJBY3R1YWxTaGFwZXNCYWNrZ3JvdW5kXCI6e1wiJGlkXCI6XCIzMDdcIixcIkNvbG9yXCI6e1wiJGlkXCI6XCIzMDhcIixcIkFcIjoyNTUsXCJSXCI6MjIyLFwiR1wiOjgwLFwiQlwiOjUwfX0sXCJBY3R1YWxTaGFwZXNCb3JkZXJTdHlsZVwiOntcIiRpZFwiOlwiMzA5XCIsXCJMaW5lQ29sb3JcIjp7XCIkaWRcIjpcIjMxMFwiLFwiQ29sb3JcIjp7XCIkaWRcIjpcIjMxMVwiLFwiQVwiOjE2MyxcIlJcIjoyNTUsXCJHXCI6MCxcIkJcIjowfX0sXCJMaW5lV2VpZ2h0XCI6My4wLFwiTGluZVR5cGVcIjowfSxcIkJhc2VsaW5lU2hhcGVzQmFja2dyb3VuZFwiOntcIiRpZFwiOlwiMzEyXCIsXCJDb2xvclwiOntcIiRpZFwiOlwiMzEzXCIsXCJBXCI6MTg0LFwiUlwiOjI1NSxcIkdcIjowLFwiQlwiOjB9fX0sXCJBZHZhbmNlVGFza1N0eWxlXCI6e1wiJGlkXCI6XCIzMTRcIixcIlN0eWxlT3B0aW9uc1wiOjgsXCJUaXRsZUZvcmVncm91bmRcIjp7XCIkaWRcIjpcIjMxNVwiLFwiQ29sb3JcIjp7XCIkaWRcIjpcIjMxNlwiLFwiQVwiOjI1NSxcIlJcIjowLFwiR1wiOjExMCxcIkJcIjowfX0sXCJBY3R1YWxTaGFwZXNCYWNrZ3JvdW5kXCI6e1wiJGlkXCI6XCIzMTdcIixcIkNvbG9yXCI6e1wiJGlkXCI6XCIzMThcIixcIkFcIjo2MSxcIlJcIjowLFwiR1wiOjEyOCxcIkJcIjowfX0sXCJBY3R1YWxTaGFwZXNCb3JkZXJTdHlsZVwiOntcIiRpZFwiOlwiMzE5XCIsXCJMaW5lQ29sb3JcIjp7XCIkaWRcIjpcIjMyMFwiLFwiQ29sb3JcIjp7XCIkaWRcIjpcIjMyMVwiLFwiQVwiOjE2MyxcIlJcIjowLFwiR1wiOjEyOCxcIkJcIjowfX0sXCJMaW5lV2VpZ2h0XCI6My4wLFwiTGluZVR5cGVcIjowfSxcIkJhc2VsaW5lU2hhcGVzQmFja2dyb3VuZFwiOntcIiRpZFwiOlwiMzIyXCIsXCJDb2xvclwiOntcIiRpZFwiOlwiMzIzXCIsXCJBXCI6MTg0LFwiUlwiOjAsXCJHXCI6MTI4LFwiQlwiOjB9fX0sXCJBZHZhbmNlTWlsZXN0b25lU3R5bGVcIjp7XCIkaWRcIjpcIjMyNFwiLFwiU3R5bGVPcHRpb25zXCI6MixcIlRpdGxlRm9yZWdyb3VuZFwiOntcIiRpZFwiOlwiMzI1XCIsXCJDb2xvclwiOntcIiRpZFwiOlwiMzI2XCIsXCJBXCI6MjU1LFwiUlwiOjAsXCJHXCI6MTEwLFwiQlwiOjB9fSxcIkFjdHVhbFNoYXBlc0JhY2tncm91bmRcIjp7XCIkaWRcIjpcIjMyN1wiLFwiQ29sb3JcIjp7XCIkaWRcIjpcIjMyOFwiLFwiQVwiOjI1NSxcIlJcIjoyMCxcIkdcIjoxMDAsXCJCXCI6MH19LFwiQWN0dWFsU2hhcGVzQm9yZGVyU3R5bGVcIjp7XCIkaWRcIjpcIjMyOVwiLFwiTGluZUNvbG9yXCI6e1wiJGlkXCI6XCIzMzBcIixcIkNvbG9yXCI6e1wiJGlkXCI6XCIzMzFcIixcIkFcIjoxNjMsXCJSXCI6MCxcIkdcIjoxMjgsXCJCXCI6MH19LFwiTGluZVdlaWdodFwiOjMuMCxcIkxpbmVUeXBlXCI6MH0sXCJCYXNlbGluZVNoYXBlc0JhY2tncm91bmRcIjp7XCIkaWRcIjpcIjMzMlwiLFwiQ29sb3JcIjp7XCIkaWRcIjpcIjMzM1wiLFwiQVwiOjE4NCxcIlJcIjowLFwiR1wiOjEyOCxcIkJcIjowfX19fX0sXCJfc2VsZWN0ZWRUaGVtZVByZXNldENvbG9yc1wiOntcIiRpZFwiOlwiMzM0XCIsXCJUZXh0TGlnaHRcIjp7XCIkaWRcIjpcIjMzNVwiLFwiQVwiOjI1NSxcIlJcIjoyNTUsXCJHXCI6MjU1LFwiQlwiOjI1NX0sXCJUZXh0RGFya1wiOntcIiRpZFwiOlwiMzM2XCIsXCJBXCI6MjU1LFwiUlwiOjAsXCJHXCI6MCxcIkJcIjowfSxcIkFjY2VudDFcIjp7XCIkaWRcIjpcIjMzN1wiLFwiQVwiOjI1NSxcIlJcIjoyNTUsXCJHXCI6MjU1LFwiQlwiOjI1NX0sXCJBY2NlbnQyXCI6e1wiJGlkXCI6XCIzMzhcIixcIkFcIjoyNTUsXCJSXCI6NjgsXCJHXCI6ODQsXCJCXCI6MTA2fSxcIkFjY2VudDNcIjp7XCIkaWRcIjpcIjMzOVwiLFwiQVwiOjI1NSxcIlJcIjo5MSxcIkdcIjoxNTUsXCJCXCI6MjEzfSxcIkFjY2VudDRcIjp7XCIkaWRcIjpcIjM0MFwiLFwiQVwiOjI1NSxcIlJcIjoyMzMsXCJHXCI6MTEzLFwiQlwiOjUwfSxcIkFjY2VudDVcIjp7XCIkaWRcIjpcIjM0MVwiLFwiQVwiOjI1NSxcIlJcIjoyNSxcIkdcIjoxMDcsXCJCXCI6MzZ9LFwiQWNjZW50NlwiOntcIiRpZFwiOlwiMzQyXCIsXCJBXCI6MjU1LFwiUlwiOjE1LFwiR1wiOjE1OCxcIkJcIjoyMTN9LFwiQWNjZW50N1wiOntcIiRpZFwiOlwiMzQzXCIsXCJBXCI6MjU1LFwiUlwiOjE2MCxcIkdcIjo0MyxcIkJcIjoxNDd9LFwiQWNjZW50OFwiOntcIiRpZFwiOlwiMzQ0XCIsXCJBXCI6MjU1LFwiUlwiOjc4LFwiR1wiOjE2NyxcIkJcIjo0Nn19LFwiX2N1c3RvbVByZXNldENvbG9yc1wiOntcIiRpZFwiOlwiMzQ1XCJ9fX0ifSwiU2V0dGluZ3MiOnsiJGlkIjoiODYyIiwiSW1wYU9wdGlvbnMiOnsiJGlkIjoiODYzIiwiTGVmdFRvUmlnaHQiOmZhbHNlLCJQYXlsb2FkT3B0aW9ucyI6Mn0sIlVzZUNvbXByZXNzaW9uIjpmYWxzZSwiQ29tcHJlc2lvblBlcmNlbnRhZ2UiOjUwLjAsIkluYWN0aXZlSW50ZXJ2YWxXaWR0aFRocmVzaG9sZCI6MzAuMCwiSW5hY3RpdmVJbnRlcnZhbFdpZHRoIjoxLjAsIlNwbGl0VGFza3MiOmZhbHNlLCJVc2VDbHVzdGVyIjpmYWxzZSwiRXBzaWxvbiI6MC4wLCJNaW5Qb2ludHNUb0Zvcm1BQ2x1c3RlciI6MiwiR2VuZXJhdGVJbnZpc2libGVTaGFwZXMiOmZhbHNlLCJTbWFydFRpbWVsaW5lVGFza1BlcmNlbnRhZ2VGaXQiOmZhbHNlfSwiSXNOZXciOmZhbHNlLCJJbXBvcnRUeXBlIjowLCJGaWxlUGF0aCI6bnVsbCwiVGltZUNvbmZpZ3VyYXRpb24iOnsiJGlkIjoiODY0IiwiVXNlVGltZSI6ZmFsc2UsIldvcmtEYXlTdGFydCI6IjAwOjAwOjAwIiwiV29ya0RheUVuZCI6IjIzOjU5OjAwIn0sIkxhc3RVc2VkVGVtcGxhdGVJZCI6IjczNTViNjMzLWFjNjYtNDUyOC04YjRkLTI5OWZhZWRjOWVlOSIsIkxhc3RVc2VkVGhlbWVEZXRhaWxzIjp7IiRpZCI6Ijg2NSIsIklkIjoiOGUzNWUzYzMtZTZlOS00ZTc3LWExMTgtZDVkYTJhYmQ0Y2I5IiwiVGl0bGUiOiJVbnRpdGxlZCB0aGVtZSIsIkNhdGVnb3J5IjoyfSwiRmlyc3RXZWVrT2ZZZWFyIjowLCJQbGFjZU1pbGVzdG9uZUF0VGhlQmVnaW5uaW5nT2ZUaGVEYXkiOmZhbHNlLCJEZXBlbmRlbmN5U2NoZWR1bGluZ1NldHRpbmdzIjp7IiRpZCI6Ijg2NiIsIkRlcGVuZGVuY2llc1NjaGVkdWxpbmdNb2RlU2V0dGluZyI6IkZsZXhpYmxlIiwiRGVwZW5kZW5jaWVzUHJldmlvdXNTY2hlZHVsaW5nTW9kZSI6IkZsZXhpYmxlIiwiT25CcmVha2luZ0ZsZXhpYmxlU2NoZWR1bGluZ01vZGVTZXR0aW5nIjoiQXNrRXZlcnl0aW1lIiwiT25CcmVha2luZ1N0cmljdFNjaGVkdWxpbmdNb2RlU2V0dGluZyI6IkFza0V2ZXJ5dGltZSJ9LCJEZXBlbmRlbmN5TW9kdWxlRW5hYmxlZCI6dHJ1ZSwiUGxhbm5lZE1vZHVsZUVuYWJsZWQiOmZhbHNlLCJPbGRGaXhlZEludGVydmFsc1JlbmRlcmluZ1N0cmF0ZWd5VXNlZEJlZm9yZSI6ZmFsc2UsIkRlcGVuZGVuY2llcyI6eyJfZGVwZW5kZW5jaWVzIjpbXX19"/>
   <p:tag name="__MASTER" val="__part_0"/>
 </p:tagLst>
 </file>
@@ -25265,10 +25234,10 @@
   <p:tag name="OTLSHAPETHICKNESSTYPE" val="Regular"/>
   <p:tag name="OTLWEEKNUMBERINGFORMAT" val="WNFormat1"/>
   <p:tag name="OTLWEEKNUMBERINGISVISIBLE" val="False"/>
-  <p:tag name="OTLSTARTDATE" val="2025-10-06T00:00:00.0000000Z"/>
-  <p:tag name="OTLENDDATE" val="2025-10-09T23:59:00.0000000Z"/>
   <p:tag name="OTLBASELINESTARTDATE" val="2025-10-07T00:00:00.0000000"/>
   <p:tag name="OTLBASELINEENDDATE" val="2025-10-20T23:59:00.0000000"/>
+  <p:tag name="OTLENDDATE" val="2025-10-09T23:59:00.0000000Z"/>
+  <p:tag name="OTLSTARTDATE" val="2025-10-06T00:00:00.0000000Z"/>
 </p:tagLst>
 </file>
 
